--- a/Capstone_Menu_Dashboard.pptx
+++ b/Capstone_Menu_Dashboard.pptx
@@ -113,6 +113,11 @@
       </a:defRPr>
     </a:lvl9pPr>
   </p:defaultTextStyle>
+  <p:extLst>
+    <p:ext uri="{EFAFB233-063F-42B5-8137-9DF3F51BA10A}">
+      <p15:sldGuideLst xmlns:p15="http://schemas.microsoft.com/office/powerpoint/2012/main"/>
+    </p:ext>
+  </p:extLst>
 </p:presentation>
 </file>
 
@@ -999,23 +1004,93 @@
       </dgm:t>
     </dgm:pt>
     <dgm:pt modelId="{1547DB60-A071-47A3-B811-78E990F08F20}">
-      <dgm:prSet/>
+      <dgm:prSet custT="1"/>
       <dgm:spPr>
         <a:solidFill>
-          <a:schemeClr val="tx1">
-            <a:lumMod val="50000"/>
-            <a:lumOff val="50000"/>
-          </a:schemeClr>
+          <a:srgbClr val="92D050"/>
         </a:solidFill>
+        <a:ln w="12700" cap="flat" cmpd="sng" algn="ctr">
+          <a:solidFill>
+            <a:srgbClr val="FFFFFF">
+              <a:hueOff val="0"/>
+              <a:satOff val="0"/>
+              <a:lumOff val="0"/>
+              <a:alphaOff val="0"/>
+            </a:srgbClr>
+          </a:solidFill>
+          <a:prstDash val="solid"/>
+          <a:miter lim="800000"/>
+        </a:ln>
+        <a:effectLst/>
       </dgm:spPr>
       <dgm:t>
-        <a:bodyPr/>
+        <a:bodyPr spcFirstLastPara="0" vert="horz" wrap="square" lIns="36005" tIns="12002" rIns="12002" bIns="12002" numCol="1" spcCol="1270" anchor="ctr" anchorCtr="0"/>
         <a:lstStyle/>
         <a:p>
+          <a:pPr marL="0" lvl="0" indent="0" algn="ctr" defTabSz="400050">
+            <a:lnSpc>
+              <a:spcPct val="90000"/>
+            </a:lnSpc>
+            <a:spcBef>
+              <a:spcPct val="0"/>
+            </a:spcBef>
+            <a:spcAft>
+              <a:spcPct val="35000"/>
+            </a:spcAft>
+            <a:buNone/>
+          </a:pPr>
           <a:r>
-            <a:rPr lang="en-US"/>
-            <a:t>As the days’ data comes in PowerBI can be refreshed to Analyze results</a:t>
+            <a:rPr lang="en-US" sz="900" kern="1200" dirty="0">
+              <a:solidFill>
+                <a:srgbClr val="FFFFFF"/>
+              </a:solidFill>
+              <a:latin typeface="Avenir Next LT Pro"/>
+              <a:ea typeface="+mn-ea"/>
+              <a:cs typeface="+mn-cs"/>
+            </a:rPr>
+            <a:t>As the days’ data comes in </a:t>
           </a:r>
+          <a:r>
+            <a:rPr lang="en-US" sz="900" kern="1200" dirty="0" err="1">
+              <a:solidFill>
+                <a:srgbClr val="FFFFFF"/>
+              </a:solidFill>
+              <a:latin typeface="Avenir Next LT Pro"/>
+              <a:ea typeface="+mn-ea"/>
+              <a:cs typeface="+mn-cs"/>
+            </a:rPr>
+            <a:t>PowerBI</a:t>
+          </a:r>
+          <a:r>
+            <a:rPr lang="en-US" sz="900" kern="1200" dirty="0">
+              <a:solidFill>
+                <a:srgbClr val="FFFFFF"/>
+              </a:solidFill>
+              <a:latin typeface="Avenir Next LT Pro"/>
+              <a:ea typeface="+mn-ea"/>
+              <a:cs typeface="+mn-cs"/>
+            </a:rPr>
+            <a:t> is refreshed via On-Premises Data Gateway and pushed to web </a:t>
+          </a:r>
+          <a:r>
+            <a:rPr lang="en-US" sz="900" kern="1200">
+              <a:solidFill>
+                <a:srgbClr val="FFFFFF"/>
+              </a:solidFill>
+              <a:latin typeface="Avenir Next LT Pro"/>
+              <a:ea typeface="+mn-ea"/>
+              <a:cs typeface="+mn-cs"/>
+            </a:rPr>
+            <a:t>enviroment</a:t>
+          </a:r>
+          <a:endParaRPr lang="en-US" sz="900" kern="1200" dirty="0">
+            <a:solidFill>
+              <a:srgbClr val="FFFFFF"/>
+            </a:solidFill>
+            <a:latin typeface="Avenir Next LT Pro"/>
+            <a:ea typeface="+mn-ea"/>
+            <a:cs typeface="+mn-cs"/>
+          </a:endParaRPr>
         </a:p>
       </dgm:t>
     </dgm:pt>
@@ -1041,6 +1116,81 @@
         </a:p>
       </dgm:t>
     </dgm:pt>
+    <dgm:pt modelId="{0732539A-5A29-4FDC-95F7-0A2950361A2C}">
+      <dgm:prSet custT="1"/>
+      <dgm:spPr>
+        <a:solidFill>
+          <a:srgbClr val="000000">
+            <a:lumMod val="50000"/>
+            <a:lumOff val="50000"/>
+          </a:srgbClr>
+        </a:solidFill>
+        <a:ln w="12700" cap="flat" cmpd="sng" algn="ctr">
+          <a:solidFill>
+            <a:srgbClr val="FFFFFF">
+              <a:hueOff val="0"/>
+              <a:satOff val="0"/>
+              <a:lumOff val="0"/>
+              <a:alphaOff val="0"/>
+            </a:srgbClr>
+          </a:solidFill>
+          <a:prstDash val="solid"/>
+          <a:miter lim="800000"/>
+        </a:ln>
+        <a:effectLst/>
+      </dgm:spPr>
+      <dgm:t>
+        <a:bodyPr spcFirstLastPara="0" vert="horz" wrap="square" lIns="36005" tIns="12002" rIns="12002" bIns="12002" numCol="1" spcCol="1270" anchor="ctr" anchorCtr="0"/>
+        <a:lstStyle/>
+        <a:p>
+          <a:pPr marL="0" lvl="0" indent="0" algn="ctr" defTabSz="400050">
+            <a:lnSpc>
+              <a:spcPct val="90000"/>
+            </a:lnSpc>
+            <a:spcBef>
+              <a:spcPct val="0"/>
+            </a:spcBef>
+            <a:spcAft>
+              <a:spcPct val="35000"/>
+            </a:spcAft>
+            <a:buNone/>
+          </a:pPr>
+          <a:r>
+            <a:rPr lang="en-US" sz="900" kern="1200" dirty="0">
+              <a:solidFill>
+                <a:srgbClr val="FFFFFF"/>
+              </a:solidFill>
+              <a:latin typeface="Avenir Next LT Pro"/>
+              <a:ea typeface="+mn-ea"/>
+              <a:cs typeface="+mn-cs"/>
+            </a:rPr>
+            <a:t>Dashboard is analyzed by front end user</a:t>
+          </a:r>
+        </a:p>
+      </dgm:t>
+    </dgm:pt>
+    <dgm:pt modelId="{78397110-3FA5-4E50-90C7-8038DD9EE089}" type="parTrans" cxnId="{3D13F4E9-1538-4DFA-8B01-980FE100FB0C}">
+      <dgm:prSet/>
+      <dgm:spPr/>
+      <dgm:t>
+        <a:bodyPr/>
+        <a:lstStyle/>
+        <a:p>
+          <a:endParaRPr lang="en-US"/>
+        </a:p>
+      </dgm:t>
+    </dgm:pt>
+    <dgm:pt modelId="{0D9028E4-1BFA-4103-9EA7-1D33FDD57D30}" type="sibTrans" cxnId="{3D13F4E9-1538-4DFA-8B01-980FE100FB0C}">
+      <dgm:prSet/>
+      <dgm:spPr/>
+      <dgm:t>
+        <a:bodyPr/>
+        <a:lstStyle/>
+        <a:p>
+          <a:endParaRPr lang="en-US"/>
+        </a:p>
+      </dgm:t>
+    </dgm:pt>
     <dgm:pt modelId="{B6CF1DCF-582F-4251-AE1C-565BFAE7D8E4}" type="pres">
       <dgm:prSet presAssocID="{69FD613F-1338-49A0-AECA-F3B9EDB2BEF5}" presName="Name0" presStyleCnt="0">
         <dgm:presLayoutVars>
@@ -1052,7 +1202,7 @@
       <dgm:spPr/>
     </dgm:pt>
     <dgm:pt modelId="{AB06F400-5906-471A-A068-82694765EB11}" type="pres">
-      <dgm:prSet presAssocID="{332F3D77-3B57-4274-8F36-C92ED4DAD38D}" presName="parTxOnly" presStyleLbl="node1" presStyleIdx="0" presStyleCnt="4">
+      <dgm:prSet presAssocID="{332F3D77-3B57-4274-8F36-C92ED4DAD38D}" presName="parTxOnly" presStyleLbl="node1" presStyleIdx="0" presStyleCnt="5">
         <dgm:presLayoutVars>
           <dgm:chMax val="0"/>
           <dgm:chPref val="0"/>
@@ -1066,7 +1216,7 @@
       <dgm:spPr/>
     </dgm:pt>
     <dgm:pt modelId="{C11CB799-0695-47AA-9A18-27601B853BEF}" type="pres">
-      <dgm:prSet presAssocID="{145C33C4-0445-4150-8501-154718C07891}" presName="parTxOnly" presStyleLbl="node1" presStyleIdx="1" presStyleCnt="4">
+      <dgm:prSet presAssocID="{145C33C4-0445-4150-8501-154718C07891}" presName="parTxOnly" presStyleLbl="node1" presStyleIdx="1" presStyleCnt="5">
         <dgm:presLayoutVars>
           <dgm:chMax val="0"/>
           <dgm:chPref val="0"/>
@@ -1080,7 +1230,7 @@
       <dgm:spPr/>
     </dgm:pt>
     <dgm:pt modelId="{952F30E3-C177-42DF-93FE-19E0310A5253}" type="pres">
-      <dgm:prSet presAssocID="{BB1AB602-0508-4675-9AFC-24F4815A92D9}" presName="parTxOnly" presStyleLbl="node1" presStyleIdx="2" presStyleCnt="4">
+      <dgm:prSet presAssocID="{BB1AB602-0508-4675-9AFC-24F4815A92D9}" presName="parTxOnly" presStyleLbl="node1" presStyleIdx="2" presStyleCnt="5">
         <dgm:presLayoutVars>
           <dgm:chMax val="0"/>
           <dgm:chPref val="0"/>
@@ -1094,14 +1244,44 @@
       <dgm:spPr/>
     </dgm:pt>
     <dgm:pt modelId="{7FE1E5B9-B44D-4EE8-AB32-9E26B1EA4AF7}" type="pres">
-      <dgm:prSet presAssocID="{1547DB60-A071-47A3-B811-78E990F08F20}" presName="parTxOnly" presStyleLbl="node1" presStyleIdx="3" presStyleCnt="4">
+      <dgm:prSet presAssocID="{1547DB60-A071-47A3-B811-78E990F08F20}" presName="parTxOnly" presStyleLbl="node1" presStyleIdx="3" presStyleCnt="5">
         <dgm:presLayoutVars>
           <dgm:chMax val="0"/>
           <dgm:chPref val="0"/>
           <dgm:bulletEnabled val="1"/>
         </dgm:presLayoutVars>
       </dgm:prSet>
+      <dgm:spPr>
+        <a:xfrm>
+          <a:off x="5635079" y="1960041"/>
+          <a:ext cx="2086198" cy="834479"/>
+        </a:xfrm>
+        <a:prstGeom prst="chevron">
+          <a:avLst/>
+        </a:prstGeom>
+      </dgm:spPr>
+    </dgm:pt>
+    <dgm:pt modelId="{A245B575-74DA-4392-B526-B665A00F911D}" type="pres">
+      <dgm:prSet presAssocID="{65FF786B-B4A6-4EAB-B3B1-0BF299F6A1D2}" presName="parTxOnlySpace" presStyleCnt="0"/>
       <dgm:spPr/>
+    </dgm:pt>
+    <dgm:pt modelId="{EDB08ED1-D638-405C-8AF2-5D4C0D13F465}" type="pres">
+      <dgm:prSet presAssocID="{0732539A-5A29-4FDC-95F7-0A2950361A2C}" presName="parTxOnly" presStyleLbl="node1" presStyleIdx="4" presStyleCnt="5">
+        <dgm:presLayoutVars>
+          <dgm:chMax val="0"/>
+          <dgm:chPref val="0"/>
+          <dgm:bulletEnabled val="1"/>
+        </dgm:presLayoutVars>
+      </dgm:prSet>
+      <dgm:spPr>
+        <a:xfrm>
+          <a:off x="7512657" y="1960041"/>
+          <a:ext cx="2086198" cy="834479"/>
+        </a:xfrm>
+        <a:prstGeom prst="chevron">
+          <a:avLst/>
+        </a:prstGeom>
+      </dgm:spPr>
     </dgm:pt>
   </dgm:ptLst>
   <dgm:cxnLst>
@@ -1111,9 +1291,11 @@
     <dgm:cxn modelId="{8EC84643-8512-4BBB-AAAA-12A119F30826}" type="presOf" srcId="{BB1AB602-0508-4675-9AFC-24F4815A92D9}" destId="{952F30E3-C177-42DF-93FE-19E0310A5253}" srcOrd="0" destOrd="0" presId="urn:microsoft.com/office/officeart/2005/8/layout/chevron1"/>
     <dgm:cxn modelId="{BE5AB54A-27E7-43E9-B2CD-A8AB5393ED62}" srcId="{69FD613F-1338-49A0-AECA-F3B9EDB2BEF5}" destId="{1547DB60-A071-47A3-B811-78E990F08F20}" srcOrd="3" destOrd="0" parTransId="{BB4C7558-14EA-4F15-AA1C-C33925B7109F}" sibTransId="{65FF786B-B4A6-4EAB-B3B1-0BF299F6A1D2}"/>
     <dgm:cxn modelId="{E422217A-B566-45C4-AEE2-70105AB4C174}" type="presOf" srcId="{332F3D77-3B57-4274-8F36-C92ED4DAD38D}" destId="{AB06F400-5906-471A-A068-82694765EB11}" srcOrd="0" destOrd="0" presId="urn:microsoft.com/office/officeart/2005/8/layout/chevron1"/>
+    <dgm:cxn modelId="{65139AC7-2DB4-4B7F-8AD1-5ED48B0319EE}" type="presOf" srcId="{0732539A-5A29-4FDC-95F7-0A2950361A2C}" destId="{EDB08ED1-D638-405C-8AF2-5D4C0D13F465}" srcOrd="0" destOrd="0" presId="urn:microsoft.com/office/officeart/2005/8/layout/chevron1"/>
     <dgm:cxn modelId="{BD7CAACC-0278-4B55-BCFA-FF7BB982C3A7}" type="presOf" srcId="{145C33C4-0445-4150-8501-154718C07891}" destId="{C11CB799-0695-47AA-9A18-27601B853BEF}" srcOrd="0" destOrd="0" presId="urn:microsoft.com/office/officeart/2005/8/layout/chevron1"/>
     <dgm:cxn modelId="{192B4AD0-2EE0-4C13-9E23-95240C30B488}" srcId="{69FD613F-1338-49A0-AECA-F3B9EDB2BEF5}" destId="{145C33C4-0445-4150-8501-154718C07891}" srcOrd="1" destOrd="0" parTransId="{FC6BD814-9EE9-4CC2-A54C-C0F5D1C3D103}" sibTransId="{10B9A239-ACCE-4AF7-B95C-18013A2BDB71}"/>
     <dgm:cxn modelId="{1D9508D1-054C-46EB-BF19-978656A50DAB}" srcId="{69FD613F-1338-49A0-AECA-F3B9EDB2BEF5}" destId="{332F3D77-3B57-4274-8F36-C92ED4DAD38D}" srcOrd="0" destOrd="0" parTransId="{C5EB4EB2-3B8D-4875-9665-D894E08FCF9F}" sibTransId="{31E7B4DA-FAAD-4D41-A890-A75B37647ABD}"/>
+    <dgm:cxn modelId="{3D13F4E9-1538-4DFA-8B01-980FE100FB0C}" srcId="{69FD613F-1338-49A0-AECA-F3B9EDB2BEF5}" destId="{0732539A-5A29-4FDC-95F7-0A2950361A2C}" srcOrd="4" destOrd="0" parTransId="{78397110-3FA5-4E50-90C7-8038DD9EE089}" sibTransId="{0D9028E4-1BFA-4103-9EA7-1D33FDD57D30}"/>
     <dgm:cxn modelId="{0465B7CE-56FA-41DB-B4D7-896370653CF6}" type="presParOf" srcId="{B6CF1DCF-582F-4251-AE1C-565BFAE7D8E4}" destId="{AB06F400-5906-471A-A068-82694765EB11}" srcOrd="0" destOrd="0" presId="urn:microsoft.com/office/officeart/2005/8/layout/chevron1"/>
     <dgm:cxn modelId="{ACBEF9C7-D154-4B09-82BE-2ED70E86C2A9}" type="presParOf" srcId="{B6CF1DCF-582F-4251-AE1C-565BFAE7D8E4}" destId="{44145E4B-CB83-4EF8-82B3-BFE9D7945150}" srcOrd="1" destOrd="0" presId="urn:microsoft.com/office/officeart/2005/8/layout/chevron1"/>
     <dgm:cxn modelId="{09DEA53A-4FD6-489E-9153-D065B52AAC56}" type="presParOf" srcId="{B6CF1DCF-582F-4251-AE1C-565BFAE7D8E4}" destId="{C11CB799-0695-47AA-9A18-27601B853BEF}" srcOrd="2" destOrd="0" presId="urn:microsoft.com/office/officeart/2005/8/layout/chevron1"/>
@@ -1121,6 +1303,8 @@
     <dgm:cxn modelId="{DA32EF97-D94F-43F7-BFF0-42E737629BE3}" type="presParOf" srcId="{B6CF1DCF-582F-4251-AE1C-565BFAE7D8E4}" destId="{952F30E3-C177-42DF-93FE-19E0310A5253}" srcOrd="4" destOrd="0" presId="urn:microsoft.com/office/officeart/2005/8/layout/chevron1"/>
     <dgm:cxn modelId="{F546A76E-3A5D-4E3D-A511-37789B803898}" type="presParOf" srcId="{B6CF1DCF-582F-4251-AE1C-565BFAE7D8E4}" destId="{7BD81FAB-2D2D-4E07-BA61-172C8B6890FB}" srcOrd="5" destOrd="0" presId="urn:microsoft.com/office/officeart/2005/8/layout/chevron1"/>
     <dgm:cxn modelId="{91A565EF-618E-44EB-80C8-43AF171A97EB}" type="presParOf" srcId="{B6CF1DCF-582F-4251-AE1C-565BFAE7D8E4}" destId="{7FE1E5B9-B44D-4EE8-AB32-9E26B1EA4AF7}" srcOrd="6" destOrd="0" presId="urn:microsoft.com/office/officeart/2005/8/layout/chevron1"/>
+    <dgm:cxn modelId="{6BBDD109-0553-46E2-8AFB-F9F1CE2828B3}" type="presParOf" srcId="{B6CF1DCF-582F-4251-AE1C-565BFAE7D8E4}" destId="{A245B575-74DA-4392-B526-B665A00F911D}" srcOrd="7" destOrd="0" presId="urn:microsoft.com/office/officeart/2005/8/layout/chevron1"/>
+    <dgm:cxn modelId="{A873EDBA-17B9-4664-ABA0-D87599ED479B}" type="presParOf" srcId="{B6CF1DCF-582F-4251-AE1C-565BFAE7D8E4}" destId="{EDB08ED1-D638-405C-8AF2-5D4C0D13F465}" srcOrd="8" destOrd="0" presId="urn:microsoft.com/office/officeart/2005/8/layout/chevron1"/>
   </dgm:cxnLst>
   <dgm:bg/>
   <dgm:whole/>
@@ -1147,8 +1331,8 @@
       </dsp:nvSpPr>
       <dsp:spPr>
         <a:xfrm>
-          <a:off x="4453" y="1858779"/>
-          <a:ext cx="2592511" cy="1037004"/>
+          <a:off x="2344" y="1960041"/>
+          <a:ext cx="2086198" cy="834479"/>
         </a:xfrm>
         <a:prstGeom prst="chevron">
           <a:avLst/>
@@ -1188,12 +1372,12 @@
         </a:fontRef>
       </dsp:style>
       <dsp:txBody>
-        <a:bodyPr spcFirstLastPara="0" vert="horz" wrap="square" lIns="44006" tIns="14669" rIns="14669" bIns="14669" numCol="1" spcCol="1270" anchor="ctr" anchorCtr="0">
+        <a:bodyPr spcFirstLastPara="0" vert="horz" wrap="square" lIns="36005" tIns="12002" rIns="12002" bIns="12002" numCol="1" spcCol="1270" anchor="ctr" anchorCtr="0">
           <a:noAutofit/>
         </a:bodyPr>
         <a:lstStyle/>
         <a:p>
-          <a:pPr marL="0" lvl="0" indent="0" algn="ctr" defTabSz="488950">
+          <a:pPr marL="0" lvl="0" indent="0" algn="ctr" defTabSz="400050">
             <a:lnSpc>
               <a:spcPct val="90000"/>
             </a:lnSpc>
@@ -1206,14 +1390,14 @@
             <a:buNone/>
           </a:pPr>
           <a:r>
-            <a:rPr lang="en-US" sz="1100" kern="1200" dirty="0"/>
+            <a:rPr lang="en-US" sz="900" kern="1200" dirty="0"/>
             <a:t>Business Date Happens and End of Day Processes are run.  Email of CSV’s are sent</a:t>
           </a:r>
         </a:p>
       </dsp:txBody>
       <dsp:txXfrm>
-        <a:off x="522955" y="1858779"/>
-        <a:ext cx="1555507" cy="1037004"/>
+        <a:off x="419584" y="1960041"/>
+        <a:ext cx="1251719" cy="834479"/>
       </dsp:txXfrm>
     </dsp:sp>
     <dsp:sp modelId="{C11CB799-0695-47AA-9A18-27601B853BEF}">
@@ -1223,8 +1407,8 @@
       </dsp:nvSpPr>
       <dsp:spPr>
         <a:xfrm>
-          <a:off x="2337714" y="1858779"/>
-          <a:ext cx="2592511" cy="1037004"/>
+          <a:off x="1879922" y="1960041"/>
+          <a:ext cx="2086198" cy="834479"/>
         </a:xfrm>
         <a:prstGeom prst="chevron">
           <a:avLst/>
@@ -1261,12 +1445,12 @@
         </a:fontRef>
       </dsp:style>
       <dsp:txBody>
-        <a:bodyPr spcFirstLastPara="0" vert="horz" wrap="square" lIns="44006" tIns="14669" rIns="14669" bIns="14669" numCol="1" spcCol="1270" anchor="ctr" anchorCtr="0">
+        <a:bodyPr spcFirstLastPara="0" vert="horz" wrap="square" lIns="36005" tIns="12002" rIns="12002" bIns="12002" numCol="1" spcCol="1270" anchor="ctr" anchorCtr="0">
           <a:noAutofit/>
         </a:bodyPr>
         <a:lstStyle/>
         <a:p>
-          <a:pPr marL="0" lvl="0" indent="0" algn="ctr" defTabSz="488950">
+          <a:pPr marL="0" lvl="0" indent="0" algn="ctr" defTabSz="400050">
             <a:lnSpc>
               <a:spcPct val="90000"/>
             </a:lnSpc>
@@ -1279,14 +1463,14 @@
             <a:buNone/>
           </a:pPr>
           <a:r>
-            <a:rPr lang="en-US" sz="1100" kern="1200" dirty="0"/>
+            <a:rPr lang="en-US" sz="900" kern="1200" dirty="0"/>
             <a:t>Power Automate moves those CSV’s to a local file based upon the subject line</a:t>
           </a:r>
         </a:p>
       </dsp:txBody>
       <dsp:txXfrm>
-        <a:off x="2856216" y="1858779"/>
-        <a:ext cx="1555507" cy="1037004"/>
+        <a:off x="2297162" y="1960041"/>
+        <a:ext cx="1251719" cy="834479"/>
       </dsp:txXfrm>
     </dsp:sp>
     <dsp:sp modelId="{952F30E3-C177-42DF-93FE-19E0310A5253}">
@@ -1296,8 +1480,8 @@
       </dsp:nvSpPr>
       <dsp:spPr>
         <a:xfrm>
-          <a:off x="4670974" y="1858779"/>
-          <a:ext cx="2592511" cy="1037004"/>
+          <a:off x="3757500" y="1960041"/>
+          <a:ext cx="2086198" cy="834479"/>
         </a:xfrm>
         <a:prstGeom prst="chevron">
           <a:avLst/>
@@ -1334,12 +1518,12 @@
         </a:fontRef>
       </dsp:style>
       <dsp:txBody>
-        <a:bodyPr spcFirstLastPara="0" vert="horz" wrap="square" lIns="44006" tIns="14669" rIns="14669" bIns="14669" numCol="1" spcCol="1270" anchor="ctr" anchorCtr="0">
+        <a:bodyPr spcFirstLastPara="0" vert="horz" wrap="square" lIns="36005" tIns="12002" rIns="12002" bIns="12002" numCol="1" spcCol="1270" anchor="ctr" anchorCtr="0">
           <a:noAutofit/>
         </a:bodyPr>
         <a:lstStyle/>
         <a:p>
-          <a:pPr marL="0" lvl="0" indent="0" algn="ctr" defTabSz="488950">
+          <a:pPr marL="0" lvl="0" indent="0" algn="ctr" defTabSz="400050">
             <a:lnSpc>
               <a:spcPct val="90000"/>
             </a:lnSpc>
@@ -1352,19 +1536,19 @@
             <a:buNone/>
           </a:pPr>
           <a:r>
-            <a:rPr lang="en-US" sz="1100" kern="1200" dirty="0"/>
+            <a:rPr lang="en-US" sz="900" kern="1200" dirty="0"/>
             <a:t>In a single script those files are picked up, cleaned, and then moved to another folder where they get picked up by </a:t>
           </a:r>
           <a:r>
-            <a:rPr lang="en-US" sz="1100" kern="1200" dirty="0" err="1"/>
+            <a:rPr lang="en-US" sz="900" kern="1200" dirty="0" err="1"/>
             <a:t>PowerBI</a:t>
           </a:r>
-          <a:endParaRPr lang="en-US" sz="1100" kern="1200" dirty="0"/>
+          <a:endParaRPr lang="en-US" sz="900" kern="1200" dirty="0"/>
         </a:p>
       </dsp:txBody>
       <dsp:txXfrm>
-        <a:off x="5189476" y="1858779"/>
-        <a:ext cx="1555507" cy="1037004"/>
+        <a:off x="4174740" y="1960041"/>
+        <a:ext cx="1251719" cy="834479"/>
       </dsp:txXfrm>
     </dsp:sp>
     <dsp:sp modelId="{7FE1E5B9-B44D-4EE8-AB32-9E26B1EA4AF7}">
@@ -1374,26 +1558,23 @@
       </dsp:nvSpPr>
       <dsp:spPr>
         <a:xfrm>
-          <a:off x="7004234" y="1858779"/>
-          <a:ext cx="2592511" cy="1037004"/>
+          <a:off x="5635079" y="1960041"/>
+          <a:ext cx="2086198" cy="834479"/>
         </a:xfrm>
         <a:prstGeom prst="chevron">
           <a:avLst/>
         </a:prstGeom>
         <a:solidFill>
-          <a:schemeClr val="tx1">
-            <a:lumMod val="50000"/>
-            <a:lumOff val="50000"/>
-          </a:schemeClr>
+          <a:srgbClr val="92D050"/>
         </a:solidFill>
         <a:ln w="12700" cap="flat" cmpd="sng" algn="ctr">
           <a:solidFill>
-            <a:schemeClr val="lt1">
+            <a:srgbClr val="FFFFFF">
               <a:hueOff val="0"/>
               <a:satOff val="0"/>
               <a:lumOff val="0"/>
               <a:alphaOff val="0"/>
-            </a:schemeClr>
+            </a:srgbClr>
           </a:solidFill>
           <a:prstDash val="solid"/>
           <a:miter lim="800000"/>
@@ -1415,12 +1596,12 @@
         </a:fontRef>
       </dsp:style>
       <dsp:txBody>
-        <a:bodyPr spcFirstLastPara="0" vert="horz" wrap="square" lIns="44006" tIns="14669" rIns="14669" bIns="14669" numCol="1" spcCol="1270" anchor="ctr" anchorCtr="0">
+        <a:bodyPr spcFirstLastPara="0" vert="horz" wrap="square" lIns="36005" tIns="12002" rIns="12002" bIns="12002" numCol="1" spcCol="1270" anchor="ctr" anchorCtr="0">
           <a:noAutofit/>
         </a:bodyPr>
         <a:lstStyle/>
         <a:p>
-          <a:pPr marL="0" lvl="0" indent="0" algn="ctr" defTabSz="488950">
+          <a:pPr marL="0" lvl="0" indent="0" algn="ctr" defTabSz="400050">
             <a:lnSpc>
               <a:spcPct val="90000"/>
             </a:lnSpc>
@@ -1433,14 +1614,145 @@
             <a:buNone/>
           </a:pPr>
           <a:r>
-            <a:rPr lang="en-US" sz="1100" kern="1200"/>
-            <a:t>As the days’ data comes in PowerBI can be refreshed to Analyze results</a:t>
+            <a:rPr lang="en-US" sz="900" kern="1200" dirty="0">
+              <a:solidFill>
+                <a:srgbClr val="FFFFFF"/>
+              </a:solidFill>
+              <a:latin typeface="Avenir Next LT Pro"/>
+              <a:ea typeface="+mn-ea"/>
+              <a:cs typeface="+mn-cs"/>
+            </a:rPr>
+            <a:t>As the days’ data comes in </a:t>
+          </a:r>
+          <a:r>
+            <a:rPr lang="en-US" sz="900" kern="1200" dirty="0" err="1">
+              <a:solidFill>
+                <a:srgbClr val="FFFFFF"/>
+              </a:solidFill>
+              <a:latin typeface="Avenir Next LT Pro"/>
+              <a:ea typeface="+mn-ea"/>
+              <a:cs typeface="+mn-cs"/>
+            </a:rPr>
+            <a:t>PowerBI</a:t>
+          </a:r>
+          <a:r>
+            <a:rPr lang="en-US" sz="900" kern="1200" dirty="0">
+              <a:solidFill>
+                <a:srgbClr val="FFFFFF"/>
+              </a:solidFill>
+              <a:latin typeface="Avenir Next LT Pro"/>
+              <a:ea typeface="+mn-ea"/>
+              <a:cs typeface="+mn-cs"/>
+            </a:rPr>
+            <a:t> is refreshed via On-Premises Data Gateway and pushed to web </a:t>
+          </a:r>
+          <a:r>
+            <a:rPr lang="en-US" sz="900" kern="1200">
+              <a:solidFill>
+                <a:srgbClr val="FFFFFF"/>
+              </a:solidFill>
+              <a:latin typeface="Avenir Next LT Pro"/>
+              <a:ea typeface="+mn-ea"/>
+              <a:cs typeface="+mn-cs"/>
+            </a:rPr>
+            <a:t>enviroment</a:t>
+          </a:r>
+          <a:endParaRPr lang="en-US" sz="900" kern="1200" dirty="0">
+            <a:solidFill>
+              <a:srgbClr val="FFFFFF"/>
+            </a:solidFill>
+            <a:latin typeface="Avenir Next LT Pro"/>
+            <a:ea typeface="+mn-ea"/>
+            <a:cs typeface="+mn-cs"/>
+          </a:endParaRPr>
+        </a:p>
+      </dsp:txBody>
+      <dsp:txXfrm>
+        <a:off x="6052319" y="1960041"/>
+        <a:ext cx="1251719" cy="834479"/>
+      </dsp:txXfrm>
+    </dsp:sp>
+    <dsp:sp modelId="{EDB08ED1-D638-405C-8AF2-5D4C0D13F465}">
+      <dsp:nvSpPr>
+        <dsp:cNvPr id="0" name=""/>
+        <dsp:cNvSpPr/>
+      </dsp:nvSpPr>
+      <dsp:spPr>
+        <a:xfrm>
+          <a:off x="7512657" y="1960041"/>
+          <a:ext cx="2086198" cy="834479"/>
+        </a:xfrm>
+        <a:prstGeom prst="chevron">
+          <a:avLst/>
+        </a:prstGeom>
+        <a:solidFill>
+          <a:srgbClr val="000000">
+            <a:lumMod val="50000"/>
+            <a:lumOff val="50000"/>
+          </a:srgbClr>
+        </a:solidFill>
+        <a:ln w="12700" cap="flat" cmpd="sng" algn="ctr">
+          <a:solidFill>
+            <a:srgbClr val="FFFFFF">
+              <a:hueOff val="0"/>
+              <a:satOff val="0"/>
+              <a:lumOff val="0"/>
+              <a:alphaOff val="0"/>
+            </a:srgbClr>
+          </a:solidFill>
+          <a:prstDash val="solid"/>
+          <a:miter lim="800000"/>
+        </a:ln>
+        <a:effectLst/>
+      </dsp:spPr>
+      <dsp:style>
+        <a:lnRef idx="2">
+          <a:scrgbClr r="0" g="0" b="0"/>
+        </a:lnRef>
+        <a:fillRef idx="1">
+          <a:scrgbClr r="0" g="0" b="0"/>
+        </a:fillRef>
+        <a:effectRef idx="0">
+          <a:scrgbClr r="0" g="0" b="0"/>
+        </a:effectRef>
+        <a:fontRef idx="minor">
+          <a:schemeClr val="lt1"/>
+        </a:fontRef>
+      </dsp:style>
+      <dsp:txBody>
+        <a:bodyPr spcFirstLastPara="0" vert="horz" wrap="square" lIns="36005" tIns="12002" rIns="12002" bIns="12002" numCol="1" spcCol="1270" anchor="ctr" anchorCtr="0">
+          <a:noAutofit/>
+        </a:bodyPr>
+        <a:lstStyle/>
+        <a:p>
+          <a:pPr marL="0" lvl="0" indent="0" algn="ctr" defTabSz="400050">
+            <a:lnSpc>
+              <a:spcPct val="90000"/>
+            </a:lnSpc>
+            <a:spcBef>
+              <a:spcPct val="0"/>
+            </a:spcBef>
+            <a:spcAft>
+              <a:spcPct val="35000"/>
+            </a:spcAft>
+            <a:buNone/>
+          </a:pPr>
+          <a:r>
+            <a:rPr lang="en-US" sz="900" kern="1200" dirty="0">
+              <a:solidFill>
+                <a:srgbClr val="FFFFFF"/>
+              </a:solidFill>
+              <a:latin typeface="Avenir Next LT Pro"/>
+              <a:ea typeface="+mn-ea"/>
+              <a:cs typeface="+mn-cs"/>
+            </a:rPr>
+            <a:t>Dashboard is analyzed by front end user</a:t>
           </a:r>
         </a:p>
       </dsp:txBody>
       <dsp:txXfrm>
-        <a:off x="7522736" y="1858779"/>
-        <a:ext cx="1555507" cy="1037004"/>
+        <a:off x="7929897" y="1960041"/>
+        <a:ext cx="1251719" cy="834479"/>
       </dsp:txXfrm>
     </dsp:sp>
   </dsp:spTree>
@@ -3185,7 +3497,7 @@
           <a:p>
             <a:fld id="{53BEF823-48A5-43FC-BE03-E79964288B41}" type="datetimeFigureOut">
               <a:rPr lang="en-US" smtClean="0"/>
-              <a:t>12/9/2021</a:t>
+              <a:t>12/11/2021</a:t>
             </a:fld>
             <a:endParaRPr lang="en-US" dirty="0"/>
           </a:p>
@@ -3396,7 +3708,7 @@
             <a:fld id="{53BEF823-48A5-43FC-BE03-E79964288B41}" type="datetimeFigureOut">
               <a:rPr lang="en-US" smtClean="0"/>
               <a:pPr algn="r"/>
-              <a:t>12/9/2021</a:t>
+              <a:t>12/11/2021</a:t>
             </a:fld>
             <a:endParaRPr lang="en-US" dirty="0"/>
           </a:p>
@@ -3611,7 +3923,7 @@
             <a:fld id="{53BEF823-48A5-43FC-BE03-E79964288B41}" type="datetimeFigureOut">
               <a:rPr lang="en-US" smtClean="0"/>
               <a:pPr algn="r"/>
-              <a:t>12/9/2021</a:t>
+              <a:t>12/11/2021</a:t>
             </a:fld>
             <a:endParaRPr lang="en-US" dirty="0"/>
           </a:p>
@@ -3814,7 +4126,7 @@
             <a:fld id="{53BEF823-48A5-43FC-BE03-E79964288B41}" type="datetimeFigureOut">
               <a:rPr lang="en-US" smtClean="0"/>
               <a:pPr algn="r"/>
-              <a:t>12/9/2021</a:t>
+              <a:t>12/11/2021</a:t>
             </a:fld>
             <a:endParaRPr lang="en-US" dirty="0"/>
           </a:p>
@@ -4098,7 +4410,7 @@
             <a:fld id="{53BEF823-48A5-43FC-BE03-E79964288B41}" type="datetimeFigureOut">
               <a:rPr lang="en-US" smtClean="0"/>
               <a:pPr algn="r"/>
-              <a:t>12/9/2021</a:t>
+              <a:t>12/11/2021</a:t>
             </a:fld>
             <a:endParaRPr lang="en-US" dirty="0"/>
           </a:p>
@@ -4342,7 +4654,7 @@
             <a:fld id="{53BEF823-48A5-43FC-BE03-E79964288B41}" type="datetimeFigureOut">
               <a:rPr lang="en-US" smtClean="0"/>
               <a:pPr algn="r"/>
-              <a:t>12/9/2021</a:t>
+              <a:t>12/11/2021</a:t>
             </a:fld>
             <a:endParaRPr lang="en-US" dirty="0"/>
           </a:p>
@@ -4785,7 +5097,7 @@
             <a:fld id="{53BEF823-48A5-43FC-BE03-E79964288B41}" type="datetimeFigureOut">
               <a:rPr lang="en-US" smtClean="0"/>
               <a:pPr algn="r"/>
-              <a:t>12/9/2021</a:t>
+              <a:t>12/11/2021</a:t>
             </a:fld>
             <a:endParaRPr lang="en-US" dirty="0"/>
           </a:p>
@@ -4931,7 +5243,7 @@
             <a:fld id="{53BEF823-48A5-43FC-BE03-E79964288B41}" type="datetimeFigureOut">
               <a:rPr lang="en-US" smtClean="0"/>
               <a:pPr algn="r"/>
-              <a:t>12/9/2021</a:t>
+              <a:t>12/11/2021</a:t>
             </a:fld>
             <a:endParaRPr lang="en-US" dirty="0"/>
           </a:p>
@@ -5049,7 +5361,7 @@
             <a:fld id="{53BEF823-48A5-43FC-BE03-E79964288B41}" type="datetimeFigureOut">
               <a:rPr lang="en-US" smtClean="0"/>
               <a:pPr algn="r"/>
-              <a:t>12/9/2021</a:t>
+              <a:t>12/11/2021</a:t>
             </a:fld>
             <a:endParaRPr lang="en-US" dirty="0"/>
           </a:p>
@@ -5333,7 +5645,7 @@
             <a:fld id="{53BEF823-48A5-43FC-BE03-E79964288B41}" type="datetimeFigureOut">
               <a:rPr lang="en-US" smtClean="0"/>
               <a:pPr algn="r"/>
-              <a:t>12/9/2021</a:t>
+              <a:t>12/11/2021</a:t>
             </a:fld>
             <a:endParaRPr lang="en-US" dirty="0"/>
           </a:p>
@@ -5628,7 +5940,7 @@
             <a:fld id="{53BEF823-48A5-43FC-BE03-E79964288B41}" type="datetimeFigureOut">
               <a:rPr lang="en-US" smtClean="0"/>
               <a:pPr algn="r"/>
-              <a:t>12/9/2021</a:t>
+              <a:t>12/11/2021</a:t>
             </a:fld>
             <a:endParaRPr lang="en-US" dirty="0"/>
           </a:p>
@@ -6123,7 +6435,7 @@
             <a:fld id="{53BEF823-48A5-43FC-BE03-E79964288B41}" type="datetimeFigureOut">
               <a:rPr lang="en-US" smtClean="0"/>
               <a:pPr algn="r"/>
-              <a:t>12/9/2021</a:t>
+              <a:t>12/11/2021</a:t>
             </a:fld>
             <a:endParaRPr lang="en-US" dirty="0"/>
           </a:p>
@@ -10050,7 +10362,7 @@
             <p:ph idx="1"/>
             <p:extLst>
               <p:ext uri="{D42A27DB-BD31-4B8C-83A1-F6EECF244321}">
-                <p14:modId xmlns:p14="http://schemas.microsoft.com/office/powerpoint/2010/main" val="2722254826"/>
+                <p14:modId xmlns:p14="http://schemas.microsoft.com/office/powerpoint/2010/main" val="3170159847"/>
               </p:ext>
             </p:extLst>
           </p:nvPr>
@@ -11318,7 +11630,7 @@
         </p:blipFill>
         <p:spPr bwMode="auto">
           <a:xfrm>
-            <a:off x="5139598" y="412107"/>
+            <a:off x="4888556" y="0"/>
             <a:ext cx="4058339" cy="2282815"/>
           </a:xfrm>
           <a:prstGeom prst="rect">
@@ -11366,7 +11678,7 @@
         </p:blipFill>
         <p:spPr bwMode="auto">
           <a:xfrm>
-            <a:off x="9378119" y="265275"/>
+            <a:off x="9378119" y="132796"/>
             <a:ext cx="2212196" cy="2212196"/>
           </a:xfrm>
           <a:prstGeom prst="rect">
@@ -11412,7 +11724,7 @@
         </p:blipFill>
         <p:spPr bwMode="auto">
           <a:xfrm>
-            <a:off x="5979416" y="2796629"/>
+            <a:off x="5942748" y="2278905"/>
             <a:ext cx="2378704" cy="2212195"/>
           </a:xfrm>
           <a:prstGeom prst="rect">
@@ -11458,7 +11770,7 @@
         </p:blipFill>
         <p:spPr bwMode="auto">
           <a:xfrm>
-            <a:off x="9075542" y="2761504"/>
+            <a:off x="9214866" y="2699328"/>
             <a:ext cx="2212195" cy="2212195"/>
           </a:xfrm>
           <a:prstGeom prst="rect">
@@ -11869,8 +12181,55 @@
         </p:blipFill>
         <p:spPr bwMode="auto">
           <a:xfrm>
-            <a:off x="7245411" y="5456426"/>
+            <a:off x="8657027" y="5294051"/>
             <a:ext cx="3012625" cy="1104629"/>
+          </a:xfrm>
+          <a:prstGeom prst="rect">
+            <a:avLst/>
+          </a:prstGeom>
+          <a:noFill/>
+          <a:extLst>
+            <a:ext uri="{909E8E84-426E-40DD-AFC4-6F175D3DCCD1}">
+              <a14:hiddenFill xmlns:a14="http://schemas.microsoft.com/office/drawing/2010/main">
+                <a:solidFill>
+                  <a:srgbClr val="FFFFFF"/>
+                </a:solidFill>
+              </a14:hiddenFill>
+            </a:ext>
+          </a:extLst>
+        </p:spPr>
+      </p:pic>
+      <p:pic>
+        <p:nvPicPr>
+          <p:cNvPr id="4" name="Picture 4" descr="Connecting PowerApps To On-Premises Data With On-Premises Data Gateways |  Canviz">
+            <a:extLst>
+              <a:ext uri="{FF2B5EF4-FFF2-40B4-BE49-F238E27FC236}">
+                <a16:creationId xmlns:a16="http://schemas.microsoft.com/office/drawing/2014/main" id="{EAFC2024-B214-4B87-A990-289353F9DE23}"/>
+              </a:ext>
+            </a:extLst>
+          </p:cNvPr>
+          <p:cNvPicPr>
+            <a:picLocks noChangeAspect="1" noChangeArrowheads="1"/>
+          </p:cNvPicPr>
+          <p:nvPr/>
+        </p:nvPicPr>
+        <p:blipFill>
+          <a:blip r:embed="rId7">
+            <a:extLst>
+              <a:ext uri="{28A0092B-C50C-407E-A947-70E740481C1C}">
+                <a14:useLocalDpi xmlns:a14="http://schemas.microsoft.com/office/drawing/2010/main" val="0"/>
+              </a:ext>
+            </a:extLst>
+          </a:blip>
+          <a:srcRect/>
+          <a:stretch>
+            <a:fillRect/>
+          </a:stretch>
+        </p:blipFill>
+        <p:spPr bwMode="auto">
+          <a:xfrm>
+            <a:off x="5343085" y="4801801"/>
+            <a:ext cx="3030536" cy="1771311"/>
           </a:xfrm>
           <a:prstGeom prst="rect">
             <a:avLst/>

--- a/Capstone_Menu_Dashboard.pptx
+++ b/Capstone_Menu_Dashboard.pptx
@@ -7,14 +7,15 @@
   <p:sldIdLst>
     <p:sldId id="256" r:id="rId2"/>
     <p:sldId id="257" r:id="rId3"/>
-    <p:sldId id="262" r:id="rId4"/>
+    <p:sldId id="260" r:id="rId4"/>
     <p:sldId id="258" r:id="rId5"/>
-    <p:sldId id="260" r:id="rId6"/>
-    <p:sldId id="261" r:id="rId7"/>
-    <p:sldId id="263" r:id="rId8"/>
-    <p:sldId id="264" r:id="rId9"/>
-    <p:sldId id="266" r:id="rId10"/>
-    <p:sldId id="265" r:id="rId11"/>
+    <p:sldId id="267" r:id="rId6"/>
+    <p:sldId id="262" r:id="rId7"/>
+    <p:sldId id="261" r:id="rId8"/>
+    <p:sldId id="263" r:id="rId9"/>
+    <p:sldId id="264" r:id="rId10"/>
+    <p:sldId id="266" r:id="rId11"/>
+    <p:sldId id="265" r:id="rId12"/>
   </p:sldIdLst>
   <p:sldSz cx="12192000" cy="6858000"/>
   <p:notesSz cx="6858000" cy="9144000"/>
@@ -930,7 +931,11 @@
         <a:lstStyle/>
         <a:p>
           <a:r>
-            <a:rPr lang="en-US" dirty="0"/>
+            <a:rPr lang="en-US" dirty="0">
+              <a:solidFill>
+                <a:schemeClr val="tx1"/>
+              </a:solidFill>
+            </a:rPr>
             <a:t>Power Automate moves those CSV’s to a local file based upon the subject line</a:t>
           </a:r>
         </a:p>
@@ -970,14 +975,26 @@
         <a:lstStyle/>
         <a:p>
           <a:r>
-            <a:rPr lang="en-US" dirty="0"/>
+            <a:rPr lang="en-US" dirty="0">
+              <a:solidFill>
+                <a:schemeClr val="tx1"/>
+              </a:solidFill>
+            </a:rPr>
             <a:t>In a single script those files are picked up, cleaned, and then moved to another folder where they get picked up by </a:t>
           </a:r>
           <a:r>
-            <a:rPr lang="en-US" dirty="0" err="1"/>
+            <a:rPr lang="en-US" dirty="0" err="1">
+              <a:solidFill>
+                <a:schemeClr val="tx1"/>
+              </a:solidFill>
+            </a:rPr>
             <a:t>PowerBI</a:t>
           </a:r>
-          <a:endParaRPr lang="en-US" dirty="0"/>
+          <a:endParaRPr lang="en-US" dirty="0">
+            <a:solidFill>
+              <a:schemeClr val="tx1"/>
+            </a:solidFill>
+          </a:endParaRPr>
         </a:p>
       </dgm:t>
     </dgm:pt>
@@ -1040,9 +1057,9 @@
             <a:buNone/>
           </a:pPr>
           <a:r>
-            <a:rPr lang="en-US" sz="900" kern="1200" dirty="0">
+            <a:rPr lang="en-US" sz="1100" kern="1200" dirty="0">
               <a:solidFill>
-                <a:srgbClr val="FFFFFF"/>
+                <a:schemeClr val="tx1"/>
               </a:solidFill>
               <a:latin typeface="Avenir Next LT Pro"/>
               <a:ea typeface="+mn-ea"/>
@@ -1051,9 +1068,9 @@
             <a:t>As the days’ data comes in </a:t>
           </a:r>
           <a:r>
-            <a:rPr lang="en-US" sz="900" kern="1200" dirty="0" err="1">
+            <a:rPr lang="en-US" sz="1100" kern="1200" dirty="0" err="1">
               <a:solidFill>
-                <a:srgbClr val="FFFFFF"/>
+                <a:schemeClr val="tx1"/>
               </a:solidFill>
               <a:latin typeface="Avenir Next LT Pro"/>
               <a:ea typeface="+mn-ea"/>
@@ -1062,35 +1079,16 @@
             <a:t>PowerBI</a:t>
           </a:r>
           <a:r>
-            <a:rPr lang="en-US" sz="900" kern="1200" dirty="0">
+            <a:rPr lang="en-US" sz="1100" kern="1200" dirty="0">
               <a:solidFill>
-                <a:srgbClr val="FFFFFF"/>
+                <a:schemeClr val="tx1"/>
               </a:solidFill>
               <a:latin typeface="Avenir Next LT Pro"/>
               <a:ea typeface="+mn-ea"/>
               <a:cs typeface="+mn-cs"/>
             </a:rPr>
-            <a:t> is refreshed via On-Premises Data Gateway and pushed to web </a:t>
+            <a:t> is refreshed via On-Premises Data Gateway and pushed to web environment</a:t>
           </a:r>
-          <a:r>
-            <a:rPr lang="en-US" sz="900" kern="1200">
-              <a:solidFill>
-                <a:srgbClr val="FFFFFF"/>
-              </a:solidFill>
-              <a:latin typeface="Avenir Next LT Pro"/>
-              <a:ea typeface="+mn-ea"/>
-              <a:cs typeface="+mn-cs"/>
-            </a:rPr>
-            <a:t>enviroment</a:t>
-          </a:r>
-          <a:endParaRPr lang="en-US" sz="900" kern="1200" dirty="0">
-            <a:solidFill>
-              <a:srgbClr val="FFFFFF"/>
-            </a:solidFill>
-            <a:latin typeface="Avenir Next LT Pro"/>
-            <a:ea typeface="+mn-ea"/>
-            <a:cs typeface="+mn-cs"/>
-          </a:endParaRPr>
         </a:p>
       </dgm:t>
     </dgm:pt>
@@ -1156,7 +1154,7 @@
             <a:buNone/>
           </a:pPr>
           <a:r>
-            <a:rPr lang="en-US" sz="900" kern="1200" dirty="0">
+            <a:rPr lang="en-US" sz="1100" kern="1200" dirty="0">
               <a:solidFill>
                 <a:srgbClr val="FFFFFF"/>
               </a:solidFill>
@@ -1331,8 +1329,8 @@
       </dsp:nvSpPr>
       <dsp:spPr>
         <a:xfrm>
-          <a:off x="2344" y="1960041"/>
-          <a:ext cx="2086198" cy="834479"/>
+          <a:off x="2925" y="2725764"/>
+          <a:ext cx="2603873" cy="1041549"/>
         </a:xfrm>
         <a:prstGeom prst="chevron">
           <a:avLst/>
@@ -1372,12 +1370,12 @@
         </a:fontRef>
       </dsp:style>
       <dsp:txBody>
-        <a:bodyPr spcFirstLastPara="0" vert="horz" wrap="square" lIns="36005" tIns="12002" rIns="12002" bIns="12002" numCol="1" spcCol="1270" anchor="ctr" anchorCtr="0">
+        <a:bodyPr spcFirstLastPara="0" vert="horz" wrap="square" lIns="44006" tIns="14669" rIns="14669" bIns="14669" numCol="1" spcCol="1270" anchor="ctr" anchorCtr="0">
           <a:noAutofit/>
         </a:bodyPr>
         <a:lstStyle/>
         <a:p>
-          <a:pPr marL="0" lvl="0" indent="0" algn="ctr" defTabSz="400050">
+          <a:pPr marL="0" lvl="0" indent="0" algn="ctr" defTabSz="488950">
             <a:lnSpc>
               <a:spcPct val="90000"/>
             </a:lnSpc>
@@ -1390,14 +1388,14 @@
             <a:buNone/>
           </a:pPr>
           <a:r>
-            <a:rPr lang="en-US" sz="900" kern="1200" dirty="0"/>
+            <a:rPr lang="en-US" sz="1100" kern="1200" dirty="0"/>
             <a:t>Business Date Happens and End of Day Processes are run.  Email of CSV’s are sent</a:t>
           </a:r>
         </a:p>
       </dsp:txBody>
       <dsp:txXfrm>
-        <a:off x="419584" y="1960041"/>
-        <a:ext cx="1251719" cy="834479"/>
+        <a:off x="523700" y="2725764"/>
+        <a:ext cx="1562324" cy="1041549"/>
       </dsp:txXfrm>
     </dsp:sp>
     <dsp:sp modelId="{C11CB799-0695-47AA-9A18-27601B853BEF}">
@@ -1407,8 +1405,8 @@
       </dsp:nvSpPr>
       <dsp:spPr>
         <a:xfrm>
-          <a:off x="1879922" y="1960041"/>
-          <a:ext cx="2086198" cy="834479"/>
+          <a:off x="2346411" y="2725764"/>
+          <a:ext cx="2603873" cy="1041549"/>
         </a:xfrm>
         <a:prstGeom prst="chevron">
           <a:avLst/>
@@ -1445,12 +1443,12 @@
         </a:fontRef>
       </dsp:style>
       <dsp:txBody>
-        <a:bodyPr spcFirstLastPara="0" vert="horz" wrap="square" lIns="36005" tIns="12002" rIns="12002" bIns="12002" numCol="1" spcCol="1270" anchor="ctr" anchorCtr="0">
+        <a:bodyPr spcFirstLastPara="0" vert="horz" wrap="square" lIns="44006" tIns="14669" rIns="14669" bIns="14669" numCol="1" spcCol="1270" anchor="ctr" anchorCtr="0">
           <a:noAutofit/>
         </a:bodyPr>
         <a:lstStyle/>
         <a:p>
-          <a:pPr marL="0" lvl="0" indent="0" algn="ctr" defTabSz="400050">
+          <a:pPr marL="0" lvl="0" indent="0" algn="ctr" defTabSz="488950">
             <a:lnSpc>
               <a:spcPct val="90000"/>
             </a:lnSpc>
@@ -1463,14 +1461,18 @@
             <a:buNone/>
           </a:pPr>
           <a:r>
-            <a:rPr lang="en-US" sz="900" kern="1200" dirty="0"/>
+            <a:rPr lang="en-US" sz="1100" kern="1200" dirty="0">
+              <a:solidFill>
+                <a:schemeClr val="tx1"/>
+              </a:solidFill>
+            </a:rPr>
             <a:t>Power Automate moves those CSV’s to a local file based upon the subject line</a:t>
           </a:r>
         </a:p>
       </dsp:txBody>
       <dsp:txXfrm>
-        <a:off x="2297162" y="1960041"/>
-        <a:ext cx="1251719" cy="834479"/>
+        <a:off x="2867186" y="2725764"/>
+        <a:ext cx="1562324" cy="1041549"/>
       </dsp:txXfrm>
     </dsp:sp>
     <dsp:sp modelId="{952F30E3-C177-42DF-93FE-19E0310A5253}">
@@ -1480,8 +1482,8 @@
       </dsp:nvSpPr>
       <dsp:spPr>
         <a:xfrm>
-          <a:off x="3757500" y="1960041"/>
-          <a:ext cx="2086198" cy="834479"/>
+          <a:off x="4689898" y="2725764"/>
+          <a:ext cx="2603873" cy="1041549"/>
         </a:xfrm>
         <a:prstGeom prst="chevron">
           <a:avLst/>
@@ -1518,12 +1520,12 @@
         </a:fontRef>
       </dsp:style>
       <dsp:txBody>
-        <a:bodyPr spcFirstLastPara="0" vert="horz" wrap="square" lIns="36005" tIns="12002" rIns="12002" bIns="12002" numCol="1" spcCol="1270" anchor="ctr" anchorCtr="0">
+        <a:bodyPr spcFirstLastPara="0" vert="horz" wrap="square" lIns="44006" tIns="14669" rIns="14669" bIns="14669" numCol="1" spcCol="1270" anchor="ctr" anchorCtr="0">
           <a:noAutofit/>
         </a:bodyPr>
         <a:lstStyle/>
         <a:p>
-          <a:pPr marL="0" lvl="0" indent="0" algn="ctr" defTabSz="400050">
+          <a:pPr marL="0" lvl="0" indent="0" algn="ctr" defTabSz="488950">
             <a:lnSpc>
               <a:spcPct val="90000"/>
             </a:lnSpc>
@@ -1536,19 +1538,31 @@
             <a:buNone/>
           </a:pPr>
           <a:r>
-            <a:rPr lang="en-US" sz="900" kern="1200" dirty="0"/>
+            <a:rPr lang="en-US" sz="1100" kern="1200" dirty="0">
+              <a:solidFill>
+                <a:schemeClr val="tx1"/>
+              </a:solidFill>
+            </a:rPr>
             <a:t>In a single script those files are picked up, cleaned, and then moved to another folder where they get picked up by </a:t>
           </a:r>
           <a:r>
-            <a:rPr lang="en-US" sz="900" kern="1200" dirty="0" err="1"/>
+            <a:rPr lang="en-US" sz="1100" kern="1200" dirty="0" err="1">
+              <a:solidFill>
+                <a:schemeClr val="tx1"/>
+              </a:solidFill>
+            </a:rPr>
             <a:t>PowerBI</a:t>
           </a:r>
-          <a:endParaRPr lang="en-US" sz="900" kern="1200" dirty="0"/>
+          <a:endParaRPr lang="en-US" sz="1100" kern="1200" dirty="0">
+            <a:solidFill>
+              <a:schemeClr val="tx1"/>
+            </a:solidFill>
+          </a:endParaRPr>
         </a:p>
       </dsp:txBody>
       <dsp:txXfrm>
-        <a:off x="4174740" y="1960041"/>
-        <a:ext cx="1251719" cy="834479"/>
+        <a:off x="5210673" y="2725764"/>
+        <a:ext cx="1562324" cy="1041549"/>
       </dsp:txXfrm>
     </dsp:sp>
     <dsp:sp modelId="{7FE1E5B9-B44D-4EE8-AB32-9E26B1EA4AF7}">
@@ -1558,8 +1572,8 @@
       </dsp:nvSpPr>
       <dsp:spPr>
         <a:xfrm>
-          <a:off x="5635079" y="1960041"/>
-          <a:ext cx="2086198" cy="834479"/>
+          <a:off x="7033384" y="2725764"/>
+          <a:ext cx="2603873" cy="1041549"/>
         </a:xfrm>
         <a:prstGeom prst="chevron">
           <a:avLst/>
@@ -1614,9 +1628,9 @@
             <a:buNone/>
           </a:pPr>
           <a:r>
-            <a:rPr lang="en-US" sz="900" kern="1200" dirty="0">
+            <a:rPr lang="en-US" sz="1100" kern="1200" dirty="0">
               <a:solidFill>
-                <a:srgbClr val="FFFFFF"/>
+                <a:schemeClr val="tx1"/>
               </a:solidFill>
               <a:latin typeface="Avenir Next LT Pro"/>
               <a:ea typeface="+mn-ea"/>
@@ -1625,9 +1639,9 @@
             <a:t>As the days’ data comes in </a:t>
           </a:r>
           <a:r>
-            <a:rPr lang="en-US" sz="900" kern="1200" dirty="0" err="1">
+            <a:rPr lang="en-US" sz="1100" kern="1200" dirty="0" err="1">
               <a:solidFill>
-                <a:srgbClr val="FFFFFF"/>
+                <a:schemeClr val="tx1"/>
               </a:solidFill>
               <a:latin typeface="Avenir Next LT Pro"/>
               <a:ea typeface="+mn-ea"/>
@@ -1636,40 +1650,21 @@
             <a:t>PowerBI</a:t>
           </a:r>
           <a:r>
-            <a:rPr lang="en-US" sz="900" kern="1200" dirty="0">
+            <a:rPr lang="en-US" sz="1100" kern="1200" dirty="0">
               <a:solidFill>
-                <a:srgbClr val="FFFFFF"/>
+                <a:schemeClr val="tx1"/>
               </a:solidFill>
               <a:latin typeface="Avenir Next LT Pro"/>
               <a:ea typeface="+mn-ea"/>
               <a:cs typeface="+mn-cs"/>
             </a:rPr>
-            <a:t> is refreshed via On-Premises Data Gateway and pushed to web </a:t>
+            <a:t> is refreshed via On-Premises Data Gateway and pushed to web environment</a:t>
           </a:r>
-          <a:r>
-            <a:rPr lang="en-US" sz="900" kern="1200">
-              <a:solidFill>
-                <a:srgbClr val="FFFFFF"/>
-              </a:solidFill>
-              <a:latin typeface="Avenir Next LT Pro"/>
-              <a:ea typeface="+mn-ea"/>
-              <a:cs typeface="+mn-cs"/>
-            </a:rPr>
-            <a:t>enviroment</a:t>
-          </a:r>
-          <a:endParaRPr lang="en-US" sz="900" kern="1200" dirty="0">
-            <a:solidFill>
-              <a:srgbClr val="FFFFFF"/>
-            </a:solidFill>
-            <a:latin typeface="Avenir Next LT Pro"/>
-            <a:ea typeface="+mn-ea"/>
-            <a:cs typeface="+mn-cs"/>
-          </a:endParaRPr>
         </a:p>
       </dsp:txBody>
       <dsp:txXfrm>
-        <a:off x="6052319" y="1960041"/>
-        <a:ext cx="1251719" cy="834479"/>
+        <a:off x="7554159" y="2725764"/>
+        <a:ext cx="1562324" cy="1041549"/>
       </dsp:txXfrm>
     </dsp:sp>
     <dsp:sp modelId="{EDB08ED1-D638-405C-8AF2-5D4C0D13F465}">
@@ -1679,8 +1674,8 @@
       </dsp:nvSpPr>
       <dsp:spPr>
         <a:xfrm>
-          <a:off x="7512657" y="1960041"/>
-          <a:ext cx="2086198" cy="834479"/>
+          <a:off x="9376870" y="2725764"/>
+          <a:ext cx="2603873" cy="1041549"/>
         </a:xfrm>
         <a:prstGeom prst="chevron">
           <a:avLst/>
@@ -1738,7 +1733,7 @@
             <a:buNone/>
           </a:pPr>
           <a:r>
-            <a:rPr lang="en-US" sz="900" kern="1200" dirty="0">
+            <a:rPr lang="en-US" sz="1100" kern="1200" dirty="0">
               <a:solidFill>
                 <a:srgbClr val="FFFFFF"/>
               </a:solidFill>
@@ -1751,8 +1746,8 @@
         </a:p>
       </dsp:txBody>
       <dsp:txXfrm>
-        <a:off x="7929897" y="1960041"/>
-        <a:ext cx="1251719" cy="834479"/>
+        <a:off x="9897645" y="2725764"/>
+        <a:ext cx="1562324" cy="1041549"/>
       </dsp:txXfrm>
     </dsp:sp>
   </dsp:spTree>
@@ -3497,7 +3492,7 @@
           <a:p>
             <a:fld id="{53BEF823-48A5-43FC-BE03-E79964288B41}" type="datetimeFigureOut">
               <a:rPr lang="en-US" smtClean="0"/>
-              <a:t>12/11/2021</a:t>
+              <a:t>12/14/2021</a:t>
             </a:fld>
             <a:endParaRPr lang="en-US" dirty="0"/>
           </a:p>
@@ -3708,7 +3703,7 @@
             <a:fld id="{53BEF823-48A5-43FC-BE03-E79964288B41}" type="datetimeFigureOut">
               <a:rPr lang="en-US" smtClean="0"/>
               <a:pPr algn="r"/>
-              <a:t>12/11/2021</a:t>
+              <a:t>12/14/2021</a:t>
             </a:fld>
             <a:endParaRPr lang="en-US" dirty="0"/>
           </a:p>
@@ -3923,7 +3918,7 @@
             <a:fld id="{53BEF823-48A5-43FC-BE03-E79964288B41}" type="datetimeFigureOut">
               <a:rPr lang="en-US" smtClean="0"/>
               <a:pPr algn="r"/>
-              <a:t>12/11/2021</a:t>
+              <a:t>12/14/2021</a:t>
             </a:fld>
             <a:endParaRPr lang="en-US" dirty="0"/>
           </a:p>
@@ -4126,7 +4121,7 @@
             <a:fld id="{53BEF823-48A5-43FC-BE03-E79964288B41}" type="datetimeFigureOut">
               <a:rPr lang="en-US" smtClean="0"/>
               <a:pPr algn="r"/>
-              <a:t>12/11/2021</a:t>
+              <a:t>12/14/2021</a:t>
             </a:fld>
             <a:endParaRPr lang="en-US" dirty="0"/>
           </a:p>
@@ -4410,7 +4405,7 @@
             <a:fld id="{53BEF823-48A5-43FC-BE03-E79964288B41}" type="datetimeFigureOut">
               <a:rPr lang="en-US" smtClean="0"/>
               <a:pPr algn="r"/>
-              <a:t>12/11/2021</a:t>
+              <a:t>12/14/2021</a:t>
             </a:fld>
             <a:endParaRPr lang="en-US" dirty="0"/>
           </a:p>
@@ -4654,7 +4649,7 @@
             <a:fld id="{53BEF823-48A5-43FC-BE03-E79964288B41}" type="datetimeFigureOut">
               <a:rPr lang="en-US" smtClean="0"/>
               <a:pPr algn="r"/>
-              <a:t>12/11/2021</a:t>
+              <a:t>12/14/2021</a:t>
             </a:fld>
             <a:endParaRPr lang="en-US" dirty="0"/>
           </a:p>
@@ -5097,7 +5092,7 @@
             <a:fld id="{53BEF823-48A5-43FC-BE03-E79964288B41}" type="datetimeFigureOut">
               <a:rPr lang="en-US" smtClean="0"/>
               <a:pPr algn="r"/>
-              <a:t>12/11/2021</a:t>
+              <a:t>12/14/2021</a:t>
             </a:fld>
             <a:endParaRPr lang="en-US" dirty="0"/>
           </a:p>
@@ -5243,7 +5238,7 @@
             <a:fld id="{53BEF823-48A5-43FC-BE03-E79964288B41}" type="datetimeFigureOut">
               <a:rPr lang="en-US" smtClean="0"/>
               <a:pPr algn="r"/>
-              <a:t>12/11/2021</a:t>
+              <a:t>12/14/2021</a:t>
             </a:fld>
             <a:endParaRPr lang="en-US" dirty="0"/>
           </a:p>
@@ -5361,7 +5356,7 @@
             <a:fld id="{53BEF823-48A5-43FC-BE03-E79964288B41}" type="datetimeFigureOut">
               <a:rPr lang="en-US" smtClean="0"/>
               <a:pPr algn="r"/>
-              <a:t>12/11/2021</a:t>
+              <a:t>12/14/2021</a:t>
             </a:fld>
             <a:endParaRPr lang="en-US" dirty="0"/>
           </a:p>
@@ -5645,7 +5640,7 @@
             <a:fld id="{53BEF823-48A5-43FC-BE03-E79964288B41}" type="datetimeFigureOut">
               <a:rPr lang="en-US" smtClean="0"/>
               <a:pPr algn="r"/>
-              <a:t>12/11/2021</a:t>
+              <a:t>12/14/2021</a:t>
             </a:fld>
             <a:endParaRPr lang="en-US" dirty="0"/>
           </a:p>
@@ -5940,7 +5935,7 @@
             <a:fld id="{53BEF823-48A5-43FC-BE03-E79964288B41}" type="datetimeFigureOut">
               <a:rPr lang="en-US" smtClean="0"/>
               <a:pPr algn="r"/>
-              <a:t>12/11/2021</a:t>
+              <a:t>12/14/2021</a:t>
             </a:fld>
             <a:endParaRPr lang="en-US" dirty="0"/>
           </a:p>
@@ -6435,7 +6430,7 @@
             <a:fld id="{53BEF823-48A5-43FC-BE03-E79964288B41}" type="datetimeFigureOut">
               <a:rPr lang="en-US" smtClean="0"/>
               <a:pPr algn="r"/>
-              <a:t>12/11/2021</a:t>
+              <a:t>12/14/2021</a:t>
             </a:fld>
             <a:endParaRPr lang="en-US" dirty="0"/>
           </a:p>
@@ -7416,3647 +7411,6 @@
           <a:chExt cx="0" cy="0"/>
         </a:xfrm>
       </p:grpSpPr>
-      <p:sp useBgFill="1">
-        <p:nvSpPr>
-          <p:cNvPr id="8" name="Rectangle 7">
-            <a:extLst>
-              <a:ext uri="{FF2B5EF4-FFF2-40B4-BE49-F238E27FC236}">
-                <a16:creationId xmlns:a16="http://schemas.microsoft.com/office/drawing/2014/main" id="{C5176844-69C3-4F79-BE38-EA5BDDF4FEA4}"/>
-              </a:ext>
-              <a:ext uri="{C183D7F6-B498-43B3-948B-1728B52AA6E4}">
-                <adec:decorative xmlns:adec="http://schemas.microsoft.com/office/drawing/2017/decorative" val="1"/>
-              </a:ext>
-            </a:extLst>
-          </p:cNvPr>
-          <p:cNvSpPr>
-            <a:spLocks noGrp="1" noRot="1" noChangeAspect="1" noMove="1" noResize="1" noEditPoints="1" noAdjustHandles="1" noChangeArrowheads="1" noChangeShapeType="1" noTextEdit="1"/>
-          </p:cNvSpPr>
-          <p:nvPr>
-            <p:extLst>
-              <p:ext uri="{386F3935-93C4-4BCD-93E2-E3B085C9AB24}">
-                <p16:designElem xmlns:p16="http://schemas.microsoft.com/office/powerpoint/2015/main" val="1"/>
-              </p:ext>
-            </p:extLst>
-          </p:nvPr>
-        </p:nvSpPr>
-        <p:spPr>
-          <a:xfrm>
-            <a:off x="0" y="0"/>
-            <a:ext cx="12192000" cy="6858000"/>
-          </a:xfrm>
-          <a:prstGeom prst="rect">
-            <a:avLst/>
-          </a:prstGeom>
-          <a:ln>
-            <a:noFill/>
-          </a:ln>
-        </p:spPr>
-        <p:style>
-          <a:lnRef idx="2">
-            <a:schemeClr val="accent1">
-              <a:shade val="50000"/>
-            </a:schemeClr>
-          </a:lnRef>
-          <a:fillRef idx="1">
-            <a:schemeClr val="accent1"/>
-          </a:fillRef>
-          <a:effectRef idx="0">
-            <a:schemeClr val="accent1"/>
-          </a:effectRef>
-          <a:fontRef idx="minor">
-            <a:schemeClr val="lt1"/>
-          </a:fontRef>
-        </p:style>
-        <p:txBody>
-          <a:bodyPr rtlCol="0" anchor="ctr"/>
-          <a:lstStyle/>
-          <a:p>
-            <a:pPr algn="ctr"/>
-            <a:endParaRPr lang="en-US"/>
-          </a:p>
-        </p:txBody>
-      </p:sp>
-      <p:sp>
-        <p:nvSpPr>
-          <p:cNvPr id="10" name="Rectangle 9">
-            <a:extLst>
-              <a:ext uri="{FF2B5EF4-FFF2-40B4-BE49-F238E27FC236}">
-                <a16:creationId xmlns:a16="http://schemas.microsoft.com/office/drawing/2014/main" id="{1CF1AAE4-D0BC-430F-A613-7BBAAECA0C2D}"/>
-              </a:ext>
-              <a:ext uri="{C183D7F6-B498-43B3-948B-1728B52AA6E4}">
-                <adec:decorative xmlns:adec="http://schemas.microsoft.com/office/drawing/2017/decorative" val="1"/>
-              </a:ext>
-            </a:extLst>
-          </p:cNvPr>
-          <p:cNvSpPr>
-            <a:spLocks noGrp="1" noRot="1" noChangeAspect="1" noMove="1" noResize="1" noEditPoints="1" noAdjustHandles="1" noChangeArrowheads="1" noChangeShapeType="1" noTextEdit="1"/>
-          </p:cNvSpPr>
-          <p:nvPr>
-            <p:extLst>
-              <p:ext uri="{386F3935-93C4-4BCD-93E2-E3B085C9AB24}">
-                <p16:designElem xmlns:p16="http://schemas.microsoft.com/office/powerpoint/2015/main" val="1"/>
-              </p:ext>
-            </p:extLst>
-          </p:nvPr>
-        </p:nvSpPr>
-        <p:spPr>
-          <a:xfrm>
-            <a:off x="0" y="0"/>
-            <a:ext cx="12191999" cy="2285999"/>
-          </a:xfrm>
-          <a:prstGeom prst="rect">
-            <a:avLst/>
-          </a:prstGeom>
-          <a:solidFill>
-            <a:schemeClr val="tx1">
-              <a:lumMod val="85000"/>
-              <a:lumOff val="15000"/>
-            </a:schemeClr>
-          </a:solidFill>
-          <a:ln>
-            <a:noFill/>
-          </a:ln>
-        </p:spPr>
-        <p:style>
-          <a:lnRef idx="2">
-            <a:schemeClr val="accent1">
-              <a:shade val="50000"/>
-            </a:schemeClr>
-          </a:lnRef>
-          <a:fillRef idx="1">
-            <a:schemeClr val="accent1"/>
-          </a:fillRef>
-          <a:effectRef idx="0">
-            <a:schemeClr val="accent1"/>
-          </a:effectRef>
-          <a:fontRef idx="minor">
-            <a:schemeClr val="lt1"/>
-          </a:fontRef>
-        </p:style>
-        <p:txBody>
-          <a:bodyPr rtlCol="0" anchor="ctr"/>
-          <a:lstStyle/>
-          <a:p>
-            <a:pPr algn="ctr"/>
-            <a:endParaRPr lang="en-US"/>
-          </a:p>
-        </p:txBody>
-      </p:sp>
-      <p:sp>
-        <p:nvSpPr>
-          <p:cNvPr id="2" name="Title 1">
-            <a:extLst>
-              <a:ext uri="{FF2B5EF4-FFF2-40B4-BE49-F238E27FC236}">
-                <a16:creationId xmlns:a16="http://schemas.microsoft.com/office/drawing/2014/main" id="{B06C4D6D-8AC2-4BE1-9F90-6CCD1A575129}"/>
-              </a:ext>
-            </a:extLst>
-          </p:cNvPr>
-          <p:cNvSpPr>
-            <a:spLocks noGrp="1"/>
-          </p:cNvSpPr>
-          <p:nvPr>
-            <p:ph type="title"/>
-          </p:nvPr>
-        </p:nvSpPr>
-        <p:spPr>
-          <a:xfrm>
-            <a:off x="758952" y="379475"/>
-            <a:ext cx="10671048" cy="1554480"/>
-          </a:xfrm>
-        </p:spPr>
-        <p:txBody>
-          <a:bodyPr anchor="ctr">
-            <a:normAutofit/>
-          </a:bodyPr>
-          <a:lstStyle/>
-          <a:p>
-            <a:r>
-              <a:rPr lang="en-US" dirty="0">
-                <a:solidFill>
-                  <a:schemeClr val="bg1"/>
-                </a:solidFill>
-              </a:rPr>
-              <a:t>Moving Forward</a:t>
-            </a:r>
-            <a:br>
-              <a:rPr lang="en-US" dirty="0">
-                <a:solidFill>
-                  <a:schemeClr val="bg1"/>
-                </a:solidFill>
-              </a:rPr>
-            </a:br>
-            <a:r>
-              <a:rPr lang="en-US" sz="2000" dirty="0">
-                <a:solidFill>
-                  <a:schemeClr val="bg1"/>
-                </a:solidFill>
-              </a:rPr>
-              <a:t>Recommendations and Closing</a:t>
-            </a:r>
-            <a:endParaRPr lang="en-US" dirty="0">
-              <a:solidFill>
-                <a:schemeClr val="bg1"/>
-              </a:solidFill>
-            </a:endParaRPr>
-          </a:p>
-        </p:txBody>
-      </p:sp>
-      <p:sp>
-        <p:nvSpPr>
-          <p:cNvPr id="3" name="Content Placeholder 2">
-            <a:extLst>
-              <a:ext uri="{FF2B5EF4-FFF2-40B4-BE49-F238E27FC236}">
-                <a16:creationId xmlns:a16="http://schemas.microsoft.com/office/drawing/2014/main" id="{D2F13DBF-8EE9-4AED-9E32-ECFF8EAD46DA}"/>
-              </a:ext>
-            </a:extLst>
-          </p:cNvPr>
-          <p:cNvSpPr>
-            <a:spLocks noGrp="1"/>
-          </p:cNvSpPr>
-          <p:nvPr>
-            <p:ph idx="1"/>
-          </p:nvPr>
-        </p:nvSpPr>
-        <p:spPr>
-          <a:xfrm>
-            <a:off x="758824" y="2607732"/>
-            <a:ext cx="8412480" cy="3174357"/>
-          </a:xfrm>
-        </p:spPr>
-        <p:txBody>
-          <a:bodyPr>
-            <a:normAutofit fontScale="85000" lnSpcReduction="20000"/>
-          </a:bodyPr>
-          <a:lstStyle/>
-          <a:p>
-            <a:r>
-              <a:rPr lang="en-US" dirty="0"/>
-              <a:t>I would move the automation to occur in a cloud computing environment and have the python be run remotely</a:t>
-            </a:r>
-          </a:p>
-          <a:p>
-            <a:r>
-              <a:rPr lang="en-US" dirty="0"/>
-              <a:t>This process could run more than one time per day to give an even shorter feedback loop for operators to adjust narrowly if needed</a:t>
-            </a:r>
-          </a:p>
-          <a:p>
-            <a:r>
-              <a:rPr lang="en-US" dirty="0"/>
-              <a:t>Incorporate waste data as well as purchasing data for a detailed analysis of cost of goods</a:t>
-            </a:r>
-          </a:p>
-          <a:p>
-            <a:r>
-              <a:rPr lang="en-US" dirty="0"/>
-              <a:t>Give feedback to menu management software vendor to have their fields calculate automatically and for the ability for reports to be automated out of their system</a:t>
-            </a:r>
-          </a:p>
-          <a:p>
-            <a:r>
-              <a:rPr lang="en-US" dirty="0"/>
-              <a:t>Thanks to all the Foodservice Staff who generated this information and to Vanderbilt Campus Dining for partnering with me for my NSS Capstone</a:t>
-            </a:r>
-          </a:p>
-          <a:p>
-            <a:endParaRPr lang="en-US" dirty="0"/>
-          </a:p>
-          <a:p>
-            <a:endParaRPr lang="en-US" dirty="0"/>
-          </a:p>
-        </p:txBody>
-      </p:sp>
-      <p:sp>
-        <p:nvSpPr>
-          <p:cNvPr id="12" name="Freeform 6">
-            <a:extLst>
-              <a:ext uri="{FF2B5EF4-FFF2-40B4-BE49-F238E27FC236}">
-                <a16:creationId xmlns:a16="http://schemas.microsoft.com/office/drawing/2014/main" id="{A101E513-AF74-4E9D-A31F-99664250722D}"/>
-              </a:ext>
-              <a:ext uri="{C183D7F6-B498-43B3-948B-1728B52AA6E4}">
-                <adec:decorative xmlns:adec="http://schemas.microsoft.com/office/drawing/2017/decorative" val="1"/>
-              </a:ext>
-            </a:extLst>
-          </p:cNvPr>
-          <p:cNvSpPr>
-            <a:spLocks noGrp="1" noRot="1" noChangeAspect="1" noMove="1" noResize="1" noEditPoints="1" noAdjustHandles="1" noChangeArrowheads="1" noChangeShapeType="1" noTextEdit="1"/>
-          </p:cNvSpPr>
-          <p:nvPr>
-            <p:extLst>
-              <p:ext uri="{386F3935-93C4-4BCD-93E2-E3B085C9AB24}">
-                <p16:designElem xmlns:p16="http://schemas.microsoft.com/office/powerpoint/2015/main" val="1"/>
-              </p:ext>
-            </p:extLst>
-          </p:nvPr>
-        </p:nvSpPr>
-        <p:spPr bwMode="auto">
-          <a:xfrm>
-            <a:off x="11784011" y="5783564"/>
-            <a:ext cx="407988" cy="819150"/>
-          </a:xfrm>
-          <a:custGeom>
-            <a:avLst/>
-            <a:gdLst/>
-            <a:ahLst/>
-            <a:cxnLst/>
-            <a:rect l="0" t="0" r="r" b="b"/>
-            <a:pathLst>
-              <a:path w="1799" h="3612">
-                <a:moveTo>
-                  <a:pt x="1799" y="0"/>
-                </a:moveTo>
-                <a:lnTo>
-                  <a:pt x="1799" y="3612"/>
-                </a:lnTo>
-                <a:lnTo>
-                  <a:pt x="1686" y="3609"/>
-                </a:lnTo>
-                <a:lnTo>
-                  <a:pt x="1574" y="3598"/>
-                </a:lnTo>
-                <a:lnTo>
-                  <a:pt x="1464" y="3581"/>
-                </a:lnTo>
-                <a:lnTo>
-                  <a:pt x="1357" y="3557"/>
-                </a:lnTo>
-                <a:lnTo>
-                  <a:pt x="1251" y="3527"/>
-                </a:lnTo>
-                <a:lnTo>
-                  <a:pt x="1150" y="3490"/>
-                </a:lnTo>
-                <a:lnTo>
-                  <a:pt x="1050" y="3448"/>
-                </a:lnTo>
-                <a:lnTo>
-                  <a:pt x="953" y="3401"/>
-                </a:lnTo>
-                <a:lnTo>
-                  <a:pt x="860" y="3347"/>
-                </a:lnTo>
-                <a:lnTo>
-                  <a:pt x="771" y="3289"/>
-                </a:lnTo>
-                <a:lnTo>
-                  <a:pt x="686" y="3224"/>
-                </a:lnTo>
-                <a:lnTo>
-                  <a:pt x="604" y="3156"/>
-                </a:lnTo>
-                <a:lnTo>
-                  <a:pt x="527" y="3083"/>
-                </a:lnTo>
-                <a:lnTo>
-                  <a:pt x="454" y="3005"/>
-                </a:lnTo>
-                <a:lnTo>
-                  <a:pt x="386" y="2923"/>
-                </a:lnTo>
-                <a:lnTo>
-                  <a:pt x="323" y="2838"/>
-                </a:lnTo>
-                <a:lnTo>
-                  <a:pt x="265" y="2748"/>
-                </a:lnTo>
-                <a:lnTo>
-                  <a:pt x="211" y="2655"/>
-                </a:lnTo>
-                <a:lnTo>
-                  <a:pt x="163" y="2559"/>
-                </a:lnTo>
-                <a:lnTo>
-                  <a:pt x="121" y="2459"/>
-                </a:lnTo>
-                <a:lnTo>
-                  <a:pt x="85" y="2356"/>
-                </a:lnTo>
-                <a:lnTo>
-                  <a:pt x="55" y="2251"/>
-                </a:lnTo>
-                <a:lnTo>
-                  <a:pt x="32" y="2143"/>
-                </a:lnTo>
-                <a:lnTo>
-                  <a:pt x="14" y="2033"/>
-                </a:lnTo>
-                <a:lnTo>
-                  <a:pt x="4" y="1920"/>
-                </a:lnTo>
-                <a:lnTo>
-                  <a:pt x="0" y="1806"/>
-                </a:lnTo>
-                <a:lnTo>
-                  <a:pt x="4" y="1692"/>
-                </a:lnTo>
-                <a:lnTo>
-                  <a:pt x="14" y="1580"/>
-                </a:lnTo>
-                <a:lnTo>
-                  <a:pt x="32" y="1469"/>
-                </a:lnTo>
-                <a:lnTo>
-                  <a:pt x="55" y="1362"/>
-                </a:lnTo>
-                <a:lnTo>
-                  <a:pt x="85" y="1256"/>
-                </a:lnTo>
-                <a:lnTo>
-                  <a:pt x="121" y="1154"/>
-                </a:lnTo>
-                <a:lnTo>
-                  <a:pt x="163" y="1054"/>
-                </a:lnTo>
-                <a:lnTo>
-                  <a:pt x="211" y="958"/>
-                </a:lnTo>
-                <a:lnTo>
-                  <a:pt x="265" y="864"/>
-                </a:lnTo>
-                <a:lnTo>
-                  <a:pt x="323" y="774"/>
-                </a:lnTo>
-                <a:lnTo>
-                  <a:pt x="386" y="689"/>
-                </a:lnTo>
-                <a:lnTo>
-                  <a:pt x="454" y="607"/>
-                </a:lnTo>
-                <a:lnTo>
-                  <a:pt x="527" y="529"/>
-                </a:lnTo>
-                <a:lnTo>
-                  <a:pt x="604" y="456"/>
-                </a:lnTo>
-                <a:lnTo>
-                  <a:pt x="686" y="388"/>
-                </a:lnTo>
-                <a:lnTo>
-                  <a:pt x="771" y="325"/>
-                </a:lnTo>
-                <a:lnTo>
-                  <a:pt x="860" y="266"/>
-                </a:lnTo>
-                <a:lnTo>
-                  <a:pt x="953" y="212"/>
-                </a:lnTo>
-                <a:lnTo>
-                  <a:pt x="1050" y="164"/>
-                </a:lnTo>
-                <a:lnTo>
-                  <a:pt x="1150" y="122"/>
-                </a:lnTo>
-                <a:lnTo>
-                  <a:pt x="1251" y="85"/>
-                </a:lnTo>
-                <a:lnTo>
-                  <a:pt x="1357" y="55"/>
-                </a:lnTo>
-                <a:lnTo>
-                  <a:pt x="1464" y="32"/>
-                </a:lnTo>
-                <a:lnTo>
-                  <a:pt x="1574" y="14"/>
-                </a:lnTo>
-                <a:lnTo>
-                  <a:pt x="1686" y="5"/>
-                </a:lnTo>
-                <a:lnTo>
-                  <a:pt x="1799" y="0"/>
-                </a:lnTo>
-                <a:close/>
-              </a:path>
-            </a:pathLst>
-          </a:custGeom>
-          <a:solidFill>
-            <a:schemeClr val="tx1">
-              <a:lumMod val="85000"/>
-              <a:lumOff val="15000"/>
-            </a:schemeClr>
-          </a:solidFill>
-          <a:ln w="0">
-            <a:noFill/>
-            <a:prstDash val="solid"/>
-            <a:round/>
-            <a:headEnd/>
-            <a:tailEnd/>
-          </a:ln>
-        </p:spPr>
-        <p:txBody>
-          <a:bodyPr anchor="ctr"/>
-          <a:lstStyle/>
-          <a:p>
-            <a:endParaRPr lang="en-US"/>
-          </a:p>
-        </p:txBody>
-      </p:sp>
-    </p:spTree>
-    <p:extLst>
-      <p:ext uri="{BB962C8B-B14F-4D97-AF65-F5344CB8AC3E}">
-        <p14:creationId xmlns:p14="http://schemas.microsoft.com/office/powerpoint/2010/main" val="2627132932"/>
-      </p:ext>
-    </p:extLst>
-  </p:cSld>
-  <p:clrMapOvr>
-    <a:masterClrMapping/>
-  </p:clrMapOvr>
-</p:sld>
-</file>
-
-<file path=ppt/slides/slide2.xml><?xml version="1.0" encoding="utf-8"?>
-<p:sld xmlns:a="http://schemas.openxmlformats.org/drawingml/2006/main" xmlns:r="http://schemas.openxmlformats.org/officeDocument/2006/relationships" xmlns:p="http://schemas.openxmlformats.org/presentationml/2006/main">
-  <p:cSld>
-    <p:bg>
-      <p:bgPr>
-        <a:solidFill>
-          <a:schemeClr val="bg2"/>
-        </a:solidFill>
-        <a:effectLst/>
-      </p:bgPr>
-    </p:bg>
-    <p:spTree>
-      <p:nvGrpSpPr>
-        <p:cNvPr id="1" name=""/>
-        <p:cNvGrpSpPr/>
-        <p:nvPr/>
-      </p:nvGrpSpPr>
-      <p:grpSpPr>
-        <a:xfrm>
-          <a:off x="0" y="0"/>
-          <a:ext cx="0" cy="0"/>
-          <a:chOff x="0" y="0"/>
-          <a:chExt cx="0" cy="0"/>
-        </a:xfrm>
-      </p:grpSpPr>
-      <p:sp useBgFill="1">
-        <p:nvSpPr>
-          <p:cNvPr id="13" name="Rectangle 12">
-            <a:extLst>
-              <a:ext uri="{FF2B5EF4-FFF2-40B4-BE49-F238E27FC236}">
-                <a16:creationId xmlns:a16="http://schemas.microsoft.com/office/drawing/2014/main" id="{C5176844-69C3-4F79-BE38-EA5BDDF4FEA4}"/>
-              </a:ext>
-              <a:ext uri="{C183D7F6-B498-43B3-948B-1728B52AA6E4}">
-                <adec:decorative xmlns:adec="http://schemas.microsoft.com/office/drawing/2017/decorative" val="1"/>
-              </a:ext>
-            </a:extLst>
-          </p:cNvPr>
-          <p:cNvSpPr>
-            <a:spLocks noGrp="1" noRot="1" noChangeAspect="1" noMove="1" noResize="1" noEditPoints="1" noAdjustHandles="1" noChangeArrowheads="1" noChangeShapeType="1" noTextEdit="1"/>
-          </p:cNvSpPr>
-          <p:nvPr>
-            <p:extLst>
-              <p:ext uri="{386F3935-93C4-4BCD-93E2-E3B085C9AB24}">
-                <p16:designElem xmlns:p16="http://schemas.microsoft.com/office/powerpoint/2015/main" val="1"/>
-              </p:ext>
-            </p:extLst>
-          </p:nvPr>
-        </p:nvSpPr>
-        <p:spPr>
-          <a:xfrm>
-            <a:off x="0" y="0"/>
-            <a:ext cx="12192000" cy="6858000"/>
-          </a:xfrm>
-          <a:prstGeom prst="rect">
-            <a:avLst/>
-          </a:prstGeom>
-          <a:ln>
-            <a:noFill/>
-          </a:ln>
-        </p:spPr>
-        <p:style>
-          <a:lnRef idx="2">
-            <a:schemeClr val="accent1">
-              <a:shade val="50000"/>
-            </a:schemeClr>
-          </a:lnRef>
-          <a:fillRef idx="1">
-            <a:schemeClr val="accent1"/>
-          </a:fillRef>
-          <a:effectRef idx="0">
-            <a:schemeClr val="accent1"/>
-          </a:effectRef>
-          <a:fontRef idx="minor">
-            <a:schemeClr val="lt1"/>
-          </a:fontRef>
-        </p:style>
-        <p:txBody>
-          <a:bodyPr rtlCol="0" anchor="ctr"/>
-          <a:lstStyle/>
-          <a:p>
-            <a:pPr algn="ctr"/>
-            <a:endParaRPr lang="en-US"/>
-          </a:p>
-        </p:txBody>
-      </p:sp>
-      <p:sp>
-        <p:nvSpPr>
-          <p:cNvPr id="15" name="Rectangle 14">
-            <a:extLst>
-              <a:ext uri="{FF2B5EF4-FFF2-40B4-BE49-F238E27FC236}">
-                <a16:creationId xmlns:a16="http://schemas.microsoft.com/office/drawing/2014/main" id="{1CF1AAE4-D0BC-430F-A613-7BBAAECA0C2D}"/>
-              </a:ext>
-              <a:ext uri="{C183D7F6-B498-43B3-948B-1728B52AA6E4}">
-                <adec:decorative xmlns:adec="http://schemas.microsoft.com/office/drawing/2017/decorative" val="1"/>
-              </a:ext>
-            </a:extLst>
-          </p:cNvPr>
-          <p:cNvSpPr>
-            <a:spLocks noGrp="1" noRot="1" noChangeAspect="1" noMove="1" noResize="1" noEditPoints="1" noAdjustHandles="1" noChangeArrowheads="1" noChangeShapeType="1" noTextEdit="1"/>
-          </p:cNvSpPr>
-          <p:nvPr>
-            <p:extLst>
-              <p:ext uri="{386F3935-93C4-4BCD-93E2-E3B085C9AB24}">
-                <p16:designElem xmlns:p16="http://schemas.microsoft.com/office/powerpoint/2015/main" val="1"/>
-              </p:ext>
-            </p:extLst>
-          </p:nvPr>
-        </p:nvSpPr>
-        <p:spPr>
-          <a:xfrm>
-            <a:off x="0" y="0"/>
-            <a:ext cx="12191999" cy="2285999"/>
-          </a:xfrm>
-          <a:prstGeom prst="rect">
-            <a:avLst/>
-          </a:prstGeom>
-          <a:solidFill>
-            <a:schemeClr val="tx1">
-              <a:lumMod val="85000"/>
-              <a:lumOff val="15000"/>
-            </a:schemeClr>
-          </a:solidFill>
-          <a:ln>
-            <a:noFill/>
-          </a:ln>
-        </p:spPr>
-        <p:style>
-          <a:lnRef idx="2">
-            <a:schemeClr val="accent1">
-              <a:shade val="50000"/>
-            </a:schemeClr>
-          </a:lnRef>
-          <a:fillRef idx="1">
-            <a:schemeClr val="accent1"/>
-          </a:fillRef>
-          <a:effectRef idx="0">
-            <a:schemeClr val="accent1"/>
-          </a:effectRef>
-          <a:fontRef idx="minor">
-            <a:schemeClr val="lt1"/>
-          </a:fontRef>
-        </p:style>
-        <p:txBody>
-          <a:bodyPr rtlCol="0" anchor="ctr"/>
-          <a:lstStyle/>
-          <a:p>
-            <a:pPr algn="ctr"/>
-            <a:endParaRPr lang="en-US"/>
-          </a:p>
-        </p:txBody>
-      </p:sp>
-      <p:sp>
-        <p:nvSpPr>
-          <p:cNvPr id="7" name="Title 6">
-            <a:extLst>
-              <a:ext uri="{FF2B5EF4-FFF2-40B4-BE49-F238E27FC236}">
-                <a16:creationId xmlns:a16="http://schemas.microsoft.com/office/drawing/2014/main" id="{8D751298-BC96-4D2C-98F3-882F06FBDBF3}"/>
-              </a:ext>
-            </a:extLst>
-          </p:cNvPr>
-          <p:cNvSpPr>
-            <a:spLocks noGrp="1"/>
-          </p:cNvSpPr>
-          <p:nvPr>
-            <p:ph type="title"/>
-          </p:nvPr>
-        </p:nvSpPr>
-        <p:spPr>
-          <a:xfrm>
-            <a:off x="758952" y="379475"/>
-            <a:ext cx="10671048" cy="1554480"/>
-          </a:xfrm>
-        </p:spPr>
-        <p:txBody>
-          <a:bodyPr anchor="ctr">
-            <a:normAutofit/>
-          </a:bodyPr>
-          <a:lstStyle/>
-          <a:p>
-            <a:r>
-              <a:rPr lang="en-US">
-                <a:solidFill>
-                  <a:schemeClr val="bg1"/>
-                </a:solidFill>
-              </a:rPr>
-              <a:t>Agenda</a:t>
-            </a:r>
-          </a:p>
-        </p:txBody>
-      </p:sp>
-      <p:sp>
-        <p:nvSpPr>
-          <p:cNvPr id="8" name="Content Placeholder 7">
-            <a:extLst>
-              <a:ext uri="{FF2B5EF4-FFF2-40B4-BE49-F238E27FC236}">
-                <a16:creationId xmlns:a16="http://schemas.microsoft.com/office/drawing/2014/main" id="{14D205FF-4AD1-4AEA-B5E9-DF9D4382295F}"/>
-              </a:ext>
-            </a:extLst>
-          </p:cNvPr>
-          <p:cNvSpPr>
-            <a:spLocks noGrp="1"/>
-          </p:cNvSpPr>
-          <p:nvPr>
-            <p:ph idx="1"/>
-          </p:nvPr>
-        </p:nvSpPr>
-        <p:spPr>
-          <a:xfrm>
-            <a:off x="758824" y="2607732"/>
-            <a:ext cx="8412480" cy="3174357"/>
-          </a:xfrm>
-        </p:spPr>
-        <p:txBody>
-          <a:bodyPr>
-            <a:normAutofit/>
-          </a:bodyPr>
-          <a:lstStyle/>
-          <a:p>
-            <a:r>
-              <a:rPr lang="en-US" dirty="0"/>
-              <a:t>Light Definitions</a:t>
-            </a:r>
-          </a:p>
-          <a:p>
-            <a:r>
-              <a:rPr lang="en-US" dirty="0"/>
-              <a:t>Motivation and Data Question </a:t>
-            </a:r>
-          </a:p>
-          <a:p>
-            <a:pPr lvl="1"/>
-            <a:r>
-              <a:rPr lang="en-US" dirty="0"/>
-              <a:t>	*Preview of Dashboard and trigger automation</a:t>
-            </a:r>
-          </a:p>
-          <a:p>
-            <a:r>
-              <a:rPr lang="en-US" dirty="0"/>
-              <a:t>Data Cleaning- Python Work and Calculated Fields</a:t>
-            </a:r>
-          </a:p>
-          <a:p>
-            <a:r>
-              <a:rPr lang="en-US" dirty="0"/>
-              <a:t>Tour of Dashboard</a:t>
-            </a:r>
-          </a:p>
-          <a:p>
-            <a:r>
-              <a:rPr lang="en-US" dirty="0"/>
-              <a:t>Technologies Used</a:t>
-            </a:r>
-          </a:p>
-          <a:p>
-            <a:r>
-              <a:rPr lang="en-US" dirty="0"/>
-              <a:t>Moving Forward</a:t>
-            </a:r>
-          </a:p>
-          <a:p>
-            <a:endParaRPr lang="en-US" dirty="0"/>
-          </a:p>
-        </p:txBody>
-      </p:sp>
-      <p:sp>
-        <p:nvSpPr>
-          <p:cNvPr id="17" name="Freeform 6">
-            <a:extLst>
-              <a:ext uri="{FF2B5EF4-FFF2-40B4-BE49-F238E27FC236}">
-                <a16:creationId xmlns:a16="http://schemas.microsoft.com/office/drawing/2014/main" id="{A101E513-AF74-4E9D-A31F-99664250722D}"/>
-              </a:ext>
-              <a:ext uri="{C183D7F6-B498-43B3-948B-1728B52AA6E4}">
-                <adec:decorative xmlns:adec="http://schemas.microsoft.com/office/drawing/2017/decorative" val="1"/>
-              </a:ext>
-            </a:extLst>
-          </p:cNvPr>
-          <p:cNvSpPr>
-            <a:spLocks noGrp="1" noRot="1" noChangeAspect="1" noMove="1" noResize="1" noEditPoints="1" noAdjustHandles="1" noChangeArrowheads="1" noChangeShapeType="1" noTextEdit="1"/>
-          </p:cNvSpPr>
-          <p:nvPr>
-            <p:extLst>
-              <p:ext uri="{386F3935-93C4-4BCD-93E2-E3B085C9AB24}">
-                <p16:designElem xmlns:p16="http://schemas.microsoft.com/office/powerpoint/2015/main" val="1"/>
-              </p:ext>
-            </p:extLst>
-          </p:nvPr>
-        </p:nvSpPr>
-        <p:spPr bwMode="auto">
-          <a:xfrm>
-            <a:off x="11784011" y="5783564"/>
-            <a:ext cx="407988" cy="819150"/>
-          </a:xfrm>
-          <a:custGeom>
-            <a:avLst/>
-            <a:gdLst/>
-            <a:ahLst/>
-            <a:cxnLst/>
-            <a:rect l="0" t="0" r="r" b="b"/>
-            <a:pathLst>
-              <a:path w="1799" h="3612">
-                <a:moveTo>
-                  <a:pt x="1799" y="0"/>
-                </a:moveTo>
-                <a:lnTo>
-                  <a:pt x="1799" y="3612"/>
-                </a:lnTo>
-                <a:lnTo>
-                  <a:pt x="1686" y="3609"/>
-                </a:lnTo>
-                <a:lnTo>
-                  <a:pt x="1574" y="3598"/>
-                </a:lnTo>
-                <a:lnTo>
-                  <a:pt x="1464" y="3581"/>
-                </a:lnTo>
-                <a:lnTo>
-                  <a:pt x="1357" y="3557"/>
-                </a:lnTo>
-                <a:lnTo>
-                  <a:pt x="1251" y="3527"/>
-                </a:lnTo>
-                <a:lnTo>
-                  <a:pt x="1150" y="3490"/>
-                </a:lnTo>
-                <a:lnTo>
-                  <a:pt x="1050" y="3448"/>
-                </a:lnTo>
-                <a:lnTo>
-                  <a:pt x="953" y="3401"/>
-                </a:lnTo>
-                <a:lnTo>
-                  <a:pt x="860" y="3347"/>
-                </a:lnTo>
-                <a:lnTo>
-                  <a:pt x="771" y="3289"/>
-                </a:lnTo>
-                <a:lnTo>
-                  <a:pt x="686" y="3224"/>
-                </a:lnTo>
-                <a:lnTo>
-                  <a:pt x="604" y="3156"/>
-                </a:lnTo>
-                <a:lnTo>
-                  <a:pt x="527" y="3083"/>
-                </a:lnTo>
-                <a:lnTo>
-                  <a:pt x="454" y="3005"/>
-                </a:lnTo>
-                <a:lnTo>
-                  <a:pt x="386" y="2923"/>
-                </a:lnTo>
-                <a:lnTo>
-                  <a:pt x="323" y="2838"/>
-                </a:lnTo>
-                <a:lnTo>
-                  <a:pt x="265" y="2748"/>
-                </a:lnTo>
-                <a:lnTo>
-                  <a:pt x="211" y="2655"/>
-                </a:lnTo>
-                <a:lnTo>
-                  <a:pt x="163" y="2559"/>
-                </a:lnTo>
-                <a:lnTo>
-                  <a:pt x="121" y="2459"/>
-                </a:lnTo>
-                <a:lnTo>
-                  <a:pt x="85" y="2356"/>
-                </a:lnTo>
-                <a:lnTo>
-                  <a:pt x="55" y="2251"/>
-                </a:lnTo>
-                <a:lnTo>
-                  <a:pt x="32" y="2143"/>
-                </a:lnTo>
-                <a:lnTo>
-                  <a:pt x="14" y="2033"/>
-                </a:lnTo>
-                <a:lnTo>
-                  <a:pt x="4" y="1920"/>
-                </a:lnTo>
-                <a:lnTo>
-                  <a:pt x="0" y="1806"/>
-                </a:lnTo>
-                <a:lnTo>
-                  <a:pt x="4" y="1692"/>
-                </a:lnTo>
-                <a:lnTo>
-                  <a:pt x="14" y="1580"/>
-                </a:lnTo>
-                <a:lnTo>
-                  <a:pt x="32" y="1469"/>
-                </a:lnTo>
-                <a:lnTo>
-                  <a:pt x="55" y="1362"/>
-                </a:lnTo>
-                <a:lnTo>
-                  <a:pt x="85" y="1256"/>
-                </a:lnTo>
-                <a:lnTo>
-                  <a:pt x="121" y="1154"/>
-                </a:lnTo>
-                <a:lnTo>
-                  <a:pt x="163" y="1054"/>
-                </a:lnTo>
-                <a:lnTo>
-                  <a:pt x="211" y="958"/>
-                </a:lnTo>
-                <a:lnTo>
-                  <a:pt x="265" y="864"/>
-                </a:lnTo>
-                <a:lnTo>
-                  <a:pt x="323" y="774"/>
-                </a:lnTo>
-                <a:lnTo>
-                  <a:pt x="386" y="689"/>
-                </a:lnTo>
-                <a:lnTo>
-                  <a:pt x="454" y="607"/>
-                </a:lnTo>
-                <a:lnTo>
-                  <a:pt x="527" y="529"/>
-                </a:lnTo>
-                <a:lnTo>
-                  <a:pt x="604" y="456"/>
-                </a:lnTo>
-                <a:lnTo>
-                  <a:pt x="686" y="388"/>
-                </a:lnTo>
-                <a:lnTo>
-                  <a:pt x="771" y="325"/>
-                </a:lnTo>
-                <a:lnTo>
-                  <a:pt x="860" y="266"/>
-                </a:lnTo>
-                <a:lnTo>
-                  <a:pt x="953" y="212"/>
-                </a:lnTo>
-                <a:lnTo>
-                  <a:pt x="1050" y="164"/>
-                </a:lnTo>
-                <a:lnTo>
-                  <a:pt x="1150" y="122"/>
-                </a:lnTo>
-                <a:lnTo>
-                  <a:pt x="1251" y="85"/>
-                </a:lnTo>
-                <a:lnTo>
-                  <a:pt x="1357" y="55"/>
-                </a:lnTo>
-                <a:lnTo>
-                  <a:pt x="1464" y="32"/>
-                </a:lnTo>
-                <a:lnTo>
-                  <a:pt x="1574" y="14"/>
-                </a:lnTo>
-                <a:lnTo>
-                  <a:pt x="1686" y="5"/>
-                </a:lnTo>
-                <a:lnTo>
-                  <a:pt x="1799" y="0"/>
-                </a:lnTo>
-                <a:close/>
-              </a:path>
-            </a:pathLst>
-          </a:custGeom>
-          <a:solidFill>
-            <a:schemeClr val="tx1">
-              <a:lumMod val="85000"/>
-              <a:lumOff val="15000"/>
-            </a:schemeClr>
-          </a:solidFill>
-          <a:ln w="0">
-            <a:noFill/>
-            <a:prstDash val="solid"/>
-            <a:round/>
-            <a:headEnd/>
-            <a:tailEnd/>
-          </a:ln>
-        </p:spPr>
-        <p:txBody>
-          <a:bodyPr anchor="ctr"/>
-          <a:lstStyle/>
-          <a:p>
-            <a:endParaRPr lang="en-US"/>
-          </a:p>
-        </p:txBody>
-      </p:sp>
-    </p:spTree>
-    <p:extLst>
-      <p:ext uri="{BB962C8B-B14F-4D97-AF65-F5344CB8AC3E}">
-        <p14:creationId xmlns:p14="http://schemas.microsoft.com/office/powerpoint/2010/main" val="3696523145"/>
-      </p:ext>
-    </p:extLst>
-  </p:cSld>
-  <p:clrMapOvr>
-    <a:masterClrMapping/>
-  </p:clrMapOvr>
-</p:sld>
-</file>
-
-<file path=ppt/slides/slide3.xml><?xml version="1.0" encoding="utf-8"?>
-<p:sld xmlns:a="http://schemas.openxmlformats.org/drawingml/2006/main" xmlns:r="http://schemas.openxmlformats.org/officeDocument/2006/relationships" xmlns:p="http://schemas.openxmlformats.org/presentationml/2006/main">
-  <p:cSld>
-    <p:bg>
-      <p:bgPr>
-        <a:solidFill>
-          <a:schemeClr val="bg2"/>
-        </a:solidFill>
-        <a:effectLst/>
-      </p:bgPr>
-    </p:bg>
-    <p:spTree>
-      <p:nvGrpSpPr>
-        <p:cNvPr id="1" name=""/>
-        <p:cNvGrpSpPr/>
-        <p:nvPr/>
-      </p:nvGrpSpPr>
-      <p:grpSpPr>
-        <a:xfrm>
-          <a:off x="0" y="0"/>
-          <a:ext cx="0" cy="0"/>
-          <a:chOff x="0" y="0"/>
-          <a:chExt cx="0" cy="0"/>
-        </a:xfrm>
-      </p:grpSpPr>
-      <p:sp useBgFill="1">
-        <p:nvSpPr>
-          <p:cNvPr id="8" name="Rectangle 7">
-            <a:extLst>
-              <a:ext uri="{FF2B5EF4-FFF2-40B4-BE49-F238E27FC236}">
-                <a16:creationId xmlns:a16="http://schemas.microsoft.com/office/drawing/2014/main" id="{C5176844-69C3-4F79-BE38-EA5BDDF4FEA4}"/>
-              </a:ext>
-              <a:ext uri="{C183D7F6-B498-43B3-948B-1728B52AA6E4}">
-                <adec:decorative xmlns:adec="http://schemas.microsoft.com/office/drawing/2017/decorative" val="1"/>
-              </a:ext>
-            </a:extLst>
-          </p:cNvPr>
-          <p:cNvSpPr>
-            <a:spLocks noGrp="1" noRot="1" noChangeAspect="1" noMove="1" noResize="1" noEditPoints="1" noAdjustHandles="1" noChangeArrowheads="1" noChangeShapeType="1" noTextEdit="1"/>
-          </p:cNvSpPr>
-          <p:nvPr>
-            <p:extLst>
-              <p:ext uri="{386F3935-93C4-4BCD-93E2-E3B085C9AB24}">
-                <p16:designElem xmlns:p16="http://schemas.microsoft.com/office/powerpoint/2015/main" val="1"/>
-              </p:ext>
-            </p:extLst>
-          </p:nvPr>
-        </p:nvSpPr>
-        <p:spPr>
-          <a:xfrm>
-            <a:off x="0" y="0"/>
-            <a:ext cx="12192000" cy="6858000"/>
-          </a:xfrm>
-          <a:prstGeom prst="rect">
-            <a:avLst/>
-          </a:prstGeom>
-          <a:ln>
-            <a:noFill/>
-          </a:ln>
-        </p:spPr>
-        <p:style>
-          <a:lnRef idx="2">
-            <a:schemeClr val="accent1">
-              <a:shade val="50000"/>
-            </a:schemeClr>
-          </a:lnRef>
-          <a:fillRef idx="1">
-            <a:schemeClr val="accent1"/>
-          </a:fillRef>
-          <a:effectRef idx="0">
-            <a:schemeClr val="accent1"/>
-          </a:effectRef>
-          <a:fontRef idx="minor">
-            <a:schemeClr val="lt1"/>
-          </a:fontRef>
-        </p:style>
-        <p:txBody>
-          <a:bodyPr rtlCol="0" anchor="ctr"/>
-          <a:lstStyle/>
-          <a:p>
-            <a:pPr algn="ctr"/>
-            <a:endParaRPr lang="en-US"/>
-          </a:p>
-        </p:txBody>
-      </p:sp>
-      <p:sp>
-        <p:nvSpPr>
-          <p:cNvPr id="10" name="Rectangle 9">
-            <a:extLst>
-              <a:ext uri="{FF2B5EF4-FFF2-40B4-BE49-F238E27FC236}">
-                <a16:creationId xmlns:a16="http://schemas.microsoft.com/office/drawing/2014/main" id="{1CF1AAE4-D0BC-430F-A613-7BBAAECA0C2D}"/>
-              </a:ext>
-              <a:ext uri="{C183D7F6-B498-43B3-948B-1728B52AA6E4}">
-                <adec:decorative xmlns:adec="http://schemas.microsoft.com/office/drawing/2017/decorative" val="1"/>
-              </a:ext>
-            </a:extLst>
-          </p:cNvPr>
-          <p:cNvSpPr>
-            <a:spLocks noGrp="1" noRot="1" noChangeAspect="1" noMove="1" noResize="1" noEditPoints="1" noAdjustHandles="1" noChangeArrowheads="1" noChangeShapeType="1" noTextEdit="1"/>
-          </p:cNvSpPr>
-          <p:nvPr>
-            <p:extLst>
-              <p:ext uri="{386F3935-93C4-4BCD-93E2-E3B085C9AB24}">
-                <p16:designElem xmlns:p16="http://schemas.microsoft.com/office/powerpoint/2015/main" val="1"/>
-              </p:ext>
-            </p:extLst>
-          </p:nvPr>
-        </p:nvSpPr>
-        <p:spPr>
-          <a:xfrm>
-            <a:off x="0" y="0"/>
-            <a:ext cx="12191999" cy="2285999"/>
-          </a:xfrm>
-          <a:prstGeom prst="rect">
-            <a:avLst/>
-          </a:prstGeom>
-          <a:solidFill>
-            <a:schemeClr val="tx1">
-              <a:lumMod val="85000"/>
-              <a:lumOff val="15000"/>
-            </a:schemeClr>
-          </a:solidFill>
-          <a:ln>
-            <a:noFill/>
-          </a:ln>
-        </p:spPr>
-        <p:style>
-          <a:lnRef idx="2">
-            <a:schemeClr val="accent1">
-              <a:shade val="50000"/>
-            </a:schemeClr>
-          </a:lnRef>
-          <a:fillRef idx="1">
-            <a:schemeClr val="accent1"/>
-          </a:fillRef>
-          <a:effectRef idx="0">
-            <a:schemeClr val="accent1"/>
-          </a:effectRef>
-          <a:fontRef idx="minor">
-            <a:schemeClr val="lt1"/>
-          </a:fontRef>
-        </p:style>
-        <p:txBody>
-          <a:bodyPr rtlCol="0" anchor="ctr"/>
-          <a:lstStyle/>
-          <a:p>
-            <a:pPr algn="ctr"/>
-            <a:endParaRPr lang="en-US"/>
-          </a:p>
-        </p:txBody>
-      </p:sp>
-      <p:sp>
-        <p:nvSpPr>
-          <p:cNvPr id="2" name="Title 1">
-            <a:extLst>
-              <a:ext uri="{FF2B5EF4-FFF2-40B4-BE49-F238E27FC236}">
-                <a16:creationId xmlns:a16="http://schemas.microsoft.com/office/drawing/2014/main" id="{B06C4D6D-8AC2-4BE1-9F90-6CCD1A575129}"/>
-              </a:ext>
-            </a:extLst>
-          </p:cNvPr>
-          <p:cNvSpPr>
-            <a:spLocks noGrp="1"/>
-          </p:cNvSpPr>
-          <p:nvPr>
-            <p:ph type="title"/>
-          </p:nvPr>
-        </p:nvSpPr>
-        <p:spPr>
-          <a:xfrm>
-            <a:off x="758952" y="379475"/>
-            <a:ext cx="10671048" cy="1554480"/>
-          </a:xfrm>
-        </p:spPr>
-        <p:txBody>
-          <a:bodyPr anchor="ctr">
-            <a:normAutofit/>
-          </a:bodyPr>
-          <a:lstStyle/>
-          <a:p>
-            <a:r>
-              <a:rPr lang="en-US" dirty="0">
-                <a:solidFill>
-                  <a:schemeClr val="bg1"/>
-                </a:solidFill>
-              </a:rPr>
-              <a:t>Light Definitions</a:t>
-            </a:r>
-          </a:p>
-        </p:txBody>
-      </p:sp>
-      <p:sp>
-        <p:nvSpPr>
-          <p:cNvPr id="3" name="Content Placeholder 2">
-            <a:extLst>
-              <a:ext uri="{FF2B5EF4-FFF2-40B4-BE49-F238E27FC236}">
-                <a16:creationId xmlns:a16="http://schemas.microsoft.com/office/drawing/2014/main" id="{D2F13DBF-8EE9-4AED-9E32-ECFF8EAD46DA}"/>
-              </a:ext>
-            </a:extLst>
-          </p:cNvPr>
-          <p:cNvSpPr>
-            <a:spLocks noGrp="1"/>
-          </p:cNvSpPr>
-          <p:nvPr>
-            <p:ph idx="1"/>
-          </p:nvPr>
-        </p:nvSpPr>
-        <p:spPr>
-          <a:xfrm>
-            <a:off x="758824" y="2607732"/>
-            <a:ext cx="8412480" cy="3870793"/>
-          </a:xfrm>
-        </p:spPr>
-        <p:txBody>
-          <a:bodyPr>
-            <a:normAutofit fontScale="55000" lnSpcReduction="20000"/>
-          </a:bodyPr>
-          <a:lstStyle/>
-          <a:p>
-            <a:pPr>
-              <a:lnSpc>
-                <a:spcPct val="130000"/>
-              </a:lnSpc>
-            </a:pPr>
-            <a:r>
-              <a:rPr lang="en-US" sz="3300" b="1" dirty="0" err="1"/>
-              <a:t>NetMenu</a:t>
-            </a:r>
-            <a:r>
-              <a:rPr lang="en-US" sz="3300" b="1" dirty="0"/>
-              <a:t>- </a:t>
-            </a:r>
-            <a:r>
-              <a:rPr lang="en-US" sz="3300" dirty="0"/>
-              <a:t>Menu management software</a:t>
-            </a:r>
-            <a:endParaRPr lang="en-US" sz="3300" b="1" dirty="0"/>
-          </a:p>
-          <a:p>
-            <a:pPr>
-              <a:lnSpc>
-                <a:spcPct val="130000"/>
-              </a:lnSpc>
-            </a:pPr>
-            <a:r>
-              <a:rPr lang="en-US" sz="3300" b="1" dirty="0"/>
-              <a:t>Gold- </a:t>
-            </a:r>
-            <a:r>
-              <a:rPr lang="en-US" sz="3300" dirty="0"/>
-              <a:t>Card service software</a:t>
-            </a:r>
-          </a:p>
-          <a:p>
-            <a:pPr>
-              <a:lnSpc>
-                <a:spcPct val="130000"/>
-              </a:lnSpc>
-            </a:pPr>
-            <a:r>
-              <a:rPr lang="en-US" sz="3300" b="1" dirty="0"/>
-              <a:t>Cost Per Meal </a:t>
-            </a:r>
-            <a:r>
-              <a:rPr lang="en-US" sz="3300" dirty="0"/>
-              <a:t>= Total cost of food on the menu / # of customers that come through the door</a:t>
-            </a:r>
-          </a:p>
-          <a:p>
-            <a:pPr marR="0" lvl="2">
-              <a:lnSpc>
-                <a:spcPct val="130000"/>
-              </a:lnSpc>
-            </a:pPr>
-            <a:r>
-              <a:rPr lang="en-US" sz="3300" b="1" dirty="0"/>
-              <a:t>Forecasted Amount/Cost- </a:t>
-            </a:r>
-            <a:r>
-              <a:rPr lang="en-US" sz="3300" dirty="0"/>
-              <a:t>a educated guess on amounts to produce</a:t>
-            </a:r>
-          </a:p>
-          <a:p>
-            <a:pPr marR="0" lvl="2">
-              <a:lnSpc>
-                <a:spcPct val="130000"/>
-              </a:lnSpc>
-            </a:pPr>
-            <a:r>
-              <a:rPr lang="en-US" sz="3300" b="1" dirty="0"/>
-              <a:t>Prepared Amount/Cost- </a:t>
-            </a:r>
-            <a:r>
-              <a:rPr lang="en-US" sz="3300" dirty="0"/>
-              <a:t>the amount that got recorded for production in a real setting</a:t>
-            </a:r>
-          </a:p>
-          <a:p>
-            <a:pPr marR="0" lvl="2">
-              <a:lnSpc>
-                <a:spcPct val="130000"/>
-              </a:lnSpc>
-            </a:pPr>
-            <a:r>
-              <a:rPr lang="en-US" sz="3300" b="1" dirty="0"/>
-              <a:t>Served Amount/Cost- </a:t>
-            </a:r>
-            <a:r>
-              <a:rPr lang="en-US" sz="3300" dirty="0"/>
-              <a:t>the food that was served from the prepared </a:t>
-            </a:r>
-          </a:p>
-          <a:p>
-            <a:pPr marR="0" lvl="2">
-              <a:lnSpc>
-                <a:spcPct val="130000"/>
-              </a:lnSpc>
-            </a:pPr>
-            <a:r>
-              <a:rPr lang="en-US" sz="3300" b="1" dirty="0"/>
-              <a:t>Leftover Amount/Cost- </a:t>
-            </a:r>
-            <a:r>
-              <a:rPr lang="en-US" sz="3300" dirty="0"/>
-              <a:t>the difference of the prepared and served cost/amount</a:t>
-            </a:r>
-          </a:p>
-          <a:p>
-            <a:endParaRPr lang="en-US" dirty="0"/>
-          </a:p>
-        </p:txBody>
-      </p:sp>
-      <p:sp>
-        <p:nvSpPr>
-          <p:cNvPr id="12" name="Freeform 6">
-            <a:extLst>
-              <a:ext uri="{FF2B5EF4-FFF2-40B4-BE49-F238E27FC236}">
-                <a16:creationId xmlns:a16="http://schemas.microsoft.com/office/drawing/2014/main" id="{A101E513-AF74-4E9D-A31F-99664250722D}"/>
-              </a:ext>
-              <a:ext uri="{C183D7F6-B498-43B3-948B-1728B52AA6E4}">
-                <adec:decorative xmlns:adec="http://schemas.microsoft.com/office/drawing/2017/decorative" val="1"/>
-              </a:ext>
-            </a:extLst>
-          </p:cNvPr>
-          <p:cNvSpPr>
-            <a:spLocks noGrp="1" noRot="1" noChangeAspect="1" noMove="1" noResize="1" noEditPoints="1" noAdjustHandles="1" noChangeArrowheads="1" noChangeShapeType="1" noTextEdit="1"/>
-          </p:cNvSpPr>
-          <p:nvPr>
-            <p:extLst>
-              <p:ext uri="{386F3935-93C4-4BCD-93E2-E3B085C9AB24}">
-                <p16:designElem xmlns:p16="http://schemas.microsoft.com/office/powerpoint/2015/main" val="1"/>
-              </p:ext>
-            </p:extLst>
-          </p:nvPr>
-        </p:nvSpPr>
-        <p:spPr bwMode="auto">
-          <a:xfrm>
-            <a:off x="11784011" y="5783564"/>
-            <a:ext cx="407988" cy="819150"/>
-          </a:xfrm>
-          <a:custGeom>
-            <a:avLst/>
-            <a:gdLst/>
-            <a:ahLst/>
-            <a:cxnLst/>
-            <a:rect l="0" t="0" r="r" b="b"/>
-            <a:pathLst>
-              <a:path w="1799" h="3612">
-                <a:moveTo>
-                  <a:pt x="1799" y="0"/>
-                </a:moveTo>
-                <a:lnTo>
-                  <a:pt x="1799" y="3612"/>
-                </a:lnTo>
-                <a:lnTo>
-                  <a:pt x="1686" y="3609"/>
-                </a:lnTo>
-                <a:lnTo>
-                  <a:pt x="1574" y="3598"/>
-                </a:lnTo>
-                <a:lnTo>
-                  <a:pt x="1464" y="3581"/>
-                </a:lnTo>
-                <a:lnTo>
-                  <a:pt x="1357" y="3557"/>
-                </a:lnTo>
-                <a:lnTo>
-                  <a:pt x="1251" y="3527"/>
-                </a:lnTo>
-                <a:lnTo>
-                  <a:pt x="1150" y="3490"/>
-                </a:lnTo>
-                <a:lnTo>
-                  <a:pt x="1050" y="3448"/>
-                </a:lnTo>
-                <a:lnTo>
-                  <a:pt x="953" y="3401"/>
-                </a:lnTo>
-                <a:lnTo>
-                  <a:pt x="860" y="3347"/>
-                </a:lnTo>
-                <a:lnTo>
-                  <a:pt x="771" y="3289"/>
-                </a:lnTo>
-                <a:lnTo>
-                  <a:pt x="686" y="3224"/>
-                </a:lnTo>
-                <a:lnTo>
-                  <a:pt x="604" y="3156"/>
-                </a:lnTo>
-                <a:lnTo>
-                  <a:pt x="527" y="3083"/>
-                </a:lnTo>
-                <a:lnTo>
-                  <a:pt x="454" y="3005"/>
-                </a:lnTo>
-                <a:lnTo>
-                  <a:pt x="386" y="2923"/>
-                </a:lnTo>
-                <a:lnTo>
-                  <a:pt x="323" y="2838"/>
-                </a:lnTo>
-                <a:lnTo>
-                  <a:pt x="265" y="2748"/>
-                </a:lnTo>
-                <a:lnTo>
-                  <a:pt x="211" y="2655"/>
-                </a:lnTo>
-                <a:lnTo>
-                  <a:pt x="163" y="2559"/>
-                </a:lnTo>
-                <a:lnTo>
-                  <a:pt x="121" y="2459"/>
-                </a:lnTo>
-                <a:lnTo>
-                  <a:pt x="85" y="2356"/>
-                </a:lnTo>
-                <a:lnTo>
-                  <a:pt x="55" y="2251"/>
-                </a:lnTo>
-                <a:lnTo>
-                  <a:pt x="32" y="2143"/>
-                </a:lnTo>
-                <a:lnTo>
-                  <a:pt x="14" y="2033"/>
-                </a:lnTo>
-                <a:lnTo>
-                  <a:pt x="4" y="1920"/>
-                </a:lnTo>
-                <a:lnTo>
-                  <a:pt x="0" y="1806"/>
-                </a:lnTo>
-                <a:lnTo>
-                  <a:pt x="4" y="1692"/>
-                </a:lnTo>
-                <a:lnTo>
-                  <a:pt x="14" y="1580"/>
-                </a:lnTo>
-                <a:lnTo>
-                  <a:pt x="32" y="1469"/>
-                </a:lnTo>
-                <a:lnTo>
-                  <a:pt x="55" y="1362"/>
-                </a:lnTo>
-                <a:lnTo>
-                  <a:pt x="85" y="1256"/>
-                </a:lnTo>
-                <a:lnTo>
-                  <a:pt x="121" y="1154"/>
-                </a:lnTo>
-                <a:lnTo>
-                  <a:pt x="163" y="1054"/>
-                </a:lnTo>
-                <a:lnTo>
-                  <a:pt x="211" y="958"/>
-                </a:lnTo>
-                <a:lnTo>
-                  <a:pt x="265" y="864"/>
-                </a:lnTo>
-                <a:lnTo>
-                  <a:pt x="323" y="774"/>
-                </a:lnTo>
-                <a:lnTo>
-                  <a:pt x="386" y="689"/>
-                </a:lnTo>
-                <a:lnTo>
-                  <a:pt x="454" y="607"/>
-                </a:lnTo>
-                <a:lnTo>
-                  <a:pt x="527" y="529"/>
-                </a:lnTo>
-                <a:lnTo>
-                  <a:pt x="604" y="456"/>
-                </a:lnTo>
-                <a:lnTo>
-                  <a:pt x="686" y="388"/>
-                </a:lnTo>
-                <a:lnTo>
-                  <a:pt x="771" y="325"/>
-                </a:lnTo>
-                <a:lnTo>
-                  <a:pt x="860" y="266"/>
-                </a:lnTo>
-                <a:lnTo>
-                  <a:pt x="953" y="212"/>
-                </a:lnTo>
-                <a:lnTo>
-                  <a:pt x="1050" y="164"/>
-                </a:lnTo>
-                <a:lnTo>
-                  <a:pt x="1150" y="122"/>
-                </a:lnTo>
-                <a:lnTo>
-                  <a:pt x="1251" y="85"/>
-                </a:lnTo>
-                <a:lnTo>
-                  <a:pt x="1357" y="55"/>
-                </a:lnTo>
-                <a:lnTo>
-                  <a:pt x="1464" y="32"/>
-                </a:lnTo>
-                <a:lnTo>
-                  <a:pt x="1574" y="14"/>
-                </a:lnTo>
-                <a:lnTo>
-                  <a:pt x="1686" y="5"/>
-                </a:lnTo>
-                <a:lnTo>
-                  <a:pt x="1799" y="0"/>
-                </a:lnTo>
-                <a:close/>
-              </a:path>
-            </a:pathLst>
-          </a:custGeom>
-          <a:solidFill>
-            <a:schemeClr val="tx1">
-              <a:lumMod val="85000"/>
-              <a:lumOff val="15000"/>
-            </a:schemeClr>
-          </a:solidFill>
-          <a:ln w="0">
-            <a:noFill/>
-            <a:prstDash val="solid"/>
-            <a:round/>
-            <a:headEnd/>
-            <a:tailEnd/>
-          </a:ln>
-        </p:spPr>
-        <p:txBody>
-          <a:bodyPr anchor="ctr"/>
-          <a:lstStyle/>
-          <a:p>
-            <a:endParaRPr lang="en-US"/>
-          </a:p>
-        </p:txBody>
-      </p:sp>
-    </p:spTree>
-    <p:extLst>
-      <p:ext uri="{BB962C8B-B14F-4D97-AF65-F5344CB8AC3E}">
-        <p14:creationId xmlns:p14="http://schemas.microsoft.com/office/powerpoint/2010/main" val="4195826869"/>
-      </p:ext>
-    </p:extLst>
-  </p:cSld>
-  <p:clrMapOvr>
-    <a:masterClrMapping/>
-  </p:clrMapOvr>
-</p:sld>
-</file>
-
-<file path=ppt/slides/slide4.xml><?xml version="1.0" encoding="utf-8"?>
-<p:sld xmlns:a="http://schemas.openxmlformats.org/drawingml/2006/main" xmlns:r="http://schemas.openxmlformats.org/officeDocument/2006/relationships" xmlns:p="http://schemas.openxmlformats.org/presentationml/2006/main">
-  <p:cSld>
-    <p:bg>
-      <p:bgPr>
-        <a:solidFill>
-          <a:schemeClr val="bg2"/>
-        </a:solidFill>
-        <a:effectLst/>
-      </p:bgPr>
-    </p:bg>
-    <p:spTree>
-      <p:nvGrpSpPr>
-        <p:cNvPr id="1" name=""/>
-        <p:cNvGrpSpPr/>
-        <p:nvPr/>
-      </p:nvGrpSpPr>
-      <p:grpSpPr>
-        <a:xfrm>
-          <a:off x="0" y="0"/>
-          <a:ext cx="0" cy="0"/>
-          <a:chOff x="0" y="0"/>
-          <a:chExt cx="0" cy="0"/>
-        </a:xfrm>
-      </p:grpSpPr>
-      <p:sp useBgFill="1">
-        <p:nvSpPr>
-          <p:cNvPr id="8" name="Rectangle 7">
-            <a:extLst>
-              <a:ext uri="{FF2B5EF4-FFF2-40B4-BE49-F238E27FC236}">
-                <a16:creationId xmlns:a16="http://schemas.microsoft.com/office/drawing/2014/main" id="{C5176844-69C3-4F79-BE38-EA5BDDF4FEA4}"/>
-              </a:ext>
-              <a:ext uri="{C183D7F6-B498-43B3-948B-1728B52AA6E4}">
-                <adec:decorative xmlns:adec="http://schemas.microsoft.com/office/drawing/2017/decorative" val="1"/>
-              </a:ext>
-            </a:extLst>
-          </p:cNvPr>
-          <p:cNvSpPr>
-            <a:spLocks noGrp="1" noRot="1" noChangeAspect="1" noMove="1" noResize="1" noEditPoints="1" noAdjustHandles="1" noChangeArrowheads="1" noChangeShapeType="1" noTextEdit="1"/>
-          </p:cNvSpPr>
-          <p:nvPr>
-            <p:extLst>
-              <p:ext uri="{386F3935-93C4-4BCD-93E2-E3B085C9AB24}">
-                <p16:designElem xmlns:p16="http://schemas.microsoft.com/office/powerpoint/2015/main" val="1"/>
-              </p:ext>
-            </p:extLst>
-          </p:nvPr>
-        </p:nvSpPr>
-        <p:spPr>
-          <a:xfrm>
-            <a:off x="0" y="0"/>
-            <a:ext cx="12192000" cy="6858000"/>
-          </a:xfrm>
-          <a:prstGeom prst="rect">
-            <a:avLst/>
-          </a:prstGeom>
-          <a:ln>
-            <a:noFill/>
-          </a:ln>
-        </p:spPr>
-        <p:style>
-          <a:lnRef idx="2">
-            <a:schemeClr val="accent1">
-              <a:shade val="50000"/>
-            </a:schemeClr>
-          </a:lnRef>
-          <a:fillRef idx="1">
-            <a:schemeClr val="accent1"/>
-          </a:fillRef>
-          <a:effectRef idx="0">
-            <a:schemeClr val="accent1"/>
-          </a:effectRef>
-          <a:fontRef idx="minor">
-            <a:schemeClr val="lt1"/>
-          </a:fontRef>
-        </p:style>
-        <p:txBody>
-          <a:bodyPr rtlCol="0" anchor="ctr"/>
-          <a:lstStyle/>
-          <a:p>
-            <a:pPr algn="ctr"/>
-            <a:endParaRPr lang="en-US"/>
-          </a:p>
-        </p:txBody>
-      </p:sp>
-      <p:sp>
-        <p:nvSpPr>
-          <p:cNvPr id="10" name="Rectangle 9">
-            <a:extLst>
-              <a:ext uri="{FF2B5EF4-FFF2-40B4-BE49-F238E27FC236}">
-                <a16:creationId xmlns:a16="http://schemas.microsoft.com/office/drawing/2014/main" id="{1CF1AAE4-D0BC-430F-A613-7BBAAECA0C2D}"/>
-              </a:ext>
-              <a:ext uri="{C183D7F6-B498-43B3-948B-1728B52AA6E4}">
-                <adec:decorative xmlns:adec="http://schemas.microsoft.com/office/drawing/2017/decorative" val="1"/>
-              </a:ext>
-            </a:extLst>
-          </p:cNvPr>
-          <p:cNvSpPr>
-            <a:spLocks noGrp="1" noRot="1" noChangeAspect="1" noMove="1" noResize="1" noEditPoints="1" noAdjustHandles="1" noChangeArrowheads="1" noChangeShapeType="1" noTextEdit="1"/>
-          </p:cNvSpPr>
-          <p:nvPr>
-            <p:extLst>
-              <p:ext uri="{386F3935-93C4-4BCD-93E2-E3B085C9AB24}">
-                <p16:designElem xmlns:p16="http://schemas.microsoft.com/office/powerpoint/2015/main" val="1"/>
-              </p:ext>
-            </p:extLst>
-          </p:nvPr>
-        </p:nvSpPr>
-        <p:spPr>
-          <a:xfrm>
-            <a:off x="0" y="0"/>
-            <a:ext cx="12191999" cy="2285999"/>
-          </a:xfrm>
-          <a:prstGeom prst="rect">
-            <a:avLst/>
-          </a:prstGeom>
-          <a:solidFill>
-            <a:schemeClr val="tx1">
-              <a:lumMod val="85000"/>
-              <a:lumOff val="15000"/>
-            </a:schemeClr>
-          </a:solidFill>
-          <a:ln>
-            <a:noFill/>
-          </a:ln>
-        </p:spPr>
-        <p:style>
-          <a:lnRef idx="2">
-            <a:schemeClr val="accent1">
-              <a:shade val="50000"/>
-            </a:schemeClr>
-          </a:lnRef>
-          <a:fillRef idx="1">
-            <a:schemeClr val="accent1"/>
-          </a:fillRef>
-          <a:effectRef idx="0">
-            <a:schemeClr val="accent1"/>
-          </a:effectRef>
-          <a:fontRef idx="minor">
-            <a:schemeClr val="lt1"/>
-          </a:fontRef>
-        </p:style>
-        <p:txBody>
-          <a:bodyPr rtlCol="0" anchor="ctr"/>
-          <a:lstStyle/>
-          <a:p>
-            <a:pPr algn="ctr"/>
-            <a:endParaRPr lang="en-US"/>
-          </a:p>
-        </p:txBody>
-      </p:sp>
-      <p:sp>
-        <p:nvSpPr>
-          <p:cNvPr id="2" name="Title 1">
-            <a:extLst>
-              <a:ext uri="{FF2B5EF4-FFF2-40B4-BE49-F238E27FC236}">
-                <a16:creationId xmlns:a16="http://schemas.microsoft.com/office/drawing/2014/main" id="{B06C4D6D-8AC2-4BE1-9F90-6CCD1A575129}"/>
-              </a:ext>
-            </a:extLst>
-          </p:cNvPr>
-          <p:cNvSpPr>
-            <a:spLocks noGrp="1"/>
-          </p:cNvSpPr>
-          <p:nvPr>
-            <p:ph type="title"/>
-          </p:nvPr>
-        </p:nvSpPr>
-        <p:spPr>
-          <a:xfrm>
-            <a:off x="758952" y="379475"/>
-            <a:ext cx="10671048" cy="1554480"/>
-          </a:xfrm>
-        </p:spPr>
-        <p:txBody>
-          <a:bodyPr anchor="ctr">
-            <a:normAutofit/>
-          </a:bodyPr>
-          <a:lstStyle/>
-          <a:p>
-            <a:r>
-              <a:rPr lang="en-US" dirty="0">
-                <a:solidFill>
-                  <a:schemeClr val="bg1"/>
-                </a:solidFill>
-              </a:rPr>
-              <a:t>Motivation</a:t>
-            </a:r>
-          </a:p>
-        </p:txBody>
-      </p:sp>
-      <p:sp>
-        <p:nvSpPr>
-          <p:cNvPr id="3" name="Content Placeholder 2">
-            <a:extLst>
-              <a:ext uri="{FF2B5EF4-FFF2-40B4-BE49-F238E27FC236}">
-                <a16:creationId xmlns:a16="http://schemas.microsoft.com/office/drawing/2014/main" id="{D2F13DBF-8EE9-4AED-9E32-ECFF8EAD46DA}"/>
-              </a:ext>
-            </a:extLst>
-          </p:cNvPr>
-          <p:cNvSpPr>
-            <a:spLocks noGrp="1"/>
-          </p:cNvSpPr>
-          <p:nvPr>
-            <p:ph idx="1"/>
-          </p:nvPr>
-        </p:nvSpPr>
-        <p:spPr>
-          <a:xfrm>
-            <a:off x="758824" y="2607732"/>
-            <a:ext cx="8412480" cy="3174357"/>
-          </a:xfrm>
-        </p:spPr>
-        <p:txBody>
-          <a:bodyPr>
-            <a:normAutofit/>
-          </a:bodyPr>
-          <a:lstStyle/>
-          <a:p>
-            <a:r>
-              <a:rPr lang="en-US" dirty="0"/>
-              <a:t>The motivation for creating this dashboard was to create a tool to have </a:t>
-            </a:r>
-            <a:r>
-              <a:rPr lang="en-US" b="1" dirty="0"/>
-              <a:t>real time data </a:t>
-            </a:r>
-            <a:r>
-              <a:rPr lang="en-US" dirty="0"/>
-              <a:t>for operators on which areas of their business drives their cost per meal (CPM)</a:t>
-            </a:r>
-          </a:p>
-          <a:p>
-            <a:r>
-              <a:rPr lang="en-US" dirty="0"/>
-              <a:t>The opportunity to </a:t>
-            </a:r>
-            <a:r>
-              <a:rPr lang="en-US" b="1" dirty="0"/>
-              <a:t>shorten the feedback loop </a:t>
-            </a:r>
-            <a:r>
-              <a:rPr lang="en-US" dirty="0"/>
-              <a:t>and push information without operators having to run reports can help them with their day-to-day decisions faster for more precise decision making on food production</a:t>
-            </a:r>
-          </a:p>
-        </p:txBody>
-      </p:sp>
-      <p:sp>
-        <p:nvSpPr>
-          <p:cNvPr id="12" name="Freeform 6">
-            <a:extLst>
-              <a:ext uri="{FF2B5EF4-FFF2-40B4-BE49-F238E27FC236}">
-                <a16:creationId xmlns:a16="http://schemas.microsoft.com/office/drawing/2014/main" id="{A101E513-AF74-4E9D-A31F-99664250722D}"/>
-              </a:ext>
-              <a:ext uri="{C183D7F6-B498-43B3-948B-1728B52AA6E4}">
-                <adec:decorative xmlns:adec="http://schemas.microsoft.com/office/drawing/2017/decorative" val="1"/>
-              </a:ext>
-            </a:extLst>
-          </p:cNvPr>
-          <p:cNvSpPr>
-            <a:spLocks noGrp="1" noRot="1" noChangeAspect="1" noMove="1" noResize="1" noEditPoints="1" noAdjustHandles="1" noChangeArrowheads="1" noChangeShapeType="1" noTextEdit="1"/>
-          </p:cNvSpPr>
-          <p:nvPr>
-            <p:extLst>
-              <p:ext uri="{386F3935-93C4-4BCD-93E2-E3B085C9AB24}">
-                <p16:designElem xmlns:p16="http://schemas.microsoft.com/office/powerpoint/2015/main" val="1"/>
-              </p:ext>
-            </p:extLst>
-          </p:nvPr>
-        </p:nvSpPr>
-        <p:spPr bwMode="auto">
-          <a:xfrm>
-            <a:off x="11784011" y="5783564"/>
-            <a:ext cx="407988" cy="819150"/>
-          </a:xfrm>
-          <a:custGeom>
-            <a:avLst/>
-            <a:gdLst/>
-            <a:ahLst/>
-            <a:cxnLst/>
-            <a:rect l="0" t="0" r="r" b="b"/>
-            <a:pathLst>
-              <a:path w="1799" h="3612">
-                <a:moveTo>
-                  <a:pt x="1799" y="0"/>
-                </a:moveTo>
-                <a:lnTo>
-                  <a:pt x="1799" y="3612"/>
-                </a:lnTo>
-                <a:lnTo>
-                  <a:pt x="1686" y="3609"/>
-                </a:lnTo>
-                <a:lnTo>
-                  <a:pt x="1574" y="3598"/>
-                </a:lnTo>
-                <a:lnTo>
-                  <a:pt x="1464" y="3581"/>
-                </a:lnTo>
-                <a:lnTo>
-                  <a:pt x="1357" y="3557"/>
-                </a:lnTo>
-                <a:lnTo>
-                  <a:pt x="1251" y="3527"/>
-                </a:lnTo>
-                <a:lnTo>
-                  <a:pt x="1150" y="3490"/>
-                </a:lnTo>
-                <a:lnTo>
-                  <a:pt x="1050" y="3448"/>
-                </a:lnTo>
-                <a:lnTo>
-                  <a:pt x="953" y="3401"/>
-                </a:lnTo>
-                <a:lnTo>
-                  <a:pt x="860" y="3347"/>
-                </a:lnTo>
-                <a:lnTo>
-                  <a:pt x="771" y="3289"/>
-                </a:lnTo>
-                <a:lnTo>
-                  <a:pt x="686" y="3224"/>
-                </a:lnTo>
-                <a:lnTo>
-                  <a:pt x="604" y="3156"/>
-                </a:lnTo>
-                <a:lnTo>
-                  <a:pt x="527" y="3083"/>
-                </a:lnTo>
-                <a:lnTo>
-                  <a:pt x="454" y="3005"/>
-                </a:lnTo>
-                <a:lnTo>
-                  <a:pt x="386" y="2923"/>
-                </a:lnTo>
-                <a:lnTo>
-                  <a:pt x="323" y="2838"/>
-                </a:lnTo>
-                <a:lnTo>
-                  <a:pt x="265" y="2748"/>
-                </a:lnTo>
-                <a:lnTo>
-                  <a:pt x="211" y="2655"/>
-                </a:lnTo>
-                <a:lnTo>
-                  <a:pt x="163" y="2559"/>
-                </a:lnTo>
-                <a:lnTo>
-                  <a:pt x="121" y="2459"/>
-                </a:lnTo>
-                <a:lnTo>
-                  <a:pt x="85" y="2356"/>
-                </a:lnTo>
-                <a:lnTo>
-                  <a:pt x="55" y="2251"/>
-                </a:lnTo>
-                <a:lnTo>
-                  <a:pt x="32" y="2143"/>
-                </a:lnTo>
-                <a:lnTo>
-                  <a:pt x="14" y="2033"/>
-                </a:lnTo>
-                <a:lnTo>
-                  <a:pt x="4" y="1920"/>
-                </a:lnTo>
-                <a:lnTo>
-                  <a:pt x="0" y="1806"/>
-                </a:lnTo>
-                <a:lnTo>
-                  <a:pt x="4" y="1692"/>
-                </a:lnTo>
-                <a:lnTo>
-                  <a:pt x="14" y="1580"/>
-                </a:lnTo>
-                <a:lnTo>
-                  <a:pt x="32" y="1469"/>
-                </a:lnTo>
-                <a:lnTo>
-                  <a:pt x="55" y="1362"/>
-                </a:lnTo>
-                <a:lnTo>
-                  <a:pt x="85" y="1256"/>
-                </a:lnTo>
-                <a:lnTo>
-                  <a:pt x="121" y="1154"/>
-                </a:lnTo>
-                <a:lnTo>
-                  <a:pt x="163" y="1054"/>
-                </a:lnTo>
-                <a:lnTo>
-                  <a:pt x="211" y="958"/>
-                </a:lnTo>
-                <a:lnTo>
-                  <a:pt x="265" y="864"/>
-                </a:lnTo>
-                <a:lnTo>
-                  <a:pt x="323" y="774"/>
-                </a:lnTo>
-                <a:lnTo>
-                  <a:pt x="386" y="689"/>
-                </a:lnTo>
-                <a:lnTo>
-                  <a:pt x="454" y="607"/>
-                </a:lnTo>
-                <a:lnTo>
-                  <a:pt x="527" y="529"/>
-                </a:lnTo>
-                <a:lnTo>
-                  <a:pt x="604" y="456"/>
-                </a:lnTo>
-                <a:lnTo>
-                  <a:pt x="686" y="388"/>
-                </a:lnTo>
-                <a:lnTo>
-                  <a:pt x="771" y="325"/>
-                </a:lnTo>
-                <a:lnTo>
-                  <a:pt x="860" y="266"/>
-                </a:lnTo>
-                <a:lnTo>
-                  <a:pt x="953" y="212"/>
-                </a:lnTo>
-                <a:lnTo>
-                  <a:pt x="1050" y="164"/>
-                </a:lnTo>
-                <a:lnTo>
-                  <a:pt x="1150" y="122"/>
-                </a:lnTo>
-                <a:lnTo>
-                  <a:pt x="1251" y="85"/>
-                </a:lnTo>
-                <a:lnTo>
-                  <a:pt x="1357" y="55"/>
-                </a:lnTo>
-                <a:lnTo>
-                  <a:pt x="1464" y="32"/>
-                </a:lnTo>
-                <a:lnTo>
-                  <a:pt x="1574" y="14"/>
-                </a:lnTo>
-                <a:lnTo>
-                  <a:pt x="1686" y="5"/>
-                </a:lnTo>
-                <a:lnTo>
-                  <a:pt x="1799" y="0"/>
-                </a:lnTo>
-                <a:close/>
-              </a:path>
-            </a:pathLst>
-          </a:custGeom>
-          <a:solidFill>
-            <a:schemeClr val="tx1">
-              <a:lumMod val="85000"/>
-              <a:lumOff val="15000"/>
-            </a:schemeClr>
-          </a:solidFill>
-          <a:ln w="0">
-            <a:noFill/>
-            <a:prstDash val="solid"/>
-            <a:round/>
-            <a:headEnd/>
-            <a:tailEnd/>
-          </a:ln>
-        </p:spPr>
-        <p:txBody>
-          <a:bodyPr anchor="ctr"/>
-          <a:lstStyle/>
-          <a:p>
-            <a:endParaRPr lang="en-US"/>
-          </a:p>
-        </p:txBody>
-      </p:sp>
-    </p:spTree>
-    <p:extLst>
-      <p:ext uri="{BB962C8B-B14F-4D97-AF65-F5344CB8AC3E}">
-        <p14:creationId xmlns:p14="http://schemas.microsoft.com/office/powerpoint/2010/main" val="1453068888"/>
-      </p:ext>
-    </p:extLst>
-  </p:cSld>
-  <p:clrMapOvr>
-    <a:masterClrMapping/>
-  </p:clrMapOvr>
-</p:sld>
-</file>
-
-<file path=ppt/slides/slide5.xml><?xml version="1.0" encoding="utf-8"?>
-<p:sld xmlns:a="http://schemas.openxmlformats.org/drawingml/2006/main" xmlns:r="http://schemas.openxmlformats.org/officeDocument/2006/relationships" xmlns:p="http://schemas.openxmlformats.org/presentationml/2006/main">
-  <p:cSld>
-    <p:bg>
-      <p:bgPr>
-        <a:solidFill>
-          <a:schemeClr val="bg2"/>
-        </a:solidFill>
-        <a:effectLst/>
-      </p:bgPr>
-    </p:bg>
-    <p:spTree>
-      <p:nvGrpSpPr>
-        <p:cNvPr id="1" name=""/>
-        <p:cNvGrpSpPr/>
-        <p:nvPr/>
-      </p:nvGrpSpPr>
-      <p:grpSpPr>
-        <a:xfrm>
-          <a:off x="0" y="0"/>
-          <a:ext cx="0" cy="0"/>
-          <a:chOff x="0" y="0"/>
-          <a:chExt cx="0" cy="0"/>
-        </a:xfrm>
-      </p:grpSpPr>
-      <p:sp useBgFill="1">
-        <p:nvSpPr>
-          <p:cNvPr id="8" name="Rectangle 7">
-            <a:extLst>
-              <a:ext uri="{FF2B5EF4-FFF2-40B4-BE49-F238E27FC236}">
-                <a16:creationId xmlns:a16="http://schemas.microsoft.com/office/drawing/2014/main" id="{C5176844-69C3-4F79-BE38-EA5BDDF4FEA4}"/>
-              </a:ext>
-              <a:ext uri="{C183D7F6-B498-43B3-948B-1728B52AA6E4}">
-                <adec:decorative xmlns:adec="http://schemas.microsoft.com/office/drawing/2017/decorative" val="1"/>
-              </a:ext>
-            </a:extLst>
-          </p:cNvPr>
-          <p:cNvSpPr>
-            <a:spLocks noGrp="1" noRot="1" noChangeAspect="1" noMove="1" noResize="1" noEditPoints="1" noAdjustHandles="1" noChangeArrowheads="1" noChangeShapeType="1" noTextEdit="1"/>
-          </p:cNvSpPr>
-          <p:nvPr>
-            <p:extLst>
-              <p:ext uri="{386F3935-93C4-4BCD-93E2-E3B085C9AB24}">
-                <p16:designElem xmlns:p16="http://schemas.microsoft.com/office/powerpoint/2015/main" val="1"/>
-              </p:ext>
-            </p:extLst>
-          </p:nvPr>
-        </p:nvSpPr>
-        <p:spPr>
-          <a:xfrm>
-            <a:off x="0" y="0"/>
-            <a:ext cx="12192000" cy="6858000"/>
-          </a:xfrm>
-          <a:prstGeom prst="rect">
-            <a:avLst/>
-          </a:prstGeom>
-          <a:ln>
-            <a:noFill/>
-          </a:ln>
-        </p:spPr>
-        <p:style>
-          <a:lnRef idx="2">
-            <a:schemeClr val="accent1">
-              <a:shade val="50000"/>
-            </a:schemeClr>
-          </a:lnRef>
-          <a:fillRef idx="1">
-            <a:schemeClr val="accent1"/>
-          </a:fillRef>
-          <a:effectRef idx="0">
-            <a:schemeClr val="accent1"/>
-          </a:effectRef>
-          <a:fontRef idx="minor">
-            <a:schemeClr val="lt1"/>
-          </a:fontRef>
-        </p:style>
-        <p:txBody>
-          <a:bodyPr rtlCol="0" anchor="ctr"/>
-          <a:lstStyle/>
-          <a:p>
-            <a:pPr algn="ctr"/>
-            <a:endParaRPr lang="en-US"/>
-          </a:p>
-        </p:txBody>
-      </p:sp>
-      <p:sp>
-        <p:nvSpPr>
-          <p:cNvPr id="10" name="Rectangle 9">
-            <a:extLst>
-              <a:ext uri="{FF2B5EF4-FFF2-40B4-BE49-F238E27FC236}">
-                <a16:creationId xmlns:a16="http://schemas.microsoft.com/office/drawing/2014/main" id="{1CF1AAE4-D0BC-430F-A613-7BBAAECA0C2D}"/>
-              </a:ext>
-              <a:ext uri="{C183D7F6-B498-43B3-948B-1728B52AA6E4}">
-                <adec:decorative xmlns:adec="http://schemas.microsoft.com/office/drawing/2017/decorative" val="1"/>
-              </a:ext>
-            </a:extLst>
-          </p:cNvPr>
-          <p:cNvSpPr>
-            <a:spLocks noGrp="1" noRot="1" noChangeAspect="1" noMove="1" noResize="1" noEditPoints="1" noAdjustHandles="1" noChangeArrowheads="1" noChangeShapeType="1" noTextEdit="1"/>
-          </p:cNvSpPr>
-          <p:nvPr>
-            <p:extLst>
-              <p:ext uri="{386F3935-93C4-4BCD-93E2-E3B085C9AB24}">
-                <p16:designElem xmlns:p16="http://schemas.microsoft.com/office/powerpoint/2015/main" val="1"/>
-              </p:ext>
-            </p:extLst>
-          </p:nvPr>
-        </p:nvSpPr>
-        <p:spPr>
-          <a:xfrm>
-            <a:off x="0" y="0"/>
-            <a:ext cx="12191999" cy="2285999"/>
-          </a:xfrm>
-          <a:prstGeom prst="rect">
-            <a:avLst/>
-          </a:prstGeom>
-          <a:solidFill>
-            <a:schemeClr val="tx1">
-              <a:lumMod val="85000"/>
-              <a:lumOff val="15000"/>
-            </a:schemeClr>
-          </a:solidFill>
-          <a:ln>
-            <a:noFill/>
-          </a:ln>
-        </p:spPr>
-        <p:style>
-          <a:lnRef idx="2">
-            <a:schemeClr val="accent1">
-              <a:shade val="50000"/>
-            </a:schemeClr>
-          </a:lnRef>
-          <a:fillRef idx="1">
-            <a:schemeClr val="accent1"/>
-          </a:fillRef>
-          <a:effectRef idx="0">
-            <a:schemeClr val="accent1"/>
-          </a:effectRef>
-          <a:fontRef idx="minor">
-            <a:schemeClr val="lt1"/>
-          </a:fontRef>
-        </p:style>
-        <p:txBody>
-          <a:bodyPr rtlCol="0" anchor="ctr"/>
-          <a:lstStyle/>
-          <a:p>
-            <a:pPr algn="ctr"/>
-            <a:endParaRPr lang="en-US"/>
-          </a:p>
-        </p:txBody>
-      </p:sp>
-      <p:sp>
-        <p:nvSpPr>
-          <p:cNvPr id="2" name="Title 1">
-            <a:extLst>
-              <a:ext uri="{FF2B5EF4-FFF2-40B4-BE49-F238E27FC236}">
-                <a16:creationId xmlns:a16="http://schemas.microsoft.com/office/drawing/2014/main" id="{B06C4D6D-8AC2-4BE1-9F90-6CCD1A575129}"/>
-              </a:ext>
-            </a:extLst>
-          </p:cNvPr>
-          <p:cNvSpPr>
-            <a:spLocks noGrp="1"/>
-          </p:cNvSpPr>
-          <p:nvPr>
-            <p:ph type="title"/>
-          </p:nvPr>
-        </p:nvSpPr>
-        <p:spPr>
-          <a:xfrm>
-            <a:off x="758952" y="379475"/>
-            <a:ext cx="10671048" cy="1554480"/>
-          </a:xfrm>
-        </p:spPr>
-        <p:txBody>
-          <a:bodyPr anchor="ctr">
-            <a:normAutofit/>
-          </a:bodyPr>
-          <a:lstStyle/>
-          <a:p>
-            <a:pPr algn="ctr"/>
-            <a:r>
-              <a:rPr lang="en-US" dirty="0">
-                <a:solidFill>
-                  <a:schemeClr val="bg1"/>
-                </a:solidFill>
-              </a:rPr>
-              <a:t>Data Question</a:t>
-            </a:r>
-          </a:p>
-        </p:txBody>
-      </p:sp>
-      <p:sp>
-        <p:nvSpPr>
-          <p:cNvPr id="3" name="Content Placeholder 2">
-            <a:extLst>
-              <a:ext uri="{FF2B5EF4-FFF2-40B4-BE49-F238E27FC236}">
-                <a16:creationId xmlns:a16="http://schemas.microsoft.com/office/drawing/2014/main" id="{D2F13DBF-8EE9-4AED-9E32-ECFF8EAD46DA}"/>
-              </a:ext>
-            </a:extLst>
-          </p:cNvPr>
-          <p:cNvSpPr>
-            <a:spLocks noGrp="1"/>
-          </p:cNvSpPr>
-          <p:nvPr>
-            <p:ph idx="1"/>
-          </p:nvPr>
-        </p:nvSpPr>
-        <p:spPr>
-          <a:xfrm>
-            <a:off x="1589334" y="3071846"/>
-            <a:ext cx="8412480" cy="2711718"/>
-          </a:xfrm>
-        </p:spPr>
-        <p:txBody>
-          <a:bodyPr>
-            <a:normAutofit/>
-          </a:bodyPr>
-          <a:lstStyle/>
-          <a:p>
-            <a:pPr marL="0" indent="0" algn="ctr">
-              <a:buNone/>
-            </a:pPr>
-            <a:r>
-              <a:rPr lang="en-US" sz="3600" dirty="0"/>
-              <a:t>How can we get </a:t>
-            </a:r>
-            <a:r>
-              <a:rPr lang="en-US" sz="3600" dirty="0" err="1"/>
-              <a:t>NetMenu</a:t>
-            </a:r>
-            <a:r>
-              <a:rPr lang="en-US" sz="3600" dirty="0"/>
-              <a:t> data to be displayed with visuals and have it updated with Meal Plan reports that are coming out of Gold daily?</a:t>
-            </a:r>
-          </a:p>
-        </p:txBody>
-      </p:sp>
-      <p:sp>
-        <p:nvSpPr>
-          <p:cNvPr id="12" name="Freeform 6">
-            <a:extLst>
-              <a:ext uri="{FF2B5EF4-FFF2-40B4-BE49-F238E27FC236}">
-                <a16:creationId xmlns:a16="http://schemas.microsoft.com/office/drawing/2014/main" id="{A101E513-AF74-4E9D-A31F-99664250722D}"/>
-              </a:ext>
-              <a:ext uri="{C183D7F6-B498-43B3-948B-1728B52AA6E4}">
-                <adec:decorative xmlns:adec="http://schemas.microsoft.com/office/drawing/2017/decorative" val="1"/>
-              </a:ext>
-            </a:extLst>
-          </p:cNvPr>
-          <p:cNvSpPr>
-            <a:spLocks noGrp="1" noRot="1" noChangeAspect="1" noMove="1" noResize="1" noEditPoints="1" noAdjustHandles="1" noChangeArrowheads="1" noChangeShapeType="1" noTextEdit="1"/>
-          </p:cNvSpPr>
-          <p:nvPr>
-            <p:extLst>
-              <p:ext uri="{386F3935-93C4-4BCD-93E2-E3B085C9AB24}">
-                <p16:designElem xmlns:p16="http://schemas.microsoft.com/office/powerpoint/2015/main" val="1"/>
-              </p:ext>
-            </p:extLst>
-          </p:nvPr>
-        </p:nvSpPr>
-        <p:spPr bwMode="auto">
-          <a:xfrm>
-            <a:off x="11784011" y="5783564"/>
-            <a:ext cx="407988" cy="819150"/>
-          </a:xfrm>
-          <a:custGeom>
-            <a:avLst/>
-            <a:gdLst/>
-            <a:ahLst/>
-            <a:cxnLst/>
-            <a:rect l="0" t="0" r="r" b="b"/>
-            <a:pathLst>
-              <a:path w="1799" h="3612">
-                <a:moveTo>
-                  <a:pt x="1799" y="0"/>
-                </a:moveTo>
-                <a:lnTo>
-                  <a:pt x="1799" y="3612"/>
-                </a:lnTo>
-                <a:lnTo>
-                  <a:pt x="1686" y="3609"/>
-                </a:lnTo>
-                <a:lnTo>
-                  <a:pt x="1574" y="3598"/>
-                </a:lnTo>
-                <a:lnTo>
-                  <a:pt x="1464" y="3581"/>
-                </a:lnTo>
-                <a:lnTo>
-                  <a:pt x="1357" y="3557"/>
-                </a:lnTo>
-                <a:lnTo>
-                  <a:pt x="1251" y="3527"/>
-                </a:lnTo>
-                <a:lnTo>
-                  <a:pt x="1150" y="3490"/>
-                </a:lnTo>
-                <a:lnTo>
-                  <a:pt x="1050" y="3448"/>
-                </a:lnTo>
-                <a:lnTo>
-                  <a:pt x="953" y="3401"/>
-                </a:lnTo>
-                <a:lnTo>
-                  <a:pt x="860" y="3347"/>
-                </a:lnTo>
-                <a:lnTo>
-                  <a:pt x="771" y="3289"/>
-                </a:lnTo>
-                <a:lnTo>
-                  <a:pt x="686" y="3224"/>
-                </a:lnTo>
-                <a:lnTo>
-                  <a:pt x="604" y="3156"/>
-                </a:lnTo>
-                <a:lnTo>
-                  <a:pt x="527" y="3083"/>
-                </a:lnTo>
-                <a:lnTo>
-                  <a:pt x="454" y="3005"/>
-                </a:lnTo>
-                <a:lnTo>
-                  <a:pt x="386" y="2923"/>
-                </a:lnTo>
-                <a:lnTo>
-                  <a:pt x="323" y="2838"/>
-                </a:lnTo>
-                <a:lnTo>
-                  <a:pt x="265" y="2748"/>
-                </a:lnTo>
-                <a:lnTo>
-                  <a:pt x="211" y="2655"/>
-                </a:lnTo>
-                <a:lnTo>
-                  <a:pt x="163" y="2559"/>
-                </a:lnTo>
-                <a:lnTo>
-                  <a:pt x="121" y="2459"/>
-                </a:lnTo>
-                <a:lnTo>
-                  <a:pt x="85" y="2356"/>
-                </a:lnTo>
-                <a:lnTo>
-                  <a:pt x="55" y="2251"/>
-                </a:lnTo>
-                <a:lnTo>
-                  <a:pt x="32" y="2143"/>
-                </a:lnTo>
-                <a:lnTo>
-                  <a:pt x="14" y="2033"/>
-                </a:lnTo>
-                <a:lnTo>
-                  <a:pt x="4" y="1920"/>
-                </a:lnTo>
-                <a:lnTo>
-                  <a:pt x="0" y="1806"/>
-                </a:lnTo>
-                <a:lnTo>
-                  <a:pt x="4" y="1692"/>
-                </a:lnTo>
-                <a:lnTo>
-                  <a:pt x="14" y="1580"/>
-                </a:lnTo>
-                <a:lnTo>
-                  <a:pt x="32" y="1469"/>
-                </a:lnTo>
-                <a:lnTo>
-                  <a:pt x="55" y="1362"/>
-                </a:lnTo>
-                <a:lnTo>
-                  <a:pt x="85" y="1256"/>
-                </a:lnTo>
-                <a:lnTo>
-                  <a:pt x="121" y="1154"/>
-                </a:lnTo>
-                <a:lnTo>
-                  <a:pt x="163" y="1054"/>
-                </a:lnTo>
-                <a:lnTo>
-                  <a:pt x="211" y="958"/>
-                </a:lnTo>
-                <a:lnTo>
-                  <a:pt x="265" y="864"/>
-                </a:lnTo>
-                <a:lnTo>
-                  <a:pt x="323" y="774"/>
-                </a:lnTo>
-                <a:lnTo>
-                  <a:pt x="386" y="689"/>
-                </a:lnTo>
-                <a:lnTo>
-                  <a:pt x="454" y="607"/>
-                </a:lnTo>
-                <a:lnTo>
-                  <a:pt x="527" y="529"/>
-                </a:lnTo>
-                <a:lnTo>
-                  <a:pt x="604" y="456"/>
-                </a:lnTo>
-                <a:lnTo>
-                  <a:pt x="686" y="388"/>
-                </a:lnTo>
-                <a:lnTo>
-                  <a:pt x="771" y="325"/>
-                </a:lnTo>
-                <a:lnTo>
-                  <a:pt x="860" y="266"/>
-                </a:lnTo>
-                <a:lnTo>
-                  <a:pt x="953" y="212"/>
-                </a:lnTo>
-                <a:lnTo>
-                  <a:pt x="1050" y="164"/>
-                </a:lnTo>
-                <a:lnTo>
-                  <a:pt x="1150" y="122"/>
-                </a:lnTo>
-                <a:lnTo>
-                  <a:pt x="1251" y="85"/>
-                </a:lnTo>
-                <a:lnTo>
-                  <a:pt x="1357" y="55"/>
-                </a:lnTo>
-                <a:lnTo>
-                  <a:pt x="1464" y="32"/>
-                </a:lnTo>
-                <a:lnTo>
-                  <a:pt x="1574" y="14"/>
-                </a:lnTo>
-                <a:lnTo>
-                  <a:pt x="1686" y="5"/>
-                </a:lnTo>
-                <a:lnTo>
-                  <a:pt x="1799" y="0"/>
-                </a:lnTo>
-                <a:close/>
-              </a:path>
-            </a:pathLst>
-          </a:custGeom>
-          <a:solidFill>
-            <a:schemeClr val="tx1">
-              <a:lumMod val="85000"/>
-              <a:lumOff val="15000"/>
-            </a:schemeClr>
-          </a:solidFill>
-          <a:ln w="0">
-            <a:noFill/>
-            <a:prstDash val="solid"/>
-            <a:round/>
-            <a:headEnd/>
-            <a:tailEnd/>
-          </a:ln>
-        </p:spPr>
-        <p:txBody>
-          <a:bodyPr anchor="ctr"/>
-          <a:lstStyle/>
-          <a:p>
-            <a:endParaRPr lang="en-US"/>
-          </a:p>
-        </p:txBody>
-      </p:sp>
-    </p:spTree>
-    <p:extLst>
-      <p:ext uri="{BB962C8B-B14F-4D97-AF65-F5344CB8AC3E}">
-        <p14:creationId xmlns:p14="http://schemas.microsoft.com/office/powerpoint/2010/main" val="1385637095"/>
-      </p:ext>
-    </p:extLst>
-  </p:cSld>
-  <p:clrMapOvr>
-    <a:masterClrMapping/>
-  </p:clrMapOvr>
-</p:sld>
-</file>
-
-<file path=ppt/slides/slide6.xml><?xml version="1.0" encoding="utf-8"?>
-<p:sld xmlns:a="http://schemas.openxmlformats.org/drawingml/2006/main" xmlns:r="http://schemas.openxmlformats.org/officeDocument/2006/relationships" xmlns:p="http://schemas.openxmlformats.org/presentationml/2006/main">
-  <p:cSld>
-    <p:bg>
-      <p:bgPr>
-        <a:solidFill>
-          <a:schemeClr val="bg2"/>
-        </a:solidFill>
-        <a:effectLst/>
-      </p:bgPr>
-    </p:bg>
-    <p:spTree>
-      <p:nvGrpSpPr>
-        <p:cNvPr id="1" name=""/>
-        <p:cNvGrpSpPr/>
-        <p:nvPr/>
-      </p:nvGrpSpPr>
-      <p:grpSpPr>
-        <a:xfrm>
-          <a:off x="0" y="0"/>
-          <a:ext cx="0" cy="0"/>
-          <a:chOff x="0" y="0"/>
-          <a:chExt cx="0" cy="0"/>
-        </a:xfrm>
-      </p:grpSpPr>
-      <p:sp useBgFill="1">
-        <p:nvSpPr>
-          <p:cNvPr id="8" name="Rectangle 7">
-            <a:extLst>
-              <a:ext uri="{FF2B5EF4-FFF2-40B4-BE49-F238E27FC236}">
-                <a16:creationId xmlns:a16="http://schemas.microsoft.com/office/drawing/2014/main" id="{C5176844-69C3-4F79-BE38-EA5BDDF4FEA4}"/>
-              </a:ext>
-              <a:ext uri="{C183D7F6-B498-43B3-948B-1728B52AA6E4}">
-                <adec:decorative xmlns:adec="http://schemas.microsoft.com/office/drawing/2017/decorative" val="1"/>
-              </a:ext>
-            </a:extLst>
-          </p:cNvPr>
-          <p:cNvSpPr>
-            <a:spLocks noGrp="1" noRot="1" noChangeAspect="1" noMove="1" noResize="1" noEditPoints="1" noAdjustHandles="1" noChangeArrowheads="1" noChangeShapeType="1" noTextEdit="1"/>
-          </p:cNvSpPr>
-          <p:nvPr>
-            <p:extLst>
-              <p:ext uri="{386F3935-93C4-4BCD-93E2-E3B085C9AB24}">
-                <p16:designElem xmlns:p16="http://schemas.microsoft.com/office/powerpoint/2015/main" val="1"/>
-              </p:ext>
-            </p:extLst>
-          </p:nvPr>
-        </p:nvSpPr>
-        <p:spPr>
-          <a:xfrm>
-            <a:off x="0" y="0"/>
-            <a:ext cx="12192000" cy="6858000"/>
-          </a:xfrm>
-          <a:prstGeom prst="rect">
-            <a:avLst/>
-          </a:prstGeom>
-          <a:ln>
-            <a:noFill/>
-          </a:ln>
-        </p:spPr>
-        <p:style>
-          <a:lnRef idx="2">
-            <a:schemeClr val="accent1">
-              <a:shade val="50000"/>
-            </a:schemeClr>
-          </a:lnRef>
-          <a:fillRef idx="1">
-            <a:schemeClr val="accent1"/>
-          </a:fillRef>
-          <a:effectRef idx="0">
-            <a:schemeClr val="accent1"/>
-          </a:effectRef>
-          <a:fontRef idx="minor">
-            <a:schemeClr val="lt1"/>
-          </a:fontRef>
-        </p:style>
-        <p:txBody>
-          <a:bodyPr rtlCol="0" anchor="ctr"/>
-          <a:lstStyle/>
-          <a:p>
-            <a:pPr algn="ctr"/>
-            <a:endParaRPr lang="en-US"/>
-          </a:p>
-        </p:txBody>
-      </p:sp>
-      <p:sp>
-        <p:nvSpPr>
-          <p:cNvPr id="10" name="Rectangle 9">
-            <a:extLst>
-              <a:ext uri="{FF2B5EF4-FFF2-40B4-BE49-F238E27FC236}">
-                <a16:creationId xmlns:a16="http://schemas.microsoft.com/office/drawing/2014/main" id="{1CF1AAE4-D0BC-430F-A613-7BBAAECA0C2D}"/>
-              </a:ext>
-              <a:ext uri="{C183D7F6-B498-43B3-948B-1728B52AA6E4}">
-                <adec:decorative xmlns:adec="http://schemas.microsoft.com/office/drawing/2017/decorative" val="1"/>
-              </a:ext>
-            </a:extLst>
-          </p:cNvPr>
-          <p:cNvSpPr>
-            <a:spLocks noGrp="1" noRot="1" noChangeAspect="1" noMove="1" noResize="1" noEditPoints="1" noAdjustHandles="1" noChangeArrowheads="1" noChangeShapeType="1" noTextEdit="1"/>
-          </p:cNvSpPr>
-          <p:nvPr>
-            <p:extLst>
-              <p:ext uri="{386F3935-93C4-4BCD-93E2-E3B085C9AB24}">
-                <p16:designElem xmlns:p16="http://schemas.microsoft.com/office/powerpoint/2015/main" val="1"/>
-              </p:ext>
-            </p:extLst>
-          </p:nvPr>
-        </p:nvSpPr>
-        <p:spPr>
-          <a:xfrm>
-            <a:off x="0" y="0"/>
-            <a:ext cx="12191999" cy="2285999"/>
-          </a:xfrm>
-          <a:prstGeom prst="rect">
-            <a:avLst/>
-          </a:prstGeom>
-          <a:solidFill>
-            <a:schemeClr val="tx1">
-              <a:lumMod val="85000"/>
-              <a:lumOff val="15000"/>
-            </a:schemeClr>
-          </a:solidFill>
-          <a:ln>
-            <a:noFill/>
-          </a:ln>
-        </p:spPr>
-        <p:style>
-          <a:lnRef idx="2">
-            <a:schemeClr val="accent1">
-              <a:shade val="50000"/>
-            </a:schemeClr>
-          </a:lnRef>
-          <a:fillRef idx="1">
-            <a:schemeClr val="accent1"/>
-          </a:fillRef>
-          <a:effectRef idx="0">
-            <a:schemeClr val="accent1"/>
-          </a:effectRef>
-          <a:fontRef idx="minor">
-            <a:schemeClr val="lt1"/>
-          </a:fontRef>
-        </p:style>
-        <p:txBody>
-          <a:bodyPr rtlCol="0" anchor="ctr"/>
-          <a:lstStyle/>
-          <a:p>
-            <a:pPr algn="ctr"/>
-            <a:endParaRPr lang="en-US"/>
-          </a:p>
-        </p:txBody>
-      </p:sp>
-      <p:sp>
-        <p:nvSpPr>
-          <p:cNvPr id="2" name="Title 1">
-            <a:extLst>
-              <a:ext uri="{FF2B5EF4-FFF2-40B4-BE49-F238E27FC236}">
-                <a16:creationId xmlns:a16="http://schemas.microsoft.com/office/drawing/2014/main" id="{B06C4D6D-8AC2-4BE1-9F90-6CCD1A575129}"/>
-              </a:ext>
-            </a:extLst>
-          </p:cNvPr>
-          <p:cNvSpPr>
-            <a:spLocks noGrp="1"/>
-          </p:cNvSpPr>
-          <p:nvPr>
-            <p:ph type="title"/>
-          </p:nvPr>
-        </p:nvSpPr>
-        <p:spPr>
-          <a:xfrm>
-            <a:off x="758952" y="379475"/>
-            <a:ext cx="10671048" cy="1554480"/>
-          </a:xfrm>
-        </p:spPr>
-        <p:txBody>
-          <a:bodyPr anchor="ctr">
-            <a:normAutofit/>
-          </a:bodyPr>
-          <a:lstStyle/>
-          <a:p>
-            <a:r>
-              <a:rPr lang="en-US" dirty="0">
-                <a:solidFill>
-                  <a:schemeClr val="bg1"/>
-                </a:solidFill>
-              </a:rPr>
-              <a:t>Workflow</a:t>
-            </a:r>
-          </a:p>
-        </p:txBody>
-      </p:sp>
-      <p:sp>
-        <p:nvSpPr>
-          <p:cNvPr id="12" name="Freeform 6">
-            <a:extLst>
-              <a:ext uri="{FF2B5EF4-FFF2-40B4-BE49-F238E27FC236}">
-                <a16:creationId xmlns:a16="http://schemas.microsoft.com/office/drawing/2014/main" id="{A101E513-AF74-4E9D-A31F-99664250722D}"/>
-              </a:ext>
-              <a:ext uri="{C183D7F6-B498-43B3-948B-1728B52AA6E4}">
-                <adec:decorative xmlns:adec="http://schemas.microsoft.com/office/drawing/2017/decorative" val="1"/>
-              </a:ext>
-            </a:extLst>
-          </p:cNvPr>
-          <p:cNvSpPr>
-            <a:spLocks noGrp="1" noRot="1" noChangeAspect="1" noMove="1" noResize="1" noEditPoints="1" noAdjustHandles="1" noChangeArrowheads="1" noChangeShapeType="1" noTextEdit="1"/>
-          </p:cNvSpPr>
-          <p:nvPr>
-            <p:extLst>
-              <p:ext uri="{386F3935-93C4-4BCD-93E2-E3B085C9AB24}">
-                <p16:designElem xmlns:p16="http://schemas.microsoft.com/office/powerpoint/2015/main" val="1"/>
-              </p:ext>
-            </p:extLst>
-          </p:nvPr>
-        </p:nvSpPr>
-        <p:spPr bwMode="auto">
-          <a:xfrm>
-            <a:off x="11784011" y="5783564"/>
-            <a:ext cx="407988" cy="819150"/>
-          </a:xfrm>
-          <a:custGeom>
-            <a:avLst/>
-            <a:gdLst/>
-            <a:ahLst/>
-            <a:cxnLst/>
-            <a:rect l="0" t="0" r="r" b="b"/>
-            <a:pathLst>
-              <a:path w="1799" h="3612">
-                <a:moveTo>
-                  <a:pt x="1799" y="0"/>
-                </a:moveTo>
-                <a:lnTo>
-                  <a:pt x="1799" y="3612"/>
-                </a:lnTo>
-                <a:lnTo>
-                  <a:pt x="1686" y="3609"/>
-                </a:lnTo>
-                <a:lnTo>
-                  <a:pt x="1574" y="3598"/>
-                </a:lnTo>
-                <a:lnTo>
-                  <a:pt x="1464" y="3581"/>
-                </a:lnTo>
-                <a:lnTo>
-                  <a:pt x="1357" y="3557"/>
-                </a:lnTo>
-                <a:lnTo>
-                  <a:pt x="1251" y="3527"/>
-                </a:lnTo>
-                <a:lnTo>
-                  <a:pt x="1150" y="3490"/>
-                </a:lnTo>
-                <a:lnTo>
-                  <a:pt x="1050" y="3448"/>
-                </a:lnTo>
-                <a:lnTo>
-                  <a:pt x="953" y="3401"/>
-                </a:lnTo>
-                <a:lnTo>
-                  <a:pt x="860" y="3347"/>
-                </a:lnTo>
-                <a:lnTo>
-                  <a:pt x="771" y="3289"/>
-                </a:lnTo>
-                <a:lnTo>
-                  <a:pt x="686" y="3224"/>
-                </a:lnTo>
-                <a:lnTo>
-                  <a:pt x="604" y="3156"/>
-                </a:lnTo>
-                <a:lnTo>
-                  <a:pt x="527" y="3083"/>
-                </a:lnTo>
-                <a:lnTo>
-                  <a:pt x="454" y="3005"/>
-                </a:lnTo>
-                <a:lnTo>
-                  <a:pt x="386" y="2923"/>
-                </a:lnTo>
-                <a:lnTo>
-                  <a:pt x="323" y="2838"/>
-                </a:lnTo>
-                <a:lnTo>
-                  <a:pt x="265" y="2748"/>
-                </a:lnTo>
-                <a:lnTo>
-                  <a:pt x="211" y="2655"/>
-                </a:lnTo>
-                <a:lnTo>
-                  <a:pt x="163" y="2559"/>
-                </a:lnTo>
-                <a:lnTo>
-                  <a:pt x="121" y="2459"/>
-                </a:lnTo>
-                <a:lnTo>
-                  <a:pt x="85" y="2356"/>
-                </a:lnTo>
-                <a:lnTo>
-                  <a:pt x="55" y="2251"/>
-                </a:lnTo>
-                <a:lnTo>
-                  <a:pt x="32" y="2143"/>
-                </a:lnTo>
-                <a:lnTo>
-                  <a:pt x="14" y="2033"/>
-                </a:lnTo>
-                <a:lnTo>
-                  <a:pt x="4" y="1920"/>
-                </a:lnTo>
-                <a:lnTo>
-                  <a:pt x="0" y="1806"/>
-                </a:lnTo>
-                <a:lnTo>
-                  <a:pt x="4" y="1692"/>
-                </a:lnTo>
-                <a:lnTo>
-                  <a:pt x="14" y="1580"/>
-                </a:lnTo>
-                <a:lnTo>
-                  <a:pt x="32" y="1469"/>
-                </a:lnTo>
-                <a:lnTo>
-                  <a:pt x="55" y="1362"/>
-                </a:lnTo>
-                <a:lnTo>
-                  <a:pt x="85" y="1256"/>
-                </a:lnTo>
-                <a:lnTo>
-                  <a:pt x="121" y="1154"/>
-                </a:lnTo>
-                <a:lnTo>
-                  <a:pt x="163" y="1054"/>
-                </a:lnTo>
-                <a:lnTo>
-                  <a:pt x="211" y="958"/>
-                </a:lnTo>
-                <a:lnTo>
-                  <a:pt x="265" y="864"/>
-                </a:lnTo>
-                <a:lnTo>
-                  <a:pt x="323" y="774"/>
-                </a:lnTo>
-                <a:lnTo>
-                  <a:pt x="386" y="689"/>
-                </a:lnTo>
-                <a:lnTo>
-                  <a:pt x="454" y="607"/>
-                </a:lnTo>
-                <a:lnTo>
-                  <a:pt x="527" y="529"/>
-                </a:lnTo>
-                <a:lnTo>
-                  <a:pt x="604" y="456"/>
-                </a:lnTo>
-                <a:lnTo>
-                  <a:pt x="686" y="388"/>
-                </a:lnTo>
-                <a:lnTo>
-                  <a:pt x="771" y="325"/>
-                </a:lnTo>
-                <a:lnTo>
-                  <a:pt x="860" y="266"/>
-                </a:lnTo>
-                <a:lnTo>
-                  <a:pt x="953" y="212"/>
-                </a:lnTo>
-                <a:lnTo>
-                  <a:pt x="1050" y="164"/>
-                </a:lnTo>
-                <a:lnTo>
-                  <a:pt x="1150" y="122"/>
-                </a:lnTo>
-                <a:lnTo>
-                  <a:pt x="1251" y="85"/>
-                </a:lnTo>
-                <a:lnTo>
-                  <a:pt x="1357" y="55"/>
-                </a:lnTo>
-                <a:lnTo>
-                  <a:pt x="1464" y="32"/>
-                </a:lnTo>
-                <a:lnTo>
-                  <a:pt x="1574" y="14"/>
-                </a:lnTo>
-                <a:lnTo>
-                  <a:pt x="1686" y="5"/>
-                </a:lnTo>
-                <a:lnTo>
-                  <a:pt x="1799" y="0"/>
-                </a:lnTo>
-                <a:close/>
-              </a:path>
-            </a:pathLst>
-          </a:custGeom>
-          <a:solidFill>
-            <a:schemeClr val="tx1">
-              <a:lumMod val="85000"/>
-              <a:lumOff val="15000"/>
-            </a:schemeClr>
-          </a:solidFill>
-          <a:ln w="0">
-            <a:noFill/>
-            <a:prstDash val="solid"/>
-            <a:round/>
-            <a:headEnd/>
-            <a:tailEnd/>
-          </a:ln>
-        </p:spPr>
-        <p:txBody>
-          <a:bodyPr anchor="ctr"/>
-          <a:lstStyle/>
-          <a:p>
-            <a:endParaRPr lang="en-US"/>
-          </a:p>
-        </p:txBody>
-      </p:sp>
-      <p:graphicFrame>
-        <p:nvGraphicFramePr>
-          <p:cNvPr id="17" name="Content Placeholder 16">
-            <a:extLst>
-              <a:ext uri="{FF2B5EF4-FFF2-40B4-BE49-F238E27FC236}">
-                <a16:creationId xmlns:a16="http://schemas.microsoft.com/office/drawing/2014/main" id="{E348288C-E36A-486B-A54B-1222A54231DC}"/>
-              </a:ext>
-            </a:extLst>
-          </p:cNvPr>
-          <p:cNvGraphicFramePr>
-            <a:graphicFrameLocks noGrp="1"/>
-          </p:cNvGraphicFramePr>
-          <p:nvPr>
-            <p:ph idx="1"/>
-            <p:extLst>
-              <p:ext uri="{D42A27DB-BD31-4B8C-83A1-F6EECF244321}">
-                <p14:modId xmlns:p14="http://schemas.microsoft.com/office/powerpoint/2010/main" val="3170159847"/>
-              </p:ext>
-            </p:extLst>
-          </p:nvPr>
-        </p:nvGraphicFramePr>
-        <p:xfrm>
-          <a:off x="1199881" y="1722996"/>
-          <a:ext cx="9601200" cy="4754563"/>
-        </p:xfrm>
-        <a:graphic>
-          <a:graphicData uri="http://schemas.openxmlformats.org/drawingml/2006/diagram">
-            <dgm:relIds xmlns:dgm="http://schemas.openxmlformats.org/drawingml/2006/diagram" xmlns:r="http://schemas.openxmlformats.org/officeDocument/2006/relationships" r:dm="rId2" r:lo="rId3" r:qs="rId4" r:cs="rId5"/>
-          </a:graphicData>
-        </a:graphic>
-      </p:graphicFrame>
-    </p:spTree>
-    <p:extLst>
-      <p:ext uri="{BB962C8B-B14F-4D97-AF65-F5344CB8AC3E}">
-        <p14:creationId xmlns:p14="http://schemas.microsoft.com/office/powerpoint/2010/main" val="2480078113"/>
-      </p:ext>
-    </p:extLst>
-  </p:cSld>
-  <p:clrMapOvr>
-    <a:masterClrMapping/>
-  </p:clrMapOvr>
-</p:sld>
-</file>
-
-<file path=ppt/slides/slide7.xml><?xml version="1.0" encoding="utf-8"?>
-<p:sld xmlns:a="http://schemas.openxmlformats.org/drawingml/2006/main" xmlns:r="http://schemas.openxmlformats.org/officeDocument/2006/relationships" xmlns:p="http://schemas.openxmlformats.org/presentationml/2006/main">
-  <p:cSld>
-    <p:bg>
-      <p:bgPr>
-        <a:solidFill>
-          <a:schemeClr val="bg2"/>
-        </a:solidFill>
-        <a:effectLst/>
-      </p:bgPr>
-    </p:bg>
-    <p:spTree>
-      <p:nvGrpSpPr>
-        <p:cNvPr id="1" name=""/>
-        <p:cNvGrpSpPr/>
-        <p:nvPr/>
-      </p:nvGrpSpPr>
-      <p:grpSpPr>
-        <a:xfrm>
-          <a:off x="0" y="0"/>
-          <a:ext cx="0" cy="0"/>
-          <a:chOff x="0" y="0"/>
-          <a:chExt cx="0" cy="0"/>
-        </a:xfrm>
-      </p:grpSpPr>
-      <p:sp useBgFill="1">
-        <p:nvSpPr>
-          <p:cNvPr id="8" name="Rectangle 7">
-            <a:extLst>
-              <a:ext uri="{FF2B5EF4-FFF2-40B4-BE49-F238E27FC236}">
-                <a16:creationId xmlns:a16="http://schemas.microsoft.com/office/drawing/2014/main" id="{C5176844-69C3-4F79-BE38-EA5BDDF4FEA4}"/>
-              </a:ext>
-              <a:ext uri="{C183D7F6-B498-43B3-948B-1728B52AA6E4}">
-                <adec:decorative xmlns:adec="http://schemas.microsoft.com/office/drawing/2017/decorative" val="1"/>
-              </a:ext>
-            </a:extLst>
-          </p:cNvPr>
-          <p:cNvSpPr>
-            <a:spLocks noGrp="1" noRot="1" noChangeAspect="1" noMove="1" noResize="1" noEditPoints="1" noAdjustHandles="1" noChangeArrowheads="1" noChangeShapeType="1" noTextEdit="1"/>
-          </p:cNvSpPr>
-          <p:nvPr>
-            <p:extLst>
-              <p:ext uri="{386F3935-93C4-4BCD-93E2-E3B085C9AB24}">
-                <p16:designElem xmlns:p16="http://schemas.microsoft.com/office/powerpoint/2015/main" val="1"/>
-              </p:ext>
-            </p:extLst>
-          </p:nvPr>
-        </p:nvSpPr>
-        <p:spPr>
-          <a:xfrm>
-            <a:off x="0" y="0"/>
-            <a:ext cx="12192000" cy="6858000"/>
-          </a:xfrm>
-          <a:prstGeom prst="rect">
-            <a:avLst/>
-          </a:prstGeom>
-          <a:ln>
-            <a:noFill/>
-          </a:ln>
-        </p:spPr>
-        <p:style>
-          <a:lnRef idx="2">
-            <a:schemeClr val="accent1">
-              <a:shade val="50000"/>
-            </a:schemeClr>
-          </a:lnRef>
-          <a:fillRef idx="1">
-            <a:schemeClr val="accent1"/>
-          </a:fillRef>
-          <a:effectRef idx="0">
-            <a:schemeClr val="accent1"/>
-          </a:effectRef>
-          <a:fontRef idx="minor">
-            <a:schemeClr val="lt1"/>
-          </a:fontRef>
-        </p:style>
-        <p:txBody>
-          <a:bodyPr rtlCol="0" anchor="ctr"/>
-          <a:lstStyle/>
-          <a:p>
-            <a:pPr algn="ctr"/>
-            <a:endParaRPr lang="en-US"/>
-          </a:p>
-        </p:txBody>
-      </p:sp>
-      <p:sp>
-        <p:nvSpPr>
-          <p:cNvPr id="10" name="Rectangle 9">
-            <a:extLst>
-              <a:ext uri="{FF2B5EF4-FFF2-40B4-BE49-F238E27FC236}">
-                <a16:creationId xmlns:a16="http://schemas.microsoft.com/office/drawing/2014/main" id="{1CF1AAE4-D0BC-430F-A613-7BBAAECA0C2D}"/>
-              </a:ext>
-              <a:ext uri="{C183D7F6-B498-43B3-948B-1728B52AA6E4}">
-                <adec:decorative xmlns:adec="http://schemas.microsoft.com/office/drawing/2017/decorative" val="1"/>
-              </a:ext>
-            </a:extLst>
-          </p:cNvPr>
-          <p:cNvSpPr>
-            <a:spLocks noGrp="1" noRot="1" noChangeAspect="1" noMove="1" noResize="1" noEditPoints="1" noAdjustHandles="1" noChangeArrowheads="1" noChangeShapeType="1" noTextEdit="1"/>
-          </p:cNvSpPr>
-          <p:nvPr>
-            <p:extLst>
-              <p:ext uri="{386F3935-93C4-4BCD-93E2-E3B085C9AB24}">
-                <p16:designElem xmlns:p16="http://schemas.microsoft.com/office/powerpoint/2015/main" val="1"/>
-              </p:ext>
-            </p:extLst>
-          </p:nvPr>
-        </p:nvSpPr>
-        <p:spPr>
-          <a:xfrm>
-            <a:off x="0" y="0"/>
-            <a:ext cx="12191999" cy="2285999"/>
-          </a:xfrm>
-          <a:prstGeom prst="rect">
-            <a:avLst/>
-          </a:prstGeom>
-          <a:solidFill>
-            <a:schemeClr val="tx1">
-              <a:lumMod val="85000"/>
-              <a:lumOff val="15000"/>
-            </a:schemeClr>
-          </a:solidFill>
-          <a:ln>
-            <a:noFill/>
-          </a:ln>
-        </p:spPr>
-        <p:style>
-          <a:lnRef idx="2">
-            <a:schemeClr val="accent1">
-              <a:shade val="50000"/>
-            </a:schemeClr>
-          </a:lnRef>
-          <a:fillRef idx="1">
-            <a:schemeClr val="accent1"/>
-          </a:fillRef>
-          <a:effectRef idx="0">
-            <a:schemeClr val="accent1"/>
-          </a:effectRef>
-          <a:fontRef idx="minor">
-            <a:schemeClr val="lt1"/>
-          </a:fontRef>
-        </p:style>
-        <p:txBody>
-          <a:bodyPr rtlCol="0" anchor="ctr"/>
-          <a:lstStyle/>
-          <a:p>
-            <a:pPr algn="ctr"/>
-            <a:endParaRPr lang="en-US"/>
-          </a:p>
-        </p:txBody>
-      </p:sp>
-      <p:sp>
-        <p:nvSpPr>
-          <p:cNvPr id="2" name="Title 1">
-            <a:extLst>
-              <a:ext uri="{FF2B5EF4-FFF2-40B4-BE49-F238E27FC236}">
-                <a16:creationId xmlns:a16="http://schemas.microsoft.com/office/drawing/2014/main" id="{B06C4D6D-8AC2-4BE1-9F90-6CCD1A575129}"/>
-              </a:ext>
-            </a:extLst>
-          </p:cNvPr>
-          <p:cNvSpPr>
-            <a:spLocks noGrp="1"/>
-          </p:cNvSpPr>
-          <p:nvPr>
-            <p:ph type="title"/>
-          </p:nvPr>
-        </p:nvSpPr>
-        <p:spPr>
-          <a:xfrm>
-            <a:off x="758952" y="379475"/>
-            <a:ext cx="10671048" cy="1554480"/>
-          </a:xfrm>
-        </p:spPr>
-        <p:txBody>
-          <a:bodyPr anchor="ctr">
-            <a:normAutofit/>
-          </a:bodyPr>
-          <a:lstStyle/>
-          <a:p>
-            <a:r>
-              <a:rPr lang="en-US" dirty="0">
-                <a:solidFill>
-                  <a:schemeClr val="bg1"/>
-                </a:solidFill>
-              </a:rPr>
-              <a:t>Data Cleaning and Python</a:t>
-            </a:r>
-          </a:p>
-        </p:txBody>
-      </p:sp>
-      <p:sp>
-        <p:nvSpPr>
-          <p:cNvPr id="3" name="Content Placeholder 2">
-            <a:extLst>
-              <a:ext uri="{FF2B5EF4-FFF2-40B4-BE49-F238E27FC236}">
-                <a16:creationId xmlns:a16="http://schemas.microsoft.com/office/drawing/2014/main" id="{D2F13DBF-8EE9-4AED-9E32-ECFF8EAD46DA}"/>
-              </a:ext>
-            </a:extLst>
-          </p:cNvPr>
-          <p:cNvSpPr>
-            <a:spLocks noGrp="1"/>
-          </p:cNvSpPr>
-          <p:nvPr>
-            <p:ph idx="1"/>
-          </p:nvPr>
-        </p:nvSpPr>
-        <p:spPr>
-          <a:xfrm>
-            <a:off x="758824" y="2607732"/>
-            <a:ext cx="8412480" cy="3174357"/>
-          </a:xfrm>
-        </p:spPr>
-        <p:txBody>
-          <a:bodyPr>
-            <a:normAutofit fontScale="85000" lnSpcReduction="20000"/>
-          </a:bodyPr>
-          <a:lstStyle/>
-          <a:p>
-            <a:pPr lvl="2">
-              <a:lnSpc>
-                <a:spcPct val="120000"/>
-              </a:lnSpc>
-            </a:pPr>
-            <a:r>
-              <a:rPr lang="en-US" sz="1800" dirty="0"/>
-              <a:t>Used specific libraries to read in entire folders of data and concatenate them into single </a:t>
-            </a:r>
-            <a:r>
-              <a:rPr lang="en-US" sz="1800" dirty="0" err="1"/>
-              <a:t>dataframes</a:t>
-            </a:r>
-            <a:r>
-              <a:rPr lang="en-US" sz="1800" dirty="0"/>
-              <a:t>.  This was needed to put all the files together as </a:t>
-            </a:r>
-            <a:r>
-              <a:rPr lang="en-US" sz="1800" b="1" dirty="0"/>
-              <a:t>Power Automate </a:t>
-            </a:r>
-            <a:r>
-              <a:rPr lang="en-US" sz="1800" dirty="0"/>
-              <a:t>sent them in.</a:t>
-            </a:r>
-          </a:p>
-          <a:p>
-            <a:pPr lvl="2">
-              <a:lnSpc>
-                <a:spcPct val="120000"/>
-              </a:lnSpc>
-            </a:pPr>
-            <a:r>
-              <a:rPr lang="en-US" sz="1800" b="1" dirty="0"/>
-              <a:t>Transaction </a:t>
-            </a:r>
-            <a:r>
-              <a:rPr lang="en-US" sz="1800" b="1" dirty="0" err="1"/>
-              <a:t>DataFrame</a:t>
-            </a:r>
-            <a:r>
-              <a:rPr lang="en-US" sz="1800" b="1" dirty="0"/>
-              <a:t>- </a:t>
-            </a:r>
-            <a:r>
-              <a:rPr lang="en-US" sz="1800" dirty="0"/>
-              <a:t>the data was cleaned to a specific point so that it only sent </a:t>
-            </a:r>
-            <a:r>
-              <a:rPr lang="en-US" sz="1800" dirty="0" err="1"/>
-              <a:t>PowerBI</a:t>
-            </a:r>
-            <a:r>
-              <a:rPr lang="en-US" sz="1800" dirty="0"/>
-              <a:t> the necessary information for that specific Dining Hall.  There were many null values that had to be dropped and all the datetime formatting was done before </a:t>
-            </a:r>
-            <a:r>
-              <a:rPr lang="en-US" sz="1800" dirty="0" err="1"/>
-              <a:t>PowerBI</a:t>
-            </a:r>
-            <a:r>
-              <a:rPr lang="en-US" sz="1800" dirty="0"/>
-              <a:t>.</a:t>
-            </a:r>
-          </a:p>
-          <a:p>
-            <a:pPr lvl="2">
-              <a:lnSpc>
-                <a:spcPct val="120000"/>
-              </a:lnSpc>
-            </a:pPr>
-            <a:r>
-              <a:rPr lang="en-US" sz="1800" b="1" dirty="0"/>
-              <a:t>Menu </a:t>
-            </a:r>
-            <a:r>
-              <a:rPr lang="en-US" sz="1800" b="1" dirty="0" err="1"/>
-              <a:t>DataFrame</a:t>
-            </a:r>
-            <a:r>
-              <a:rPr lang="en-US" sz="1800" b="1" dirty="0"/>
-              <a:t>- </a:t>
-            </a:r>
-            <a:r>
-              <a:rPr lang="en-US" sz="1800" dirty="0"/>
-              <a:t>needed the most cleaning.  There was a lot of erroneous information that needed to be sorted through.  There were columns that would lead you to believe that at some point they were calculated fields, but they were not.  I had to go back to the source system and decipher what was correct and recreate those calculated fields. </a:t>
-            </a:r>
-          </a:p>
-          <a:p>
-            <a:pPr lvl="2">
-              <a:lnSpc>
-                <a:spcPct val="120000"/>
-              </a:lnSpc>
-            </a:pPr>
-            <a:r>
-              <a:rPr lang="en-US" sz="1800" b="1" dirty="0" err="1"/>
-              <a:t>PowerBI</a:t>
-            </a:r>
-            <a:r>
-              <a:rPr lang="en-US" sz="1800" b="1" dirty="0"/>
-              <a:t>-</a:t>
-            </a:r>
-            <a:r>
-              <a:rPr lang="en-US" sz="1800" dirty="0"/>
-              <a:t> for the specific measure that depended on relationships between the </a:t>
-            </a:r>
-            <a:r>
-              <a:rPr lang="en-US" sz="1800" dirty="0" err="1"/>
-              <a:t>dataframes</a:t>
-            </a:r>
-            <a:r>
-              <a:rPr lang="en-US" sz="1800" dirty="0"/>
-              <a:t> I made created a ‘measures’ table to drive the cards on the actual dashboard</a:t>
-            </a:r>
-          </a:p>
-          <a:p>
-            <a:endParaRPr lang="en-US" sz="1800" b="1" dirty="0">
-              <a:effectLst/>
-              <a:latin typeface="Calibri" panose="020F0502020204030204" pitchFamily="34" charset="0"/>
-              <a:ea typeface="Calibri" panose="020F0502020204030204" pitchFamily="34" charset="0"/>
-              <a:cs typeface="Times New Roman" panose="02020603050405020304" pitchFamily="18" charset="0"/>
-            </a:endParaRPr>
-          </a:p>
-          <a:p>
-            <a:endParaRPr lang="en-US" dirty="0"/>
-          </a:p>
-        </p:txBody>
-      </p:sp>
-      <p:sp>
-        <p:nvSpPr>
-          <p:cNvPr id="12" name="Freeform 6">
-            <a:extLst>
-              <a:ext uri="{FF2B5EF4-FFF2-40B4-BE49-F238E27FC236}">
-                <a16:creationId xmlns:a16="http://schemas.microsoft.com/office/drawing/2014/main" id="{A101E513-AF74-4E9D-A31F-99664250722D}"/>
-              </a:ext>
-              <a:ext uri="{C183D7F6-B498-43B3-948B-1728B52AA6E4}">
-                <adec:decorative xmlns:adec="http://schemas.microsoft.com/office/drawing/2017/decorative" val="1"/>
-              </a:ext>
-            </a:extLst>
-          </p:cNvPr>
-          <p:cNvSpPr>
-            <a:spLocks noGrp="1" noRot="1" noChangeAspect="1" noMove="1" noResize="1" noEditPoints="1" noAdjustHandles="1" noChangeArrowheads="1" noChangeShapeType="1" noTextEdit="1"/>
-          </p:cNvSpPr>
-          <p:nvPr>
-            <p:extLst>
-              <p:ext uri="{386F3935-93C4-4BCD-93E2-E3B085C9AB24}">
-                <p16:designElem xmlns:p16="http://schemas.microsoft.com/office/powerpoint/2015/main" val="1"/>
-              </p:ext>
-            </p:extLst>
-          </p:nvPr>
-        </p:nvSpPr>
-        <p:spPr bwMode="auto">
-          <a:xfrm>
-            <a:off x="11784011" y="5783564"/>
-            <a:ext cx="407988" cy="819150"/>
-          </a:xfrm>
-          <a:custGeom>
-            <a:avLst/>
-            <a:gdLst/>
-            <a:ahLst/>
-            <a:cxnLst/>
-            <a:rect l="0" t="0" r="r" b="b"/>
-            <a:pathLst>
-              <a:path w="1799" h="3612">
-                <a:moveTo>
-                  <a:pt x="1799" y="0"/>
-                </a:moveTo>
-                <a:lnTo>
-                  <a:pt x="1799" y="3612"/>
-                </a:lnTo>
-                <a:lnTo>
-                  <a:pt x="1686" y="3609"/>
-                </a:lnTo>
-                <a:lnTo>
-                  <a:pt x="1574" y="3598"/>
-                </a:lnTo>
-                <a:lnTo>
-                  <a:pt x="1464" y="3581"/>
-                </a:lnTo>
-                <a:lnTo>
-                  <a:pt x="1357" y="3557"/>
-                </a:lnTo>
-                <a:lnTo>
-                  <a:pt x="1251" y="3527"/>
-                </a:lnTo>
-                <a:lnTo>
-                  <a:pt x="1150" y="3490"/>
-                </a:lnTo>
-                <a:lnTo>
-                  <a:pt x="1050" y="3448"/>
-                </a:lnTo>
-                <a:lnTo>
-                  <a:pt x="953" y="3401"/>
-                </a:lnTo>
-                <a:lnTo>
-                  <a:pt x="860" y="3347"/>
-                </a:lnTo>
-                <a:lnTo>
-                  <a:pt x="771" y="3289"/>
-                </a:lnTo>
-                <a:lnTo>
-                  <a:pt x="686" y="3224"/>
-                </a:lnTo>
-                <a:lnTo>
-                  <a:pt x="604" y="3156"/>
-                </a:lnTo>
-                <a:lnTo>
-                  <a:pt x="527" y="3083"/>
-                </a:lnTo>
-                <a:lnTo>
-                  <a:pt x="454" y="3005"/>
-                </a:lnTo>
-                <a:lnTo>
-                  <a:pt x="386" y="2923"/>
-                </a:lnTo>
-                <a:lnTo>
-                  <a:pt x="323" y="2838"/>
-                </a:lnTo>
-                <a:lnTo>
-                  <a:pt x="265" y="2748"/>
-                </a:lnTo>
-                <a:lnTo>
-                  <a:pt x="211" y="2655"/>
-                </a:lnTo>
-                <a:lnTo>
-                  <a:pt x="163" y="2559"/>
-                </a:lnTo>
-                <a:lnTo>
-                  <a:pt x="121" y="2459"/>
-                </a:lnTo>
-                <a:lnTo>
-                  <a:pt x="85" y="2356"/>
-                </a:lnTo>
-                <a:lnTo>
-                  <a:pt x="55" y="2251"/>
-                </a:lnTo>
-                <a:lnTo>
-                  <a:pt x="32" y="2143"/>
-                </a:lnTo>
-                <a:lnTo>
-                  <a:pt x="14" y="2033"/>
-                </a:lnTo>
-                <a:lnTo>
-                  <a:pt x="4" y="1920"/>
-                </a:lnTo>
-                <a:lnTo>
-                  <a:pt x="0" y="1806"/>
-                </a:lnTo>
-                <a:lnTo>
-                  <a:pt x="4" y="1692"/>
-                </a:lnTo>
-                <a:lnTo>
-                  <a:pt x="14" y="1580"/>
-                </a:lnTo>
-                <a:lnTo>
-                  <a:pt x="32" y="1469"/>
-                </a:lnTo>
-                <a:lnTo>
-                  <a:pt x="55" y="1362"/>
-                </a:lnTo>
-                <a:lnTo>
-                  <a:pt x="85" y="1256"/>
-                </a:lnTo>
-                <a:lnTo>
-                  <a:pt x="121" y="1154"/>
-                </a:lnTo>
-                <a:lnTo>
-                  <a:pt x="163" y="1054"/>
-                </a:lnTo>
-                <a:lnTo>
-                  <a:pt x="211" y="958"/>
-                </a:lnTo>
-                <a:lnTo>
-                  <a:pt x="265" y="864"/>
-                </a:lnTo>
-                <a:lnTo>
-                  <a:pt x="323" y="774"/>
-                </a:lnTo>
-                <a:lnTo>
-                  <a:pt x="386" y="689"/>
-                </a:lnTo>
-                <a:lnTo>
-                  <a:pt x="454" y="607"/>
-                </a:lnTo>
-                <a:lnTo>
-                  <a:pt x="527" y="529"/>
-                </a:lnTo>
-                <a:lnTo>
-                  <a:pt x="604" y="456"/>
-                </a:lnTo>
-                <a:lnTo>
-                  <a:pt x="686" y="388"/>
-                </a:lnTo>
-                <a:lnTo>
-                  <a:pt x="771" y="325"/>
-                </a:lnTo>
-                <a:lnTo>
-                  <a:pt x="860" y="266"/>
-                </a:lnTo>
-                <a:lnTo>
-                  <a:pt x="953" y="212"/>
-                </a:lnTo>
-                <a:lnTo>
-                  <a:pt x="1050" y="164"/>
-                </a:lnTo>
-                <a:lnTo>
-                  <a:pt x="1150" y="122"/>
-                </a:lnTo>
-                <a:lnTo>
-                  <a:pt x="1251" y="85"/>
-                </a:lnTo>
-                <a:lnTo>
-                  <a:pt x="1357" y="55"/>
-                </a:lnTo>
-                <a:lnTo>
-                  <a:pt x="1464" y="32"/>
-                </a:lnTo>
-                <a:lnTo>
-                  <a:pt x="1574" y="14"/>
-                </a:lnTo>
-                <a:lnTo>
-                  <a:pt x="1686" y="5"/>
-                </a:lnTo>
-                <a:lnTo>
-                  <a:pt x="1799" y="0"/>
-                </a:lnTo>
-                <a:close/>
-              </a:path>
-            </a:pathLst>
-          </a:custGeom>
-          <a:solidFill>
-            <a:schemeClr val="tx1">
-              <a:lumMod val="85000"/>
-              <a:lumOff val="15000"/>
-            </a:schemeClr>
-          </a:solidFill>
-          <a:ln w="0">
-            <a:noFill/>
-            <a:prstDash val="solid"/>
-            <a:round/>
-            <a:headEnd/>
-            <a:tailEnd/>
-          </a:ln>
-        </p:spPr>
-        <p:txBody>
-          <a:bodyPr anchor="ctr"/>
-          <a:lstStyle/>
-          <a:p>
-            <a:endParaRPr lang="en-US"/>
-          </a:p>
-        </p:txBody>
-      </p:sp>
-    </p:spTree>
-    <p:extLst>
-      <p:ext uri="{BB962C8B-B14F-4D97-AF65-F5344CB8AC3E}">
-        <p14:creationId xmlns:p14="http://schemas.microsoft.com/office/powerpoint/2010/main" val="1853578171"/>
-      </p:ext>
-    </p:extLst>
-  </p:cSld>
-  <p:clrMapOvr>
-    <a:masterClrMapping/>
-  </p:clrMapOvr>
-</p:sld>
-</file>
-
-<file path=ppt/slides/slide8.xml><?xml version="1.0" encoding="utf-8"?>
-<p:sld xmlns:a="http://schemas.openxmlformats.org/drawingml/2006/main" xmlns:r="http://schemas.openxmlformats.org/officeDocument/2006/relationships" xmlns:p="http://schemas.openxmlformats.org/presentationml/2006/main">
-  <p:cSld>
-    <p:spTree>
-      <p:nvGrpSpPr>
-        <p:cNvPr id="1" name=""/>
-        <p:cNvGrpSpPr/>
-        <p:nvPr/>
-      </p:nvGrpSpPr>
-      <p:grpSpPr>
-        <a:xfrm>
-          <a:off x="0" y="0"/>
-          <a:ext cx="0" cy="0"/>
-          <a:chOff x="0" y="0"/>
-          <a:chExt cx="0" cy="0"/>
-        </a:xfrm>
-      </p:grpSpPr>
-      <p:sp>
-        <p:nvSpPr>
-          <p:cNvPr id="6" name="Title 5">
-            <a:extLst>
-              <a:ext uri="{FF2B5EF4-FFF2-40B4-BE49-F238E27FC236}">
-                <a16:creationId xmlns:a16="http://schemas.microsoft.com/office/drawing/2014/main" id="{30D27233-A60D-49C3-95F6-597ECF317F28}"/>
-              </a:ext>
-            </a:extLst>
-          </p:cNvPr>
-          <p:cNvSpPr>
-            <a:spLocks noGrp="1"/>
-          </p:cNvSpPr>
-          <p:nvPr>
-            <p:ph type="title"/>
-          </p:nvPr>
-        </p:nvSpPr>
-        <p:spPr/>
-        <p:txBody>
-          <a:bodyPr/>
-          <a:lstStyle/>
-          <a:p>
-            <a:pPr algn="ctr"/>
-            <a:r>
-              <a:rPr lang="en-US" dirty="0"/>
-              <a:t>Dashboard Tour</a:t>
-            </a:r>
-          </a:p>
-        </p:txBody>
-      </p:sp>
-    </p:spTree>
-    <p:extLst>
-      <p:ext uri="{BB962C8B-B14F-4D97-AF65-F5344CB8AC3E}">
-        <p14:creationId xmlns:p14="http://schemas.microsoft.com/office/powerpoint/2010/main" val="2669030247"/>
-      </p:ext>
-    </p:extLst>
-  </p:cSld>
-  <p:clrMapOvr>
-    <a:masterClrMapping/>
-  </p:clrMapOvr>
-</p:sld>
-</file>
-
-<file path=ppt/slides/slide9.xml><?xml version="1.0" encoding="utf-8"?>
-<p:sld xmlns:a="http://schemas.openxmlformats.org/drawingml/2006/main" xmlns:r="http://schemas.openxmlformats.org/officeDocument/2006/relationships" xmlns:p="http://schemas.openxmlformats.org/presentationml/2006/main">
-  <p:cSld>
-    <p:bg>
-      <p:bgPr>
-        <a:solidFill>
-          <a:schemeClr val="bg2"/>
-        </a:solidFill>
-        <a:effectLst/>
-      </p:bgPr>
-    </p:bg>
-    <p:spTree>
-      <p:nvGrpSpPr>
-        <p:cNvPr id="1" name=""/>
-        <p:cNvGrpSpPr/>
-        <p:nvPr/>
-      </p:nvGrpSpPr>
-      <p:grpSpPr>
-        <a:xfrm>
-          <a:off x="0" y="0"/>
-          <a:ext cx="0" cy="0"/>
-          <a:chOff x="0" y="0"/>
-          <a:chExt cx="0" cy="0"/>
-        </a:xfrm>
-      </p:grpSpPr>
       <p:sp>
         <p:nvSpPr>
           <p:cNvPr id="83" name="Freeform 6">
@@ -12250,6 +8604,4131 @@
     <p:extLst>
       <p:ext uri="{BB962C8B-B14F-4D97-AF65-F5344CB8AC3E}">
         <p14:creationId xmlns:p14="http://schemas.microsoft.com/office/powerpoint/2010/main" val="1619935318"/>
+      </p:ext>
+    </p:extLst>
+  </p:cSld>
+  <p:clrMapOvr>
+    <a:masterClrMapping/>
+  </p:clrMapOvr>
+</p:sld>
+</file>
+
+<file path=ppt/slides/slide11.xml><?xml version="1.0" encoding="utf-8"?>
+<p:sld xmlns:a="http://schemas.openxmlformats.org/drawingml/2006/main" xmlns:r="http://schemas.openxmlformats.org/officeDocument/2006/relationships" xmlns:p="http://schemas.openxmlformats.org/presentationml/2006/main">
+  <p:cSld>
+    <p:bg>
+      <p:bgPr>
+        <a:solidFill>
+          <a:schemeClr val="bg2"/>
+        </a:solidFill>
+        <a:effectLst/>
+      </p:bgPr>
+    </p:bg>
+    <p:spTree>
+      <p:nvGrpSpPr>
+        <p:cNvPr id="1" name=""/>
+        <p:cNvGrpSpPr/>
+        <p:nvPr/>
+      </p:nvGrpSpPr>
+      <p:grpSpPr>
+        <a:xfrm>
+          <a:off x="0" y="0"/>
+          <a:ext cx="0" cy="0"/>
+          <a:chOff x="0" y="0"/>
+          <a:chExt cx="0" cy="0"/>
+        </a:xfrm>
+      </p:grpSpPr>
+      <p:sp useBgFill="1">
+        <p:nvSpPr>
+          <p:cNvPr id="8" name="Rectangle 7">
+            <a:extLst>
+              <a:ext uri="{FF2B5EF4-FFF2-40B4-BE49-F238E27FC236}">
+                <a16:creationId xmlns:a16="http://schemas.microsoft.com/office/drawing/2014/main" id="{C5176844-69C3-4F79-BE38-EA5BDDF4FEA4}"/>
+              </a:ext>
+              <a:ext uri="{C183D7F6-B498-43B3-948B-1728B52AA6E4}">
+                <adec:decorative xmlns:adec="http://schemas.microsoft.com/office/drawing/2017/decorative" val="1"/>
+              </a:ext>
+            </a:extLst>
+          </p:cNvPr>
+          <p:cNvSpPr>
+            <a:spLocks noGrp="1" noRot="1" noChangeAspect="1" noMove="1" noResize="1" noEditPoints="1" noAdjustHandles="1" noChangeArrowheads="1" noChangeShapeType="1" noTextEdit="1"/>
+          </p:cNvSpPr>
+          <p:nvPr>
+            <p:extLst>
+              <p:ext uri="{386F3935-93C4-4BCD-93E2-E3B085C9AB24}">
+                <p16:designElem xmlns:p16="http://schemas.microsoft.com/office/powerpoint/2015/main" val="1"/>
+              </p:ext>
+            </p:extLst>
+          </p:nvPr>
+        </p:nvSpPr>
+        <p:spPr>
+          <a:xfrm>
+            <a:off x="0" y="0"/>
+            <a:ext cx="12192000" cy="6858000"/>
+          </a:xfrm>
+          <a:prstGeom prst="rect">
+            <a:avLst/>
+          </a:prstGeom>
+          <a:ln>
+            <a:noFill/>
+          </a:ln>
+        </p:spPr>
+        <p:style>
+          <a:lnRef idx="2">
+            <a:schemeClr val="accent1">
+              <a:shade val="50000"/>
+            </a:schemeClr>
+          </a:lnRef>
+          <a:fillRef idx="1">
+            <a:schemeClr val="accent1"/>
+          </a:fillRef>
+          <a:effectRef idx="0">
+            <a:schemeClr val="accent1"/>
+          </a:effectRef>
+          <a:fontRef idx="minor">
+            <a:schemeClr val="lt1"/>
+          </a:fontRef>
+        </p:style>
+        <p:txBody>
+          <a:bodyPr rtlCol="0" anchor="ctr"/>
+          <a:lstStyle/>
+          <a:p>
+            <a:pPr algn="ctr"/>
+            <a:endParaRPr lang="en-US"/>
+          </a:p>
+        </p:txBody>
+      </p:sp>
+      <p:sp>
+        <p:nvSpPr>
+          <p:cNvPr id="10" name="Rectangle 9">
+            <a:extLst>
+              <a:ext uri="{FF2B5EF4-FFF2-40B4-BE49-F238E27FC236}">
+                <a16:creationId xmlns:a16="http://schemas.microsoft.com/office/drawing/2014/main" id="{1CF1AAE4-D0BC-430F-A613-7BBAAECA0C2D}"/>
+              </a:ext>
+              <a:ext uri="{C183D7F6-B498-43B3-948B-1728B52AA6E4}">
+                <adec:decorative xmlns:adec="http://schemas.microsoft.com/office/drawing/2017/decorative" val="1"/>
+              </a:ext>
+            </a:extLst>
+          </p:cNvPr>
+          <p:cNvSpPr>
+            <a:spLocks noGrp="1" noRot="1" noChangeAspect="1" noMove="1" noResize="1" noEditPoints="1" noAdjustHandles="1" noChangeArrowheads="1" noChangeShapeType="1" noTextEdit="1"/>
+          </p:cNvSpPr>
+          <p:nvPr>
+            <p:extLst>
+              <p:ext uri="{386F3935-93C4-4BCD-93E2-E3B085C9AB24}">
+                <p16:designElem xmlns:p16="http://schemas.microsoft.com/office/powerpoint/2015/main" val="1"/>
+              </p:ext>
+            </p:extLst>
+          </p:nvPr>
+        </p:nvSpPr>
+        <p:spPr>
+          <a:xfrm>
+            <a:off x="0" y="0"/>
+            <a:ext cx="12191999" cy="2285999"/>
+          </a:xfrm>
+          <a:prstGeom prst="rect">
+            <a:avLst/>
+          </a:prstGeom>
+          <a:solidFill>
+            <a:schemeClr val="tx1">
+              <a:lumMod val="85000"/>
+              <a:lumOff val="15000"/>
+            </a:schemeClr>
+          </a:solidFill>
+          <a:ln>
+            <a:noFill/>
+          </a:ln>
+        </p:spPr>
+        <p:style>
+          <a:lnRef idx="2">
+            <a:schemeClr val="accent1">
+              <a:shade val="50000"/>
+            </a:schemeClr>
+          </a:lnRef>
+          <a:fillRef idx="1">
+            <a:schemeClr val="accent1"/>
+          </a:fillRef>
+          <a:effectRef idx="0">
+            <a:schemeClr val="accent1"/>
+          </a:effectRef>
+          <a:fontRef idx="minor">
+            <a:schemeClr val="lt1"/>
+          </a:fontRef>
+        </p:style>
+        <p:txBody>
+          <a:bodyPr rtlCol="0" anchor="ctr"/>
+          <a:lstStyle/>
+          <a:p>
+            <a:pPr algn="ctr"/>
+            <a:endParaRPr lang="en-US"/>
+          </a:p>
+        </p:txBody>
+      </p:sp>
+      <p:sp>
+        <p:nvSpPr>
+          <p:cNvPr id="2" name="Title 1">
+            <a:extLst>
+              <a:ext uri="{FF2B5EF4-FFF2-40B4-BE49-F238E27FC236}">
+                <a16:creationId xmlns:a16="http://schemas.microsoft.com/office/drawing/2014/main" id="{B06C4D6D-8AC2-4BE1-9F90-6CCD1A575129}"/>
+              </a:ext>
+            </a:extLst>
+          </p:cNvPr>
+          <p:cNvSpPr>
+            <a:spLocks noGrp="1"/>
+          </p:cNvSpPr>
+          <p:nvPr>
+            <p:ph type="title"/>
+          </p:nvPr>
+        </p:nvSpPr>
+        <p:spPr>
+          <a:xfrm>
+            <a:off x="758952" y="379475"/>
+            <a:ext cx="10671048" cy="1554480"/>
+          </a:xfrm>
+        </p:spPr>
+        <p:txBody>
+          <a:bodyPr anchor="ctr">
+            <a:normAutofit/>
+          </a:bodyPr>
+          <a:lstStyle/>
+          <a:p>
+            <a:r>
+              <a:rPr lang="en-US" dirty="0">
+                <a:solidFill>
+                  <a:schemeClr val="bg1"/>
+                </a:solidFill>
+              </a:rPr>
+              <a:t>Moving Forward</a:t>
+            </a:r>
+            <a:br>
+              <a:rPr lang="en-US" dirty="0">
+                <a:solidFill>
+                  <a:schemeClr val="bg1"/>
+                </a:solidFill>
+              </a:rPr>
+            </a:br>
+            <a:r>
+              <a:rPr lang="en-US" sz="2000" dirty="0">
+                <a:solidFill>
+                  <a:schemeClr val="bg1"/>
+                </a:solidFill>
+              </a:rPr>
+              <a:t>Recommendations and Closing</a:t>
+            </a:r>
+            <a:endParaRPr lang="en-US" dirty="0">
+              <a:solidFill>
+                <a:schemeClr val="bg1"/>
+              </a:solidFill>
+            </a:endParaRPr>
+          </a:p>
+        </p:txBody>
+      </p:sp>
+      <p:sp>
+        <p:nvSpPr>
+          <p:cNvPr id="3" name="Content Placeholder 2">
+            <a:extLst>
+              <a:ext uri="{FF2B5EF4-FFF2-40B4-BE49-F238E27FC236}">
+                <a16:creationId xmlns:a16="http://schemas.microsoft.com/office/drawing/2014/main" id="{D2F13DBF-8EE9-4AED-9E32-ECFF8EAD46DA}"/>
+              </a:ext>
+            </a:extLst>
+          </p:cNvPr>
+          <p:cNvSpPr>
+            <a:spLocks noGrp="1"/>
+          </p:cNvSpPr>
+          <p:nvPr>
+            <p:ph idx="1"/>
+          </p:nvPr>
+        </p:nvSpPr>
+        <p:spPr>
+          <a:xfrm>
+            <a:off x="142613" y="2466363"/>
+            <a:ext cx="11641397" cy="4136351"/>
+          </a:xfrm>
+        </p:spPr>
+        <p:txBody>
+          <a:bodyPr>
+            <a:normAutofit/>
+          </a:bodyPr>
+          <a:lstStyle/>
+          <a:p>
+            <a:r>
+              <a:rPr lang="en-US" dirty="0"/>
+              <a:t>I would move the automation to occur in a cloud computing environment and have the python be run remotely</a:t>
+            </a:r>
+          </a:p>
+          <a:p>
+            <a:r>
+              <a:rPr lang="en-US" dirty="0"/>
+              <a:t>This process could run more than one time per day to give an even shorter feedback loop for operators to adjust narrowly if needed</a:t>
+            </a:r>
+          </a:p>
+          <a:p>
+            <a:r>
+              <a:rPr lang="en-US" dirty="0"/>
+              <a:t>Incorporate waste data as well as purchasing data for a detailed analysis of cost of goods</a:t>
+            </a:r>
+          </a:p>
+          <a:p>
+            <a:r>
+              <a:rPr lang="en-US" dirty="0"/>
+              <a:t>Give feedback to menu management software vendor to have their fields calculate automatically and for the ability for reports to be automated out of their system</a:t>
+            </a:r>
+          </a:p>
+          <a:p>
+            <a:r>
+              <a:rPr lang="en-US" dirty="0"/>
+              <a:t>Thanks to all the Foodservice Staff who generated this information and to Vanderbilt Campus Dining for partnering with me for my NSS Capstone</a:t>
+            </a:r>
+          </a:p>
+          <a:p>
+            <a:endParaRPr lang="en-US" dirty="0"/>
+          </a:p>
+          <a:p>
+            <a:endParaRPr lang="en-US" dirty="0"/>
+          </a:p>
+        </p:txBody>
+      </p:sp>
+      <p:sp>
+        <p:nvSpPr>
+          <p:cNvPr id="12" name="Freeform 6">
+            <a:extLst>
+              <a:ext uri="{FF2B5EF4-FFF2-40B4-BE49-F238E27FC236}">
+                <a16:creationId xmlns:a16="http://schemas.microsoft.com/office/drawing/2014/main" id="{A101E513-AF74-4E9D-A31F-99664250722D}"/>
+              </a:ext>
+              <a:ext uri="{C183D7F6-B498-43B3-948B-1728B52AA6E4}">
+                <adec:decorative xmlns:adec="http://schemas.microsoft.com/office/drawing/2017/decorative" val="1"/>
+              </a:ext>
+            </a:extLst>
+          </p:cNvPr>
+          <p:cNvSpPr>
+            <a:spLocks noGrp="1" noRot="1" noChangeAspect="1" noMove="1" noResize="1" noEditPoints="1" noAdjustHandles="1" noChangeArrowheads="1" noChangeShapeType="1" noTextEdit="1"/>
+          </p:cNvSpPr>
+          <p:nvPr>
+            <p:extLst>
+              <p:ext uri="{386F3935-93C4-4BCD-93E2-E3B085C9AB24}">
+                <p16:designElem xmlns:p16="http://schemas.microsoft.com/office/powerpoint/2015/main" val="1"/>
+              </p:ext>
+            </p:extLst>
+          </p:nvPr>
+        </p:nvSpPr>
+        <p:spPr bwMode="auto">
+          <a:xfrm>
+            <a:off x="11784011" y="5783564"/>
+            <a:ext cx="407988" cy="819150"/>
+          </a:xfrm>
+          <a:custGeom>
+            <a:avLst/>
+            <a:gdLst/>
+            <a:ahLst/>
+            <a:cxnLst/>
+            <a:rect l="0" t="0" r="r" b="b"/>
+            <a:pathLst>
+              <a:path w="1799" h="3612">
+                <a:moveTo>
+                  <a:pt x="1799" y="0"/>
+                </a:moveTo>
+                <a:lnTo>
+                  <a:pt x="1799" y="3612"/>
+                </a:lnTo>
+                <a:lnTo>
+                  <a:pt x="1686" y="3609"/>
+                </a:lnTo>
+                <a:lnTo>
+                  <a:pt x="1574" y="3598"/>
+                </a:lnTo>
+                <a:lnTo>
+                  <a:pt x="1464" y="3581"/>
+                </a:lnTo>
+                <a:lnTo>
+                  <a:pt x="1357" y="3557"/>
+                </a:lnTo>
+                <a:lnTo>
+                  <a:pt x="1251" y="3527"/>
+                </a:lnTo>
+                <a:lnTo>
+                  <a:pt x="1150" y="3490"/>
+                </a:lnTo>
+                <a:lnTo>
+                  <a:pt x="1050" y="3448"/>
+                </a:lnTo>
+                <a:lnTo>
+                  <a:pt x="953" y="3401"/>
+                </a:lnTo>
+                <a:lnTo>
+                  <a:pt x="860" y="3347"/>
+                </a:lnTo>
+                <a:lnTo>
+                  <a:pt x="771" y="3289"/>
+                </a:lnTo>
+                <a:lnTo>
+                  <a:pt x="686" y="3224"/>
+                </a:lnTo>
+                <a:lnTo>
+                  <a:pt x="604" y="3156"/>
+                </a:lnTo>
+                <a:lnTo>
+                  <a:pt x="527" y="3083"/>
+                </a:lnTo>
+                <a:lnTo>
+                  <a:pt x="454" y="3005"/>
+                </a:lnTo>
+                <a:lnTo>
+                  <a:pt x="386" y="2923"/>
+                </a:lnTo>
+                <a:lnTo>
+                  <a:pt x="323" y="2838"/>
+                </a:lnTo>
+                <a:lnTo>
+                  <a:pt x="265" y="2748"/>
+                </a:lnTo>
+                <a:lnTo>
+                  <a:pt x="211" y="2655"/>
+                </a:lnTo>
+                <a:lnTo>
+                  <a:pt x="163" y="2559"/>
+                </a:lnTo>
+                <a:lnTo>
+                  <a:pt x="121" y="2459"/>
+                </a:lnTo>
+                <a:lnTo>
+                  <a:pt x="85" y="2356"/>
+                </a:lnTo>
+                <a:lnTo>
+                  <a:pt x="55" y="2251"/>
+                </a:lnTo>
+                <a:lnTo>
+                  <a:pt x="32" y="2143"/>
+                </a:lnTo>
+                <a:lnTo>
+                  <a:pt x="14" y="2033"/>
+                </a:lnTo>
+                <a:lnTo>
+                  <a:pt x="4" y="1920"/>
+                </a:lnTo>
+                <a:lnTo>
+                  <a:pt x="0" y="1806"/>
+                </a:lnTo>
+                <a:lnTo>
+                  <a:pt x="4" y="1692"/>
+                </a:lnTo>
+                <a:lnTo>
+                  <a:pt x="14" y="1580"/>
+                </a:lnTo>
+                <a:lnTo>
+                  <a:pt x="32" y="1469"/>
+                </a:lnTo>
+                <a:lnTo>
+                  <a:pt x="55" y="1362"/>
+                </a:lnTo>
+                <a:lnTo>
+                  <a:pt x="85" y="1256"/>
+                </a:lnTo>
+                <a:lnTo>
+                  <a:pt x="121" y="1154"/>
+                </a:lnTo>
+                <a:lnTo>
+                  <a:pt x="163" y="1054"/>
+                </a:lnTo>
+                <a:lnTo>
+                  <a:pt x="211" y="958"/>
+                </a:lnTo>
+                <a:lnTo>
+                  <a:pt x="265" y="864"/>
+                </a:lnTo>
+                <a:lnTo>
+                  <a:pt x="323" y="774"/>
+                </a:lnTo>
+                <a:lnTo>
+                  <a:pt x="386" y="689"/>
+                </a:lnTo>
+                <a:lnTo>
+                  <a:pt x="454" y="607"/>
+                </a:lnTo>
+                <a:lnTo>
+                  <a:pt x="527" y="529"/>
+                </a:lnTo>
+                <a:lnTo>
+                  <a:pt x="604" y="456"/>
+                </a:lnTo>
+                <a:lnTo>
+                  <a:pt x="686" y="388"/>
+                </a:lnTo>
+                <a:lnTo>
+                  <a:pt x="771" y="325"/>
+                </a:lnTo>
+                <a:lnTo>
+                  <a:pt x="860" y="266"/>
+                </a:lnTo>
+                <a:lnTo>
+                  <a:pt x="953" y="212"/>
+                </a:lnTo>
+                <a:lnTo>
+                  <a:pt x="1050" y="164"/>
+                </a:lnTo>
+                <a:lnTo>
+                  <a:pt x="1150" y="122"/>
+                </a:lnTo>
+                <a:lnTo>
+                  <a:pt x="1251" y="85"/>
+                </a:lnTo>
+                <a:lnTo>
+                  <a:pt x="1357" y="55"/>
+                </a:lnTo>
+                <a:lnTo>
+                  <a:pt x="1464" y="32"/>
+                </a:lnTo>
+                <a:lnTo>
+                  <a:pt x="1574" y="14"/>
+                </a:lnTo>
+                <a:lnTo>
+                  <a:pt x="1686" y="5"/>
+                </a:lnTo>
+                <a:lnTo>
+                  <a:pt x="1799" y="0"/>
+                </a:lnTo>
+                <a:close/>
+              </a:path>
+            </a:pathLst>
+          </a:custGeom>
+          <a:solidFill>
+            <a:schemeClr val="tx1">
+              <a:lumMod val="85000"/>
+              <a:lumOff val="15000"/>
+            </a:schemeClr>
+          </a:solidFill>
+          <a:ln w="0">
+            <a:noFill/>
+            <a:prstDash val="solid"/>
+            <a:round/>
+            <a:headEnd/>
+            <a:tailEnd/>
+          </a:ln>
+        </p:spPr>
+        <p:txBody>
+          <a:bodyPr anchor="ctr"/>
+          <a:lstStyle/>
+          <a:p>
+            <a:endParaRPr lang="en-US"/>
+          </a:p>
+        </p:txBody>
+      </p:sp>
+    </p:spTree>
+    <p:extLst>
+      <p:ext uri="{BB962C8B-B14F-4D97-AF65-F5344CB8AC3E}">
+        <p14:creationId xmlns:p14="http://schemas.microsoft.com/office/powerpoint/2010/main" val="2627132932"/>
+      </p:ext>
+    </p:extLst>
+  </p:cSld>
+  <p:clrMapOvr>
+    <a:masterClrMapping/>
+  </p:clrMapOvr>
+</p:sld>
+</file>
+
+<file path=ppt/slides/slide2.xml><?xml version="1.0" encoding="utf-8"?>
+<p:sld xmlns:a="http://schemas.openxmlformats.org/drawingml/2006/main" xmlns:r="http://schemas.openxmlformats.org/officeDocument/2006/relationships" xmlns:p="http://schemas.openxmlformats.org/presentationml/2006/main">
+  <p:cSld>
+    <p:bg>
+      <p:bgPr>
+        <a:solidFill>
+          <a:schemeClr val="bg2"/>
+        </a:solidFill>
+        <a:effectLst/>
+      </p:bgPr>
+    </p:bg>
+    <p:spTree>
+      <p:nvGrpSpPr>
+        <p:cNvPr id="1" name=""/>
+        <p:cNvGrpSpPr/>
+        <p:nvPr/>
+      </p:nvGrpSpPr>
+      <p:grpSpPr>
+        <a:xfrm>
+          <a:off x="0" y="0"/>
+          <a:ext cx="0" cy="0"/>
+          <a:chOff x="0" y="0"/>
+          <a:chExt cx="0" cy="0"/>
+        </a:xfrm>
+      </p:grpSpPr>
+      <p:sp useBgFill="1">
+        <p:nvSpPr>
+          <p:cNvPr id="13" name="Rectangle 12">
+            <a:extLst>
+              <a:ext uri="{FF2B5EF4-FFF2-40B4-BE49-F238E27FC236}">
+                <a16:creationId xmlns:a16="http://schemas.microsoft.com/office/drawing/2014/main" id="{C5176844-69C3-4F79-BE38-EA5BDDF4FEA4}"/>
+              </a:ext>
+              <a:ext uri="{C183D7F6-B498-43B3-948B-1728B52AA6E4}">
+                <adec:decorative xmlns:adec="http://schemas.microsoft.com/office/drawing/2017/decorative" val="1"/>
+              </a:ext>
+            </a:extLst>
+          </p:cNvPr>
+          <p:cNvSpPr>
+            <a:spLocks noGrp="1" noRot="1" noChangeAspect="1" noMove="1" noResize="1" noEditPoints="1" noAdjustHandles="1" noChangeArrowheads="1" noChangeShapeType="1" noTextEdit="1"/>
+          </p:cNvSpPr>
+          <p:nvPr>
+            <p:extLst>
+              <p:ext uri="{386F3935-93C4-4BCD-93E2-E3B085C9AB24}">
+                <p16:designElem xmlns:p16="http://schemas.microsoft.com/office/powerpoint/2015/main" val="1"/>
+              </p:ext>
+            </p:extLst>
+          </p:nvPr>
+        </p:nvSpPr>
+        <p:spPr>
+          <a:xfrm>
+            <a:off x="0" y="0"/>
+            <a:ext cx="12192000" cy="6858000"/>
+          </a:xfrm>
+          <a:prstGeom prst="rect">
+            <a:avLst/>
+          </a:prstGeom>
+          <a:ln>
+            <a:noFill/>
+          </a:ln>
+        </p:spPr>
+        <p:style>
+          <a:lnRef idx="2">
+            <a:schemeClr val="accent1">
+              <a:shade val="50000"/>
+            </a:schemeClr>
+          </a:lnRef>
+          <a:fillRef idx="1">
+            <a:schemeClr val="accent1"/>
+          </a:fillRef>
+          <a:effectRef idx="0">
+            <a:schemeClr val="accent1"/>
+          </a:effectRef>
+          <a:fontRef idx="minor">
+            <a:schemeClr val="lt1"/>
+          </a:fontRef>
+        </p:style>
+        <p:txBody>
+          <a:bodyPr rtlCol="0" anchor="ctr"/>
+          <a:lstStyle/>
+          <a:p>
+            <a:pPr algn="ctr"/>
+            <a:endParaRPr lang="en-US"/>
+          </a:p>
+        </p:txBody>
+      </p:sp>
+      <p:sp>
+        <p:nvSpPr>
+          <p:cNvPr id="15" name="Rectangle 14">
+            <a:extLst>
+              <a:ext uri="{FF2B5EF4-FFF2-40B4-BE49-F238E27FC236}">
+                <a16:creationId xmlns:a16="http://schemas.microsoft.com/office/drawing/2014/main" id="{1CF1AAE4-D0BC-430F-A613-7BBAAECA0C2D}"/>
+              </a:ext>
+              <a:ext uri="{C183D7F6-B498-43B3-948B-1728B52AA6E4}">
+                <adec:decorative xmlns:adec="http://schemas.microsoft.com/office/drawing/2017/decorative" val="1"/>
+              </a:ext>
+            </a:extLst>
+          </p:cNvPr>
+          <p:cNvSpPr>
+            <a:spLocks noGrp="1" noRot="1" noChangeAspect="1" noMove="1" noResize="1" noEditPoints="1" noAdjustHandles="1" noChangeArrowheads="1" noChangeShapeType="1" noTextEdit="1"/>
+          </p:cNvSpPr>
+          <p:nvPr>
+            <p:extLst>
+              <p:ext uri="{386F3935-93C4-4BCD-93E2-E3B085C9AB24}">
+                <p16:designElem xmlns:p16="http://schemas.microsoft.com/office/powerpoint/2015/main" val="1"/>
+              </p:ext>
+            </p:extLst>
+          </p:nvPr>
+        </p:nvSpPr>
+        <p:spPr>
+          <a:xfrm>
+            <a:off x="0" y="0"/>
+            <a:ext cx="12191999" cy="2285999"/>
+          </a:xfrm>
+          <a:prstGeom prst="rect">
+            <a:avLst/>
+          </a:prstGeom>
+          <a:solidFill>
+            <a:schemeClr val="tx1">
+              <a:lumMod val="85000"/>
+              <a:lumOff val="15000"/>
+            </a:schemeClr>
+          </a:solidFill>
+          <a:ln>
+            <a:noFill/>
+          </a:ln>
+        </p:spPr>
+        <p:style>
+          <a:lnRef idx="2">
+            <a:schemeClr val="accent1">
+              <a:shade val="50000"/>
+            </a:schemeClr>
+          </a:lnRef>
+          <a:fillRef idx="1">
+            <a:schemeClr val="accent1"/>
+          </a:fillRef>
+          <a:effectRef idx="0">
+            <a:schemeClr val="accent1"/>
+          </a:effectRef>
+          <a:fontRef idx="minor">
+            <a:schemeClr val="lt1"/>
+          </a:fontRef>
+        </p:style>
+        <p:txBody>
+          <a:bodyPr rtlCol="0" anchor="ctr"/>
+          <a:lstStyle/>
+          <a:p>
+            <a:pPr algn="ctr"/>
+            <a:endParaRPr lang="en-US"/>
+          </a:p>
+        </p:txBody>
+      </p:sp>
+      <p:sp>
+        <p:nvSpPr>
+          <p:cNvPr id="7" name="Title 6">
+            <a:extLst>
+              <a:ext uri="{FF2B5EF4-FFF2-40B4-BE49-F238E27FC236}">
+                <a16:creationId xmlns:a16="http://schemas.microsoft.com/office/drawing/2014/main" id="{8D751298-BC96-4D2C-98F3-882F06FBDBF3}"/>
+              </a:ext>
+            </a:extLst>
+          </p:cNvPr>
+          <p:cNvSpPr>
+            <a:spLocks noGrp="1"/>
+          </p:cNvSpPr>
+          <p:nvPr>
+            <p:ph type="title"/>
+          </p:nvPr>
+        </p:nvSpPr>
+        <p:spPr>
+          <a:xfrm>
+            <a:off x="758952" y="379475"/>
+            <a:ext cx="10671048" cy="1554480"/>
+          </a:xfrm>
+        </p:spPr>
+        <p:txBody>
+          <a:bodyPr anchor="ctr">
+            <a:normAutofit/>
+          </a:bodyPr>
+          <a:lstStyle/>
+          <a:p>
+            <a:r>
+              <a:rPr lang="en-US">
+                <a:solidFill>
+                  <a:schemeClr val="bg1"/>
+                </a:solidFill>
+              </a:rPr>
+              <a:t>Agenda</a:t>
+            </a:r>
+          </a:p>
+        </p:txBody>
+      </p:sp>
+      <p:sp>
+        <p:nvSpPr>
+          <p:cNvPr id="8" name="Content Placeholder 7">
+            <a:extLst>
+              <a:ext uri="{FF2B5EF4-FFF2-40B4-BE49-F238E27FC236}">
+                <a16:creationId xmlns:a16="http://schemas.microsoft.com/office/drawing/2014/main" id="{14D205FF-4AD1-4AEA-B5E9-DF9D4382295F}"/>
+              </a:ext>
+            </a:extLst>
+          </p:cNvPr>
+          <p:cNvSpPr>
+            <a:spLocks noGrp="1"/>
+          </p:cNvSpPr>
+          <p:nvPr>
+            <p:ph idx="1"/>
+          </p:nvPr>
+        </p:nvSpPr>
+        <p:spPr>
+          <a:xfrm>
+            <a:off x="360727" y="2607732"/>
+            <a:ext cx="10511405" cy="3994982"/>
+          </a:xfrm>
+        </p:spPr>
+        <p:txBody>
+          <a:bodyPr>
+            <a:normAutofit/>
+          </a:bodyPr>
+          <a:lstStyle/>
+          <a:p>
+            <a:r>
+              <a:rPr lang="en-US"/>
+              <a:t>Mission</a:t>
+            </a:r>
+            <a:r>
+              <a:rPr lang="en-US" dirty="0"/>
+              <a:t>, Motivation &amp; Data Question </a:t>
+            </a:r>
+          </a:p>
+          <a:p>
+            <a:pPr lvl="1"/>
+            <a:r>
+              <a:rPr lang="en-US" dirty="0"/>
+              <a:t>	*Preview of Dashboard and trigger automation</a:t>
+            </a:r>
+          </a:p>
+          <a:p>
+            <a:r>
+              <a:rPr lang="en-US" dirty="0"/>
+              <a:t>Data Cleaning- Python Work and Calculated Fields</a:t>
+            </a:r>
+          </a:p>
+          <a:p>
+            <a:r>
+              <a:rPr lang="en-US" dirty="0"/>
+              <a:t>Light Definitions</a:t>
+            </a:r>
+          </a:p>
+          <a:p>
+            <a:r>
+              <a:rPr lang="en-US" dirty="0"/>
+              <a:t>Tour of Dashboard</a:t>
+            </a:r>
+          </a:p>
+          <a:p>
+            <a:r>
+              <a:rPr lang="en-US" dirty="0"/>
+              <a:t>Technologies Used</a:t>
+            </a:r>
+          </a:p>
+          <a:p>
+            <a:r>
+              <a:rPr lang="en-US" dirty="0"/>
+              <a:t>Moving Forward</a:t>
+            </a:r>
+          </a:p>
+          <a:p>
+            <a:endParaRPr lang="en-US" dirty="0"/>
+          </a:p>
+        </p:txBody>
+      </p:sp>
+      <p:sp>
+        <p:nvSpPr>
+          <p:cNvPr id="17" name="Freeform 6">
+            <a:extLst>
+              <a:ext uri="{FF2B5EF4-FFF2-40B4-BE49-F238E27FC236}">
+                <a16:creationId xmlns:a16="http://schemas.microsoft.com/office/drawing/2014/main" id="{A101E513-AF74-4E9D-A31F-99664250722D}"/>
+              </a:ext>
+              <a:ext uri="{C183D7F6-B498-43B3-948B-1728B52AA6E4}">
+                <adec:decorative xmlns:adec="http://schemas.microsoft.com/office/drawing/2017/decorative" val="1"/>
+              </a:ext>
+            </a:extLst>
+          </p:cNvPr>
+          <p:cNvSpPr>
+            <a:spLocks noGrp="1" noRot="1" noChangeAspect="1" noMove="1" noResize="1" noEditPoints="1" noAdjustHandles="1" noChangeArrowheads="1" noChangeShapeType="1" noTextEdit="1"/>
+          </p:cNvSpPr>
+          <p:nvPr>
+            <p:extLst>
+              <p:ext uri="{386F3935-93C4-4BCD-93E2-E3B085C9AB24}">
+                <p16:designElem xmlns:p16="http://schemas.microsoft.com/office/powerpoint/2015/main" val="1"/>
+              </p:ext>
+            </p:extLst>
+          </p:nvPr>
+        </p:nvSpPr>
+        <p:spPr bwMode="auto">
+          <a:xfrm>
+            <a:off x="11784011" y="5783564"/>
+            <a:ext cx="407988" cy="819150"/>
+          </a:xfrm>
+          <a:custGeom>
+            <a:avLst/>
+            <a:gdLst/>
+            <a:ahLst/>
+            <a:cxnLst/>
+            <a:rect l="0" t="0" r="r" b="b"/>
+            <a:pathLst>
+              <a:path w="1799" h="3612">
+                <a:moveTo>
+                  <a:pt x="1799" y="0"/>
+                </a:moveTo>
+                <a:lnTo>
+                  <a:pt x="1799" y="3612"/>
+                </a:lnTo>
+                <a:lnTo>
+                  <a:pt x="1686" y="3609"/>
+                </a:lnTo>
+                <a:lnTo>
+                  <a:pt x="1574" y="3598"/>
+                </a:lnTo>
+                <a:lnTo>
+                  <a:pt x="1464" y="3581"/>
+                </a:lnTo>
+                <a:lnTo>
+                  <a:pt x="1357" y="3557"/>
+                </a:lnTo>
+                <a:lnTo>
+                  <a:pt x="1251" y="3527"/>
+                </a:lnTo>
+                <a:lnTo>
+                  <a:pt x="1150" y="3490"/>
+                </a:lnTo>
+                <a:lnTo>
+                  <a:pt x="1050" y="3448"/>
+                </a:lnTo>
+                <a:lnTo>
+                  <a:pt x="953" y="3401"/>
+                </a:lnTo>
+                <a:lnTo>
+                  <a:pt x="860" y="3347"/>
+                </a:lnTo>
+                <a:lnTo>
+                  <a:pt x="771" y="3289"/>
+                </a:lnTo>
+                <a:lnTo>
+                  <a:pt x="686" y="3224"/>
+                </a:lnTo>
+                <a:lnTo>
+                  <a:pt x="604" y="3156"/>
+                </a:lnTo>
+                <a:lnTo>
+                  <a:pt x="527" y="3083"/>
+                </a:lnTo>
+                <a:lnTo>
+                  <a:pt x="454" y="3005"/>
+                </a:lnTo>
+                <a:lnTo>
+                  <a:pt x="386" y="2923"/>
+                </a:lnTo>
+                <a:lnTo>
+                  <a:pt x="323" y="2838"/>
+                </a:lnTo>
+                <a:lnTo>
+                  <a:pt x="265" y="2748"/>
+                </a:lnTo>
+                <a:lnTo>
+                  <a:pt x="211" y="2655"/>
+                </a:lnTo>
+                <a:lnTo>
+                  <a:pt x="163" y="2559"/>
+                </a:lnTo>
+                <a:lnTo>
+                  <a:pt x="121" y="2459"/>
+                </a:lnTo>
+                <a:lnTo>
+                  <a:pt x="85" y="2356"/>
+                </a:lnTo>
+                <a:lnTo>
+                  <a:pt x="55" y="2251"/>
+                </a:lnTo>
+                <a:lnTo>
+                  <a:pt x="32" y="2143"/>
+                </a:lnTo>
+                <a:lnTo>
+                  <a:pt x="14" y="2033"/>
+                </a:lnTo>
+                <a:lnTo>
+                  <a:pt x="4" y="1920"/>
+                </a:lnTo>
+                <a:lnTo>
+                  <a:pt x="0" y="1806"/>
+                </a:lnTo>
+                <a:lnTo>
+                  <a:pt x="4" y="1692"/>
+                </a:lnTo>
+                <a:lnTo>
+                  <a:pt x="14" y="1580"/>
+                </a:lnTo>
+                <a:lnTo>
+                  <a:pt x="32" y="1469"/>
+                </a:lnTo>
+                <a:lnTo>
+                  <a:pt x="55" y="1362"/>
+                </a:lnTo>
+                <a:lnTo>
+                  <a:pt x="85" y="1256"/>
+                </a:lnTo>
+                <a:lnTo>
+                  <a:pt x="121" y="1154"/>
+                </a:lnTo>
+                <a:lnTo>
+                  <a:pt x="163" y="1054"/>
+                </a:lnTo>
+                <a:lnTo>
+                  <a:pt x="211" y="958"/>
+                </a:lnTo>
+                <a:lnTo>
+                  <a:pt x="265" y="864"/>
+                </a:lnTo>
+                <a:lnTo>
+                  <a:pt x="323" y="774"/>
+                </a:lnTo>
+                <a:lnTo>
+                  <a:pt x="386" y="689"/>
+                </a:lnTo>
+                <a:lnTo>
+                  <a:pt x="454" y="607"/>
+                </a:lnTo>
+                <a:lnTo>
+                  <a:pt x="527" y="529"/>
+                </a:lnTo>
+                <a:lnTo>
+                  <a:pt x="604" y="456"/>
+                </a:lnTo>
+                <a:lnTo>
+                  <a:pt x="686" y="388"/>
+                </a:lnTo>
+                <a:lnTo>
+                  <a:pt x="771" y="325"/>
+                </a:lnTo>
+                <a:lnTo>
+                  <a:pt x="860" y="266"/>
+                </a:lnTo>
+                <a:lnTo>
+                  <a:pt x="953" y="212"/>
+                </a:lnTo>
+                <a:lnTo>
+                  <a:pt x="1050" y="164"/>
+                </a:lnTo>
+                <a:lnTo>
+                  <a:pt x="1150" y="122"/>
+                </a:lnTo>
+                <a:lnTo>
+                  <a:pt x="1251" y="85"/>
+                </a:lnTo>
+                <a:lnTo>
+                  <a:pt x="1357" y="55"/>
+                </a:lnTo>
+                <a:lnTo>
+                  <a:pt x="1464" y="32"/>
+                </a:lnTo>
+                <a:lnTo>
+                  <a:pt x="1574" y="14"/>
+                </a:lnTo>
+                <a:lnTo>
+                  <a:pt x="1686" y="5"/>
+                </a:lnTo>
+                <a:lnTo>
+                  <a:pt x="1799" y="0"/>
+                </a:lnTo>
+                <a:close/>
+              </a:path>
+            </a:pathLst>
+          </a:custGeom>
+          <a:solidFill>
+            <a:schemeClr val="tx1">
+              <a:lumMod val="85000"/>
+              <a:lumOff val="15000"/>
+            </a:schemeClr>
+          </a:solidFill>
+          <a:ln w="0">
+            <a:noFill/>
+            <a:prstDash val="solid"/>
+            <a:round/>
+            <a:headEnd/>
+            <a:tailEnd/>
+          </a:ln>
+        </p:spPr>
+        <p:txBody>
+          <a:bodyPr anchor="ctr"/>
+          <a:lstStyle/>
+          <a:p>
+            <a:endParaRPr lang="en-US"/>
+          </a:p>
+        </p:txBody>
+      </p:sp>
+    </p:spTree>
+    <p:extLst>
+      <p:ext uri="{BB962C8B-B14F-4D97-AF65-F5344CB8AC3E}">
+        <p14:creationId xmlns:p14="http://schemas.microsoft.com/office/powerpoint/2010/main" val="3696523145"/>
+      </p:ext>
+    </p:extLst>
+  </p:cSld>
+  <p:clrMapOvr>
+    <a:masterClrMapping/>
+  </p:clrMapOvr>
+</p:sld>
+</file>
+
+<file path=ppt/slides/slide3.xml><?xml version="1.0" encoding="utf-8"?>
+<p:sld xmlns:a="http://schemas.openxmlformats.org/drawingml/2006/main" xmlns:r="http://schemas.openxmlformats.org/officeDocument/2006/relationships" xmlns:p="http://schemas.openxmlformats.org/presentationml/2006/main">
+  <p:cSld>
+    <p:bg>
+      <p:bgPr>
+        <a:solidFill>
+          <a:schemeClr val="bg2"/>
+        </a:solidFill>
+        <a:effectLst/>
+      </p:bgPr>
+    </p:bg>
+    <p:spTree>
+      <p:nvGrpSpPr>
+        <p:cNvPr id="1" name=""/>
+        <p:cNvGrpSpPr/>
+        <p:nvPr/>
+      </p:nvGrpSpPr>
+      <p:grpSpPr>
+        <a:xfrm>
+          <a:off x="0" y="0"/>
+          <a:ext cx="0" cy="0"/>
+          <a:chOff x="0" y="0"/>
+          <a:chExt cx="0" cy="0"/>
+        </a:xfrm>
+      </p:grpSpPr>
+      <p:sp useBgFill="1">
+        <p:nvSpPr>
+          <p:cNvPr id="8" name="Rectangle 7">
+            <a:extLst>
+              <a:ext uri="{FF2B5EF4-FFF2-40B4-BE49-F238E27FC236}">
+                <a16:creationId xmlns:a16="http://schemas.microsoft.com/office/drawing/2014/main" id="{C5176844-69C3-4F79-BE38-EA5BDDF4FEA4}"/>
+              </a:ext>
+              <a:ext uri="{C183D7F6-B498-43B3-948B-1728B52AA6E4}">
+                <adec:decorative xmlns:adec="http://schemas.microsoft.com/office/drawing/2017/decorative" val="1"/>
+              </a:ext>
+            </a:extLst>
+          </p:cNvPr>
+          <p:cNvSpPr>
+            <a:spLocks noGrp="1" noRot="1" noChangeAspect="1" noMove="1" noResize="1" noEditPoints="1" noAdjustHandles="1" noChangeArrowheads="1" noChangeShapeType="1" noTextEdit="1"/>
+          </p:cNvSpPr>
+          <p:nvPr>
+            <p:extLst>
+              <p:ext uri="{386F3935-93C4-4BCD-93E2-E3B085C9AB24}">
+                <p16:designElem xmlns:p16="http://schemas.microsoft.com/office/powerpoint/2015/main" val="1"/>
+              </p:ext>
+            </p:extLst>
+          </p:nvPr>
+        </p:nvSpPr>
+        <p:spPr>
+          <a:xfrm>
+            <a:off x="0" y="0"/>
+            <a:ext cx="12192000" cy="6858000"/>
+          </a:xfrm>
+          <a:prstGeom prst="rect">
+            <a:avLst/>
+          </a:prstGeom>
+          <a:ln>
+            <a:noFill/>
+          </a:ln>
+        </p:spPr>
+        <p:style>
+          <a:lnRef idx="2">
+            <a:schemeClr val="accent1">
+              <a:shade val="50000"/>
+            </a:schemeClr>
+          </a:lnRef>
+          <a:fillRef idx="1">
+            <a:schemeClr val="accent1"/>
+          </a:fillRef>
+          <a:effectRef idx="0">
+            <a:schemeClr val="accent1"/>
+          </a:effectRef>
+          <a:fontRef idx="minor">
+            <a:schemeClr val="lt1"/>
+          </a:fontRef>
+        </p:style>
+        <p:txBody>
+          <a:bodyPr rtlCol="0" anchor="ctr"/>
+          <a:lstStyle/>
+          <a:p>
+            <a:pPr algn="ctr"/>
+            <a:endParaRPr lang="en-US"/>
+          </a:p>
+        </p:txBody>
+      </p:sp>
+      <p:sp>
+        <p:nvSpPr>
+          <p:cNvPr id="10" name="Rectangle 9">
+            <a:extLst>
+              <a:ext uri="{FF2B5EF4-FFF2-40B4-BE49-F238E27FC236}">
+                <a16:creationId xmlns:a16="http://schemas.microsoft.com/office/drawing/2014/main" id="{1CF1AAE4-D0BC-430F-A613-7BBAAECA0C2D}"/>
+              </a:ext>
+              <a:ext uri="{C183D7F6-B498-43B3-948B-1728B52AA6E4}">
+                <adec:decorative xmlns:adec="http://schemas.microsoft.com/office/drawing/2017/decorative" val="1"/>
+              </a:ext>
+            </a:extLst>
+          </p:cNvPr>
+          <p:cNvSpPr>
+            <a:spLocks noGrp="1" noRot="1" noChangeAspect="1" noMove="1" noResize="1" noEditPoints="1" noAdjustHandles="1" noChangeArrowheads="1" noChangeShapeType="1" noTextEdit="1"/>
+          </p:cNvSpPr>
+          <p:nvPr>
+            <p:extLst>
+              <p:ext uri="{386F3935-93C4-4BCD-93E2-E3B085C9AB24}">
+                <p16:designElem xmlns:p16="http://schemas.microsoft.com/office/powerpoint/2015/main" val="1"/>
+              </p:ext>
+            </p:extLst>
+          </p:nvPr>
+        </p:nvSpPr>
+        <p:spPr>
+          <a:xfrm>
+            <a:off x="0" y="0"/>
+            <a:ext cx="12191999" cy="2285999"/>
+          </a:xfrm>
+          <a:prstGeom prst="rect">
+            <a:avLst/>
+          </a:prstGeom>
+          <a:solidFill>
+            <a:schemeClr val="tx1">
+              <a:lumMod val="85000"/>
+              <a:lumOff val="15000"/>
+            </a:schemeClr>
+          </a:solidFill>
+          <a:ln>
+            <a:noFill/>
+          </a:ln>
+        </p:spPr>
+        <p:style>
+          <a:lnRef idx="2">
+            <a:schemeClr val="accent1">
+              <a:shade val="50000"/>
+            </a:schemeClr>
+          </a:lnRef>
+          <a:fillRef idx="1">
+            <a:schemeClr val="accent1"/>
+          </a:fillRef>
+          <a:effectRef idx="0">
+            <a:schemeClr val="accent1"/>
+          </a:effectRef>
+          <a:fontRef idx="minor">
+            <a:schemeClr val="lt1"/>
+          </a:fontRef>
+        </p:style>
+        <p:txBody>
+          <a:bodyPr rtlCol="0" anchor="ctr"/>
+          <a:lstStyle/>
+          <a:p>
+            <a:pPr algn="ctr"/>
+            <a:endParaRPr lang="en-US"/>
+          </a:p>
+        </p:txBody>
+      </p:sp>
+      <p:sp>
+        <p:nvSpPr>
+          <p:cNvPr id="2" name="Title 1">
+            <a:extLst>
+              <a:ext uri="{FF2B5EF4-FFF2-40B4-BE49-F238E27FC236}">
+                <a16:creationId xmlns:a16="http://schemas.microsoft.com/office/drawing/2014/main" id="{B06C4D6D-8AC2-4BE1-9F90-6CCD1A575129}"/>
+              </a:ext>
+            </a:extLst>
+          </p:cNvPr>
+          <p:cNvSpPr>
+            <a:spLocks noGrp="1"/>
+          </p:cNvSpPr>
+          <p:nvPr>
+            <p:ph type="title"/>
+          </p:nvPr>
+        </p:nvSpPr>
+        <p:spPr>
+          <a:xfrm>
+            <a:off x="758952" y="379475"/>
+            <a:ext cx="10671048" cy="1554480"/>
+          </a:xfrm>
+        </p:spPr>
+        <p:txBody>
+          <a:bodyPr anchor="ctr">
+            <a:normAutofit/>
+          </a:bodyPr>
+          <a:lstStyle/>
+          <a:p>
+            <a:pPr algn="ctr"/>
+            <a:r>
+              <a:rPr lang="en-US" dirty="0">
+                <a:solidFill>
+                  <a:schemeClr val="bg1"/>
+                </a:solidFill>
+              </a:rPr>
+              <a:t>Mission</a:t>
+            </a:r>
+          </a:p>
+        </p:txBody>
+      </p:sp>
+      <p:sp>
+        <p:nvSpPr>
+          <p:cNvPr id="3" name="Content Placeholder 2">
+            <a:extLst>
+              <a:ext uri="{FF2B5EF4-FFF2-40B4-BE49-F238E27FC236}">
+                <a16:creationId xmlns:a16="http://schemas.microsoft.com/office/drawing/2014/main" id="{D2F13DBF-8EE9-4AED-9E32-ECFF8EAD46DA}"/>
+              </a:ext>
+            </a:extLst>
+          </p:cNvPr>
+          <p:cNvSpPr>
+            <a:spLocks noGrp="1"/>
+          </p:cNvSpPr>
+          <p:nvPr>
+            <p:ph idx="1"/>
+          </p:nvPr>
+        </p:nvSpPr>
+        <p:spPr>
+          <a:xfrm>
+            <a:off x="1589334" y="3071846"/>
+            <a:ext cx="8412480" cy="2711718"/>
+          </a:xfrm>
+        </p:spPr>
+        <p:txBody>
+          <a:bodyPr>
+            <a:normAutofit/>
+          </a:bodyPr>
+          <a:lstStyle/>
+          <a:p>
+            <a:pPr marL="0" indent="0" algn="ctr">
+              <a:buNone/>
+            </a:pPr>
+            <a:r>
+              <a:rPr lang="en-US" sz="3600" dirty="0"/>
+              <a:t>“To bridge understanding that allows operators to use data to formulate conclusions on business performance”</a:t>
+            </a:r>
+          </a:p>
+        </p:txBody>
+      </p:sp>
+      <p:sp>
+        <p:nvSpPr>
+          <p:cNvPr id="12" name="Freeform 6">
+            <a:extLst>
+              <a:ext uri="{FF2B5EF4-FFF2-40B4-BE49-F238E27FC236}">
+                <a16:creationId xmlns:a16="http://schemas.microsoft.com/office/drawing/2014/main" id="{A101E513-AF74-4E9D-A31F-99664250722D}"/>
+              </a:ext>
+              <a:ext uri="{C183D7F6-B498-43B3-948B-1728B52AA6E4}">
+                <adec:decorative xmlns:adec="http://schemas.microsoft.com/office/drawing/2017/decorative" val="1"/>
+              </a:ext>
+            </a:extLst>
+          </p:cNvPr>
+          <p:cNvSpPr>
+            <a:spLocks noGrp="1" noRot="1" noChangeAspect="1" noMove="1" noResize="1" noEditPoints="1" noAdjustHandles="1" noChangeArrowheads="1" noChangeShapeType="1" noTextEdit="1"/>
+          </p:cNvSpPr>
+          <p:nvPr>
+            <p:extLst>
+              <p:ext uri="{386F3935-93C4-4BCD-93E2-E3B085C9AB24}">
+                <p16:designElem xmlns:p16="http://schemas.microsoft.com/office/powerpoint/2015/main" val="1"/>
+              </p:ext>
+            </p:extLst>
+          </p:nvPr>
+        </p:nvSpPr>
+        <p:spPr bwMode="auto">
+          <a:xfrm>
+            <a:off x="11784011" y="5783564"/>
+            <a:ext cx="407988" cy="819150"/>
+          </a:xfrm>
+          <a:custGeom>
+            <a:avLst/>
+            <a:gdLst/>
+            <a:ahLst/>
+            <a:cxnLst/>
+            <a:rect l="0" t="0" r="r" b="b"/>
+            <a:pathLst>
+              <a:path w="1799" h="3612">
+                <a:moveTo>
+                  <a:pt x="1799" y="0"/>
+                </a:moveTo>
+                <a:lnTo>
+                  <a:pt x="1799" y="3612"/>
+                </a:lnTo>
+                <a:lnTo>
+                  <a:pt x="1686" y="3609"/>
+                </a:lnTo>
+                <a:lnTo>
+                  <a:pt x="1574" y="3598"/>
+                </a:lnTo>
+                <a:lnTo>
+                  <a:pt x="1464" y="3581"/>
+                </a:lnTo>
+                <a:lnTo>
+                  <a:pt x="1357" y="3557"/>
+                </a:lnTo>
+                <a:lnTo>
+                  <a:pt x="1251" y="3527"/>
+                </a:lnTo>
+                <a:lnTo>
+                  <a:pt x="1150" y="3490"/>
+                </a:lnTo>
+                <a:lnTo>
+                  <a:pt x="1050" y="3448"/>
+                </a:lnTo>
+                <a:lnTo>
+                  <a:pt x="953" y="3401"/>
+                </a:lnTo>
+                <a:lnTo>
+                  <a:pt x="860" y="3347"/>
+                </a:lnTo>
+                <a:lnTo>
+                  <a:pt x="771" y="3289"/>
+                </a:lnTo>
+                <a:lnTo>
+                  <a:pt x="686" y="3224"/>
+                </a:lnTo>
+                <a:lnTo>
+                  <a:pt x="604" y="3156"/>
+                </a:lnTo>
+                <a:lnTo>
+                  <a:pt x="527" y="3083"/>
+                </a:lnTo>
+                <a:lnTo>
+                  <a:pt x="454" y="3005"/>
+                </a:lnTo>
+                <a:lnTo>
+                  <a:pt x="386" y="2923"/>
+                </a:lnTo>
+                <a:lnTo>
+                  <a:pt x="323" y="2838"/>
+                </a:lnTo>
+                <a:lnTo>
+                  <a:pt x="265" y="2748"/>
+                </a:lnTo>
+                <a:lnTo>
+                  <a:pt x="211" y="2655"/>
+                </a:lnTo>
+                <a:lnTo>
+                  <a:pt x="163" y="2559"/>
+                </a:lnTo>
+                <a:lnTo>
+                  <a:pt x="121" y="2459"/>
+                </a:lnTo>
+                <a:lnTo>
+                  <a:pt x="85" y="2356"/>
+                </a:lnTo>
+                <a:lnTo>
+                  <a:pt x="55" y="2251"/>
+                </a:lnTo>
+                <a:lnTo>
+                  <a:pt x="32" y="2143"/>
+                </a:lnTo>
+                <a:lnTo>
+                  <a:pt x="14" y="2033"/>
+                </a:lnTo>
+                <a:lnTo>
+                  <a:pt x="4" y="1920"/>
+                </a:lnTo>
+                <a:lnTo>
+                  <a:pt x="0" y="1806"/>
+                </a:lnTo>
+                <a:lnTo>
+                  <a:pt x="4" y="1692"/>
+                </a:lnTo>
+                <a:lnTo>
+                  <a:pt x="14" y="1580"/>
+                </a:lnTo>
+                <a:lnTo>
+                  <a:pt x="32" y="1469"/>
+                </a:lnTo>
+                <a:lnTo>
+                  <a:pt x="55" y="1362"/>
+                </a:lnTo>
+                <a:lnTo>
+                  <a:pt x="85" y="1256"/>
+                </a:lnTo>
+                <a:lnTo>
+                  <a:pt x="121" y="1154"/>
+                </a:lnTo>
+                <a:lnTo>
+                  <a:pt x="163" y="1054"/>
+                </a:lnTo>
+                <a:lnTo>
+                  <a:pt x="211" y="958"/>
+                </a:lnTo>
+                <a:lnTo>
+                  <a:pt x="265" y="864"/>
+                </a:lnTo>
+                <a:lnTo>
+                  <a:pt x="323" y="774"/>
+                </a:lnTo>
+                <a:lnTo>
+                  <a:pt x="386" y="689"/>
+                </a:lnTo>
+                <a:lnTo>
+                  <a:pt x="454" y="607"/>
+                </a:lnTo>
+                <a:lnTo>
+                  <a:pt x="527" y="529"/>
+                </a:lnTo>
+                <a:lnTo>
+                  <a:pt x="604" y="456"/>
+                </a:lnTo>
+                <a:lnTo>
+                  <a:pt x="686" y="388"/>
+                </a:lnTo>
+                <a:lnTo>
+                  <a:pt x="771" y="325"/>
+                </a:lnTo>
+                <a:lnTo>
+                  <a:pt x="860" y="266"/>
+                </a:lnTo>
+                <a:lnTo>
+                  <a:pt x="953" y="212"/>
+                </a:lnTo>
+                <a:lnTo>
+                  <a:pt x="1050" y="164"/>
+                </a:lnTo>
+                <a:lnTo>
+                  <a:pt x="1150" y="122"/>
+                </a:lnTo>
+                <a:lnTo>
+                  <a:pt x="1251" y="85"/>
+                </a:lnTo>
+                <a:lnTo>
+                  <a:pt x="1357" y="55"/>
+                </a:lnTo>
+                <a:lnTo>
+                  <a:pt x="1464" y="32"/>
+                </a:lnTo>
+                <a:lnTo>
+                  <a:pt x="1574" y="14"/>
+                </a:lnTo>
+                <a:lnTo>
+                  <a:pt x="1686" y="5"/>
+                </a:lnTo>
+                <a:lnTo>
+                  <a:pt x="1799" y="0"/>
+                </a:lnTo>
+                <a:close/>
+              </a:path>
+            </a:pathLst>
+          </a:custGeom>
+          <a:solidFill>
+            <a:schemeClr val="tx1">
+              <a:lumMod val="85000"/>
+              <a:lumOff val="15000"/>
+            </a:schemeClr>
+          </a:solidFill>
+          <a:ln w="0">
+            <a:noFill/>
+            <a:prstDash val="solid"/>
+            <a:round/>
+            <a:headEnd/>
+            <a:tailEnd/>
+          </a:ln>
+        </p:spPr>
+        <p:txBody>
+          <a:bodyPr anchor="ctr"/>
+          <a:lstStyle/>
+          <a:p>
+            <a:endParaRPr lang="en-US"/>
+          </a:p>
+        </p:txBody>
+      </p:sp>
+    </p:spTree>
+    <p:extLst>
+      <p:ext uri="{BB962C8B-B14F-4D97-AF65-F5344CB8AC3E}">
+        <p14:creationId xmlns:p14="http://schemas.microsoft.com/office/powerpoint/2010/main" val="1385637095"/>
+      </p:ext>
+    </p:extLst>
+  </p:cSld>
+  <p:clrMapOvr>
+    <a:masterClrMapping/>
+  </p:clrMapOvr>
+</p:sld>
+</file>
+
+<file path=ppt/slides/slide4.xml><?xml version="1.0" encoding="utf-8"?>
+<p:sld xmlns:a="http://schemas.openxmlformats.org/drawingml/2006/main" xmlns:r="http://schemas.openxmlformats.org/officeDocument/2006/relationships" xmlns:p="http://schemas.openxmlformats.org/presentationml/2006/main">
+  <p:cSld>
+    <p:bg>
+      <p:bgPr>
+        <a:solidFill>
+          <a:schemeClr val="bg2"/>
+        </a:solidFill>
+        <a:effectLst/>
+      </p:bgPr>
+    </p:bg>
+    <p:spTree>
+      <p:nvGrpSpPr>
+        <p:cNvPr id="1" name=""/>
+        <p:cNvGrpSpPr/>
+        <p:nvPr/>
+      </p:nvGrpSpPr>
+      <p:grpSpPr>
+        <a:xfrm>
+          <a:off x="0" y="0"/>
+          <a:ext cx="0" cy="0"/>
+          <a:chOff x="0" y="0"/>
+          <a:chExt cx="0" cy="0"/>
+        </a:xfrm>
+      </p:grpSpPr>
+      <p:sp useBgFill="1">
+        <p:nvSpPr>
+          <p:cNvPr id="8" name="Rectangle 7">
+            <a:extLst>
+              <a:ext uri="{FF2B5EF4-FFF2-40B4-BE49-F238E27FC236}">
+                <a16:creationId xmlns:a16="http://schemas.microsoft.com/office/drawing/2014/main" id="{C5176844-69C3-4F79-BE38-EA5BDDF4FEA4}"/>
+              </a:ext>
+              <a:ext uri="{C183D7F6-B498-43B3-948B-1728B52AA6E4}">
+                <adec:decorative xmlns:adec="http://schemas.microsoft.com/office/drawing/2017/decorative" val="1"/>
+              </a:ext>
+            </a:extLst>
+          </p:cNvPr>
+          <p:cNvSpPr>
+            <a:spLocks noGrp="1" noRot="1" noChangeAspect="1" noMove="1" noResize="1" noEditPoints="1" noAdjustHandles="1" noChangeArrowheads="1" noChangeShapeType="1" noTextEdit="1"/>
+          </p:cNvSpPr>
+          <p:nvPr>
+            <p:extLst>
+              <p:ext uri="{386F3935-93C4-4BCD-93E2-E3B085C9AB24}">
+                <p16:designElem xmlns:p16="http://schemas.microsoft.com/office/powerpoint/2015/main" val="1"/>
+              </p:ext>
+            </p:extLst>
+          </p:nvPr>
+        </p:nvSpPr>
+        <p:spPr>
+          <a:xfrm>
+            <a:off x="0" y="0"/>
+            <a:ext cx="12192000" cy="6858000"/>
+          </a:xfrm>
+          <a:prstGeom prst="rect">
+            <a:avLst/>
+          </a:prstGeom>
+          <a:ln>
+            <a:noFill/>
+          </a:ln>
+        </p:spPr>
+        <p:style>
+          <a:lnRef idx="2">
+            <a:schemeClr val="accent1">
+              <a:shade val="50000"/>
+            </a:schemeClr>
+          </a:lnRef>
+          <a:fillRef idx="1">
+            <a:schemeClr val="accent1"/>
+          </a:fillRef>
+          <a:effectRef idx="0">
+            <a:schemeClr val="accent1"/>
+          </a:effectRef>
+          <a:fontRef idx="minor">
+            <a:schemeClr val="lt1"/>
+          </a:fontRef>
+        </p:style>
+        <p:txBody>
+          <a:bodyPr rtlCol="0" anchor="ctr"/>
+          <a:lstStyle/>
+          <a:p>
+            <a:pPr algn="ctr"/>
+            <a:endParaRPr lang="en-US"/>
+          </a:p>
+        </p:txBody>
+      </p:sp>
+      <p:sp>
+        <p:nvSpPr>
+          <p:cNvPr id="10" name="Rectangle 9">
+            <a:extLst>
+              <a:ext uri="{FF2B5EF4-FFF2-40B4-BE49-F238E27FC236}">
+                <a16:creationId xmlns:a16="http://schemas.microsoft.com/office/drawing/2014/main" id="{1CF1AAE4-D0BC-430F-A613-7BBAAECA0C2D}"/>
+              </a:ext>
+              <a:ext uri="{C183D7F6-B498-43B3-948B-1728B52AA6E4}">
+                <adec:decorative xmlns:adec="http://schemas.microsoft.com/office/drawing/2017/decorative" val="1"/>
+              </a:ext>
+            </a:extLst>
+          </p:cNvPr>
+          <p:cNvSpPr>
+            <a:spLocks noGrp="1" noRot="1" noChangeAspect="1" noMove="1" noResize="1" noEditPoints="1" noAdjustHandles="1" noChangeArrowheads="1" noChangeShapeType="1" noTextEdit="1"/>
+          </p:cNvSpPr>
+          <p:nvPr>
+            <p:extLst>
+              <p:ext uri="{386F3935-93C4-4BCD-93E2-E3B085C9AB24}">
+                <p16:designElem xmlns:p16="http://schemas.microsoft.com/office/powerpoint/2015/main" val="1"/>
+              </p:ext>
+            </p:extLst>
+          </p:nvPr>
+        </p:nvSpPr>
+        <p:spPr>
+          <a:xfrm>
+            <a:off x="0" y="0"/>
+            <a:ext cx="12191999" cy="2285999"/>
+          </a:xfrm>
+          <a:prstGeom prst="rect">
+            <a:avLst/>
+          </a:prstGeom>
+          <a:solidFill>
+            <a:schemeClr val="tx1">
+              <a:lumMod val="85000"/>
+              <a:lumOff val="15000"/>
+            </a:schemeClr>
+          </a:solidFill>
+          <a:ln>
+            <a:noFill/>
+          </a:ln>
+        </p:spPr>
+        <p:style>
+          <a:lnRef idx="2">
+            <a:schemeClr val="accent1">
+              <a:shade val="50000"/>
+            </a:schemeClr>
+          </a:lnRef>
+          <a:fillRef idx="1">
+            <a:schemeClr val="accent1"/>
+          </a:fillRef>
+          <a:effectRef idx="0">
+            <a:schemeClr val="accent1"/>
+          </a:effectRef>
+          <a:fontRef idx="minor">
+            <a:schemeClr val="lt1"/>
+          </a:fontRef>
+        </p:style>
+        <p:txBody>
+          <a:bodyPr rtlCol="0" anchor="ctr"/>
+          <a:lstStyle/>
+          <a:p>
+            <a:pPr algn="ctr"/>
+            <a:endParaRPr lang="en-US"/>
+          </a:p>
+        </p:txBody>
+      </p:sp>
+      <p:sp>
+        <p:nvSpPr>
+          <p:cNvPr id="2" name="Title 1">
+            <a:extLst>
+              <a:ext uri="{FF2B5EF4-FFF2-40B4-BE49-F238E27FC236}">
+                <a16:creationId xmlns:a16="http://schemas.microsoft.com/office/drawing/2014/main" id="{B06C4D6D-8AC2-4BE1-9F90-6CCD1A575129}"/>
+              </a:ext>
+            </a:extLst>
+          </p:cNvPr>
+          <p:cNvSpPr>
+            <a:spLocks noGrp="1"/>
+          </p:cNvSpPr>
+          <p:nvPr>
+            <p:ph type="title"/>
+          </p:nvPr>
+        </p:nvSpPr>
+        <p:spPr>
+          <a:xfrm>
+            <a:off x="758952" y="379475"/>
+            <a:ext cx="10671048" cy="1554480"/>
+          </a:xfrm>
+        </p:spPr>
+        <p:txBody>
+          <a:bodyPr anchor="ctr">
+            <a:normAutofit/>
+          </a:bodyPr>
+          <a:lstStyle/>
+          <a:p>
+            <a:r>
+              <a:rPr lang="en-US" dirty="0">
+                <a:solidFill>
+                  <a:schemeClr val="bg1"/>
+                </a:solidFill>
+              </a:rPr>
+              <a:t>Motivation</a:t>
+            </a:r>
+          </a:p>
+        </p:txBody>
+      </p:sp>
+      <p:sp>
+        <p:nvSpPr>
+          <p:cNvPr id="3" name="Content Placeholder 2">
+            <a:extLst>
+              <a:ext uri="{FF2B5EF4-FFF2-40B4-BE49-F238E27FC236}">
+                <a16:creationId xmlns:a16="http://schemas.microsoft.com/office/drawing/2014/main" id="{D2F13DBF-8EE9-4AED-9E32-ECFF8EAD46DA}"/>
+              </a:ext>
+            </a:extLst>
+          </p:cNvPr>
+          <p:cNvSpPr>
+            <a:spLocks noGrp="1"/>
+          </p:cNvSpPr>
+          <p:nvPr>
+            <p:ph idx="1"/>
+          </p:nvPr>
+        </p:nvSpPr>
+        <p:spPr>
+          <a:xfrm>
+            <a:off x="758823" y="2607732"/>
+            <a:ext cx="10868317" cy="3174357"/>
+          </a:xfrm>
+        </p:spPr>
+        <p:txBody>
+          <a:bodyPr>
+            <a:normAutofit fontScale="92500" lnSpcReduction="10000"/>
+          </a:bodyPr>
+          <a:lstStyle/>
+          <a:p>
+            <a:r>
+              <a:rPr lang="en-US" sz="2800" dirty="0"/>
+              <a:t>The motivation for creating this dashboard was to create a tool to have </a:t>
+            </a:r>
+            <a:r>
+              <a:rPr lang="en-US" sz="2800" b="1" dirty="0"/>
+              <a:t>real time data </a:t>
+            </a:r>
+            <a:r>
+              <a:rPr lang="en-US" sz="2800" dirty="0"/>
+              <a:t>for operators on which areas of their business drives their cost per meal (CPM)</a:t>
+            </a:r>
+          </a:p>
+          <a:p>
+            <a:r>
+              <a:rPr lang="en-US" sz="2800" dirty="0"/>
+              <a:t>The opportunity to </a:t>
+            </a:r>
+            <a:r>
+              <a:rPr lang="en-US" sz="2800" b="1" dirty="0"/>
+              <a:t>shorten the feedback loop </a:t>
+            </a:r>
+            <a:r>
+              <a:rPr lang="en-US" sz="2800" dirty="0"/>
+              <a:t>and push information without operators having to run reports can help them with their day-to-day decisions faster for more precise decision making on food production</a:t>
+            </a:r>
+          </a:p>
+        </p:txBody>
+      </p:sp>
+      <p:sp>
+        <p:nvSpPr>
+          <p:cNvPr id="12" name="Freeform 6">
+            <a:extLst>
+              <a:ext uri="{FF2B5EF4-FFF2-40B4-BE49-F238E27FC236}">
+                <a16:creationId xmlns:a16="http://schemas.microsoft.com/office/drawing/2014/main" id="{A101E513-AF74-4E9D-A31F-99664250722D}"/>
+              </a:ext>
+              <a:ext uri="{C183D7F6-B498-43B3-948B-1728B52AA6E4}">
+                <adec:decorative xmlns:adec="http://schemas.microsoft.com/office/drawing/2017/decorative" val="1"/>
+              </a:ext>
+            </a:extLst>
+          </p:cNvPr>
+          <p:cNvSpPr>
+            <a:spLocks noGrp="1" noRot="1" noChangeAspect="1" noMove="1" noResize="1" noEditPoints="1" noAdjustHandles="1" noChangeArrowheads="1" noChangeShapeType="1" noTextEdit="1"/>
+          </p:cNvSpPr>
+          <p:nvPr>
+            <p:extLst>
+              <p:ext uri="{386F3935-93C4-4BCD-93E2-E3B085C9AB24}">
+                <p16:designElem xmlns:p16="http://schemas.microsoft.com/office/powerpoint/2015/main" val="1"/>
+              </p:ext>
+            </p:extLst>
+          </p:nvPr>
+        </p:nvSpPr>
+        <p:spPr bwMode="auto">
+          <a:xfrm>
+            <a:off x="11784011" y="5783564"/>
+            <a:ext cx="407988" cy="819150"/>
+          </a:xfrm>
+          <a:custGeom>
+            <a:avLst/>
+            <a:gdLst/>
+            <a:ahLst/>
+            <a:cxnLst/>
+            <a:rect l="0" t="0" r="r" b="b"/>
+            <a:pathLst>
+              <a:path w="1799" h="3612">
+                <a:moveTo>
+                  <a:pt x="1799" y="0"/>
+                </a:moveTo>
+                <a:lnTo>
+                  <a:pt x="1799" y="3612"/>
+                </a:lnTo>
+                <a:lnTo>
+                  <a:pt x="1686" y="3609"/>
+                </a:lnTo>
+                <a:lnTo>
+                  <a:pt x="1574" y="3598"/>
+                </a:lnTo>
+                <a:lnTo>
+                  <a:pt x="1464" y="3581"/>
+                </a:lnTo>
+                <a:lnTo>
+                  <a:pt x="1357" y="3557"/>
+                </a:lnTo>
+                <a:lnTo>
+                  <a:pt x="1251" y="3527"/>
+                </a:lnTo>
+                <a:lnTo>
+                  <a:pt x="1150" y="3490"/>
+                </a:lnTo>
+                <a:lnTo>
+                  <a:pt x="1050" y="3448"/>
+                </a:lnTo>
+                <a:lnTo>
+                  <a:pt x="953" y="3401"/>
+                </a:lnTo>
+                <a:lnTo>
+                  <a:pt x="860" y="3347"/>
+                </a:lnTo>
+                <a:lnTo>
+                  <a:pt x="771" y="3289"/>
+                </a:lnTo>
+                <a:lnTo>
+                  <a:pt x="686" y="3224"/>
+                </a:lnTo>
+                <a:lnTo>
+                  <a:pt x="604" y="3156"/>
+                </a:lnTo>
+                <a:lnTo>
+                  <a:pt x="527" y="3083"/>
+                </a:lnTo>
+                <a:lnTo>
+                  <a:pt x="454" y="3005"/>
+                </a:lnTo>
+                <a:lnTo>
+                  <a:pt x="386" y="2923"/>
+                </a:lnTo>
+                <a:lnTo>
+                  <a:pt x="323" y="2838"/>
+                </a:lnTo>
+                <a:lnTo>
+                  <a:pt x="265" y="2748"/>
+                </a:lnTo>
+                <a:lnTo>
+                  <a:pt x="211" y="2655"/>
+                </a:lnTo>
+                <a:lnTo>
+                  <a:pt x="163" y="2559"/>
+                </a:lnTo>
+                <a:lnTo>
+                  <a:pt x="121" y="2459"/>
+                </a:lnTo>
+                <a:lnTo>
+                  <a:pt x="85" y="2356"/>
+                </a:lnTo>
+                <a:lnTo>
+                  <a:pt x="55" y="2251"/>
+                </a:lnTo>
+                <a:lnTo>
+                  <a:pt x="32" y="2143"/>
+                </a:lnTo>
+                <a:lnTo>
+                  <a:pt x="14" y="2033"/>
+                </a:lnTo>
+                <a:lnTo>
+                  <a:pt x="4" y="1920"/>
+                </a:lnTo>
+                <a:lnTo>
+                  <a:pt x="0" y="1806"/>
+                </a:lnTo>
+                <a:lnTo>
+                  <a:pt x="4" y="1692"/>
+                </a:lnTo>
+                <a:lnTo>
+                  <a:pt x="14" y="1580"/>
+                </a:lnTo>
+                <a:lnTo>
+                  <a:pt x="32" y="1469"/>
+                </a:lnTo>
+                <a:lnTo>
+                  <a:pt x="55" y="1362"/>
+                </a:lnTo>
+                <a:lnTo>
+                  <a:pt x="85" y="1256"/>
+                </a:lnTo>
+                <a:lnTo>
+                  <a:pt x="121" y="1154"/>
+                </a:lnTo>
+                <a:lnTo>
+                  <a:pt x="163" y="1054"/>
+                </a:lnTo>
+                <a:lnTo>
+                  <a:pt x="211" y="958"/>
+                </a:lnTo>
+                <a:lnTo>
+                  <a:pt x="265" y="864"/>
+                </a:lnTo>
+                <a:lnTo>
+                  <a:pt x="323" y="774"/>
+                </a:lnTo>
+                <a:lnTo>
+                  <a:pt x="386" y="689"/>
+                </a:lnTo>
+                <a:lnTo>
+                  <a:pt x="454" y="607"/>
+                </a:lnTo>
+                <a:lnTo>
+                  <a:pt x="527" y="529"/>
+                </a:lnTo>
+                <a:lnTo>
+                  <a:pt x="604" y="456"/>
+                </a:lnTo>
+                <a:lnTo>
+                  <a:pt x="686" y="388"/>
+                </a:lnTo>
+                <a:lnTo>
+                  <a:pt x="771" y="325"/>
+                </a:lnTo>
+                <a:lnTo>
+                  <a:pt x="860" y="266"/>
+                </a:lnTo>
+                <a:lnTo>
+                  <a:pt x="953" y="212"/>
+                </a:lnTo>
+                <a:lnTo>
+                  <a:pt x="1050" y="164"/>
+                </a:lnTo>
+                <a:lnTo>
+                  <a:pt x="1150" y="122"/>
+                </a:lnTo>
+                <a:lnTo>
+                  <a:pt x="1251" y="85"/>
+                </a:lnTo>
+                <a:lnTo>
+                  <a:pt x="1357" y="55"/>
+                </a:lnTo>
+                <a:lnTo>
+                  <a:pt x="1464" y="32"/>
+                </a:lnTo>
+                <a:lnTo>
+                  <a:pt x="1574" y="14"/>
+                </a:lnTo>
+                <a:lnTo>
+                  <a:pt x="1686" y="5"/>
+                </a:lnTo>
+                <a:lnTo>
+                  <a:pt x="1799" y="0"/>
+                </a:lnTo>
+                <a:close/>
+              </a:path>
+            </a:pathLst>
+          </a:custGeom>
+          <a:solidFill>
+            <a:schemeClr val="tx1">
+              <a:lumMod val="85000"/>
+              <a:lumOff val="15000"/>
+            </a:schemeClr>
+          </a:solidFill>
+          <a:ln w="0">
+            <a:noFill/>
+            <a:prstDash val="solid"/>
+            <a:round/>
+            <a:headEnd/>
+            <a:tailEnd/>
+          </a:ln>
+        </p:spPr>
+        <p:txBody>
+          <a:bodyPr anchor="ctr"/>
+          <a:lstStyle/>
+          <a:p>
+            <a:endParaRPr lang="en-US"/>
+          </a:p>
+        </p:txBody>
+      </p:sp>
+    </p:spTree>
+    <p:extLst>
+      <p:ext uri="{BB962C8B-B14F-4D97-AF65-F5344CB8AC3E}">
+        <p14:creationId xmlns:p14="http://schemas.microsoft.com/office/powerpoint/2010/main" val="1453068888"/>
+      </p:ext>
+    </p:extLst>
+  </p:cSld>
+  <p:clrMapOvr>
+    <a:masterClrMapping/>
+  </p:clrMapOvr>
+</p:sld>
+</file>
+
+<file path=ppt/slides/slide5.xml><?xml version="1.0" encoding="utf-8"?>
+<p:sld xmlns:a="http://schemas.openxmlformats.org/drawingml/2006/main" xmlns:r="http://schemas.openxmlformats.org/officeDocument/2006/relationships" xmlns:p="http://schemas.openxmlformats.org/presentationml/2006/main">
+  <p:cSld>
+    <p:bg>
+      <p:bgPr>
+        <a:solidFill>
+          <a:schemeClr val="bg2"/>
+        </a:solidFill>
+        <a:effectLst/>
+      </p:bgPr>
+    </p:bg>
+    <p:spTree>
+      <p:nvGrpSpPr>
+        <p:cNvPr id="1" name=""/>
+        <p:cNvGrpSpPr/>
+        <p:nvPr/>
+      </p:nvGrpSpPr>
+      <p:grpSpPr>
+        <a:xfrm>
+          <a:off x="0" y="0"/>
+          <a:ext cx="0" cy="0"/>
+          <a:chOff x="0" y="0"/>
+          <a:chExt cx="0" cy="0"/>
+        </a:xfrm>
+      </p:grpSpPr>
+      <p:sp useBgFill="1">
+        <p:nvSpPr>
+          <p:cNvPr id="8" name="Rectangle 7">
+            <a:extLst>
+              <a:ext uri="{FF2B5EF4-FFF2-40B4-BE49-F238E27FC236}">
+                <a16:creationId xmlns:a16="http://schemas.microsoft.com/office/drawing/2014/main" id="{C5176844-69C3-4F79-BE38-EA5BDDF4FEA4}"/>
+              </a:ext>
+              <a:ext uri="{C183D7F6-B498-43B3-948B-1728B52AA6E4}">
+                <adec:decorative xmlns:adec="http://schemas.microsoft.com/office/drawing/2017/decorative" val="1"/>
+              </a:ext>
+            </a:extLst>
+          </p:cNvPr>
+          <p:cNvSpPr>
+            <a:spLocks noGrp="1" noRot="1" noChangeAspect="1" noMove="1" noResize="1" noEditPoints="1" noAdjustHandles="1" noChangeArrowheads="1" noChangeShapeType="1" noTextEdit="1"/>
+          </p:cNvSpPr>
+          <p:nvPr>
+            <p:extLst>
+              <p:ext uri="{386F3935-93C4-4BCD-93E2-E3B085C9AB24}">
+                <p16:designElem xmlns:p16="http://schemas.microsoft.com/office/powerpoint/2015/main" val="1"/>
+              </p:ext>
+            </p:extLst>
+          </p:nvPr>
+        </p:nvSpPr>
+        <p:spPr>
+          <a:xfrm>
+            <a:off x="0" y="0"/>
+            <a:ext cx="12192000" cy="6858000"/>
+          </a:xfrm>
+          <a:prstGeom prst="rect">
+            <a:avLst/>
+          </a:prstGeom>
+          <a:ln>
+            <a:noFill/>
+          </a:ln>
+        </p:spPr>
+        <p:style>
+          <a:lnRef idx="2">
+            <a:schemeClr val="accent1">
+              <a:shade val="50000"/>
+            </a:schemeClr>
+          </a:lnRef>
+          <a:fillRef idx="1">
+            <a:schemeClr val="accent1"/>
+          </a:fillRef>
+          <a:effectRef idx="0">
+            <a:schemeClr val="accent1"/>
+          </a:effectRef>
+          <a:fontRef idx="minor">
+            <a:schemeClr val="lt1"/>
+          </a:fontRef>
+        </p:style>
+        <p:txBody>
+          <a:bodyPr rtlCol="0" anchor="ctr"/>
+          <a:lstStyle/>
+          <a:p>
+            <a:pPr algn="ctr"/>
+            <a:endParaRPr lang="en-US"/>
+          </a:p>
+        </p:txBody>
+      </p:sp>
+      <p:sp>
+        <p:nvSpPr>
+          <p:cNvPr id="10" name="Rectangle 9">
+            <a:extLst>
+              <a:ext uri="{FF2B5EF4-FFF2-40B4-BE49-F238E27FC236}">
+                <a16:creationId xmlns:a16="http://schemas.microsoft.com/office/drawing/2014/main" id="{1CF1AAE4-D0BC-430F-A613-7BBAAECA0C2D}"/>
+              </a:ext>
+              <a:ext uri="{C183D7F6-B498-43B3-948B-1728B52AA6E4}">
+                <adec:decorative xmlns:adec="http://schemas.microsoft.com/office/drawing/2017/decorative" val="1"/>
+              </a:ext>
+            </a:extLst>
+          </p:cNvPr>
+          <p:cNvSpPr>
+            <a:spLocks noGrp="1" noRot="1" noChangeAspect="1" noMove="1" noResize="1" noEditPoints="1" noAdjustHandles="1" noChangeArrowheads="1" noChangeShapeType="1" noTextEdit="1"/>
+          </p:cNvSpPr>
+          <p:nvPr>
+            <p:extLst>
+              <p:ext uri="{386F3935-93C4-4BCD-93E2-E3B085C9AB24}">
+                <p16:designElem xmlns:p16="http://schemas.microsoft.com/office/powerpoint/2015/main" val="1"/>
+              </p:ext>
+            </p:extLst>
+          </p:nvPr>
+        </p:nvSpPr>
+        <p:spPr>
+          <a:xfrm>
+            <a:off x="0" y="0"/>
+            <a:ext cx="12191999" cy="2285999"/>
+          </a:xfrm>
+          <a:prstGeom prst="rect">
+            <a:avLst/>
+          </a:prstGeom>
+          <a:solidFill>
+            <a:schemeClr val="tx1">
+              <a:lumMod val="85000"/>
+              <a:lumOff val="15000"/>
+            </a:schemeClr>
+          </a:solidFill>
+          <a:ln>
+            <a:noFill/>
+          </a:ln>
+        </p:spPr>
+        <p:style>
+          <a:lnRef idx="2">
+            <a:schemeClr val="accent1">
+              <a:shade val="50000"/>
+            </a:schemeClr>
+          </a:lnRef>
+          <a:fillRef idx="1">
+            <a:schemeClr val="accent1"/>
+          </a:fillRef>
+          <a:effectRef idx="0">
+            <a:schemeClr val="accent1"/>
+          </a:effectRef>
+          <a:fontRef idx="minor">
+            <a:schemeClr val="lt1"/>
+          </a:fontRef>
+        </p:style>
+        <p:txBody>
+          <a:bodyPr rtlCol="0" anchor="ctr"/>
+          <a:lstStyle/>
+          <a:p>
+            <a:pPr algn="ctr"/>
+            <a:endParaRPr lang="en-US"/>
+          </a:p>
+        </p:txBody>
+      </p:sp>
+      <p:sp>
+        <p:nvSpPr>
+          <p:cNvPr id="2" name="Title 1">
+            <a:extLst>
+              <a:ext uri="{FF2B5EF4-FFF2-40B4-BE49-F238E27FC236}">
+                <a16:creationId xmlns:a16="http://schemas.microsoft.com/office/drawing/2014/main" id="{B06C4D6D-8AC2-4BE1-9F90-6CCD1A575129}"/>
+              </a:ext>
+            </a:extLst>
+          </p:cNvPr>
+          <p:cNvSpPr>
+            <a:spLocks noGrp="1"/>
+          </p:cNvSpPr>
+          <p:nvPr>
+            <p:ph type="title"/>
+          </p:nvPr>
+        </p:nvSpPr>
+        <p:spPr>
+          <a:xfrm>
+            <a:off x="758952" y="379475"/>
+            <a:ext cx="10671048" cy="1554480"/>
+          </a:xfrm>
+        </p:spPr>
+        <p:txBody>
+          <a:bodyPr anchor="ctr">
+            <a:normAutofit/>
+          </a:bodyPr>
+          <a:lstStyle/>
+          <a:p>
+            <a:pPr algn="ctr"/>
+            <a:r>
+              <a:rPr lang="en-US" dirty="0">
+                <a:solidFill>
+                  <a:schemeClr val="bg1"/>
+                </a:solidFill>
+              </a:rPr>
+              <a:t>Data Question</a:t>
+            </a:r>
+          </a:p>
+        </p:txBody>
+      </p:sp>
+      <p:sp>
+        <p:nvSpPr>
+          <p:cNvPr id="3" name="Content Placeholder 2">
+            <a:extLst>
+              <a:ext uri="{FF2B5EF4-FFF2-40B4-BE49-F238E27FC236}">
+                <a16:creationId xmlns:a16="http://schemas.microsoft.com/office/drawing/2014/main" id="{D2F13DBF-8EE9-4AED-9E32-ECFF8EAD46DA}"/>
+              </a:ext>
+            </a:extLst>
+          </p:cNvPr>
+          <p:cNvSpPr>
+            <a:spLocks noGrp="1"/>
+          </p:cNvSpPr>
+          <p:nvPr>
+            <p:ph idx="1"/>
+          </p:nvPr>
+        </p:nvSpPr>
+        <p:spPr>
+          <a:xfrm>
+            <a:off x="1589334" y="3071846"/>
+            <a:ext cx="8412480" cy="2711718"/>
+          </a:xfrm>
+        </p:spPr>
+        <p:txBody>
+          <a:bodyPr>
+            <a:normAutofit/>
+          </a:bodyPr>
+          <a:lstStyle/>
+          <a:p>
+            <a:pPr marL="0" indent="0" algn="ctr">
+              <a:buNone/>
+            </a:pPr>
+            <a:r>
+              <a:rPr lang="en-US" sz="3600" dirty="0"/>
+              <a:t>How can we get </a:t>
+            </a:r>
+            <a:r>
+              <a:rPr lang="en-US" sz="3600" dirty="0" err="1"/>
+              <a:t>NetMenu</a:t>
+            </a:r>
+            <a:r>
+              <a:rPr lang="en-US" sz="3600" dirty="0"/>
+              <a:t> results to be displayed with visuals and have it updated with Meal Plan reports that are coming out of Gold daily?</a:t>
+            </a:r>
+          </a:p>
+        </p:txBody>
+      </p:sp>
+      <p:sp>
+        <p:nvSpPr>
+          <p:cNvPr id="12" name="Freeform 6">
+            <a:extLst>
+              <a:ext uri="{FF2B5EF4-FFF2-40B4-BE49-F238E27FC236}">
+                <a16:creationId xmlns:a16="http://schemas.microsoft.com/office/drawing/2014/main" id="{A101E513-AF74-4E9D-A31F-99664250722D}"/>
+              </a:ext>
+              <a:ext uri="{C183D7F6-B498-43B3-948B-1728B52AA6E4}">
+                <adec:decorative xmlns:adec="http://schemas.microsoft.com/office/drawing/2017/decorative" val="1"/>
+              </a:ext>
+            </a:extLst>
+          </p:cNvPr>
+          <p:cNvSpPr>
+            <a:spLocks noGrp="1" noRot="1" noChangeAspect="1" noMove="1" noResize="1" noEditPoints="1" noAdjustHandles="1" noChangeArrowheads="1" noChangeShapeType="1" noTextEdit="1"/>
+          </p:cNvSpPr>
+          <p:nvPr>
+            <p:extLst>
+              <p:ext uri="{386F3935-93C4-4BCD-93E2-E3B085C9AB24}">
+                <p16:designElem xmlns:p16="http://schemas.microsoft.com/office/powerpoint/2015/main" val="1"/>
+              </p:ext>
+            </p:extLst>
+          </p:nvPr>
+        </p:nvSpPr>
+        <p:spPr bwMode="auto">
+          <a:xfrm>
+            <a:off x="11784011" y="5783564"/>
+            <a:ext cx="407988" cy="819150"/>
+          </a:xfrm>
+          <a:custGeom>
+            <a:avLst/>
+            <a:gdLst/>
+            <a:ahLst/>
+            <a:cxnLst/>
+            <a:rect l="0" t="0" r="r" b="b"/>
+            <a:pathLst>
+              <a:path w="1799" h="3612">
+                <a:moveTo>
+                  <a:pt x="1799" y="0"/>
+                </a:moveTo>
+                <a:lnTo>
+                  <a:pt x="1799" y="3612"/>
+                </a:lnTo>
+                <a:lnTo>
+                  <a:pt x="1686" y="3609"/>
+                </a:lnTo>
+                <a:lnTo>
+                  <a:pt x="1574" y="3598"/>
+                </a:lnTo>
+                <a:lnTo>
+                  <a:pt x="1464" y="3581"/>
+                </a:lnTo>
+                <a:lnTo>
+                  <a:pt x="1357" y="3557"/>
+                </a:lnTo>
+                <a:lnTo>
+                  <a:pt x="1251" y="3527"/>
+                </a:lnTo>
+                <a:lnTo>
+                  <a:pt x="1150" y="3490"/>
+                </a:lnTo>
+                <a:lnTo>
+                  <a:pt x="1050" y="3448"/>
+                </a:lnTo>
+                <a:lnTo>
+                  <a:pt x="953" y="3401"/>
+                </a:lnTo>
+                <a:lnTo>
+                  <a:pt x="860" y="3347"/>
+                </a:lnTo>
+                <a:lnTo>
+                  <a:pt x="771" y="3289"/>
+                </a:lnTo>
+                <a:lnTo>
+                  <a:pt x="686" y="3224"/>
+                </a:lnTo>
+                <a:lnTo>
+                  <a:pt x="604" y="3156"/>
+                </a:lnTo>
+                <a:lnTo>
+                  <a:pt x="527" y="3083"/>
+                </a:lnTo>
+                <a:lnTo>
+                  <a:pt x="454" y="3005"/>
+                </a:lnTo>
+                <a:lnTo>
+                  <a:pt x="386" y="2923"/>
+                </a:lnTo>
+                <a:lnTo>
+                  <a:pt x="323" y="2838"/>
+                </a:lnTo>
+                <a:lnTo>
+                  <a:pt x="265" y="2748"/>
+                </a:lnTo>
+                <a:lnTo>
+                  <a:pt x="211" y="2655"/>
+                </a:lnTo>
+                <a:lnTo>
+                  <a:pt x="163" y="2559"/>
+                </a:lnTo>
+                <a:lnTo>
+                  <a:pt x="121" y="2459"/>
+                </a:lnTo>
+                <a:lnTo>
+                  <a:pt x="85" y="2356"/>
+                </a:lnTo>
+                <a:lnTo>
+                  <a:pt x="55" y="2251"/>
+                </a:lnTo>
+                <a:lnTo>
+                  <a:pt x="32" y="2143"/>
+                </a:lnTo>
+                <a:lnTo>
+                  <a:pt x="14" y="2033"/>
+                </a:lnTo>
+                <a:lnTo>
+                  <a:pt x="4" y="1920"/>
+                </a:lnTo>
+                <a:lnTo>
+                  <a:pt x="0" y="1806"/>
+                </a:lnTo>
+                <a:lnTo>
+                  <a:pt x="4" y="1692"/>
+                </a:lnTo>
+                <a:lnTo>
+                  <a:pt x="14" y="1580"/>
+                </a:lnTo>
+                <a:lnTo>
+                  <a:pt x="32" y="1469"/>
+                </a:lnTo>
+                <a:lnTo>
+                  <a:pt x="55" y="1362"/>
+                </a:lnTo>
+                <a:lnTo>
+                  <a:pt x="85" y="1256"/>
+                </a:lnTo>
+                <a:lnTo>
+                  <a:pt x="121" y="1154"/>
+                </a:lnTo>
+                <a:lnTo>
+                  <a:pt x="163" y="1054"/>
+                </a:lnTo>
+                <a:lnTo>
+                  <a:pt x="211" y="958"/>
+                </a:lnTo>
+                <a:lnTo>
+                  <a:pt x="265" y="864"/>
+                </a:lnTo>
+                <a:lnTo>
+                  <a:pt x="323" y="774"/>
+                </a:lnTo>
+                <a:lnTo>
+                  <a:pt x="386" y="689"/>
+                </a:lnTo>
+                <a:lnTo>
+                  <a:pt x="454" y="607"/>
+                </a:lnTo>
+                <a:lnTo>
+                  <a:pt x="527" y="529"/>
+                </a:lnTo>
+                <a:lnTo>
+                  <a:pt x="604" y="456"/>
+                </a:lnTo>
+                <a:lnTo>
+                  <a:pt x="686" y="388"/>
+                </a:lnTo>
+                <a:lnTo>
+                  <a:pt x="771" y="325"/>
+                </a:lnTo>
+                <a:lnTo>
+                  <a:pt x="860" y="266"/>
+                </a:lnTo>
+                <a:lnTo>
+                  <a:pt x="953" y="212"/>
+                </a:lnTo>
+                <a:lnTo>
+                  <a:pt x="1050" y="164"/>
+                </a:lnTo>
+                <a:lnTo>
+                  <a:pt x="1150" y="122"/>
+                </a:lnTo>
+                <a:lnTo>
+                  <a:pt x="1251" y="85"/>
+                </a:lnTo>
+                <a:lnTo>
+                  <a:pt x="1357" y="55"/>
+                </a:lnTo>
+                <a:lnTo>
+                  <a:pt x="1464" y="32"/>
+                </a:lnTo>
+                <a:lnTo>
+                  <a:pt x="1574" y="14"/>
+                </a:lnTo>
+                <a:lnTo>
+                  <a:pt x="1686" y="5"/>
+                </a:lnTo>
+                <a:lnTo>
+                  <a:pt x="1799" y="0"/>
+                </a:lnTo>
+                <a:close/>
+              </a:path>
+            </a:pathLst>
+          </a:custGeom>
+          <a:solidFill>
+            <a:schemeClr val="tx1">
+              <a:lumMod val="85000"/>
+              <a:lumOff val="15000"/>
+            </a:schemeClr>
+          </a:solidFill>
+          <a:ln w="0">
+            <a:noFill/>
+            <a:prstDash val="solid"/>
+            <a:round/>
+            <a:headEnd/>
+            <a:tailEnd/>
+          </a:ln>
+        </p:spPr>
+        <p:txBody>
+          <a:bodyPr anchor="ctr"/>
+          <a:lstStyle/>
+          <a:p>
+            <a:endParaRPr lang="en-US"/>
+          </a:p>
+        </p:txBody>
+      </p:sp>
+    </p:spTree>
+    <p:extLst>
+      <p:ext uri="{BB962C8B-B14F-4D97-AF65-F5344CB8AC3E}">
+        <p14:creationId xmlns:p14="http://schemas.microsoft.com/office/powerpoint/2010/main" val="2754282386"/>
+      </p:ext>
+    </p:extLst>
+  </p:cSld>
+  <p:clrMapOvr>
+    <a:masterClrMapping/>
+  </p:clrMapOvr>
+</p:sld>
+</file>
+
+<file path=ppt/slides/slide6.xml><?xml version="1.0" encoding="utf-8"?>
+<p:sld xmlns:a="http://schemas.openxmlformats.org/drawingml/2006/main" xmlns:r="http://schemas.openxmlformats.org/officeDocument/2006/relationships" xmlns:p="http://schemas.openxmlformats.org/presentationml/2006/main">
+  <p:cSld>
+    <p:bg>
+      <p:bgPr>
+        <a:solidFill>
+          <a:schemeClr val="bg2"/>
+        </a:solidFill>
+        <a:effectLst/>
+      </p:bgPr>
+    </p:bg>
+    <p:spTree>
+      <p:nvGrpSpPr>
+        <p:cNvPr id="1" name=""/>
+        <p:cNvGrpSpPr/>
+        <p:nvPr/>
+      </p:nvGrpSpPr>
+      <p:grpSpPr>
+        <a:xfrm>
+          <a:off x="0" y="0"/>
+          <a:ext cx="0" cy="0"/>
+          <a:chOff x="0" y="0"/>
+          <a:chExt cx="0" cy="0"/>
+        </a:xfrm>
+      </p:grpSpPr>
+      <p:sp useBgFill="1">
+        <p:nvSpPr>
+          <p:cNvPr id="8" name="Rectangle 7">
+            <a:extLst>
+              <a:ext uri="{FF2B5EF4-FFF2-40B4-BE49-F238E27FC236}">
+                <a16:creationId xmlns:a16="http://schemas.microsoft.com/office/drawing/2014/main" id="{C5176844-69C3-4F79-BE38-EA5BDDF4FEA4}"/>
+              </a:ext>
+              <a:ext uri="{C183D7F6-B498-43B3-948B-1728B52AA6E4}">
+                <adec:decorative xmlns:adec="http://schemas.microsoft.com/office/drawing/2017/decorative" val="1"/>
+              </a:ext>
+            </a:extLst>
+          </p:cNvPr>
+          <p:cNvSpPr>
+            <a:spLocks noGrp="1" noRot="1" noChangeAspect="1" noMove="1" noResize="1" noEditPoints="1" noAdjustHandles="1" noChangeArrowheads="1" noChangeShapeType="1" noTextEdit="1"/>
+          </p:cNvSpPr>
+          <p:nvPr>
+            <p:extLst>
+              <p:ext uri="{386F3935-93C4-4BCD-93E2-E3B085C9AB24}">
+                <p16:designElem xmlns:p16="http://schemas.microsoft.com/office/powerpoint/2015/main" val="1"/>
+              </p:ext>
+            </p:extLst>
+          </p:nvPr>
+        </p:nvSpPr>
+        <p:spPr>
+          <a:xfrm>
+            <a:off x="0" y="0"/>
+            <a:ext cx="12192000" cy="6858000"/>
+          </a:xfrm>
+          <a:prstGeom prst="rect">
+            <a:avLst/>
+          </a:prstGeom>
+          <a:ln>
+            <a:noFill/>
+          </a:ln>
+        </p:spPr>
+        <p:style>
+          <a:lnRef idx="2">
+            <a:schemeClr val="accent1">
+              <a:shade val="50000"/>
+            </a:schemeClr>
+          </a:lnRef>
+          <a:fillRef idx="1">
+            <a:schemeClr val="accent1"/>
+          </a:fillRef>
+          <a:effectRef idx="0">
+            <a:schemeClr val="accent1"/>
+          </a:effectRef>
+          <a:fontRef idx="minor">
+            <a:schemeClr val="lt1"/>
+          </a:fontRef>
+        </p:style>
+        <p:txBody>
+          <a:bodyPr rtlCol="0" anchor="ctr"/>
+          <a:lstStyle/>
+          <a:p>
+            <a:pPr algn="ctr"/>
+            <a:endParaRPr lang="en-US"/>
+          </a:p>
+        </p:txBody>
+      </p:sp>
+      <p:sp>
+        <p:nvSpPr>
+          <p:cNvPr id="10" name="Rectangle 9">
+            <a:extLst>
+              <a:ext uri="{FF2B5EF4-FFF2-40B4-BE49-F238E27FC236}">
+                <a16:creationId xmlns:a16="http://schemas.microsoft.com/office/drawing/2014/main" id="{1CF1AAE4-D0BC-430F-A613-7BBAAECA0C2D}"/>
+              </a:ext>
+              <a:ext uri="{C183D7F6-B498-43B3-948B-1728B52AA6E4}">
+                <adec:decorative xmlns:adec="http://schemas.microsoft.com/office/drawing/2017/decorative" val="1"/>
+              </a:ext>
+            </a:extLst>
+          </p:cNvPr>
+          <p:cNvSpPr>
+            <a:spLocks noGrp="1" noRot="1" noChangeAspect="1" noMove="1" noResize="1" noEditPoints="1" noAdjustHandles="1" noChangeArrowheads="1" noChangeShapeType="1" noTextEdit="1"/>
+          </p:cNvSpPr>
+          <p:nvPr>
+            <p:extLst>
+              <p:ext uri="{386F3935-93C4-4BCD-93E2-E3B085C9AB24}">
+                <p16:designElem xmlns:p16="http://schemas.microsoft.com/office/powerpoint/2015/main" val="1"/>
+              </p:ext>
+            </p:extLst>
+          </p:nvPr>
+        </p:nvSpPr>
+        <p:spPr>
+          <a:xfrm>
+            <a:off x="0" y="0"/>
+            <a:ext cx="12191999" cy="2285999"/>
+          </a:xfrm>
+          <a:prstGeom prst="rect">
+            <a:avLst/>
+          </a:prstGeom>
+          <a:solidFill>
+            <a:schemeClr val="tx1">
+              <a:lumMod val="85000"/>
+              <a:lumOff val="15000"/>
+            </a:schemeClr>
+          </a:solidFill>
+          <a:ln>
+            <a:noFill/>
+          </a:ln>
+        </p:spPr>
+        <p:style>
+          <a:lnRef idx="2">
+            <a:schemeClr val="accent1">
+              <a:shade val="50000"/>
+            </a:schemeClr>
+          </a:lnRef>
+          <a:fillRef idx="1">
+            <a:schemeClr val="accent1"/>
+          </a:fillRef>
+          <a:effectRef idx="0">
+            <a:schemeClr val="accent1"/>
+          </a:effectRef>
+          <a:fontRef idx="minor">
+            <a:schemeClr val="lt1"/>
+          </a:fontRef>
+        </p:style>
+        <p:txBody>
+          <a:bodyPr rtlCol="0" anchor="ctr"/>
+          <a:lstStyle/>
+          <a:p>
+            <a:pPr algn="ctr"/>
+            <a:endParaRPr lang="en-US"/>
+          </a:p>
+        </p:txBody>
+      </p:sp>
+      <p:sp>
+        <p:nvSpPr>
+          <p:cNvPr id="2" name="Title 1">
+            <a:extLst>
+              <a:ext uri="{FF2B5EF4-FFF2-40B4-BE49-F238E27FC236}">
+                <a16:creationId xmlns:a16="http://schemas.microsoft.com/office/drawing/2014/main" id="{B06C4D6D-8AC2-4BE1-9F90-6CCD1A575129}"/>
+              </a:ext>
+            </a:extLst>
+          </p:cNvPr>
+          <p:cNvSpPr>
+            <a:spLocks noGrp="1"/>
+          </p:cNvSpPr>
+          <p:nvPr>
+            <p:ph type="title"/>
+          </p:nvPr>
+        </p:nvSpPr>
+        <p:spPr>
+          <a:xfrm>
+            <a:off x="758952" y="379475"/>
+            <a:ext cx="10671048" cy="1554480"/>
+          </a:xfrm>
+        </p:spPr>
+        <p:txBody>
+          <a:bodyPr anchor="ctr">
+            <a:normAutofit/>
+          </a:bodyPr>
+          <a:lstStyle/>
+          <a:p>
+            <a:r>
+              <a:rPr lang="en-US" dirty="0">
+                <a:solidFill>
+                  <a:schemeClr val="bg1"/>
+                </a:solidFill>
+              </a:rPr>
+              <a:t>Light Definitions</a:t>
+            </a:r>
+          </a:p>
+        </p:txBody>
+      </p:sp>
+      <p:sp>
+        <p:nvSpPr>
+          <p:cNvPr id="3" name="Content Placeholder 2">
+            <a:extLst>
+              <a:ext uri="{FF2B5EF4-FFF2-40B4-BE49-F238E27FC236}">
+                <a16:creationId xmlns:a16="http://schemas.microsoft.com/office/drawing/2014/main" id="{D2F13DBF-8EE9-4AED-9E32-ECFF8EAD46DA}"/>
+              </a:ext>
+            </a:extLst>
+          </p:cNvPr>
+          <p:cNvSpPr>
+            <a:spLocks noGrp="1"/>
+          </p:cNvSpPr>
+          <p:nvPr>
+            <p:ph idx="1"/>
+          </p:nvPr>
+        </p:nvSpPr>
+        <p:spPr>
+          <a:xfrm>
+            <a:off x="758824" y="2607732"/>
+            <a:ext cx="8412480" cy="3870793"/>
+          </a:xfrm>
+        </p:spPr>
+        <p:txBody>
+          <a:bodyPr>
+            <a:normAutofit fontScale="55000" lnSpcReduction="20000"/>
+          </a:bodyPr>
+          <a:lstStyle/>
+          <a:p>
+            <a:pPr>
+              <a:lnSpc>
+                <a:spcPct val="130000"/>
+              </a:lnSpc>
+            </a:pPr>
+            <a:r>
+              <a:rPr lang="en-US" sz="3300" b="1" dirty="0" err="1"/>
+              <a:t>NetMenu</a:t>
+            </a:r>
+            <a:r>
+              <a:rPr lang="en-US" sz="3300" b="1" dirty="0"/>
+              <a:t>- </a:t>
+            </a:r>
+            <a:r>
+              <a:rPr lang="en-US" sz="3300" dirty="0"/>
+              <a:t>Menu management software</a:t>
+            </a:r>
+            <a:endParaRPr lang="en-US" sz="3300" b="1" dirty="0"/>
+          </a:p>
+          <a:p>
+            <a:pPr>
+              <a:lnSpc>
+                <a:spcPct val="130000"/>
+              </a:lnSpc>
+            </a:pPr>
+            <a:r>
+              <a:rPr lang="en-US" sz="3300" b="1" dirty="0"/>
+              <a:t>Gold- </a:t>
+            </a:r>
+            <a:r>
+              <a:rPr lang="en-US" sz="3300" dirty="0"/>
+              <a:t>Card service software</a:t>
+            </a:r>
+          </a:p>
+          <a:p>
+            <a:pPr>
+              <a:lnSpc>
+                <a:spcPct val="130000"/>
+              </a:lnSpc>
+            </a:pPr>
+            <a:r>
+              <a:rPr lang="en-US" sz="3300" b="1" dirty="0"/>
+              <a:t>Cost Per Meal </a:t>
+            </a:r>
+            <a:r>
+              <a:rPr lang="en-US" sz="3300" dirty="0"/>
+              <a:t>= Total cost of food on the menu / # of customers that come through the door</a:t>
+            </a:r>
+          </a:p>
+          <a:p>
+            <a:pPr marR="0" lvl="2">
+              <a:lnSpc>
+                <a:spcPct val="130000"/>
+              </a:lnSpc>
+            </a:pPr>
+            <a:r>
+              <a:rPr lang="en-US" sz="3300" b="1" dirty="0"/>
+              <a:t>Forecasted Amount/Cost- </a:t>
+            </a:r>
+            <a:r>
+              <a:rPr lang="en-US" sz="3300" dirty="0"/>
+              <a:t>a educated guess on amounts to produce</a:t>
+            </a:r>
+          </a:p>
+          <a:p>
+            <a:pPr marR="0" lvl="2">
+              <a:lnSpc>
+                <a:spcPct val="130000"/>
+              </a:lnSpc>
+            </a:pPr>
+            <a:r>
+              <a:rPr lang="en-US" sz="3300" b="1" dirty="0"/>
+              <a:t>Prepared Amount/Cost- </a:t>
+            </a:r>
+            <a:r>
+              <a:rPr lang="en-US" sz="3300" dirty="0"/>
+              <a:t>the amount that got recorded for production in a real setting</a:t>
+            </a:r>
+          </a:p>
+          <a:p>
+            <a:pPr marR="0" lvl="2">
+              <a:lnSpc>
+                <a:spcPct val="130000"/>
+              </a:lnSpc>
+            </a:pPr>
+            <a:r>
+              <a:rPr lang="en-US" sz="3300" b="1" dirty="0"/>
+              <a:t>Served Amount/Cost- </a:t>
+            </a:r>
+            <a:r>
+              <a:rPr lang="en-US" sz="3300" dirty="0"/>
+              <a:t>the food that was served from the prepared </a:t>
+            </a:r>
+          </a:p>
+          <a:p>
+            <a:pPr marR="0" lvl="2">
+              <a:lnSpc>
+                <a:spcPct val="130000"/>
+              </a:lnSpc>
+            </a:pPr>
+            <a:r>
+              <a:rPr lang="en-US" sz="3300" b="1" dirty="0"/>
+              <a:t>Leftover Amount/Cost- </a:t>
+            </a:r>
+            <a:r>
+              <a:rPr lang="en-US" sz="3300" dirty="0"/>
+              <a:t>the difference of the prepared and served cost/amount</a:t>
+            </a:r>
+          </a:p>
+          <a:p>
+            <a:endParaRPr lang="en-US" dirty="0"/>
+          </a:p>
+        </p:txBody>
+      </p:sp>
+      <p:sp>
+        <p:nvSpPr>
+          <p:cNvPr id="12" name="Freeform 6">
+            <a:extLst>
+              <a:ext uri="{FF2B5EF4-FFF2-40B4-BE49-F238E27FC236}">
+                <a16:creationId xmlns:a16="http://schemas.microsoft.com/office/drawing/2014/main" id="{A101E513-AF74-4E9D-A31F-99664250722D}"/>
+              </a:ext>
+              <a:ext uri="{C183D7F6-B498-43B3-948B-1728B52AA6E4}">
+                <adec:decorative xmlns:adec="http://schemas.microsoft.com/office/drawing/2017/decorative" val="1"/>
+              </a:ext>
+            </a:extLst>
+          </p:cNvPr>
+          <p:cNvSpPr>
+            <a:spLocks noGrp="1" noRot="1" noChangeAspect="1" noMove="1" noResize="1" noEditPoints="1" noAdjustHandles="1" noChangeArrowheads="1" noChangeShapeType="1" noTextEdit="1"/>
+          </p:cNvSpPr>
+          <p:nvPr>
+            <p:extLst>
+              <p:ext uri="{386F3935-93C4-4BCD-93E2-E3B085C9AB24}">
+                <p16:designElem xmlns:p16="http://schemas.microsoft.com/office/powerpoint/2015/main" val="1"/>
+              </p:ext>
+            </p:extLst>
+          </p:nvPr>
+        </p:nvSpPr>
+        <p:spPr bwMode="auto">
+          <a:xfrm>
+            <a:off x="11784011" y="5783564"/>
+            <a:ext cx="407988" cy="819150"/>
+          </a:xfrm>
+          <a:custGeom>
+            <a:avLst/>
+            <a:gdLst/>
+            <a:ahLst/>
+            <a:cxnLst/>
+            <a:rect l="0" t="0" r="r" b="b"/>
+            <a:pathLst>
+              <a:path w="1799" h="3612">
+                <a:moveTo>
+                  <a:pt x="1799" y="0"/>
+                </a:moveTo>
+                <a:lnTo>
+                  <a:pt x="1799" y="3612"/>
+                </a:lnTo>
+                <a:lnTo>
+                  <a:pt x="1686" y="3609"/>
+                </a:lnTo>
+                <a:lnTo>
+                  <a:pt x="1574" y="3598"/>
+                </a:lnTo>
+                <a:lnTo>
+                  <a:pt x="1464" y="3581"/>
+                </a:lnTo>
+                <a:lnTo>
+                  <a:pt x="1357" y="3557"/>
+                </a:lnTo>
+                <a:lnTo>
+                  <a:pt x="1251" y="3527"/>
+                </a:lnTo>
+                <a:lnTo>
+                  <a:pt x="1150" y="3490"/>
+                </a:lnTo>
+                <a:lnTo>
+                  <a:pt x="1050" y="3448"/>
+                </a:lnTo>
+                <a:lnTo>
+                  <a:pt x="953" y="3401"/>
+                </a:lnTo>
+                <a:lnTo>
+                  <a:pt x="860" y="3347"/>
+                </a:lnTo>
+                <a:lnTo>
+                  <a:pt x="771" y="3289"/>
+                </a:lnTo>
+                <a:lnTo>
+                  <a:pt x="686" y="3224"/>
+                </a:lnTo>
+                <a:lnTo>
+                  <a:pt x="604" y="3156"/>
+                </a:lnTo>
+                <a:lnTo>
+                  <a:pt x="527" y="3083"/>
+                </a:lnTo>
+                <a:lnTo>
+                  <a:pt x="454" y="3005"/>
+                </a:lnTo>
+                <a:lnTo>
+                  <a:pt x="386" y="2923"/>
+                </a:lnTo>
+                <a:lnTo>
+                  <a:pt x="323" y="2838"/>
+                </a:lnTo>
+                <a:lnTo>
+                  <a:pt x="265" y="2748"/>
+                </a:lnTo>
+                <a:lnTo>
+                  <a:pt x="211" y="2655"/>
+                </a:lnTo>
+                <a:lnTo>
+                  <a:pt x="163" y="2559"/>
+                </a:lnTo>
+                <a:lnTo>
+                  <a:pt x="121" y="2459"/>
+                </a:lnTo>
+                <a:lnTo>
+                  <a:pt x="85" y="2356"/>
+                </a:lnTo>
+                <a:lnTo>
+                  <a:pt x="55" y="2251"/>
+                </a:lnTo>
+                <a:lnTo>
+                  <a:pt x="32" y="2143"/>
+                </a:lnTo>
+                <a:lnTo>
+                  <a:pt x="14" y="2033"/>
+                </a:lnTo>
+                <a:lnTo>
+                  <a:pt x="4" y="1920"/>
+                </a:lnTo>
+                <a:lnTo>
+                  <a:pt x="0" y="1806"/>
+                </a:lnTo>
+                <a:lnTo>
+                  <a:pt x="4" y="1692"/>
+                </a:lnTo>
+                <a:lnTo>
+                  <a:pt x="14" y="1580"/>
+                </a:lnTo>
+                <a:lnTo>
+                  <a:pt x="32" y="1469"/>
+                </a:lnTo>
+                <a:lnTo>
+                  <a:pt x="55" y="1362"/>
+                </a:lnTo>
+                <a:lnTo>
+                  <a:pt x="85" y="1256"/>
+                </a:lnTo>
+                <a:lnTo>
+                  <a:pt x="121" y="1154"/>
+                </a:lnTo>
+                <a:lnTo>
+                  <a:pt x="163" y="1054"/>
+                </a:lnTo>
+                <a:lnTo>
+                  <a:pt x="211" y="958"/>
+                </a:lnTo>
+                <a:lnTo>
+                  <a:pt x="265" y="864"/>
+                </a:lnTo>
+                <a:lnTo>
+                  <a:pt x="323" y="774"/>
+                </a:lnTo>
+                <a:lnTo>
+                  <a:pt x="386" y="689"/>
+                </a:lnTo>
+                <a:lnTo>
+                  <a:pt x="454" y="607"/>
+                </a:lnTo>
+                <a:lnTo>
+                  <a:pt x="527" y="529"/>
+                </a:lnTo>
+                <a:lnTo>
+                  <a:pt x="604" y="456"/>
+                </a:lnTo>
+                <a:lnTo>
+                  <a:pt x="686" y="388"/>
+                </a:lnTo>
+                <a:lnTo>
+                  <a:pt x="771" y="325"/>
+                </a:lnTo>
+                <a:lnTo>
+                  <a:pt x="860" y="266"/>
+                </a:lnTo>
+                <a:lnTo>
+                  <a:pt x="953" y="212"/>
+                </a:lnTo>
+                <a:lnTo>
+                  <a:pt x="1050" y="164"/>
+                </a:lnTo>
+                <a:lnTo>
+                  <a:pt x="1150" y="122"/>
+                </a:lnTo>
+                <a:lnTo>
+                  <a:pt x="1251" y="85"/>
+                </a:lnTo>
+                <a:lnTo>
+                  <a:pt x="1357" y="55"/>
+                </a:lnTo>
+                <a:lnTo>
+                  <a:pt x="1464" y="32"/>
+                </a:lnTo>
+                <a:lnTo>
+                  <a:pt x="1574" y="14"/>
+                </a:lnTo>
+                <a:lnTo>
+                  <a:pt x="1686" y="5"/>
+                </a:lnTo>
+                <a:lnTo>
+                  <a:pt x="1799" y="0"/>
+                </a:lnTo>
+                <a:close/>
+              </a:path>
+            </a:pathLst>
+          </a:custGeom>
+          <a:solidFill>
+            <a:schemeClr val="tx1">
+              <a:lumMod val="85000"/>
+              <a:lumOff val="15000"/>
+            </a:schemeClr>
+          </a:solidFill>
+          <a:ln w="0">
+            <a:noFill/>
+            <a:prstDash val="solid"/>
+            <a:round/>
+            <a:headEnd/>
+            <a:tailEnd/>
+          </a:ln>
+        </p:spPr>
+        <p:txBody>
+          <a:bodyPr anchor="ctr"/>
+          <a:lstStyle/>
+          <a:p>
+            <a:endParaRPr lang="en-US"/>
+          </a:p>
+        </p:txBody>
+      </p:sp>
+    </p:spTree>
+    <p:extLst>
+      <p:ext uri="{BB962C8B-B14F-4D97-AF65-F5344CB8AC3E}">
+        <p14:creationId xmlns:p14="http://schemas.microsoft.com/office/powerpoint/2010/main" val="4195826869"/>
+      </p:ext>
+    </p:extLst>
+  </p:cSld>
+  <p:clrMapOvr>
+    <a:masterClrMapping/>
+  </p:clrMapOvr>
+</p:sld>
+</file>
+
+<file path=ppt/slides/slide7.xml><?xml version="1.0" encoding="utf-8"?>
+<p:sld xmlns:a="http://schemas.openxmlformats.org/drawingml/2006/main" xmlns:r="http://schemas.openxmlformats.org/officeDocument/2006/relationships" xmlns:p="http://schemas.openxmlformats.org/presentationml/2006/main">
+  <p:cSld>
+    <p:bg>
+      <p:bgPr>
+        <a:solidFill>
+          <a:schemeClr val="bg2"/>
+        </a:solidFill>
+        <a:effectLst/>
+      </p:bgPr>
+    </p:bg>
+    <p:spTree>
+      <p:nvGrpSpPr>
+        <p:cNvPr id="1" name=""/>
+        <p:cNvGrpSpPr/>
+        <p:nvPr/>
+      </p:nvGrpSpPr>
+      <p:grpSpPr>
+        <a:xfrm>
+          <a:off x="0" y="0"/>
+          <a:ext cx="0" cy="0"/>
+          <a:chOff x="0" y="0"/>
+          <a:chExt cx="0" cy="0"/>
+        </a:xfrm>
+      </p:grpSpPr>
+      <p:sp useBgFill="1">
+        <p:nvSpPr>
+          <p:cNvPr id="8" name="Rectangle 7">
+            <a:extLst>
+              <a:ext uri="{FF2B5EF4-FFF2-40B4-BE49-F238E27FC236}">
+                <a16:creationId xmlns:a16="http://schemas.microsoft.com/office/drawing/2014/main" id="{C5176844-69C3-4F79-BE38-EA5BDDF4FEA4}"/>
+              </a:ext>
+              <a:ext uri="{C183D7F6-B498-43B3-948B-1728B52AA6E4}">
+                <adec:decorative xmlns:adec="http://schemas.microsoft.com/office/drawing/2017/decorative" val="1"/>
+              </a:ext>
+            </a:extLst>
+          </p:cNvPr>
+          <p:cNvSpPr>
+            <a:spLocks noGrp="1" noRot="1" noChangeAspect="1" noMove="1" noResize="1" noEditPoints="1" noAdjustHandles="1" noChangeArrowheads="1" noChangeShapeType="1" noTextEdit="1"/>
+          </p:cNvSpPr>
+          <p:nvPr>
+            <p:extLst>
+              <p:ext uri="{386F3935-93C4-4BCD-93E2-E3B085C9AB24}">
+                <p16:designElem xmlns:p16="http://schemas.microsoft.com/office/powerpoint/2015/main" val="1"/>
+              </p:ext>
+            </p:extLst>
+          </p:nvPr>
+        </p:nvSpPr>
+        <p:spPr>
+          <a:xfrm>
+            <a:off x="0" y="0"/>
+            <a:ext cx="12192000" cy="6858000"/>
+          </a:xfrm>
+          <a:prstGeom prst="rect">
+            <a:avLst/>
+          </a:prstGeom>
+          <a:ln>
+            <a:noFill/>
+          </a:ln>
+        </p:spPr>
+        <p:style>
+          <a:lnRef idx="2">
+            <a:schemeClr val="accent1">
+              <a:shade val="50000"/>
+            </a:schemeClr>
+          </a:lnRef>
+          <a:fillRef idx="1">
+            <a:schemeClr val="accent1"/>
+          </a:fillRef>
+          <a:effectRef idx="0">
+            <a:schemeClr val="accent1"/>
+          </a:effectRef>
+          <a:fontRef idx="minor">
+            <a:schemeClr val="lt1"/>
+          </a:fontRef>
+        </p:style>
+        <p:txBody>
+          <a:bodyPr rtlCol="0" anchor="ctr"/>
+          <a:lstStyle/>
+          <a:p>
+            <a:pPr algn="ctr"/>
+            <a:endParaRPr lang="en-US"/>
+          </a:p>
+        </p:txBody>
+      </p:sp>
+      <p:sp>
+        <p:nvSpPr>
+          <p:cNvPr id="10" name="Rectangle 9">
+            <a:extLst>
+              <a:ext uri="{FF2B5EF4-FFF2-40B4-BE49-F238E27FC236}">
+                <a16:creationId xmlns:a16="http://schemas.microsoft.com/office/drawing/2014/main" id="{1CF1AAE4-D0BC-430F-A613-7BBAAECA0C2D}"/>
+              </a:ext>
+              <a:ext uri="{C183D7F6-B498-43B3-948B-1728B52AA6E4}">
+                <adec:decorative xmlns:adec="http://schemas.microsoft.com/office/drawing/2017/decorative" val="1"/>
+              </a:ext>
+            </a:extLst>
+          </p:cNvPr>
+          <p:cNvSpPr>
+            <a:spLocks noGrp="1" noRot="1" noChangeAspect="1" noMove="1" noResize="1" noEditPoints="1" noAdjustHandles="1" noChangeArrowheads="1" noChangeShapeType="1" noTextEdit="1"/>
+          </p:cNvSpPr>
+          <p:nvPr>
+            <p:extLst>
+              <p:ext uri="{386F3935-93C4-4BCD-93E2-E3B085C9AB24}">
+                <p16:designElem xmlns:p16="http://schemas.microsoft.com/office/powerpoint/2015/main" val="1"/>
+              </p:ext>
+            </p:extLst>
+          </p:nvPr>
+        </p:nvSpPr>
+        <p:spPr>
+          <a:xfrm>
+            <a:off x="0" y="0"/>
+            <a:ext cx="12191999" cy="2285999"/>
+          </a:xfrm>
+          <a:prstGeom prst="rect">
+            <a:avLst/>
+          </a:prstGeom>
+          <a:solidFill>
+            <a:schemeClr val="tx1">
+              <a:lumMod val="85000"/>
+              <a:lumOff val="15000"/>
+            </a:schemeClr>
+          </a:solidFill>
+          <a:ln>
+            <a:noFill/>
+          </a:ln>
+        </p:spPr>
+        <p:style>
+          <a:lnRef idx="2">
+            <a:schemeClr val="accent1">
+              <a:shade val="50000"/>
+            </a:schemeClr>
+          </a:lnRef>
+          <a:fillRef idx="1">
+            <a:schemeClr val="accent1"/>
+          </a:fillRef>
+          <a:effectRef idx="0">
+            <a:schemeClr val="accent1"/>
+          </a:effectRef>
+          <a:fontRef idx="minor">
+            <a:schemeClr val="lt1"/>
+          </a:fontRef>
+        </p:style>
+        <p:txBody>
+          <a:bodyPr rtlCol="0" anchor="ctr"/>
+          <a:lstStyle/>
+          <a:p>
+            <a:pPr algn="ctr"/>
+            <a:endParaRPr lang="en-US"/>
+          </a:p>
+        </p:txBody>
+      </p:sp>
+      <p:sp>
+        <p:nvSpPr>
+          <p:cNvPr id="2" name="Title 1">
+            <a:extLst>
+              <a:ext uri="{FF2B5EF4-FFF2-40B4-BE49-F238E27FC236}">
+                <a16:creationId xmlns:a16="http://schemas.microsoft.com/office/drawing/2014/main" id="{B06C4D6D-8AC2-4BE1-9F90-6CCD1A575129}"/>
+              </a:ext>
+            </a:extLst>
+          </p:cNvPr>
+          <p:cNvSpPr>
+            <a:spLocks noGrp="1"/>
+          </p:cNvSpPr>
+          <p:nvPr>
+            <p:ph type="title"/>
+          </p:nvPr>
+        </p:nvSpPr>
+        <p:spPr>
+          <a:xfrm>
+            <a:off x="758952" y="379475"/>
+            <a:ext cx="10671048" cy="1554480"/>
+          </a:xfrm>
+        </p:spPr>
+        <p:txBody>
+          <a:bodyPr anchor="ctr">
+            <a:normAutofit/>
+          </a:bodyPr>
+          <a:lstStyle/>
+          <a:p>
+            <a:r>
+              <a:rPr lang="en-US" dirty="0">
+                <a:solidFill>
+                  <a:schemeClr val="bg1"/>
+                </a:solidFill>
+              </a:rPr>
+              <a:t>Workflow</a:t>
+            </a:r>
+          </a:p>
+        </p:txBody>
+      </p:sp>
+      <p:sp>
+        <p:nvSpPr>
+          <p:cNvPr id="12" name="Freeform 6">
+            <a:extLst>
+              <a:ext uri="{FF2B5EF4-FFF2-40B4-BE49-F238E27FC236}">
+                <a16:creationId xmlns:a16="http://schemas.microsoft.com/office/drawing/2014/main" id="{A101E513-AF74-4E9D-A31F-99664250722D}"/>
+              </a:ext>
+              <a:ext uri="{C183D7F6-B498-43B3-948B-1728B52AA6E4}">
+                <adec:decorative xmlns:adec="http://schemas.microsoft.com/office/drawing/2017/decorative" val="1"/>
+              </a:ext>
+            </a:extLst>
+          </p:cNvPr>
+          <p:cNvSpPr>
+            <a:spLocks noGrp="1" noRot="1" noChangeAspect="1" noMove="1" noResize="1" noEditPoints="1" noAdjustHandles="1" noChangeArrowheads="1" noChangeShapeType="1" noTextEdit="1"/>
+          </p:cNvSpPr>
+          <p:nvPr>
+            <p:extLst>
+              <p:ext uri="{386F3935-93C4-4BCD-93E2-E3B085C9AB24}">
+                <p16:designElem xmlns:p16="http://schemas.microsoft.com/office/powerpoint/2015/main" val="1"/>
+              </p:ext>
+            </p:extLst>
+          </p:nvPr>
+        </p:nvSpPr>
+        <p:spPr bwMode="auto">
+          <a:xfrm>
+            <a:off x="11784011" y="5783564"/>
+            <a:ext cx="407988" cy="819150"/>
+          </a:xfrm>
+          <a:custGeom>
+            <a:avLst/>
+            <a:gdLst/>
+            <a:ahLst/>
+            <a:cxnLst/>
+            <a:rect l="0" t="0" r="r" b="b"/>
+            <a:pathLst>
+              <a:path w="1799" h="3612">
+                <a:moveTo>
+                  <a:pt x="1799" y="0"/>
+                </a:moveTo>
+                <a:lnTo>
+                  <a:pt x="1799" y="3612"/>
+                </a:lnTo>
+                <a:lnTo>
+                  <a:pt x="1686" y="3609"/>
+                </a:lnTo>
+                <a:lnTo>
+                  <a:pt x="1574" y="3598"/>
+                </a:lnTo>
+                <a:lnTo>
+                  <a:pt x="1464" y="3581"/>
+                </a:lnTo>
+                <a:lnTo>
+                  <a:pt x="1357" y="3557"/>
+                </a:lnTo>
+                <a:lnTo>
+                  <a:pt x="1251" y="3527"/>
+                </a:lnTo>
+                <a:lnTo>
+                  <a:pt x="1150" y="3490"/>
+                </a:lnTo>
+                <a:lnTo>
+                  <a:pt x="1050" y="3448"/>
+                </a:lnTo>
+                <a:lnTo>
+                  <a:pt x="953" y="3401"/>
+                </a:lnTo>
+                <a:lnTo>
+                  <a:pt x="860" y="3347"/>
+                </a:lnTo>
+                <a:lnTo>
+                  <a:pt x="771" y="3289"/>
+                </a:lnTo>
+                <a:lnTo>
+                  <a:pt x="686" y="3224"/>
+                </a:lnTo>
+                <a:lnTo>
+                  <a:pt x="604" y="3156"/>
+                </a:lnTo>
+                <a:lnTo>
+                  <a:pt x="527" y="3083"/>
+                </a:lnTo>
+                <a:lnTo>
+                  <a:pt x="454" y="3005"/>
+                </a:lnTo>
+                <a:lnTo>
+                  <a:pt x="386" y="2923"/>
+                </a:lnTo>
+                <a:lnTo>
+                  <a:pt x="323" y="2838"/>
+                </a:lnTo>
+                <a:lnTo>
+                  <a:pt x="265" y="2748"/>
+                </a:lnTo>
+                <a:lnTo>
+                  <a:pt x="211" y="2655"/>
+                </a:lnTo>
+                <a:lnTo>
+                  <a:pt x="163" y="2559"/>
+                </a:lnTo>
+                <a:lnTo>
+                  <a:pt x="121" y="2459"/>
+                </a:lnTo>
+                <a:lnTo>
+                  <a:pt x="85" y="2356"/>
+                </a:lnTo>
+                <a:lnTo>
+                  <a:pt x="55" y="2251"/>
+                </a:lnTo>
+                <a:lnTo>
+                  <a:pt x="32" y="2143"/>
+                </a:lnTo>
+                <a:lnTo>
+                  <a:pt x="14" y="2033"/>
+                </a:lnTo>
+                <a:lnTo>
+                  <a:pt x="4" y="1920"/>
+                </a:lnTo>
+                <a:lnTo>
+                  <a:pt x="0" y="1806"/>
+                </a:lnTo>
+                <a:lnTo>
+                  <a:pt x="4" y="1692"/>
+                </a:lnTo>
+                <a:lnTo>
+                  <a:pt x="14" y="1580"/>
+                </a:lnTo>
+                <a:lnTo>
+                  <a:pt x="32" y="1469"/>
+                </a:lnTo>
+                <a:lnTo>
+                  <a:pt x="55" y="1362"/>
+                </a:lnTo>
+                <a:lnTo>
+                  <a:pt x="85" y="1256"/>
+                </a:lnTo>
+                <a:lnTo>
+                  <a:pt x="121" y="1154"/>
+                </a:lnTo>
+                <a:lnTo>
+                  <a:pt x="163" y="1054"/>
+                </a:lnTo>
+                <a:lnTo>
+                  <a:pt x="211" y="958"/>
+                </a:lnTo>
+                <a:lnTo>
+                  <a:pt x="265" y="864"/>
+                </a:lnTo>
+                <a:lnTo>
+                  <a:pt x="323" y="774"/>
+                </a:lnTo>
+                <a:lnTo>
+                  <a:pt x="386" y="689"/>
+                </a:lnTo>
+                <a:lnTo>
+                  <a:pt x="454" y="607"/>
+                </a:lnTo>
+                <a:lnTo>
+                  <a:pt x="527" y="529"/>
+                </a:lnTo>
+                <a:lnTo>
+                  <a:pt x="604" y="456"/>
+                </a:lnTo>
+                <a:lnTo>
+                  <a:pt x="686" y="388"/>
+                </a:lnTo>
+                <a:lnTo>
+                  <a:pt x="771" y="325"/>
+                </a:lnTo>
+                <a:lnTo>
+                  <a:pt x="860" y="266"/>
+                </a:lnTo>
+                <a:lnTo>
+                  <a:pt x="953" y="212"/>
+                </a:lnTo>
+                <a:lnTo>
+                  <a:pt x="1050" y="164"/>
+                </a:lnTo>
+                <a:lnTo>
+                  <a:pt x="1150" y="122"/>
+                </a:lnTo>
+                <a:lnTo>
+                  <a:pt x="1251" y="85"/>
+                </a:lnTo>
+                <a:lnTo>
+                  <a:pt x="1357" y="55"/>
+                </a:lnTo>
+                <a:lnTo>
+                  <a:pt x="1464" y="32"/>
+                </a:lnTo>
+                <a:lnTo>
+                  <a:pt x="1574" y="14"/>
+                </a:lnTo>
+                <a:lnTo>
+                  <a:pt x="1686" y="5"/>
+                </a:lnTo>
+                <a:lnTo>
+                  <a:pt x="1799" y="0"/>
+                </a:lnTo>
+                <a:close/>
+              </a:path>
+            </a:pathLst>
+          </a:custGeom>
+          <a:solidFill>
+            <a:schemeClr val="tx1">
+              <a:lumMod val="85000"/>
+              <a:lumOff val="15000"/>
+            </a:schemeClr>
+          </a:solidFill>
+          <a:ln w="0">
+            <a:noFill/>
+            <a:prstDash val="solid"/>
+            <a:round/>
+            <a:headEnd/>
+            <a:tailEnd/>
+          </a:ln>
+        </p:spPr>
+        <p:txBody>
+          <a:bodyPr anchor="ctr"/>
+          <a:lstStyle/>
+          <a:p>
+            <a:endParaRPr lang="en-US"/>
+          </a:p>
+        </p:txBody>
+      </p:sp>
+      <p:graphicFrame>
+        <p:nvGraphicFramePr>
+          <p:cNvPr id="17" name="Content Placeholder 16">
+            <a:extLst>
+              <a:ext uri="{FF2B5EF4-FFF2-40B4-BE49-F238E27FC236}">
+                <a16:creationId xmlns:a16="http://schemas.microsoft.com/office/drawing/2014/main" id="{E348288C-E36A-486B-A54B-1222A54231DC}"/>
+              </a:ext>
+            </a:extLst>
+          </p:cNvPr>
+          <p:cNvGraphicFramePr>
+            <a:graphicFrameLocks noGrp="1"/>
+          </p:cNvGraphicFramePr>
+          <p:nvPr>
+            <p:ph idx="1"/>
+            <p:extLst>
+              <p:ext uri="{D42A27DB-BD31-4B8C-83A1-F6EECF244321}">
+                <p14:modId xmlns:p14="http://schemas.microsoft.com/office/powerpoint/2010/main" val="4268752694"/>
+              </p:ext>
+            </p:extLst>
+          </p:nvPr>
+        </p:nvGraphicFramePr>
+        <p:xfrm>
+          <a:off x="130033" y="855677"/>
+          <a:ext cx="11983670" cy="6493079"/>
+        </p:xfrm>
+        <a:graphic>
+          <a:graphicData uri="http://schemas.openxmlformats.org/drawingml/2006/diagram">
+            <dgm:relIds xmlns:dgm="http://schemas.openxmlformats.org/drawingml/2006/diagram" xmlns:r="http://schemas.openxmlformats.org/officeDocument/2006/relationships" r:dm="rId2" r:lo="rId3" r:qs="rId4" r:cs="rId5"/>
+          </a:graphicData>
+        </a:graphic>
+      </p:graphicFrame>
+    </p:spTree>
+    <p:extLst>
+      <p:ext uri="{BB962C8B-B14F-4D97-AF65-F5344CB8AC3E}">
+        <p14:creationId xmlns:p14="http://schemas.microsoft.com/office/powerpoint/2010/main" val="2480078113"/>
+      </p:ext>
+    </p:extLst>
+  </p:cSld>
+  <p:clrMapOvr>
+    <a:masterClrMapping/>
+  </p:clrMapOvr>
+</p:sld>
+</file>
+
+<file path=ppt/slides/slide8.xml><?xml version="1.0" encoding="utf-8"?>
+<p:sld xmlns:a="http://schemas.openxmlformats.org/drawingml/2006/main" xmlns:r="http://schemas.openxmlformats.org/officeDocument/2006/relationships" xmlns:p="http://schemas.openxmlformats.org/presentationml/2006/main">
+  <p:cSld>
+    <p:bg>
+      <p:bgPr>
+        <a:solidFill>
+          <a:schemeClr val="bg2"/>
+        </a:solidFill>
+        <a:effectLst/>
+      </p:bgPr>
+    </p:bg>
+    <p:spTree>
+      <p:nvGrpSpPr>
+        <p:cNvPr id="1" name=""/>
+        <p:cNvGrpSpPr/>
+        <p:nvPr/>
+      </p:nvGrpSpPr>
+      <p:grpSpPr>
+        <a:xfrm>
+          <a:off x="0" y="0"/>
+          <a:ext cx="0" cy="0"/>
+          <a:chOff x="0" y="0"/>
+          <a:chExt cx="0" cy="0"/>
+        </a:xfrm>
+      </p:grpSpPr>
+      <p:sp useBgFill="1">
+        <p:nvSpPr>
+          <p:cNvPr id="8" name="Rectangle 7">
+            <a:extLst>
+              <a:ext uri="{FF2B5EF4-FFF2-40B4-BE49-F238E27FC236}">
+                <a16:creationId xmlns:a16="http://schemas.microsoft.com/office/drawing/2014/main" id="{C5176844-69C3-4F79-BE38-EA5BDDF4FEA4}"/>
+              </a:ext>
+              <a:ext uri="{C183D7F6-B498-43B3-948B-1728B52AA6E4}">
+                <adec:decorative xmlns:adec="http://schemas.microsoft.com/office/drawing/2017/decorative" val="1"/>
+              </a:ext>
+            </a:extLst>
+          </p:cNvPr>
+          <p:cNvSpPr>
+            <a:spLocks noGrp="1" noRot="1" noChangeAspect="1" noMove="1" noResize="1" noEditPoints="1" noAdjustHandles="1" noChangeArrowheads="1" noChangeShapeType="1" noTextEdit="1"/>
+          </p:cNvSpPr>
+          <p:nvPr>
+            <p:extLst>
+              <p:ext uri="{386F3935-93C4-4BCD-93E2-E3B085C9AB24}">
+                <p16:designElem xmlns:p16="http://schemas.microsoft.com/office/powerpoint/2015/main" val="1"/>
+              </p:ext>
+            </p:extLst>
+          </p:nvPr>
+        </p:nvSpPr>
+        <p:spPr>
+          <a:xfrm>
+            <a:off x="0" y="0"/>
+            <a:ext cx="12192000" cy="6858000"/>
+          </a:xfrm>
+          <a:prstGeom prst="rect">
+            <a:avLst/>
+          </a:prstGeom>
+          <a:ln>
+            <a:noFill/>
+          </a:ln>
+        </p:spPr>
+        <p:style>
+          <a:lnRef idx="2">
+            <a:schemeClr val="accent1">
+              <a:shade val="50000"/>
+            </a:schemeClr>
+          </a:lnRef>
+          <a:fillRef idx="1">
+            <a:schemeClr val="accent1"/>
+          </a:fillRef>
+          <a:effectRef idx="0">
+            <a:schemeClr val="accent1"/>
+          </a:effectRef>
+          <a:fontRef idx="minor">
+            <a:schemeClr val="lt1"/>
+          </a:fontRef>
+        </p:style>
+        <p:txBody>
+          <a:bodyPr rtlCol="0" anchor="ctr"/>
+          <a:lstStyle/>
+          <a:p>
+            <a:pPr algn="ctr"/>
+            <a:endParaRPr lang="en-US"/>
+          </a:p>
+        </p:txBody>
+      </p:sp>
+      <p:sp>
+        <p:nvSpPr>
+          <p:cNvPr id="10" name="Rectangle 9">
+            <a:extLst>
+              <a:ext uri="{FF2B5EF4-FFF2-40B4-BE49-F238E27FC236}">
+                <a16:creationId xmlns:a16="http://schemas.microsoft.com/office/drawing/2014/main" id="{1CF1AAE4-D0BC-430F-A613-7BBAAECA0C2D}"/>
+              </a:ext>
+              <a:ext uri="{C183D7F6-B498-43B3-948B-1728B52AA6E4}">
+                <adec:decorative xmlns:adec="http://schemas.microsoft.com/office/drawing/2017/decorative" val="1"/>
+              </a:ext>
+            </a:extLst>
+          </p:cNvPr>
+          <p:cNvSpPr>
+            <a:spLocks noGrp="1" noRot="1" noChangeAspect="1" noMove="1" noResize="1" noEditPoints="1" noAdjustHandles="1" noChangeArrowheads="1" noChangeShapeType="1" noTextEdit="1"/>
+          </p:cNvSpPr>
+          <p:nvPr>
+            <p:extLst>
+              <p:ext uri="{386F3935-93C4-4BCD-93E2-E3B085C9AB24}">
+                <p16:designElem xmlns:p16="http://schemas.microsoft.com/office/powerpoint/2015/main" val="1"/>
+              </p:ext>
+            </p:extLst>
+          </p:nvPr>
+        </p:nvSpPr>
+        <p:spPr>
+          <a:xfrm>
+            <a:off x="0" y="0"/>
+            <a:ext cx="12191999" cy="2285999"/>
+          </a:xfrm>
+          <a:prstGeom prst="rect">
+            <a:avLst/>
+          </a:prstGeom>
+          <a:solidFill>
+            <a:schemeClr val="tx1">
+              <a:lumMod val="85000"/>
+              <a:lumOff val="15000"/>
+            </a:schemeClr>
+          </a:solidFill>
+          <a:ln>
+            <a:noFill/>
+          </a:ln>
+        </p:spPr>
+        <p:style>
+          <a:lnRef idx="2">
+            <a:schemeClr val="accent1">
+              <a:shade val="50000"/>
+            </a:schemeClr>
+          </a:lnRef>
+          <a:fillRef idx="1">
+            <a:schemeClr val="accent1"/>
+          </a:fillRef>
+          <a:effectRef idx="0">
+            <a:schemeClr val="accent1"/>
+          </a:effectRef>
+          <a:fontRef idx="minor">
+            <a:schemeClr val="lt1"/>
+          </a:fontRef>
+        </p:style>
+        <p:txBody>
+          <a:bodyPr rtlCol="0" anchor="ctr"/>
+          <a:lstStyle/>
+          <a:p>
+            <a:pPr algn="ctr"/>
+            <a:endParaRPr lang="en-US"/>
+          </a:p>
+        </p:txBody>
+      </p:sp>
+      <p:sp>
+        <p:nvSpPr>
+          <p:cNvPr id="2" name="Title 1">
+            <a:extLst>
+              <a:ext uri="{FF2B5EF4-FFF2-40B4-BE49-F238E27FC236}">
+                <a16:creationId xmlns:a16="http://schemas.microsoft.com/office/drawing/2014/main" id="{B06C4D6D-8AC2-4BE1-9F90-6CCD1A575129}"/>
+              </a:ext>
+            </a:extLst>
+          </p:cNvPr>
+          <p:cNvSpPr>
+            <a:spLocks noGrp="1"/>
+          </p:cNvSpPr>
+          <p:nvPr>
+            <p:ph type="title"/>
+          </p:nvPr>
+        </p:nvSpPr>
+        <p:spPr>
+          <a:xfrm>
+            <a:off x="758952" y="379475"/>
+            <a:ext cx="10671048" cy="1554480"/>
+          </a:xfrm>
+        </p:spPr>
+        <p:txBody>
+          <a:bodyPr anchor="ctr">
+            <a:normAutofit/>
+          </a:bodyPr>
+          <a:lstStyle/>
+          <a:p>
+            <a:r>
+              <a:rPr lang="en-US" dirty="0">
+                <a:solidFill>
+                  <a:schemeClr val="bg1"/>
+                </a:solidFill>
+              </a:rPr>
+              <a:t>Data Cleaning and Python</a:t>
+            </a:r>
+          </a:p>
+        </p:txBody>
+      </p:sp>
+      <p:sp>
+        <p:nvSpPr>
+          <p:cNvPr id="3" name="Content Placeholder 2">
+            <a:extLst>
+              <a:ext uri="{FF2B5EF4-FFF2-40B4-BE49-F238E27FC236}">
+                <a16:creationId xmlns:a16="http://schemas.microsoft.com/office/drawing/2014/main" id="{D2F13DBF-8EE9-4AED-9E32-ECFF8EAD46DA}"/>
+              </a:ext>
+            </a:extLst>
+          </p:cNvPr>
+          <p:cNvSpPr>
+            <a:spLocks noGrp="1"/>
+          </p:cNvSpPr>
+          <p:nvPr>
+            <p:ph idx="1"/>
+          </p:nvPr>
+        </p:nvSpPr>
+        <p:spPr>
+          <a:xfrm>
+            <a:off x="176169" y="2457974"/>
+            <a:ext cx="11677475" cy="4144740"/>
+          </a:xfrm>
+        </p:spPr>
+        <p:txBody>
+          <a:bodyPr>
+            <a:normAutofit/>
+          </a:bodyPr>
+          <a:lstStyle/>
+          <a:p>
+            <a:pPr lvl="2">
+              <a:lnSpc>
+                <a:spcPct val="120000"/>
+              </a:lnSpc>
+            </a:pPr>
+            <a:r>
+              <a:rPr lang="en-US" sz="1800" dirty="0"/>
+              <a:t>Specific libraries were used to read in entire folders of data and concatenate them into single </a:t>
+            </a:r>
+            <a:r>
+              <a:rPr lang="en-US" sz="1800" dirty="0" err="1"/>
+              <a:t>dataframes</a:t>
+            </a:r>
+            <a:r>
+              <a:rPr lang="en-US" sz="1800" dirty="0"/>
+              <a:t>.  This was needed to put all the files together as </a:t>
+            </a:r>
+            <a:r>
+              <a:rPr lang="en-US" sz="1800" b="1" dirty="0"/>
+              <a:t>Power Automate </a:t>
+            </a:r>
+            <a:r>
+              <a:rPr lang="en-US" sz="1800" dirty="0"/>
+              <a:t>sent them in.</a:t>
+            </a:r>
+          </a:p>
+          <a:p>
+            <a:pPr lvl="2">
+              <a:lnSpc>
+                <a:spcPct val="120000"/>
+              </a:lnSpc>
+            </a:pPr>
+            <a:r>
+              <a:rPr lang="en-US" sz="1800" b="1" dirty="0"/>
+              <a:t>Transaction </a:t>
+            </a:r>
+            <a:r>
+              <a:rPr lang="en-US" sz="1800" b="1" dirty="0" err="1"/>
+              <a:t>DataFrame</a:t>
+            </a:r>
+            <a:r>
+              <a:rPr lang="en-US" sz="1800" b="1" dirty="0"/>
+              <a:t>- </a:t>
+            </a:r>
+            <a:r>
+              <a:rPr lang="en-US" sz="1800" dirty="0"/>
+              <a:t>the data was cleaned to a specific point so that it only sent </a:t>
+            </a:r>
+            <a:r>
+              <a:rPr lang="en-US" sz="1800" dirty="0" err="1"/>
+              <a:t>PowerBI</a:t>
+            </a:r>
+            <a:r>
+              <a:rPr lang="en-US" sz="1800" dirty="0"/>
+              <a:t> the necessary information for that specific Dining Hall.  There were many null values that had to be dropped and all the datetime formatting was done before </a:t>
+            </a:r>
+            <a:r>
+              <a:rPr lang="en-US" sz="1800" dirty="0" err="1"/>
+              <a:t>PowerBI</a:t>
+            </a:r>
+            <a:r>
+              <a:rPr lang="en-US" sz="1800" dirty="0"/>
+              <a:t>.</a:t>
+            </a:r>
+          </a:p>
+          <a:p>
+            <a:pPr lvl="2">
+              <a:lnSpc>
+                <a:spcPct val="120000"/>
+              </a:lnSpc>
+            </a:pPr>
+            <a:r>
+              <a:rPr lang="en-US" sz="1800" b="1" dirty="0"/>
+              <a:t>Menu </a:t>
+            </a:r>
+            <a:r>
+              <a:rPr lang="en-US" sz="1800" b="1" dirty="0" err="1"/>
+              <a:t>DataFrame</a:t>
+            </a:r>
+            <a:r>
+              <a:rPr lang="en-US" sz="1800" b="1" dirty="0"/>
+              <a:t>- </a:t>
+            </a:r>
+            <a:r>
+              <a:rPr lang="en-US" sz="1800" dirty="0"/>
+              <a:t>there was a lot of erroneous information that needed to be sorted through.  There were columns that would lead you to believe that at some point they were calculated fields, but they were not.  I had to go back to the source system and decipher what was correct and recreate those calculated fields. </a:t>
+            </a:r>
+          </a:p>
+          <a:p>
+            <a:pPr lvl="2">
+              <a:lnSpc>
+                <a:spcPct val="120000"/>
+              </a:lnSpc>
+            </a:pPr>
+            <a:r>
+              <a:rPr lang="en-US" sz="1800" b="1" dirty="0" err="1"/>
+              <a:t>PowerBI</a:t>
+            </a:r>
+            <a:r>
+              <a:rPr lang="en-US" sz="1800" b="1" dirty="0"/>
+              <a:t>-</a:t>
+            </a:r>
+            <a:r>
+              <a:rPr lang="en-US" sz="1800" dirty="0"/>
+              <a:t> for measures that depended on relationships between the </a:t>
+            </a:r>
+            <a:r>
+              <a:rPr lang="en-US" sz="1800" dirty="0" err="1"/>
+              <a:t>dataframes</a:t>
+            </a:r>
+            <a:r>
+              <a:rPr lang="en-US" sz="1800" dirty="0"/>
+              <a:t> I made created a ‘measures’ table to drive the cards on the actual dashboard as well as a table that calculated the difference between forecasted and actual Meal Plan counts</a:t>
+            </a:r>
+          </a:p>
+          <a:p>
+            <a:endParaRPr lang="en-US" sz="1800" b="1" dirty="0">
+              <a:effectLst/>
+              <a:latin typeface="Calibri" panose="020F0502020204030204" pitchFamily="34" charset="0"/>
+              <a:ea typeface="Calibri" panose="020F0502020204030204" pitchFamily="34" charset="0"/>
+              <a:cs typeface="Times New Roman" panose="02020603050405020304" pitchFamily="18" charset="0"/>
+            </a:endParaRPr>
+          </a:p>
+          <a:p>
+            <a:endParaRPr lang="en-US" dirty="0"/>
+          </a:p>
+        </p:txBody>
+      </p:sp>
+      <p:sp>
+        <p:nvSpPr>
+          <p:cNvPr id="12" name="Freeform 6">
+            <a:extLst>
+              <a:ext uri="{FF2B5EF4-FFF2-40B4-BE49-F238E27FC236}">
+                <a16:creationId xmlns:a16="http://schemas.microsoft.com/office/drawing/2014/main" id="{A101E513-AF74-4E9D-A31F-99664250722D}"/>
+              </a:ext>
+              <a:ext uri="{C183D7F6-B498-43B3-948B-1728B52AA6E4}">
+                <adec:decorative xmlns:adec="http://schemas.microsoft.com/office/drawing/2017/decorative" val="1"/>
+              </a:ext>
+            </a:extLst>
+          </p:cNvPr>
+          <p:cNvSpPr>
+            <a:spLocks noGrp="1" noRot="1" noChangeAspect="1" noMove="1" noResize="1" noEditPoints="1" noAdjustHandles="1" noChangeArrowheads="1" noChangeShapeType="1" noTextEdit="1"/>
+          </p:cNvSpPr>
+          <p:nvPr>
+            <p:extLst>
+              <p:ext uri="{386F3935-93C4-4BCD-93E2-E3B085C9AB24}">
+                <p16:designElem xmlns:p16="http://schemas.microsoft.com/office/powerpoint/2015/main" val="1"/>
+              </p:ext>
+            </p:extLst>
+          </p:nvPr>
+        </p:nvSpPr>
+        <p:spPr bwMode="auto">
+          <a:xfrm>
+            <a:off x="11784011" y="5783564"/>
+            <a:ext cx="407988" cy="819150"/>
+          </a:xfrm>
+          <a:custGeom>
+            <a:avLst/>
+            <a:gdLst/>
+            <a:ahLst/>
+            <a:cxnLst/>
+            <a:rect l="0" t="0" r="r" b="b"/>
+            <a:pathLst>
+              <a:path w="1799" h="3612">
+                <a:moveTo>
+                  <a:pt x="1799" y="0"/>
+                </a:moveTo>
+                <a:lnTo>
+                  <a:pt x="1799" y="3612"/>
+                </a:lnTo>
+                <a:lnTo>
+                  <a:pt x="1686" y="3609"/>
+                </a:lnTo>
+                <a:lnTo>
+                  <a:pt x="1574" y="3598"/>
+                </a:lnTo>
+                <a:lnTo>
+                  <a:pt x="1464" y="3581"/>
+                </a:lnTo>
+                <a:lnTo>
+                  <a:pt x="1357" y="3557"/>
+                </a:lnTo>
+                <a:lnTo>
+                  <a:pt x="1251" y="3527"/>
+                </a:lnTo>
+                <a:lnTo>
+                  <a:pt x="1150" y="3490"/>
+                </a:lnTo>
+                <a:lnTo>
+                  <a:pt x="1050" y="3448"/>
+                </a:lnTo>
+                <a:lnTo>
+                  <a:pt x="953" y="3401"/>
+                </a:lnTo>
+                <a:lnTo>
+                  <a:pt x="860" y="3347"/>
+                </a:lnTo>
+                <a:lnTo>
+                  <a:pt x="771" y="3289"/>
+                </a:lnTo>
+                <a:lnTo>
+                  <a:pt x="686" y="3224"/>
+                </a:lnTo>
+                <a:lnTo>
+                  <a:pt x="604" y="3156"/>
+                </a:lnTo>
+                <a:lnTo>
+                  <a:pt x="527" y="3083"/>
+                </a:lnTo>
+                <a:lnTo>
+                  <a:pt x="454" y="3005"/>
+                </a:lnTo>
+                <a:lnTo>
+                  <a:pt x="386" y="2923"/>
+                </a:lnTo>
+                <a:lnTo>
+                  <a:pt x="323" y="2838"/>
+                </a:lnTo>
+                <a:lnTo>
+                  <a:pt x="265" y="2748"/>
+                </a:lnTo>
+                <a:lnTo>
+                  <a:pt x="211" y="2655"/>
+                </a:lnTo>
+                <a:lnTo>
+                  <a:pt x="163" y="2559"/>
+                </a:lnTo>
+                <a:lnTo>
+                  <a:pt x="121" y="2459"/>
+                </a:lnTo>
+                <a:lnTo>
+                  <a:pt x="85" y="2356"/>
+                </a:lnTo>
+                <a:lnTo>
+                  <a:pt x="55" y="2251"/>
+                </a:lnTo>
+                <a:lnTo>
+                  <a:pt x="32" y="2143"/>
+                </a:lnTo>
+                <a:lnTo>
+                  <a:pt x="14" y="2033"/>
+                </a:lnTo>
+                <a:lnTo>
+                  <a:pt x="4" y="1920"/>
+                </a:lnTo>
+                <a:lnTo>
+                  <a:pt x="0" y="1806"/>
+                </a:lnTo>
+                <a:lnTo>
+                  <a:pt x="4" y="1692"/>
+                </a:lnTo>
+                <a:lnTo>
+                  <a:pt x="14" y="1580"/>
+                </a:lnTo>
+                <a:lnTo>
+                  <a:pt x="32" y="1469"/>
+                </a:lnTo>
+                <a:lnTo>
+                  <a:pt x="55" y="1362"/>
+                </a:lnTo>
+                <a:lnTo>
+                  <a:pt x="85" y="1256"/>
+                </a:lnTo>
+                <a:lnTo>
+                  <a:pt x="121" y="1154"/>
+                </a:lnTo>
+                <a:lnTo>
+                  <a:pt x="163" y="1054"/>
+                </a:lnTo>
+                <a:lnTo>
+                  <a:pt x="211" y="958"/>
+                </a:lnTo>
+                <a:lnTo>
+                  <a:pt x="265" y="864"/>
+                </a:lnTo>
+                <a:lnTo>
+                  <a:pt x="323" y="774"/>
+                </a:lnTo>
+                <a:lnTo>
+                  <a:pt x="386" y="689"/>
+                </a:lnTo>
+                <a:lnTo>
+                  <a:pt x="454" y="607"/>
+                </a:lnTo>
+                <a:lnTo>
+                  <a:pt x="527" y="529"/>
+                </a:lnTo>
+                <a:lnTo>
+                  <a:pt x="604" y="456"/>
+                </a:lnTo>
+                <a:lnTo>
+                  <a:pt x="686" y="388"/>
+                </a:lnTo>
+                <a:lnTo>
+                  <a:pt x="771" y="325"/>
+                </a:lnTo>
+                <a:lnTo>
+                  <a:pt x="860" y="266"/>
+                </a:lnTo>
+                <a:lnTo>
+                  <a:pt x="953" y="212"/>
+                </a:lnTo>
+                <a:lnTo>
+                  <a:pt x="1050" y="164"/>
+                </a:lnTo>
+                <a:lnTo>
+                  <a:pt x="1150" y="122"/>
+                </a:lnTo>
+                <a:lnTo>
+                  <a:pt x="1251" y="85"/>
+                </a:lnTo>
+                <a:lnTo>
+                  <a:pt x="1357" y="55"/>
+                </a:lnTo>
+                <a:lnTo>
+                  <a:pt x="1464" y="32"/>
+                </a:lnTo>
+                <a:lnTo>
+                  <a:pt x="1574" y="14"/>
+                </a:lnTo>
+                <a:lnTo>
+                  <a:pt x="1686" y="5"/>
+                </a:lnTo>
+                <a:lnTo>
+                  <a:pt x="1799" y="0"/>
+                </a:lnTo>
+                <a:close/>
+              </a:path>
+            </a:pathLst>
+          </a:custGeom>
+          <a:solidFill>
+            <a:schemeClr val="tx1">
+              <a:lumMod val="85000"/>
+              <a:lumOff val="15000"/>
+            </a:schemeClr>
+          </a:solidFill>
+          <a:ln w="0">
+            <a:noFill/>
+            <a:prstDash val="solid"/>
+            <a:round/>
+            <a:headEnd/>
+            <a:tailEnd/>
+          </a:ln>
+        </p:spPr>
+        <p:txBody>
+          <a:bodyPr anchor="ctr"/>
+          <a:lstStyle/>
+          <a:p>
+            <a:endParaRPr lang="en-US"/>
+          </a:p>
+        </p:txBody>
+      </p:sp>
+    </p:spTree>
+    <p:extLst>
+      <p:ext uri="{BB962C8B-B14F-4D97-AF65-F5344CB8AC3E}">
+        <p14:creationId xmlns:p14="http://schemas.microsoft.com/office/powerpoint/2010/main" val="1853578171"/>
+      </p:ext>
+    </p:extLst>
+  </p:cSld>
+  <p:clrMapOvr>
+    <a:masterClrMapping/>
+  </p:clrMapOvr>
+</p:sld>
+</file>
+
+<file path=ppt/slides/slide9.xml><?xml version="1.0" encoding="utf-8"?>
+<p:sld xmlns:a="http://schemas.openxmlformats.org/drawingml/2006/main" xmlns:r="http://schemas.openxmlformats.org/officeDocument/2006/relationships" xmlns:p="http://schemas.openxmlformats.org/presentationml/2006/main">
+  <p:cSld>
+    <p:spTree>
+      <p:nvGrpSpPr>
+        <p:cNvPr id="1" name=""/>
+        <p:cNvGrpSpPr/>
+        <p:nvPr/>
+      </p:nvGrpSpPr>
+      <p:grpSpPr>
+        <a:xfrm>
+          <a:off x="0" y="0"/>
+          <a:ext cx="0" cy="0"/>
+          <a:chOff x="0" y="0"/>
+          <a:chExt cx="0" cy="0"/>
+        </a:xfrm>
+      </p:grpSpPr>
+      <p:sp>
+        <p:nvSpPr>
+          <p:cNvPr id="6" name="Title 5">
+            <a:extLst>
+              <a:ext uri="{FF2B5EF4-FFF2-40B4-BE49-F238E27FC236}">
+                <a16:creationId xmlns:a16="http://schemas.microsoft.com/office/drawing/2014/main" id="{30D27233-A60D-49C3-95F6-597ECF317F28}"/>
+              </a:ext>
+            </a:extLst>
+          </p:cNvPr>
+          <p:cNvSpPr>
+            <a:spLocks noGrp="1"/>
+          </p:cNvSpPr>
+          <p:nvPr>
+            <p:ph type="title"/>
+          </p:nvPr>
+        </p:nvSpPr>
+        <p:spPr>
+          <a:xfrm>
+            <a:off x="758952" y="758952"/>
+            <a:ext cx="10499074" cy="4754880"/>
+          </a:xfrm>
+        </p:spPr>
+        <p:txBody>
+          <a:bodyPr/>
+          <a:lstStyle/>
+          <a:p>
+            <a:pPr algn="ctr"/>
+            <a:br>
+              <a:rPr lang="en-US" dirty="0"/>
+            </a:br>
+            <a:br>
+              <a:rPr lang="en-US" dirty="0"/>
+            </a:br>
+            <a:br>
+              <a:rPr lang="en-US" dirty="0"/>
+            </a:br>
+            <a:r>
+              <a:rPr lang="en-US" dirty="0"/>
+              <a:t>Dashboard Tour</a:t>
+            </a:r>
+          </a:p>
+        </p:txBody>
+      </p:sp>
+    </p:spTree>
+    <p:extLst>
+      <p:ext uri="{BB962C8B-B14F-4D97-AF65-F5344CB8AC3E}">
+        <p14:creationId xmlns:p14="http://schemas.microsoft.com/office/powerpoint/2010/main" val="2669030247"/>
       </p:ext>
     </p:extLst>
   </p:cSld>

--- a/Capstone_Menu_Dashboard.pptx
+++ b/Capstone_Menu_Dashboard.pptx
@@ -980,7 +980,7 @@
                 <a:schemeClr val="tx1"/>
               </a:solidFill>
             </a:rPr>
-            <a:t>In a single script those files are picked up, cleaned, and then moved to another folder where they get picked up by </a:t>
+            <a:t>In a single script those files are picked up, cleaned with python, and then moved to another folder where they get picked up by </a:t>
           </a:r>
           <a:r>
             <a:rPr lang="en-US" dirty="0" err="1">
@@ -1329,7 +1329,7 @@
       </dsp:nvSpPr>
       <dsp:spPr>
         <a:xfrm>
-          <a:off x="2925" y="2725764"/>
+          <a:off x="2925" y="9684582"/>
           <a:ext cx="2603873" cy="1041549"/>
         </a:xfrm>
         <a:prstGeom prst="chevron">
@@ -1370,12 +1370,12 @@
         </a:fontRef>
       </dsp:style>
       <dsp:txBody>
-        <a:bodyPr spcFirstLastPara="0" vert="horz" wrap="square" lIns="44006" tIns="14669" rIns="14669" bIns="14669" numCol="1" spcCol="1270" anchor="ctr" anchorCtr="0">
+        <a:bodyPr spcFirstLastPara="0" vert="horz" wrap="square" lIns="40005" tIns="13335" rIns="13335" bIns="13335" numCol="1" spcCol="1270" anchor="ctr" anchorCtr="0">
           <a:noAutofit/>
         </a:bodyPr>
         <a:lstStyle/>
         <a:p>
-          <a:pPr marL="0" lvl="0" indent="0" algn="ctr" defTabSz="488950">
+          <a:pPr marL="0" lvl="0" indent="0" algn="ctr" defTabSz="444500">
             <a:lnSpc>
               <a:spcPct val="90000"/>
             </a:lnSpc>
@@ -1388,13 +1388,13 @@
             <a:buNone/>
           </a:pPr>
           <a:r>
-            <a:rPr lang="en-US" sz="1100" kern="1200" dirty="0"/>
+            <a:rPr lang="en-US" sz="1000" kern="1200" dirty="0"/>
             <a:t>Business Date Happens and End of Day Processes are run.  Email of CSV’s are sent</a:t>
           </a:r>
         </a:p>
       </dsp:txBody>
       <dsp:txXfrm>
-        <a:off x="523700" y="2725764"/>
+        <a:off x="523700" y="9684582"/>
         <a:ext cx="1562324" cy="1041549"/>
       </dsp:txXfrm>
     </dsp:sp>
@@ -1405,7 +1405,7 @@
       </dsp:nvSpPr>
       <dsp:spPr>
         <a:xfrm>
-          <a:off x="2346411" y="2725764"/>
+          <a:off x="2346411" y="9684582"/>
           <a:ext cx="2603873" cy="1041549"/>
         </a:xfrm>
         <a:prstGeom prst="chevron">
@@ -1443,12 +1443,12 @@
         </a:fontRef>
       </dsp:style>
       <dsp:txBody>
-        <a:bodyPr spcFirstLastPara="0" vert="horz" wrap="square" lIns="44006" tIns="14669" rIns="14669" bIns="14669" numCol="1" spcCol="1270" anchor="ctr" anchorCtr="0">
+        <a:bodyPr spcFirstLastPara="0" vert="horz" wrap="square" lIns="40005" tIns="13335" rIns="13335" bIns="13335" numCol="1" spcCol="1270" anchor="ctr" anchorCtr="0">
           <a:noAutofit/>
         </a:bodyPr>
         <a:lstStyle/>
         <a:p>
-          <a:pPr marL="0" lvl="0" indent="0" algn="ctr" defTabSz="488950">
+          <a:pPr marL="0" lvl="0" indent="0" algn="ctr" defTabSz="444500">
             <a:lnSpc>
               <a:spcPct val="90000"/>
             </a:lnSpc>
@@ -1461,7 +1461,7 @@
             <a:buNone/>
           </a:pPr>
           <a:r>
-            <a:rPr lang="en-US" sz="1100" kern="1200" dirty="0">
+            <a:rPr lang="en-US" sz="1000" kern="1200" dirty="0">
               <a:solidFill>
                 <a:schemeClr val="tx1"/>
               </a:solidFill>
@@ -1471,7 +1471,7 @@
         </a:p>
       </dsp:txBody>
       <dsp:txXfrm>
-        <a:off x="2867186" y="2725764"/>
+        <a:off x="2867186" y="9684582"/>
         <a:ext cx="1562324" cy="1041549"/>
       </dsp:txXfrm>
     </dsp:sp>
@@ -1482,7 +1482,7 @@
       </dsp:nvSpPr>
       <dsp:spPr>
         <a:xfrm>
-          <a:off x="4689898" y="2725764"/>
+          <a:off x="4689898" y="9684582"/>
           <a:ext cx="2603873" cy="1041549"/>
         </a:xfrm>
         <a:prstGeom prst="chevron">
@@ -1520,12 +1520,12 @@
         </a:fontRef>
       </dsp:style>
       <dsp:txBody>
-        <a:bodyPr spcFirstLastPara="0" vert="horz" wrap="square" lIns="44006" tIns="14669" rIns="14669" bIns="14669" numCol="1" spcCol="1270" anchor="ctr" anchorCtr="0">
+        <a:bodyPr spcFirstLastPara="0" vert="horz" wrap="square" lIns="40005" tIns="13335" rIns="13335" bIns="13335" numCol="1" spcCol="1270" anchor="ctr" anchorCtr="0">
           <a:noAutofit/>
         </a:bodyPr>
         <a:lstStyle/>
         <a:p>
-          <a:pPr marL="0" lvl="0" indent="0" algn="ctr" defTabSz="488950">
+          <a:pPr marL="0" lvl="0" indent="0" algn="ctr" defTabSz="444500">
             <a:lnSpc>
               <a:spcPct val="90000"/>
             </a:lnSpc>
@@ -1538,22 +1538,22 @@
             <a:buNone/>
           </a:pPr>
           <a:r>
-            <a:rPr lang="en-US" sz="1100" kern="1200" dirty="0">
+            <a:rPr lang="en-US" sz="1000" kern="1200" dirty="0">
               <a:solidFill>
                 <a:schemeClr val="tx1"/>
               </a:solidFill>
             </a:rPr>
-            <a:t>In a single script those files are picked up, cleaned, and then moved to another folder where they get picked up by </a:t>
+            <a:t>In a single script those files are picked up, cleaned with python, and then moved to another folder where they get picked up by </a:t>
           </a:r>
           <a:r>
-            <a:rPr lang="en-US" sz="1100" kern="1200" dirty="0" err="1">
+            <a:rPr lang="en-US" sz="1000" kern="1200" dirty="0" err="1">
               <a:solidFill>
                 <a:schemeClr val="tx1"/>
               </a:solidFill>
             </a:rPr>
             <a:t>PowerBI</a:t>
           </a:r>
-          <a:endParaRPr lang="en-US" sz="1100" kern="1200" dirty="0">
+          <a:endParaRPr lang="en-US" sz="1000" kern="1200" dirty="0">
             <a:solidFill>
               <a:schemeClr val="tx1"/>
             </a:solidFill>
@@ -1561,7 +1561,7 @@
         </a:p>
       </dsp:txBody>
       <dsp:txXfrm>
-        <a:off x="5210673" y="2725764"/>
+        <a:off x="5210673" y="9684582"/>
         <a:ext cx="1562324" cy="1041549"/>
       </dsp:txXfrm>
     </dsp:sp>
@@ -1572,7 +1572,7 @@
       </dsp:nvSpPr>
       <dsp:spPr>
         <a:xfrm>
-          <a:off x="7033384" y="2725764"/>
+          <a:off x="7033384" y="9684582"/>
           <a:ext cx="2603873" cy="1041549"/>
         </a:xfrm>
         <a:prstGeom prst="chevron">
@@ -1663,7 +1663,7 @@
         </a:p>
       </dsp:txBody>
       <dsp:txXfrm>
-        <a:off x="7554159" y="2725764"/>
+        <a:off x="7554159" y="9684582"/>
         <a:ext cx="1562324" cy="1041549"/>
       </dsp:txXfrm>
     </dsp:sp>
@@ -1674,7 +1674,7 @@
       </dsp:nvSpPr>
       <dsp:spPr>
         <a:xfrm>
-          <a:off x="9376870" y="2725764"/>
+          <a:off x="9376870" y="9684582"/>
           <a:ext cx="2603873" cy="1041549"/>
         </a:xfrm>
         <a:prstGeom prst="chevron">
@@ -1746,7 +1746,7 @@
         </a:p>
       </dsp:txBody>
       <dsp:txXfrm>
-        <a:off x="9897645" y="2725764"/>
+        <a:off x="9897645" y="9684582"/>
         <a:ext cx="1562324" cy="1041549"/>
       </dsp:txXfrm>
     </dsp:sp>
@@ -3492,7 +3492,7 @@
           <a:p>
             <a:fld id="{53BEF823-48A5-43FC-BE03-E79964288B41}" type="datetimeFigureOut">
               <a:rPr lang="en-US" smtClean="0"/>
-              <a:t>12/14/2021</a:t>
+              <a:t>12/16/2021</a:t>
             </a:fld>
             <a:endParaRPr lang="en-US" dirty="0"/>
           </a:p>
@@ -3703,7 +3703,7 @@
             <a:fld id="{53BEF823-48A5-43FC-BE03-E79964288B41}" type="datetimeFigureOut">
               <a:rPr lang="en-US" smtClean="0"/>
               <a:pPr algn="r"/>
-              <a:t>12/14/2021</a:t>
+              <a:t>12/16/2021</a:t>
             </a:fld>
             <a:endParaRPr lang="en-US" dirty="0"/>
           </a:p>
@@ -3918,7 +3918,7 @@
             <a:fld id="{53BEF823-48A5-43FC-BE03-E79964288B41}" type="datetimeFigureOut">
               <a:rPr lang="en-US" smtClean="0"/>
               <a:pPr algn="r"/>
-              <a:t>12/14/2021</a:t>
+              <a:t>12/16/2021</a:t>
             </a:fld>
             <a:endParaRPr lang="en-US" dirty="0"/>
           </a:p>
@@ -4121,7 +4121,7 @@
             <a:fld id="{53BEF823-48A5-43FC-BE03-E79964288B41}" type="datetimeFigureOut">
               <a:rPr lang="en-US" smtClean="0"/>
               <a:pPr algn="r"/>
-              <a:t>12/14/2021</a:t>
+              <a:t>12/16/2021</a:t>
             </a:fld>
             <a:endParaRPr lang="en-US" dirty="0"/>
           </a:p>
@@ -4405,7 +4405,7 @@
             <a:fld id="{53BEF823-48A5-43FC-BE03-E79964288B41}" type="datetimeFigureOut">
               <a:rPr lang="en-US" smtClean="0"/>
               <a:pPr algn="r"/>
-              <a:t>12/14/2021</a:t>
+              <a:t>12/16/2021</a:t>
             </a:fld>
             <a:endParaRPr lang="en-US" dirty="0"/>
           </a:p>
@@ -4649,7 +4649,7 @@
             <a:fld id="{53BEF823-48A5-43FC-BE03-E79964288B41}" type="datetimeFigureOut">
               <a:rPr lang="en-US" smtClean="0"/>
               <a:pPr algn="r"/>
-              <a:t>12/14/2021</a:t>
+              <a:t>12/16/2021</a:t>
             </a:fld>
             <a:endParaRPr lang="en-US" dirty="0"/>
           </a:p>
@@ -5092,7 +5092,7 @@
             <a:fld id="{53BEF823-48A5-43FC-BE03-E79964288B41}" type="datetimeFigureOut">
               <a:rPr lang="en-US" smtClean="0"/>
               <a:pPr algn="r"/>
-              <a:t>12/14/2021</a:t>
+              <a:t>12/16/2021</a:t>
             </a:fld>
             <a:endParaRPr lang="en-US" dirty="0"/>
           </a:p>
@@ -5238,7 +5238,7 @@
             <a:fld id="{53BEF823-48A5-43FC-BE03-E79964288B41}" type="datetimeFigureOut">
               <a:rPr lang="en-US" smtClean="0"/>
               <a:pPr algn="r"/>
-              <a:t>12/14/2021</a:t>
+              <a:t>12/16/2021</a:t>
             </a:fld>
             <a:endParaRPr lang="en-US" dirty="0"/>
           </a:p>
@@ -5356,7 +5356,7 @@
             <a:fld id="{53BEF823-48A5-43FC-BE03-E79964288B41}" type="datetimeFigureOut">
               <a:rPr lang="en-US" smtClean="0"/>
               <a:pPr algn="r"/>
-              <a:t>12/14/2021</a:t>
+              <a:t>12/16/2021</a:t>
             </a:fld>
             <a:endParaRPr lang="en-US" dirty="0"/>
           </a:p>
@@ -5640,7 +5640,7 @@
             <a:fld id="{53BEF823-48A5-43FC-BE03-E79964288B41}" type="datetimeFigureOut">
               <a:rPr lang="en-US" smtClean="0"/>
               <a:pPr algn="r"/>
-              <a:t>12/14/2021</a:t>
+              <a:t>12/16/2021</a:t>
             </a:fld>
             <a:endParaRPr lang="en-US" dirty="0"/>
           </a:p>
@@ -5935,7 +5935,7 @@
             <a:fld id="{53BEF823-48A5-43FC-BE03-E79964288B41}" type="datetimeFigureOut">
               <a:rPr lang="en-US" smtClean="0"/>
               <a:pPr algn="r"/>
-              <a:t>12/14/2021</a:t>
+              <a:t>12/16/2021</a:t>
             </a:fld>
             <a:endParaRPr lang="en-US" dirty="0"/>
           </a:p>
@@ -6430,7 +6430,7 @@
             <a:fld id="{53BEF823-48A5-43FC-BE03-E79964288B41}" type="datetimeFigureOut">
               <a:rPr lang="en-US" smtClean="0"/>
               <a:pPr algn="r"/>
-              <a:t>12/14/2021</a:t>
+              <a:t>12/16/2021</a:t>
             </a:fld>
             <a:endParaRPr lang="en-US" dirty="0"/>
           </a:p>
@@ -12054,14 +12054,14 @@
             <p:ph idx="1"/>
             <p:extLst>
               <p:ext uri="{D42A27DB-BD31-4B8C-83A1-F6EECF244321}">
-                <p14:modId xmlns:p14="http://schemas.microsoft.com/office/powerpoint/2010/main" val="4268752694"/>
+                <p14:modId xmlns:p14="http://schemas.microsoft.com/office/powerpoint/2010/main" val="3631691614"/>
               </p:ext>
             </p:extLst>
           </p:nvPr>
         </p:nvGraphicFramePr>
         <p:xfrm>
-          <a:off x="130033" y="855677"/>
-          <a:ext cx="11983670" cy="6493079"/>
+          <a:off x="130033" y="-6074230"/>
+          <a:ext cx="11983670" cy="20410715"/>
         </p:xfrm>
         <a:graphic>
           <a:graphicData uri="http://schemas.openxmlformats.org/drawingml/2006/diagram">

--- a/Capstone_Menu_Dashboard.pptx
+++ b/Capstone_Menu_Dashboard.pptx
@@ -4,6 +4,9 @@
   <p:sldMasterIdLst>
     <p:sldMasterId id="2147483724" r:id="rId1"/>
   </p:sldMasterIdLst>
+  <p:notesMasterIdLst>
+    <p:notesMasterId r:id="rId13"/>
+  </p:notesMasterIdLst>
   <p:sldIdLst>
     <p:sldId id="256" r:id="rId2"/>
     <p:sldId id="257" r:id="rId3"/>
@@ -877,7 +880,7 @@
       <dgm:spPr/>
     </dgm:pt>
     <dgm:pt modelId="{332F3D77-3B57-4274-8F36-C92ED4DAD38D}">
-      <dgm:prSet phldrT="[Text]"/>
+      <dgm:prSet phldrT="[Text]" custT="1"/>
       <dgm:spPr>
         <a:solidFill>
           <a:schemeClr val="tx1">
@@ -891,7 +894,7 @@
         <a:lstStyle/>
         <a:p>
           <a:r>
-            <a:rPr lang="en-US" dirty="0"/>
+            <a:rPr lang="en-US" sz="1050" dirty="0"/>
             <a:t>Business Date Happens and End of Day Processes are run.  Email of CSV’s are sent</a:t>
           </a:r>
         </a:p>
@@ -920,7 +923,7 @@
       </dgm:t>
     </dgm:pt>
     <dgm:pt modelId="{145C33C4-0445-4150-8501-154718C07891}">
-      <dgm:prSet phldrT="[Text]"/>
+      <dgm:prSet phldrT="[Text]" custT="1"/>
       <dgm:spPr>
         <a:solidFill>
           <a:srgbClr val="92D050"/>
@@ -931,7 +934,7 @@
         <a:lstStyle/>
         <a:p>
           <a:r>
-            <a:rPr lang="en-US" dirty="0">
+            <a:rPr lang="en-US" sz="1050" dirty="0">
               <a:solidFill>
                 <a:schemeClr val="tx1"/>
               </a:solidFill>
@@ -964,7 +967,7 @@
       </dgm:t>
     </dgm:pt>
     <dgm:pt modelId="{BB1AB602-0508-4675-9AFC-24F4815A92D9}">
-      <dgm:prSet phldrT="[Text]"/>
+      <dgm:prSet phldrT="[Text]" custT="1"/>
       <dgm:spPr>
         <a:solidFill>
           <a:srgbClr val="92D050"/>
@@ -975,22 +978,38 @@
         <a:lstStyle/>
         <a:p>
           <a:r>
-            <a:rPr lang="en-US" dirty="0">
+            <a:rPr lang="en-US" sz="1050" dirty="0">
               <a:solidFill>
                 <a:schemeClr val="tx1"/>
               </a:solidFill>
             </a:rPr>
-            <a:t>In a single script those files are picked up, cleaned with python, and then moved to another folder where they get picked up by </a:t>
+            <a:t>Those files </a:t>
           </a:r>
           <a:r>
-            <a:rPr lang="en-US" dirty="0" err="1">
+            <a:rPr lang="en-US" sz="1100" dirty="0">
+              <a:solidFill>
+                <a:schemeClr val="tx1"/>
+              </a:solidFill>
+            </a:rPr>
+            <a:t>are</a:t>
+          </a:r>
+          <a:r>
+            <a:rPr lang="en-US" sz="1050" dirty="0">
+              <a:solidFill>
+                <a:schemeClr val="tx1"/>
+              </a:solidFill>
+            </a:rPr>
+            <a:t> picked up, cleaned with python, and then moved to another folder where they get picked up by </a:t>
+          </a:r>
+          <a:r>
+            <a:rPr lang="en-US" sz="1050" dirty="0" err="1">
               <a:solidFill>
                 <a:schemeClr val="tx1"/>
               </a:solidFill>
             </a:rPr>
             <a:t>PowerBI</a:t>
           </a:r>
-          <a:endParaRPr lang="en-US" dirty="0">
+          <a:endParaRPr lang="en-US" sz="1050" dirty="0">
             <a:solidFill>
               <a:schemeClr val="tx1"/>
             </a:solidFill>
@@ -1308,7 +1327,7 @@
   <dgm:whole/>
   <dgm:extLst>
     <a:ext uri="http://schemas.microsoft.com/office/drawing/2008/diagram">
-      <dsp:dataModelExt xmlns:dsp="http://schemas.microsoft.com/office/drawing/2008/diagram" relId="rId6" minVer="http://schemas.openxmlformats.org/drawingml/2006/diagram"/>
+      <dsp:dataModelExt xmlns:dsp="http://schemas.microsoft.com/office/drawing/2008/diagram" relId="rId7" minVer="http://schemas.openxmlformats.org/drawingml/2006/diagram"/>
     </a:ext>
   </dgm:extLst>
 </dgm:dataModel>
@@ -1370,12 +1389,12 @@
         </a:fontRef>
       </dsp:style>
       <dsp:txBody>
-        <a:bodyPr spcFirstLastPara="0" vert="horz" wrap="square" lIns="40005" tIns="13335" rIns="13335" bIns="13335" numCol="1" spcCol="1270" anchor="ctr" anchorCtr="0">
+        <a:bodyPr spcFirstLastPara="0" vert="horz" wrap="square" lIns="44006" tIns="14669" rIns="14669" bIns="14669" numCol="1" spcCol="1270" anchor="ctr" anchorCtr="0">
           <a:noAutofit/>
         </a:bodyPr>
         <a:lstStyle/>
         <a:p>
-          <a:pPr marL="0" lvl="0" indent="0" algn="ctr" defTabSz="444500">
+          <a:pPr marL="0" lvl="0" indent="0" algn="ctr" defTabSz="466725">
             <a:lnSpc>
               <a:spcPct val="90000"/>
             </a:lnSpc>
@@ -1388,7 +1407,7 @@
             <a:buNone/>
           </a:pPr>
           <a:r>
-            <a:rPr lang="en-US" sz="1000" kern="1200" dirty="0"/>
+            <a:rPr lang="en-US" sz="1050" kern="1200" dirty="0"/>
             <a:t>Business Date Happens and End of Day Processes are run.  Email of CSV’s are sent</a:t>
           </a:r>
         </a:p>
@@ -1443,12 +1462,12 @@
         </a:fontRef>
       </dsp:style>
       <dsp:txBody>
-        <a:bodyPr spcFirstLastPara="0" vert="horz" wrap="square" lIns="40005" tIns="13335" rIns="13335" bIns="13335" numCol="1" spcCol="1270" anchor="ctr" anchorCtr="0">
+        <a:bodyPr spcFirstLastPara="0" vert="horz" wrap="square" lIns="44006" tIns="14669" rIns="14669" bIns="14669" numCol="1" spcCol="1270" anchor="ctr" anchorCtr="0">
           <a:noAutofit/>
         </a:bodyPr>
         <a:lstStyle/>
         <a:p>
-          <a:pPr marL="0" lvl="0" indent="0" algn="ctr" defTabSz="444500">
+          <a:pPr marL="0" lvl="0" indent="0" algn="ctr" defTabSz="466725">
             <a:lnSpc>
               <a:spcPct val="90000"/>
             </a:lnSpc>
@@ -1461,7 +1480,7 @@
             <a:buNone/>
           </a:pPr>
           <a:r>
-            <a:rPr lang="en-US" sz="1000" kern="1200" dirty="0">
+            <a:rPr lang="en-US" sz="1050" kern="1200" dirty="0">
               <a:solidFill>
                 <a:schemeClr val="tx1"/>
               </a:solidFill>
@@ -1520,12 +1539,12 @@
         </a:fontRef>
       </dsp:style>
       <dsp:txBody>
-        <a:bodyPr spcFirstLastPara="0" vert="horz" wrap="square" lIns="40005" tIns="13335" rIns="13335" bIns="13335" numCol="1" spcCol="1270" anchor="ctr" anchorCtr="0">
+        <a:bodyPr spcFirstLastPara="0" vert="horz" wrap="square" lIns="44006" tIns="14669" rIns="14669" bIns="14669" numCol="1" spcCol="1270" anchor="ctr" anchorCtr="0">
           <a:noAutofit/>
         </a:bodyPr>
         <a:lstStyle/>
         <a:p>
-          <a:pPr marL="0" lvl="0" indent="0" algn="ctr" defTabSz="444500">
+          <a:pPr marL="0" lvl="0" indent="0" algn="ctr" defTabSz="466725">
             <a:lnSpc>
               <a:spcPct val="90000"/>
             </a:lnSpc>
@@ -1538,22 +1557,38 @@
             <a:buNone/>
           </a:pPr>
           <a:r>
-            <a:rPr lang="en-US" sz="1000" kern="1200" dirty="0">
+            <a:rPr lang="en-US" sz="1050" kern="1200" dirty="0">
               <a:solidFill>
                 <a:schemeClr val="tx1"/>
               </a:solidFill>
             </a:rPr>
-            <a:t>In a single script those files are picked up, cleaned with python, and then moved to another folder where they get picked up by </a:t>
+            <a:t>Those files </a:t>
           </a:r>
           <a:r>
-            <a:rPr lang="en-US" sz="1000" kern="1200" dirty="0" err="1">
+            <a:rPr lang="en-US" sz="1100" kern="1200" dirty="0">
+              <a:solidFill>
+                <a:schemeClr val="tx1"/>
+              </a:solidFill>
+            </a:rPr>
+            <a:t>are</a:t>
+          </a:r>
+          <a:r>
+            <a:rPr lang="en-US" sz="1050" kern="1200" dirty="0">
+              <a:solidFill>
+                <a:schemeClr val="tx1"/>
+              </a:solidFill>
+            </a:rPr>
+            <a:t> picked up, cleaned with python, and then moved to another folder where they get picked up by </a:t>
+          </a:r>
+          <a:r>
+            <a:rPr lang="en-US" sz="1050" kern="1200" dirty="0" err="1">
               <a:solidFill>
                 <a:schemeClr val="tx1"/>
               </a:solidFill>
             </a:rPr>
             <a:t>PowerBI</a:t>
           </a:r>
-          <a:endParaRPr lang="en-US" sz="1000" kern="1200" dirty="0">
+          <a:endParaRPr lang="en-US" sz="1050" kern="1200" dirty="0">
             <a:solidFill>
               <a:schemeClr val="tx1"/>
             </a:solidFill>
@@ -3071,6 +3106,555 @@
 </dgm:styleDef>
 </file>
 
+<file path=ppt/notesMasters/notesMaster1.xml><?xml version="1.0" encoding="utf-8"?>
+<p:notesMaster xmlns:a="http://schemas.openxmlformats.org/drawingml/2006/main" xmlns:r="http://schemas.openxmlformats.org/officeDocument/2006/relationships" xmlns:p="http://schemas.openxmlformats.org/presentationml/2006/main">
+  <p:cSld>
+    <p:bg>
+      <p:bgRef idx="1001">
+        <a:schemeClr val="bg1"/>
+      </p:bgRef>
+    </p:bg>
+    <p:spTree>
+      <p:nvGrpSpPr>
+        <p:cNvPr id="1" name=""/>
+        <p:cNvGrpSpPr/>
+        <p:nvPr/>
+      </p:nvGrpSpPr>
+      <p:grpSpPr>
+        <a:xfrm>
+          <a:off x="0" y="0"/>
+          <a:ext cx="0" cy="0"/>
+          <a:chOff x="0" y="0"/>
+          <a:chExt cx="0" cy="0"/>
+        </a:xfrm>
+      </p:grpSpPr>
+      <p:sp>
+        <p:nvSpPr>
+          <p:cNvPr id="2" name="Header Placeholder 1"/>
+          <p:cNvSpPr>
+            <a:spLocks noGrp="1"/>
+          </p:cNvSpPr>
+          <p:nvPr>
+            <p:ph type="hdr" sz="quarter"/>
+          </p:nvPr>
+        </p:nvSpPr>
+        <p:spPr>
+          <a:xfrm>
+            <a:off x="0" y="0"/>
+            <a:ext cx="2971800" cy="458788"/>
+          </a:xfrm>
+          <a:prstGeom prst="rect">
+            <a:avLst/>
+          </a:prstGeom>
+        </p:spPr>
+        <p:txBody>
+          <a:bodyPr vert="horz" lIns="91440" tIns="45720" rIns="91440" bIns="45720" rtlCol="0"/>
+          <a:lstStyle>
+            <a:lvl1pPr algn="l">
+              <a:defRPr sz="1200"/>
+            </a:lvl1pPr>
+          </a:lstStyle>
+          <a:p>
+            <a:endParaRPr lang="en-US"/>
+          </a:p>
+        </p:txBody>
+      </p:sp>
+      <p:sp>
+        <p:nvSpPr>
+          <p:cNvPr id="3" name="Date Placeholder 2"/>
+          <p:cNvSpPr>
+            <a:spLocks noGrp="1"/>
+          </p:cNvSpPr>
+          <p:nvPr>
+            <p:ph type="dt" idx="1"/>
+          </p:nvPr>
+        </p:nvSpPr>
+        <p:spPr>
+          <a:xfrm>
+            <a:off x="3884613" y="0"/>
+            <a:ext cx="2971800" cy="458788"/>
+          </a:xfrm>
+          <a:prstGeom prst="rect">
+            <a:avLst/>
+          </a:prstGeom>
+        </p:spPr>
+        <p:txBody>
+          <a:bodyPr vert="horz" lIns="91440" tIns="45720" rIns="91440" bIns="45720" rtlCol="0"/>
+          <a:lstStyle>
+            <a:lvl1pPr algn="r">
+              <a:defRPr sz="1200"/>
+            </a:lvl1pPr>
+          </a:lstStyle>
+          <a:p>
+            <a:fld id="{ED90F43D-4044-4A26-9D93-6F286803623C}" type="datetimeFigureOut">
+              <a:rPr lang="en-US" smtClean="0"/>
+              <a:t>12/16/2021</a:t>
+            </a:fld>
+            <a:endParaRPr lang="en-US"/>
+          </a:p>
+        </p:txBody>
+      </p:sp>
+      <p:sp>
+        <p:nvSpPr>
+          <p:cNvPr id="4" name="Slide Image Placeholder 3"/>
+          <p:cNvSpPr>
+            <a:spLocks noGrp="1" noRot="1" noChangeAspect="1"/>
+          </p:cNvSpPr>
+          <p:nvPr>
+            <p:ph type="sldImg" idx="2"/>
+          </p:nvPr>
+        </p:nvSpPr>
+        <p:spPr>
+          <a:xfrm>
+            <a:off x="685800" y="1143000"/>
+            <a:ext cx="5486400" cy="3086100"/>
+          </a:xfrm>
+          <a:prstGeom prst="rect">
+            <a:avLst/>
+          </a:prstGeom>
+          <a:noFill/>
+          <a:ln w="12700">
+            <a:solidFill>
+              <a:prstClr val="black"/>
+            </a:solidFill>
+          </a:ln>
+        </p:spPr>
+        <p:txBody>
+          <a:bodyPr vert="horz" lIns="91440" tIns="45720" rIns="91440" bIns="45720" rtlCol="0" anchor="ctr"/>
+          <a:lstStyle/>
+          <a:p>
+            <a:endParaRPr lang="en-US"/>
+          </a:p>
+        </p:txBody>
+      </p:sp>
+      <p:sp>
+        <p:nvSpPr>
+          <p:cNvPr id="5" name="Notes Placeholder 4"/>
+          <p:cNvSpPr>
+            <a:spLocks noGrp="1"/>
+          </p:cNvSpPr>
+          <p:nvPr>
+            <p:ph type="body" sz="quarter" idx="3"/>
+          </p:nvPr>
+        </p:nvSpPr>
+        <p:spPr>
+          <a:xfrm>
+            <a:off x="685800" y="4400550"/>
+            <a:ext cx="5486400" cy="3600450"/>
+          </a:xfrm>
+          <a:prstGeom prst="rect">
+            <a:avLst/>
+          </a:prstGeom>
+        </p:spPr>
+        <p:txBody>
+          <a:bodyPr vert="horz" lIns="91440" tIns="45720" rIns="91440" bIns="45720" rtlCol="0"/>
+          <a:lstStyle/>
+          <a:p>
+            <a:pPr lvl="0"/>
+            <a:r>
+              <a:rPr lang="en-US"/>
+              <a:t>Click to edit Master text styles</a:t>
+            </a:r>
+          </a:p>
+          <a:p>
+            <a:pPr lvl="1"/>
+            <a:r>
+              <a:rPr lang="en-US"/>
+              <a:t>Second level</a:t>
+            </a:r>
+          </a:p>
+          <a:p>
+            <a:pPr lvl="2"/>
+            <a:r>
+              <a:rPr lang="en-US"/>
+              <a:t>Third level</a:t>
+            </a:r>
+          </a:p>
+          <a:p>
+            <a:pPr lvl="3"/>
+            <a:r>
+              <a:rPr lang="en-US"/>
+              <a:t>Fourth level</a:t>
+            </a:r>
+          </a:p>
+          <a:p>
+            <a:pPr lvl="4"/>
+            <a:r>
+              <a:rPr lang="en-US"/>
+              <a:t>Fifth level</a:t>
+            </a:r>
+          </a:p>
+        </p:txBody>
+      </p:sp>
+      <p:sp>
+        <p:nvSpPr>
+          <p:cNvPr id="6" name="Footer Placeholder 5"/>
+          <p:cNvSpPr>
+            <a:spLocks noGrp="1"/>
+          </p:cNvSpPr>
+          <p:nvPr>
+            <p:ph type="ftr" sz="quarter" idx="4"/>
+          </p:nvPr>
+        </p:nvSpPr>
+        <p:spPr>
+          <a:xfrm>
+            <a:off x="0" y="8685213"/>
+            <a:ext cx="2971800" cy="458787"/>
+          </a:xfrm>
+          <a:prstGeom prst="rect">
+            <a:avLst/>
+          </a:prstGeom>
+        </p:spPr>
+        <p:txBody>
+          <a:bodyPr vert="horz" lIns="91440" tIns="45720" rIns="91440" bIns="45720" rtlCol="0" anchor="b"/>
+          <a:lstStyle>
+            <a:lvl1pPr algn="l">
+              <a:defRPr sz="1200"/>
+            </a:lvl1pPr>
+          </a:lstStyle>
+          <a:p>
+            <a:endParaRPr lang="en-US"/>
+          </a:p>
+        </p:txBody>
+      </p:sp>
+      <p:sp>
+        <p:nvSpPr>
+          <p:cNvPr id="7" name="Slide Number Placeholder 6"/>
+          <p:cNvSpPr>
+            <a:spLocks noGrp="1"/>
+          </p:cNvSpPr>
+          <p:nvPr>
+            <p:ph type="sldNum" sz="quarter" idx="5"/>
+          </p:nvPr>
+        </p:nvSpPr>
+        <p:spPr>
+          <a:xfrm>
+            <a:off x="3884613" y="8685213"/>
+            <a:ext cx="2971800" cy="458787"/>
+          </a:xfrm>
+          <a:prstGeom prst="rect">
+            <a:avLst/>
+          </a:prstGeom>
+        </p:spPr>
+        <p:txBody>
+          <a:bodyPr vert="horz" lIns="91440" tIns="45720" rIns="91440" bIns="45720" rtlCol="0" anchor="b"/>
+          <a:lstStyle>
+            <a:lvl1pPr algn="r">
+              <a:defRPr sz="1200"/>
+            </a:lvl1pPr>
+          </a:lstStyle>
+          <a:p>
+            <a:fld id="{D4227442-D60C-45DE-8F50-C791EE48E3D2}" type="slidenum">
+              <a:rPr lang="en-US" smtClean="0"/>
+              <a:t>‹#›</a:t>
+            </a:fld>
+            <a:endParaRPr lang="en-US"/>
+          </a:p>
+        </p:txBody>
+      </p:sp>
+    </p:spTree>
+    <p:extLst>
+      <p:ext uri="{BB962C8B-B14F-4D97-AF65-F5344CB8AC3E}">
+        <p14:creationId xmlns:p14="http://schemas.microsoft.com/office/powerpoint/2010/main" val="109457238"/>
+      </p:ext>
+    </p:extLst>
+  </p:cSld>
+  <p:clrMap bg1="lt1" tx1="dk1" bg2="lt2" tx2="dk2" accent1="accent1" accent2="accent2" accent3="accent3" accent4="accent4" accent5="accent5" accent6="accent6" hlink="hlink" folHlink="folHlink"/>
+  <p:notesStyle>
+    <a:lvl1pPr marL="0" algn="l" defTabSz="914400" rtl="0" eaLnBrk="1" latinLnBrk="0" hangingPunct="1">
+      <a:defRPr sz="1200" kern="1200">
+        <a:solidFill>
+          <a:schemeClr val="tx1"/>
+        </a:solidFill>
+        <a:latin typeface="+mn-lt"/>
+        <a:ea typeface="+mn-ea"/>
+        <a:cs typeface="+mn-cs"/>
+      </a:defRPr>
+    </a:lvl1pPr>
+    <a:lvl2pPr marL="457200" algn="l" defTabSz="914400" rtl="0" eaLnBrk="1" latinLnBrk="0" hangingPunct="1">
+      <a:defRPr sz="1200" kern="1200">
+        <a:solidFill>
+          <a:schemeClr val="tx1"/>
+        </a:solidFill>
+        <a:latin typeface="+mn-lt"/>
+        <a:ea typeface="+mn-ea"/>
+        <a:cs typeface="+mn-cs"/>
+      </a:defRPr>
+    </a:lvl2pPr>
+    <a:lvl3pPr marL="914400" algn="l" defTabSz="914400" rtl="0" eaLnBrk="1" latinLnBrk="0" hangingPunct="1">
+      <a:defRPr sz="1200" kern="1200">
+        <a:solidFill>
+          <a:schemeClr val="tx1"/>
+        </a:solidFill>
+        <a:latin typeface="+mn-lt"/>
+        <a:ea typeface="+mn-ea"/>
+        <a:cs typeface="+mn-cs"/>
+      </a:defRPr>
+    </a:lvl3pPr>
+    <a:lvl4pPr marL="1371600" algn="l" defTabSz="914400" rtl="0" eaLnBrk="1" latinLnBrk="0" hangingPunct="1">
+      <a:defRPr sz="1200" kern="1200">
+        <a:solidFill>
+          <a:schemeClr val="tx1"/>
+        </a:solidFill>
+        <a:latin typeface="+mn-lt"/>
+        <a:ea typeface="+mn-ea"/>
+        <a:cs typeface="+mn-cs"/>
+      </a:defRPr>
+    </a:lvl4pPr>
+    <a:lvl5pPr marL="1828800" algn="l" defTabSz="914400" rtl="0" eaLnBrk="1" latinLnBrk="0" hangingPunct="1">
+      <a:defRPr sz="1200" kern="1200">
+        <a:solidFill>
+          <a:schemeClr val="tx1"/>
+        </a:solidFill>
+        <a:latin typeface="+mn-lt"/>
+        <a:ea typeface="+mn-ea"/>
+        <a:cs typeface="+mn-cs"/>
+      </a:defRPr>
+    </a:lvl5pPr>
+    <a:lvl6pPr marL="2286000" algn="l" defTabSz="914400" rtl="0" eaLnBrk="1" latinLnBrk="0" hangingPunct="1">
+      <a:defRPr sz="1200" kern="1200">
+        <a:solidFill>
+          <a:schemeClr val="tx1"/>
+        </a:solidFill>
+        <a:latin typeface="+mn-lt"/>
+        <a:ea typeface="+mn-ea"/>
+        <a:cs typeface="+mn-cs"/>
+      </a:defRPr>
+    </a:lvl6pPr>
+    <a:lvl7pPr marL="2743200" algn="l" defTabSz="914400" rtl="0" eaLnBrk="1" latinLnBrk="0" hangingPunct="1">
+      <a:defRPr sz="1200" kern="1200">
+        <a:solidFill>
+          <a:schemeClr val="tx1"/>
+        </a:solidFill>
+        <a:latin typeface="+mn-lt"/>
+        <a:ea typeface="+mn-ea"/>
+        <a:cs typeface="+mn-cs"/>
+      </a:defRPr>
+    </a:lvl7pPr>
+    <a:lvl8pPr marL="3200400" algn="l" defTabSz="914400" rtl="0" eaLnBrk="1" latinLnBrk="0" hangingPunct="1">
+      <a:defRPr sz="1200" kern="1200">
+        <a:solidFill>
+          <a:schemeClr val="tx1"/>
+        </a:solidFill>
+        <a:latin typeface="+mn-lt"/>
+        <a:ea typeface="+mn-ea"/>
+        <a:cs typeface="+mn-cs"/>
+      </a:defRPr>
+    </a:lvl8pPr>
+    <a:lvl9pPr marL="3657600" algn="l" defTabSz="914400" rtl="0" eaLnBrk="1" latinLnBrk="0" hangingPunct="1">
+      <a:defRPr sz="1200" kern="1200">
+        <a:solidFill>
+          <a:schemeClr val="tx1"/>
+        </a:solidFill>
+        <a:latin typeface="+mn-lt"/>
+        <a:ea typeface="+mn-ea"/>
+        <a:cs typeface="+mn-cs"/>
+      </a:defRPr>
+    </a:lvl9pPr>
+  </p:notesStyle>
+</p:notesMaster>
+</file>
+
+<file path=ppt/notesSlides/notesSlide1.xml><?xml version="1.0" encoding="utf-8"?>
+<p:notes xmlns:a="http://schemas.openxmlformats.org/drawingml/2006/main" xmlns:r="http://schemas.openxmlformats.org/officeDocument/2006/relationships" xmlns:p="http://schemas.openxmlformats.org/presentationml/2006/main">
+  <p:cSld>
+    <p:spTree>
+      <p:nvGrpSpPr>
+        <p:cNvPr id="1" name=""/>
+        <p:cNvGrpSpPr/>
+        <p:nvPr/>
+      </p:nvGrpSpPr>
+      <p:grpSpPr>
+        <a:xfrm>
+          <a:off x="0" y="0"/>
+          <a:ext cx="0" cy="0"/>
+          <a:chOff x="0" y="0"/>
+          <a:chExt cx="0" cy="0"/>
+        </a:xfrm>
+      </p:grpSpPr>
+      <p:sp>
+        <p:nvSpPr>
+          <p:cNvPr id="2" name="Slide Image Placeholder 1"/>
+          <p:cNvSpPr>
+            <a:spLocks noGrp="1" noRot="1" noChangeAspect="1"/>
+          </p:cNvSpPr>
+          <p:nvPr>
+            <p:ph type="sldImg"/>
+          </p:nvPr>
+        </p:nvSpPr>
+        <p:spPr/>
+      </p:sp>
+      <p:sp>
+        <p:nvSpPr>
+          <p:cNvPr id="3" name="Notes Placeholder 2"/>
+          <p:cNvSpPr>
+            <a:spLocks noGrp="1"/>
+          </p:cNvSpPr>
+          <p:nvPr>
+            <p:ph type="body" idx="1"/>
+          </p:nvPr>
+        </p:nvSpPr>
+        <p:spPr/>
+        <p:txBody>
+          <a:bodyPr/>
+          <a:lstStyle/>
+          <a:p>
+            <a:pPr lvl="2">
+              <a:lnSpc>
+                <a:spcPct val="120000"/>
+              </a:lnSpc>
+            </a:pPr>
+            <a:r>
+              <a:rPr lang="en-US" sz="1200" dirty="0"/>
+              <a:t>Specific libraries were used to read in entire folders of data and concatenate them into single </a:t>
+            </a:r>
+            <a:r>
+              <a:rPr lang="en-US" sz="1200" dirty="0" err="1"/>
+              <a:t>dataframes</a:t>
+            </a:r>
+            <a:r>
+              <a:rPr lang="en-US" sz="1200" dirty="0"/>
+              <a:t>.  This was needed to put all the files together as </a:t>
+            </a:r>
+            <a:r>
+              <a:rPr lang="en-US" sz="1200" b="1" dirty="0"/>
+              <a:t>Power Automate </a:t>
+            </a:r>
+            <a:r>
+              <a:rPr lang="en-US" sz="1200" dirty="0"/>
+              <a:t>sent them in.</a:t>
+            </a:r>
+          </a:p>
+          <a:p>
+            <a:pPr lvl="2">
+              <a:lnSpc>
+                <a:spcPct val="120000"/>
+              </a:lnSpc>
+            </a:pPr>
+            <a:r>
+              <a:rPr lang="en-US" sz="1200" b="1" dirty="0"/>
+              <a:t>Transaction </a:t>
+            </a:r>
+            <a:r>
+              <a:rPr lang="en-US" sz="1200" b="1" dirty="0" err="1"/>
+              <a:t>DataFrame</a:t>
+            </a:r>
+            <a:r>
+              <a:rPr lang="en-US" sz="1200" b="1" dirty="0"/>
+              <a:t>- </a:t>
+            </a:r>
+            <a:r>
+              <a:rPr lang="en-US" sz="1200" dirty="0"/>
+              <a:t>the data was cleaned to a specific point so that it only sent </a:t>
+            </a:r>
+            <a:r>
+              <a:rPr lang="en-US" sz="1200" dirty="0" err="1"/>
+              <a:t>PowerBI</a:t>
+            </a:r>
+            <a:r>
+              <a:rPr lang="en-US" sz="1200" dirty="0"/>
+              <a:t> the necessary information for that specific Dining Hall.  There were many null values that had to be dropped and all the datetime formatting was done before </a:t>
+            </a:r>
+            <a:r>
+              <a:rPr lang="en-US" sz="1200" dirty="0" err="1"/>
+              <a:t>PowerBI</a:t>
+            </a:r>
+            <a:r>
+              <a:rPr lang="en-US" sz="1200" dirty="0"/>
+              <a:t>.</a:t>
+            </a:r>
+          </a:p>
+          <a:p>
+            <a:pPr lvl="2">
+              <a:lnSpc>
+                <a:spcPct val="120000"/>
+              </a:lnSpc>
+            </a:pPr>
+            <a:r>
+              <a:rPr lang="en-US" sz="1200" b="1" dirty="0"/>
+              <a:t>Menu </a:t>
+            </a:r>
+            <a:r>
+              <a:rPr lang="en-US" sz="1200" b="1" dirty="0" err="1"/>
+              <a:t>DataFrame</a:t>
+            </a:r>
+            <a:r>
+              <a:rPr lang="en-US" sz="1200" b="1" dirty="0"/>
+              <a:t>- </a:t>
+            </a:r>
+            <a:r>
+              <a:rPr lang="en-US" sz="1200" dirty="0"/>
+              <a:t>there was a lot of erroneous information that needed to be sorted through.  There were columns that would lead you to believe that at some point they were calculated fields, but they were not.  I had to go back to the source system and decipher what was correct and recreate those calculated fields. </a:t>
+            </a:r>
+          </a:p>
+          <a:p>
+            <a:pPr lvl="2">
+              <a:lnSpc>
+                <a:spcPct val="120000"/>
+              </a:lnSpc>
+            </a:pPr>
+            <a:r>
+              <a:rPr lang="en-US" sz="1200" b="1" dirty="0" err="1"/>
+              <a:t>PowerBI</a:t>
+            </a:r>
+            <a:r>
+              <a:rPr lang="en-US" sz="1200" b="1" dirty="0"/>
+              <a:t>-</a:t>
+            </a:r>
+            <a:r>
+              <a:rPr lang="en-US" sz="1200" dirty="0"/>
+              <a:t> for measures that depended on relationships between the </a:t>
+            </a:r>
+            <a:r>
+              <a:rPr lang="en-US" sz="1200" dirty="0" err="1"/>
+              <a:t>dataframes</a:t>
+            </a:r>
+            <a:r>
+              <a:rPr lang="en-US" sz="1200" dirty="0"/>
+              <a:t> I made created a ‘measures’ table to drive the cards on the actual dashboard as well as a table that calculated the difference between forecasted and actual Meal Plan counts</a:t>
+            </a:r>
+          </a:p>
+          <a:p>
+            <a:endParaRPr lang="en-US" dirty="0"/>
+          </a:p>
+        </p:txBody>
+      </p:sp>
+      <p:sp>
+        <p:nvSpPr>
+          <p:cNvPr id="4" name="Slide Number Placeholder 3"/>
+          <p:cNvSpPr>
+            <a:spLocks noGrp="1"/>
+          </p:cNvSpPr>
+          <p:nvPr>
+            <p:ph type="sldNum" sz="quarter" idx="5"/>
+          </p:nvPr>
+        </p:nvSpPr>
+        <p:spPr/>
+        <p:txBody>
+          <a:bodyPr/>
+          <a:lstStyle/>
+          <a:p>
+            <a:fld id="{D4227442-D60C-45DE-8F50-C791EE48E3D2}" type="slidenum">
+              <a:rPr lang="en-US" smtClean="0"/>
+              <a:t>7</a:t>
+            </a:fld>
+            <a:endParaRPr lang="en-US"/>
+          </a:p>
+        </p:txBody>
+      </p:sp>
+    </p:spTree>
+    <p:extLst>
+      <p:ext uri="{BB962C8B-B14F-4D97-AF65-F5344CB8AC3E}">
+        <p14:creationId xmlns:p14="http://schemas.microsoft.com/office/powerpoint/2010/main" val="240760216"/>
+      </p:ext>
+    </p:extLst>
+  </p:cSld>
+  <p:clrMapOvr>
+    <a:masterClrMapping/>
+  </p:clrMapOvr>
+</p:notes>
+</file>
+
 <file path=ppt/slideLayouts/slideLayout1.xml><?xml version="1.0" encoding="utf-8"?>
 <p:sldLayout xmlns:a="http://schemas.openxmlformats.org/drawingml/2006/main" xmlns:r="http://schemas.openxmlformats.org/officeDocument/2006/relationships" xmlns:p="http://schemas.openxmlformats.org/presentationml/2006/main" showMasterSp="0" type="title" preserve="1">
   <p:cSld name="Title Slide">
@@ -12054,7 +12638,7 @@
             <p:ph idx="1"/>
             <p:extLst>
               <p:ext uri="{D42A27DB-BD31-4B8C-83A1-F6EECF244321}">
-                <p14:modId xmlns:p14="http://schemas.microsoft.com/office/powerpoint/2010/main" val="3631691614"/>
+                <p14:modId xmlns:p14="http://schemas.microsoft.com/office/powerpoint/2010/main" val="1561908906"/>
               </p:ext>
             </p:extLst>
           </p:nvPr>
@@ -12065,7 +12649,7 @@
         </p:xfrm>
         <a:graphic>
           <a:graphicData uri="http://schemas.openxmlformats.org/drawingml/2006/diagram">
-            <dgm:relIds xmlns:dgm="http://schemas.openxmlformats.org/drawingml/2006/diagram" xmlns:r="http://schemas.openxmlformats.org/officeDocument/2006/relationships" r:dm="rId2" r:lo="rId3" r:qs="rId4" r:cs="rId5"/>
+            <dgm:relIds xmlns:dgm="http://schemas.openxmlformats.org/drawingml/2006/diagram" xmlns:r="http://schemas.openxmlformats.org/officeDocument/2006/relationships" r:dm="rId3" r:lo="rId4" r:qs="rId5" r:cs="rId6"/>
           </a:graphicData>
         </a:graphic>
       </p:graphicFrame>
@@ -12083,7 +12667,7 @@
 </file>
 
 <file path=ppt/slides/slide8.xml><?xml version="1.0" encoding="utf-8"?>
-<p:sld xmlns:a="http://schemas.openxmlformats.org/drawingml/2006/main" xmlns:r="http://schemas.openxmlformats.org/officeDocument/2006/relationships" xmlns:p="http://schemas.openxmlformats.org/presentationml/2006/main">
+<p:sld xmlns:a="http://schemas.openxmlformats.org/drawingml/2006/main" xmlns:r="http://schemas.openxmlformats.org/officeDocument/2006/relationships" xmlns:p="http://schemas.openxmlformats.org/presentationml/2006/main" show="0">
   <p:cSld>
     <p:bg>
       <p:bgPr>
@@ -12937,4 +13521,299 @@
     </a:ext>
   </a:extLst>
 </a:theme>
+</file>
+
+<file path=ppt/theme/theme2.xml><?xml version="1.0" encoding="utf-8"?>
+<a:theme xmlns:a="http://schemas.openxmlformats.org/drawingml/2006/main" name="Office Theme">
+  <a:themeElements>
+    <a:clrScheme name="Office">
+      <a:dk1>
+        <a:sysClr val="windowText" lastClr="000000"/>
+      </a:dk1>
+      <a:lt1>
+        <a:sysClr val="window" lastClr="FFFFFF"/>
+      </a:lt1>
+      <a:dk2>
+        <a:srgbClr val="44546A"/>
+      </a:dk2>
+      <a:lt2>
+        <a:srgbClr val="E7E6E6"/>
+      </a:lt2>
+      <a:accent1>
+        <a:srgbClr val="4472C4"/>
+      </a:accent1>
+      <a:accent2>
+        <a:srgbClr val="ED7D31"/>
+      </a:accent2>
+      <a:accent3>
+        <a:srgbClr val="A5A5A5"/>
+      </a:accent3>
+      <a:accent4>
+        <a:srgbClr val="FFC000"/>
+      </a:accent4>
+      <a:accent5>
+        <a:srgbClr val="5B9BD5"/>
+      </a:accent5>
+      <a:accent6>
+        <a:srgbClr val="70AD47"/>
+      </a:accent6>
+      <a:hlink>
+        <a:srgbClr val="0563C1"/>
+      </a:hlink>
+      <a:folHlink>
+        <a:srgbClr val="954F72"/>
+      </a:folHlink>
+    </a:clrScheme>
+    <a:fontScheme name="Office">
+      <a:majorFont>
+        <a:latin typeface="Calibri Light" panose="020F0302020204030204"/>
+        <a:ea typeface=""/>
+        <a:cs typeface=""/>
+        <a:font script="Jpan" typeface="游ゴシック Light"/>
+        <a:font script="Hang" typeface="맑은 고딕"/>
+        <a:font script="Hans" typeface="等线 Light"/>
+        <a:font script="Hant" typeface="新細明體"/>
+        <a:font script="Arab" typeface="Times New Roman"/>
+        <a:font script="Hebr" typeface="Times New Roman"/>
+        <a:font script="Thai" typeface="Angsana New"/>
+        <a:font script="Ethi" typeface="Nyala"/>
+        <a:font script="Beng" typeface="Vrinda"/>
+        <a:font script="Gujr" typeface="Shruti"/>
+        <a:font script="Khmr" typeface="MoolBoran"/>
+        <a:font script="Knda" typeface="Tunga"/>
+        <a:font script="Guru" typeface="Raavi"/>
+        <a:font script="Cans" typeface="Euphemia"/>
+        <a:font script="Cher" typeface="Plantagenet Cherokee"/>
+        <a:font script="Yiii" typeface="Microsoft Yi Baiti"/>
+        <a:font script="Tibt" typeface="Microsoft Himalaya"/>
+        <a:font script="Thaa" typeface="MV Boli"/>
+        <a:font script="Deva" typeface="Mangal"/>
+        <a:font script="Telu" typeface="Gautami"/>
+        <a:font script="Taml" typeface="Latha"/>
+        <a:font script="Syrc" typeface="Estrangelo Edessa"/>
+        <a:font script="Orya" typeface="Kalinga"/>
+        <a:font script="Mlym" typeface="Kartika"/>
+        <a:font script="Laoo" typeface="DokChampa"/>
+        <a:font script="Sinh" typeface="Iskoola Pota"/>
+        <a:font script="Mong" typeface="Mongolian Baiti"/>
+        <a:font script="Viet" typeface="Times New Roman"/>
+        <a:font script="Uigh" typeface="Microsoft Uighur"/>
+        <a:font script="Geor" typeface="Sylfaen"/>
+        <a:font script="Armn" typeface="Arial"/>
+        <a:font script="Bugi" typeface="Leelawadee UI"/>
+        <a:font script="Bopo" typeface="Microsoft JhengHei"/>
+        <a:font script="Java" typeface="Javanese Text"/>
+        <a:font script="Lisu" typeface="Segoe UI"/>
+        <a:font script="Mymr" typeface="Myanmar Text"/>
+        <a:font script="Nkoo" typeface="Ebrima"/>
+        <a:font script="Olck" typeface="Nirmala UI"/>
+        <a:font script="Osma" typeface="Ebrima"/>
+        <a:font script="Phag" typeface="Phagspa"/>
+        <a:font script="Syrn" typeface="Estrangelo Edessa"/>
+        <a:font script="Syrj" typeface="Estrangelo Edessa"/>
+        <a:font script="Syre" typeface="Estrangelo Edessa"/>
+        <a:font script="Sora" typeface="Nirmala UI"/>
+        <a:font script="Tale" typeface="Microsoft Tai Le"/>
+        <a:font script="Talu" typeface="Microsoft New Tai Lue"/>
+        <a:font script="Tfng" typeface="Ebrima"/>
+      </a:majorFont>
+      <a:minorFont>
+        <a:latin typeface="Calibri" panose="020F0502020204030204"/>
+        <a:ea typeface=""/>
+        <a:cs typeface=""/>
+        <a:font script="Jpan" typeface="游ゴシック"/>
+        <a:font script="Hang" typeface="맑은 고딕"/>
+        <a:font script="Hans" typeface="等线"/>
+        <a:font script="Hant" typeface="新細明體"/>
+        <a:font script="Arab" typeface="Arial"/>
+        <a:font script="Hebr" typeface="Arial"/>
+        <a:font script="Thai" typeface="Cordia New"/>
+        <a:font script="Ethi" typeface="Nyala"/>
+        <a:font script="Beng" typeface="Vrinda"/>
+        <a:font script="Gujr" typeface="Shruti"/>
+        <a:font script="Khmr" typeface="DaunPenh"/>
+        <a:font script="Knda" typeface="Tunga"/>
+        <a:font script="Guru" typeface="Raavi"/>
+        <a:font script="Cans" typeface="Euphemia"/>
+        <a:font script="Cher" typeface="Plantagenet Cherokee"/>
+        <a:font script="Yiii" typeface="Microsoft Yi Baiti"/>
+        <a:font script="Tibt" typeface="Microsoft Himalaya"/>
+        <a:font script="Thaa" typeface="MV Boli"/>
+        <a:font script="Deva" typeface="Mangal"/>
+        <a:font script="Telu" typeface="Gautami"/>
+        <a:font script="Taml" typeface="Latha"/>
+        <a:font script="Syrc" typeface="Estrangelo Edessa"/>
+        <a:font script="Orya" typeface="Kalinga"/>
+        <a:font script="Mlym" typeface="Kartika"/>
+        <a:font script="Laoo" typeface="DokChampa"/>
+        <a:font script="Sinh" typeface="Iskoola Pota"/>
+        <a:font script="Mong" typeface="Mongolian Baiti"/>
+        <a:font script="Viet" typeface="Arial"/>
+        <a:font script="Uigh" typeface="Microsoft Uighur"/>
+        <a:font script="Geor" typeface="Sylfaen"/>
+        <a:font script="Armn" typeface="Arial"/>
+        <a:font script="Bugi" typeface="Leelawadee UI"/>
+        <a:font script="Bopo" typeface="Microsoft JhengHei"/>
+        <a:font script="Java" typeface="Javanese Text"/>
+        <a:font script="Lisu" typeface="Segoe UI"/>
+        <a:font script="Mymr" typeface="Myanmar Text"/>
+        <a:font script="Nkoo" typeface="Ebrima"/>
+        <a:font script="Olck" typeface="Nirmala UI"/>
+        <a:font script="Osma" typeface="Ebrima"/>
+        <a:font script="Phag" typeface="Phagspa"/>
+        <a:font script="Syrn" typeface="Estrangelo Edessa"/>
+        <a:font script="Syrj" typeface="Estrangelo Edessa"/>
+        <a:font script="Syre" typeface="Estrangelo Edessa"/>
+        <a:font script="Sora" typeface="Nirmala UI"/>
+        <a:font script="Tale" typeface="Microsoft Tai Le"/>
+        <a:font script="Talu" typeface="Microsoft New Tai Lue"/>
+        <a:font script="Tfng" typeface="Ebrima"/>
+      </a:minorFont>
+    </a:fontScheme>
+    <a:fmtScheme name="Office">
+      <a:fillStyleLst>
+        <a:solidFill>
+          <a:schemeClr val="phClr"/>
+        </a:solidFill>
+        <a:gradFill rotWithShape="1">
+          <a:gsLst>
+            <a:gs pos="0">
+              <a:schemeClr val="phClr">
+                <a:lumMod val="110000"/>
+                <a:satMod val="105000"/>
+                <a:tint val="67000"/>
+              </a:schemeClr>
+            </a:gs>
+            <a:gs pos="50000">
+              <a:schemeClr val="phClr">
+                <a:lumMod val="105000"/>
+                <a:satMod val="103000"/>
+                <a:tint val="73000"/>
+              </a:schemeClr>
+            </a:gs>
+            <a:gs pos="100000">
+              <a:schemeClr val="phClr">
+                <a:lumMod val="105000"/>
+                <a:satMod val="109000"/>
+                <a:tint val="81000"/>
+              </a:schemeClr>
+            </a:gs>
+          </a:gsLst>
+          <a:lin ang="5400000" scaled="0"/>
+        </a:gradFill>
+        <a:gradFill rotWithShape="1">
+          <a:gsLst>
+            <a:gs pos="0">
+              <a:schemeClr val="phClr">
+                <a:satMod val="103000"/>
+                <a:lumMod val="102000"/>
+                <a:tint val="94000"/>
+              </a:schemeClr>
+            </a:gs>
+            <a:gs pos="50000">
+              <a:schemeClr val="phClr">
+                <a:satMod val="110000"/>
+                <a:lumMod val="100000"/>
+                <a:shade val="100000"/>
+              </a:schemeClr>
+            </a:gs>
+            <a:gs pos="100000">
+              <a:schemeClr val="phClr">
+                <a:lumMod val="99000"/>
+                <a:satMod val="120000"/>
+                <a:shade val="78000"/>
+              </a:schemeClr>
+            </a:gs>
+          </a:gsLst>
+          <a:lin ang="5400000" scaled="0"/>
+        </a:gradFill>
+      </a:fillStyleLst>
+      <a:lnStyleLst>
+        <a:ln w="6350" cap="flat" cmpd="sng" algn="ctr">
+          <a:solidFill>
+            <a:schemeClr val="phClr"/>
+          </a:solidFill>
+          <a:prstDash val="solid"/>
+          <a:miter lim="800000"/>
+        </a:ln>
+        <a:ln w="12700" cap="flat" cmpd="sng" algn="ctr">
+          <a:solidFill>
+            <a:schemeClr val="phClr"/>
+          </a:solidFill>
+          <a:prstDash val="solid"/>
+          <a:miter lim="800000"/>
+        </a:ln>
+        <a:ln w="19050" cap="flat" cmpd="sng" algn="ctr">
+          <a:solidFill>
+            <a:schemeClr val="phClr"/>
+          </a:solidFill>
+          <a:prstDash val="solid"/>
+          <a:miter lim="800000"/>
+        </a:ln>
+      </a:lnStyleLst>
+      <a:effectStyleLst>
+        <a:effectStyle>
+          <a:effectLst/>
+        </a:effectStyle>
+        <a:effectStyle>
+          <a:effectLst/>
+        </a:effectStyle>
+        <a:effectStyle>
+          <a:effectLst>
+            <a:outerShdw blurRad="57150" dist="19050" dir="5400000" algn="ctr" rotWithShape="0">
+              <a:srgbClr val="000000">
+                <a:alpha val="63000"/>
+              </a:srgbClr>
+            </a:outerShdw>
+          </a:effectLst>
+        </a:effectStyle>
+      </a:effectStyleLst>
+      <a:bgFillStyleLst>
+        <a:solidFill>
+          <a:schemeClr val="phClr"/>
+        </a:solidFill>
+        <a:solidFill>
+          <a:schemeClr val="phClr">
+            <a:tint val="95000"/>
+            <a:satMod val="170000"/>
+          </a:schemeClr>
+        </a:solidFill>
+        <a:gradFill rotWithShape="1">
+          <a:gsLst>
+            <a:gs pos="0">
+              <a:schemeClr val="phClr">
+                <a:tint val="93000"/>
+                <a:satMod val="150000"/>
+                <a:shade val="98000"/>
+                <a:lumMod val="102000"/>
+              </a:schemeClr>
+            </a:gs>
+            <a:gs pos="50000">
+              <a:schemeClr val="phClr">
+                <a:tint val="98000"/>
+                <a:satMod val="130000"/>
+                <a:shade val="90000"/>
+                <a:lumMod val="103000"/>
+              </a:schemeClr>
+            </a:gs>
+            <a:gs pos="100000">
+              <a:schemeClr val="phClr">
+                <a:shade val="63000"/>
+                <a:satMod val="120000"/>
+              </a:schemeClr>
+            </a:gs>
+          </a:gsLst>
+          <a:lin ang="5400000" scaled="0"/>
+        </a:gradFill>
+      </a:bgFillStyleLst>
+    </a:fmtScheme>
+  </a:themeElements>
+  <a:objectDefaults/>
+  <a:extraClrSchemeLst/>
+  <a:extLst>
+    <a:ext uri="{05A4C25C-085E-4340-85A3-A5531E510DB2}">
+      <thm15:themeFamily xmlns:thm15="http://schemas.microsoft.com/office/thememl/2012/main" name="Office Theme" id="{62F939B6-93AF-4DB8-9C6B-D6C7DFDC589F}" vid="{4A3C46E8-61CC-4603-A589-7422A47A8E4A}"/>
+    </a:ext>
+  </a:extLst>
+</a:theme>
 </file>
--- a/Capstone_Menu_Dashboard.pptx
+++ b/Capstone_Menu_Dashboard.pptx
@@ -11,9 +11,9 @@
     <p:sldId id="256" r:id="rId2"/>
     <p:sldId id="257" r:id="rId3"/>
     <p:sldId id="260" r:id="rId4"/>
-    <p:sldId id="258" r:id="rId5"/>
+    <p:sldId id="262" r:id="rId5"/>
     <p:sldId id="267" r:id="rId6"/>
-    <p:sldId id="262" r:id="rId7"/>
+    <p:sldId id="258" r:id="rId7"/>
     <p:sldId id="261" r:id="rId8"/>
     <p:sldId id="263" r:id="rId9"/>
     <p:sldId id="264" r:id="rId10"/>
@@ -3188,7 +3188,7 @@
           <a:p>
             <a:fld id="{ED90F43D-4044-4A26-9D93-6F286803623C}" type="datetimeFigureOut">
               <a:rPr lang="en-US" smtClean="0"/>
-              <a:t>12/16/2021</a:t>
+              <a:t>12/23/2021</a:t>
             </a:fld>
             <a:endParaRPr lang="en-US"/>
           </a:p>
@@ -3499,119 +3499,92 @@
           <a:bodyPr/>
           <a:lstStyle/>
           <a:p>
-            <a:pPr lvl="2">
+            <a:pPr marL="0" marR="0" lvl="0" indent="0" algn="l" defTabSz="914400" rtl="0" eaLnBrk="1" fontAlgn="auto" latinLnBrk="0" hangingPunct="1">
               <a:lnSpc>
-                <a:spcPct val="120000"/>
+                <a:spcPct val="100000"/>
               </a:lnSpc>
+              <a:spcBef>
+                <a:spcPts val="0"/>
+              </a:spcBef>
+              <a:spcAft>
+                <a:spcPts val="0"/>
+              </a:spcAft>
+              <a:buClrTx/>
+              <a:buSzTx/>
+              <a:buFontTx/>
+              <a:buNone/>
+              <a:tabLst/>
+              <a:defRPr/>
             </a:pPr>
             <a:r>
               <a:rPr lang="en-US" sz="1200" dirty="0"/>
-              <a:t>Specific libraries were used to read in entire folders of data and concatenate them into single </a:t>
-            </a:r>
-            <a:r>
-              <a:rPr lang="en-US" sz="1200" dirty="0" err="1"/>
-              <a:t>dataframes</a:t>
-            </a:r>
+              <a:t>“To provide actionable data as quickly as possible to the people that can make the biggest impact- wordsmith</a:t>
+            </a:r>
+          </a:p>
+          <a:p>
+            <a:pPr marL="0" marR="0" lvl="0" indent="0" algn="l" defTabSz="914400" rtl="0" eaLnBrk="1" fontAlgn="auto" latinLnBrk="0" hangingPunct="1">
+              <a:lnSpc>
+                <a:spcPct val="100000"/>
+              </a:lnSpc>
+              <a:spcBef>
+                <a:spcPts val="0"/>
+              </a:spcBef>
+              <a:spcAft>
+                <a:spcPts val="0"/>
+              </a:spcAft>
+              <a:buClrTx/>
+              <a:buSzTx/>
+              <a:buFontTx/>
+              <a:buNone/>
+              <a:tabLst/>
+              <a:defRPr/>
+            </a:pPr>
+            <a:endParaRPr lang="en-US" sz="1200" dirty="0"/>
+          </a:p>
+          <a:p>
+            <a:pPr marL="0" marR="0" lvl="0" indent="0" algn="l" defTabSz="914400" rtl="0" eaLnBrk="1" fontAlgn="auto" latinLnBrk="0" hangingPunct="1">
+              <a:lnSpc>
+                <a:spcPct val="100000"/>
+              </a:lnSpc>
+              <a:spcBef>
+                <a:spcPts val="0"/>
+              </a:spcBef>
+              <a:spcAft>
+                <a:spcPts val="0"/>
+              </a:spcAft>
+              <a:buClrTx/>
+              <a:buSzTx/>
+              <a:buFontTx/>
+              <a:buNone/>
+              <a:tabLst/>
+              <a:defRPr/>
+            </a:pPr>
             <a:r>
               <a:rPr lang="en-US" sz="1200" dirty="0"/>
-              <a:t>.  This was needed to put all the files together as </a:t>
-            </a:r>
-            <a:r>
-              <a:rPr lang="en-US" sz="1200" b="1" dirty="0"/>
-              <a:t>Power Automate </a:t>
-            </a:r>
+              <a:t>We have core LOB software that does not allow for automation, and this project identifies an opportunity to shorten the FB loop for enhanced operational effectiveness.  </a:t>
+            </a:r>
+          </a:p>
+          <a:p>
+            <a:pPr marL="0" marR="0" lvl="0" indent="0" algn="l" defTabSz="914400" rtl="0" eaLnBrk="1" fontAlgn="auto" latinLnBrk="0" hangingPunct="1">
+              <a:lnSpc>
+                <a:spcPct val="100000"/>
+              </a:lnSpc>
+              <a:spcBef>
+                <a:spcPts val="0"/>
+              </a:spcBef>
+              <a:spcAft>
+                <a:spcPts val="0"/>
+              </a:spcAft>
+              <a:buClrTx/>
+              <a:buSzTx/>
+              <a:buFontTx/>
+              <a:buNone/>
+              <a:tabLst/>
+              <a:defRPr/>
+            </a:pPr>
             <a:r>
               <a:rPr lang="en-US" sz="1200" dirty="0"/>
-              <a:t>sent them in.</a:t>
-            </a:r>
-          </a:p>
-          <a:p>
-            <a:pPr lvl="2">
-              <a:lnSpc>
-                <a:spcPct val="120000"/>
-              </a:lnSpc>
-            </a:pPr>
-            <a:r>
-              <a:rPr lang="en-US" sz="1200" b="1" dirty="0"/>
-              <a:t>Transaction </a:t>
-            </a:r>
-            <a:r>
-              <a:rPr lang="en-US" sz="1200" b="1" dirty="0" err="1"/>
-              <a:t>DataFrame</a:t>
-            </a:r>
-            <a:r>
-              <a:rPr lang="en-US" sz="1200" b="1" dirty="0"/>
-              <a:t>- </a:t>
-            </a:r>
-            <a:r>
-              <a:rPr lang="en-US" sz="1200" dirty="0"/>
-              <a:t>the data was cleaned to a specific point so that it only sent </a:t>
-            </a:r>
-            <a:r>
-              <a:rPr lang="en-US" sz="1200" dirty="0" err="1"/>
-              <a:t>PowerBI</a:t>
-            </a:r>
-            <a:r>
-              <a:rPr lang="en-US" sz="1200" dirty="0"/>
-              <a:t> the necessary information for that specific Dining Hall.  There were many null values that had to be dropped and all the datetime formatting was done before </a:t>
-            </a:r>
-            <a:r>
-              <a:rPr lang="en-US" sz="1200" dirty="0" err="1"/>
-              <a:t>PowerBI</a:t>
-            </a:r>
-            <a:r>
-              <a:rPr lang="en-US" sz="1200" dirty="0"/>
-              <a:t>.</a:t>
-            </a:r>
-          </a:p>
-          <a:p>
-            <a:pPr lvl="2">
-              <a:lnSpc>
-                <a:spcPct val="120000"/>
-              </a:lnSpc>
-            </a:pPr>
-            <a:r>
-              <a:rPr lang="en-US" sz="1200" b="1" dirty="0"/>
-              <a:t>Menu </a:t>
-            </a:r>
-            <a:r>
-              <a:rPr lang="en-US" sz="1200" b="1" dirty="0" err="1"/>
-              <a:t>DataFrame</a:t>
-            </a:r>
-            <a:r>
-              <a:rPr lang="en-US" sz="1200" b="1" dirty="0"/>
-              <a:t>- </a:t>
-            </a:r>
-            <a:r>
-              <a:rPr lang="en-US" sz="1200" dirty="0"/>
-              <a:t>there was a lot of erroneous information that needed to be sorted through.  There were columns that would lead you to believe that at some point they were calculated fields, but they were not.  I had to go back to the source system and decipher what was correct and recreate those calculated fields. </a:t>
-            </a:r>
-          </a:p>
-          <a:p>
-            <a:pPr lvl="2">
-              <a:lnSpc>
-                <a:spcPct val="120000"/>
-              </a:lnSpc>
-            </a:pPr>
-            <a:r>
-              <a:rPr lang="en-US" sz="1200" b="1" dirty="0" err="1"/>
-              <a:t>PowerBI</a:t>
-            </a:r>
-            <a:r>
-              <a:rPr lang="en-US" sz="1200" b="1" dirty="0"/>
-              <a:t>-</a:t>
-            </a:r>
-            <a:r>
-              <a:rPr lang="en-US" sz="1200" dirty="0"/>
-              <a:t> for measures that depended on relationships between the </a:t>
-            </a:r>
-            <a:r>
-              <a:rPr lang="en-US" sz="1200" dirty="0" err="1"/>
-              <a:t>dataframes</a:t>
-            </a:r>
-            <a:r>
-              <a:rPr lang="en-US" sz="1200" dirty="0"/>
-              <a:t> I made created a ‘measures’ table to drive the cards on the actual dashboard as well as a table that calculated the difference between forecasted and actual Meal Plan counts</a:t>
+              <a:t>Shift managers that look at this information are the ones that have the ability to make the biggest difference. </a:t>
             </a:r>
           </a:p>
           <a:p>
@@ -3636,6 +3609,328 @@
           <a:p>
             <a:fld id="{D4227442-D60C-45DE-8F50-C791EE48E3D2}" type="slidenum">
               <a:rPr lang="en-US" smtClean="0"/>
+              <a:t>3</a:t>
+            </a:fld>
+            <a:endParaRPr lang="en-US"/>
+          </a:p>
+        </p:txBody>
+      </p:sp>
+    </p:spTree>
+    <p:extLst>
+      <p:ext uri="{BB962C8B-B14F-4D97-AF65-F5344CB8AC3E}">
+        <p14:creationId xmlns:p14="http://schemas.microsoft.com/office/powerpoint/2010/main" val="3040747407"/>
+      </p:ext>
+    </p:extLst>
+  </p:cSld>
+  <p:clrMapOvr>
+    <a:masterClrMapping/>
+  </p:clrMapOvr>
+</p:notes>
+</file>
+
+<file path=ppt/notesSlides/notesSlide2.xml><?xml version="1.0" encoding="utf-8"?>
+<p:notes xmlns:a="http://schemas.openxmlformats.org/drawingml/2006/main" xmlns:r="http://schemas.openxmlformats.org/officeDocument/2006/relationships" xmlns:p="http://schemas.openxmlformats.org/presentationml/2006/main">
+  <p:cSld>
+    <p:spTree>
+      <p:nvGrpSpPr>
+        <p:cNvPr id="1" name=""/>
+        <p:cNvGrpSpPr/>
+        <p:nvPr/>
+      </p:nvGrpSpPr>
+      <p:grpSpPr>
+        <a:xfrm>
+          <a:off x="0" y="0"/>
+          <a:ext cx="0" cy="0"/>
+          <a:chOff x="0" y="0"/>
+          <a:chExt cx="0" cy="0"/>
+        </a:xfrm>
+      </p:grpSpPr>
+      <p:sp>
+        <p:nvSpPr>
+          <p:cNvPr id="2" name="Slide Image Placeholder 1"/>
+          <p:cNvSpPr>
+            <a:spLocks noGrp="1" noRot="1" noChangeAspect="1"/>
+          </p:cNvSpPr>
+          <p:nvPr>
+            <p:ph type="sldImg"/>
+          </p:nvPr>
+        </p:nvSpPr>
+        <p:spPr/>
+      </p:sp>
+      <p:sp>
+        <p:nvSpPr>
+          <p:cNvPr id="3" name="Notes Placeholder 2"/>
+          <p:cNvSpPr>
+            <a:spLocks noGrp="1"/>
+          </p:cNvSpPr>
+          <p:nvPr>
+            <p:ph type="body" idx="1"/>
+          </p:nvPr>
+        </p:nvSpPr>
+        <p:spPr/>
+        <p:txBody>
+          <a:bodyPr/>
+          <a:lstStyle/>
+          <a:p>
+            <a:r>
+              <a:rPr lang="en-US" dirty="0"/>
+              <a:t>Pain Points- the foodservice business moves so fast, and in large scale dining operations the business is so nuanced, that there is often a lack of follow up with available information.  The real goal of this dashboard is to be a frequently visited page by the operators where they can adjust their production.  In my time at Vanderbilt I was on the team that led the implementation of this Menu Management software and the lack of meaningful feedback it was able to give to our operators was always in the back of my mind.  In NSS I often thought about how I could use all of the things I was learning to better the processes we already had and saw this as low hanging fruit that could serve an immediate impact, especially as those operators navigate unknown forecasting, and unknown menu items as a result of the pandemic/product shortages etc.</a:t>
+            </a:r>
+          </a:p>
+        </p:txBody>
+      </p:sp>
+      <p:sp>
+        <p:nvSpPr>
+          <p:cNvPr id="4" name="Slide Number Placeholder 3"/>
+          <p:cNvSpPr>
+            <a:spLocks noGrp="1"/>
+          </p:cNvSpPr>
+          <p:nvPr>
+            <p:ph type="sldNum" sz="quarter" idx="5"/>
+          </p:nvPr>
+        </p:nvSpPr>
+        <p:spPr/>
+        <p:txBody>
+          <a:bodyPr/>
+          <a:lstStyle/>
+          <a:p>
+            <a:fld id="{D4227442-D60C-45DE-8F50-C791EE48E3D2}" type="slidenum">
+              <a:rPr lang="en-US" smtClean="0"/>
+              <a:t>5</a:t>
+            </a:fld>
+            <a:endParaRPr lang="en-US"/>
+          </a:p>
+        </p:txBody>
+      </p:sp>
+    </p:spTree>
+    <p:extLst>
+      <p:ext uri="{BB962C8B-B14F-4D97-AF65-F5344CB8AC3E}">
+        <p14:creationId xmlns:p14="http://schemas.microsoft.com/office/powerpoint/2010/main" val="4106153503"/>
+      </p:ext>
+    </p:extLst>
+  </p:cSld>
+  <p:clrMapOvr>
+    <a:masterClrMapping/>
+  </p:clrMapOvr>
+</p:notes>
+</file>
+
+<file path=ppt/notesSlides/notesSlide3.xml><?xml version="1.0" encoding="utf-8"?>
+<p:notes xmlns:a="http://schemas.openxmlformats.org/drawingml/2006/main" xmlns:r="http://schemas.openxmlformats.org/officeDocument/2006/relationships" xmlns:p="http://schemas.openxmlformats.org/presentationml/2006/main">
+  <p:cSld>
+    <p:spTree>
+      <p:nvGrpSpPr>
+        <p:cNvPr id="1" name=""/>
+        <p:cNvGrpSpPr/>
+        <p:nvPr/>
+      </p:nvGrpSpPr>
+      <p:grpSpPr>
+        <a:xfrm>
+          <a:off x="0" y="0"/>
+          <a:ext cx="0" cy="0"/>
+          <a:chOff x="0" y="0"/>
+          <a:chExt cx="0" cy="0"/>
+        </a:xfrm>
+      </p:grpSpPr>
+      <p:sp>
+        <p:nvSpPr>
+          <p:cNvPr id="2" name="Slide Image Placeholder 1"/>
+          <p:cNvSpPr>
+            <a:spLocks noGrp="1" noRot="1" noChangeAspect="1"/>
+          </p:cNvSpPr>
+          <p:nvPr>
+            <p:ph type="sldImg"/>
+          </p:nvPr>
+        </p:nvSpPr>
+        <p:spPr/>
+      </p:sp>
+      <p:sp>
+        <p:nvSpPr>
+          <p:cNvPr id="3" name="Notes Placeholder 2"/>
+          <p:cNvSpPr>
+            <a:spLocks noGrp="1"/>
+          </p:cNvSpPr>
+          <p:nvPr>
+            <p:ph type="body" idx="1"/>
+          </p:nvPr>
+        </p:nvSpPr>
+        <p:spPr/>
+        <p:txBody>
+          <a:bodyPr/>
+          <a:lstStyle/>
+          <a:p>
+            <a:pPr lvl="2">
+              <a:lnSpc>
+                <a:spcPct val="120000"/>
+              </a:lnSpc>
+            </a:pPr>
+            <a:r>
+              <a:rPr lang="en-US" sz="1200" dirty="0"/>
+              <a:t>Specific libraries were used to read in entire folders of data and concatenate them into single </a:t>
+            </a:r>
+            <a:r>
+              <a:rPr lang="en-US" sz="1200" dirty="0" err="1"/>
+              <a:t>dataframes</a:t>
+            </a:r>
+            <a:r>
+              <a:rPr lang="en-US" sz="1200" dirty="0"/>
+              <a:t>.  This was needed to put all the files together as </a:t>
+            </a:r>
+            <a:r>
+              <a:rPr lang="en-US" sz="1200" b="1" dirty="0"/>
+              <a:t>Power Automate </a:t>
+            </a:r>
+            <a:r>
+              <a:rPr lang="en-US" sz="1200" dirty="0"/>
+              <a:t>sent them in.</a:t>
+            </a:r>
+          </a:p>
+          <a:p>
+            <a:pPr lvl="2">
+              <a:lnSpc>
+                <a:spcPct val="120000"/>
+              </a:lnSpc>
+            </a:pPr>
+            <a:r>
+              <a:rPr lang="en-US" sz="1200" b="1" dirty="0"/>
+              <a:t>Transaction </a:t>
+            </a:r>
+            <a:r>
+              <a:rPr lang="en-US" sz="1200" b="1" dirty="0" err="1"/>
+              <a:t>DataFrame</a:t>
+            </a:r>
+            <a:r>
+              <a:rPr lang="en-US" sz="1200" b="1" dirty="0"/>
+              <a:t>- </a:t>
+            </a:r>
+            <a:r>
+              <a:rPr lang="en-US" sz="1200" dirty="0"/>
+              <a:t>the data was cleaned to a specific point so that it only sent </a:t>
+            </a:r>
+            <a:r>
+              <a:rPr lang="en-US" sz="1200" dirty="0" err="1"/>
+              <a:t>PowerBI</a:t>
+            </a:r>
+            <a:r>
+              <a:rPr lang="en-US" sz="1200" dirty="0"/>
+              <a:t> the necessary information for that specific Dining Hall.  There were many null values that had to be dropped and all the datetime formatting was done before </a:t>
+            </a:r>
+            <a:r>
+              <a:rPr lang="en-US" sz="1200" dirty="0" err="1"/>
+              <a:t>PowerBI</a:t>
+            </a:r>
+            <a:r>
+              <a:rPr lang="en-US" sz="1200" dirty="0"/>
+              <a:t>.</a:t>
+            </a:r>
+          </a:p>
+          <a:p>
+            <a:pPr lvl="2">
+              <a:lnSpc>
+                <a:spcPct val="120000"/>
+              </a:lnSpc>
+            </a:pPr>
+            <a:r>
+              <a:rPr lang="en-US" sz="1200" b="1" dirty="0"/>
+              <a:t>Menu </a:t>
+            </a:r>
+            <a:r>
+              <a:rPr lang="en-US" sz="1200" b="1" dirty="0" err="1"/>
+              <a:t>DataFrame</a:t>
+            </a:r>
+            <a:r>
+              <a:rPr lang="en-US" sz="1200" b="1" dirty="0"/>
+              <a:t>- </a:t>
+            </a:r>
+            <a:r>
+              <a:rPr lang="en-US" sz="1200" dirty="0"/>
+              <a:t>there was a lot of erroneous information that needed to be sorted through.  There were columns that would lead you to believe that at some point they were calculated fields, but they were not.  I had to go back to the source system and decipher what was correct and recreate those calculated fields. </a:t>
+            </a:r>
+          </a:p>
+          <a:p>
+            <a:pPr lvl="2">
+              <a:lnSpc>
+                <a:spcPct val="120000"/>
+              </a:lnSpc>
+            </a:pPr>
+            <a:r>
+              <a:rPr lang="en-US" sz="1200" b="1" dirty="0" err="1"/>
+              <a:t>PowerBI</a:t>
+            </a:r>
+            <a:r>
+              <a:rPr lang="en-US" sz="1200" b="1" dirty="0"/>
+              <a:t>-</a:t>
+            </a:r>
+            <a:r>
+              <a:rPr lang="en-US" sz="1200" dirty="0"/>
+              <a:t> for measures that depended on relationships between the </a:t>
+            </a:r>
+            <a:r>
+              <a:rPr lang="en-US" sz="1200" dirty="0" err="1"/>
+              <a:t>dataframes</a:t>
+            </a:r>
+            <a:r>
+              <a:rPr lang="en-US" sz="1200" dirty="0"/>
+              <a:t> I made created a ‘measures’ table to drive the cards on the actual dashboard as well as a table that calculated the difference between forecasted and actual Meal Plan counts</a:t>
+            </a:r>
+          </a:p>
+          <a:p>
+            <a:pPr lvl="2">
+              <a:lnSpc>
+                <a:spcPct val="120000"/>
+              </a:lnSpc>
+            </a:pPr>
+            <a:endParaRPr lang="en-US" sz="1200" dirty="0"/>
+          </a:p>
+          <a:p>
+            <a:pPr lvl="2">
+              <a:lnSpc>
+                <a:spcPct val="120000"/>
+              </a:lnSpc>
+            </a:pPr>
+            <a:r>
+              <a:rPr lang="en-US" sz="1200" dirty="0"/>
+              <a:t>"ingested, parsed, filtered by python"</a:t>
+            </a:r>
+          </a:p>
+          <a:p>
+            <a:pPr lvl="2">
+              <a:lnSpc>
+                <a:spcPct val="120000"/>
+              </a:lnSpc>
+            </a:pPr>
+            <a:endParaRPr lang="en-US" sz="1200" dirty="0"/>
+          </a:p>
+          <a:p>
+            <a:pPr lvl="2">
+              <a:lnSpc>
+                <a:spcPct val="120000"/>
+              </a:lnSpc>
+            </a:pPr>
+            <a:endParaRPr lang="en-US" sz="1200" dirty="0"/>
+          </a:p>
+          <a:p>
+            <a:endParaRPr lang="en-US" dirty="0"/>
+          </a:p>
+        </p:txBody>
+      </p:sp>
+      <p:sp>
+        <p:nvSpPr>
+          <p:cNvPr id="4" name="Slide Number Placeholder 3"/>
+          <p:cNvSpPr>
+            <a:spLocks noGrp="1"/>
+          </p:cNvSpPr>
+          <p:nvPr>
+            <p:ph type="sldNum" sz="quarter" idx="5"/>
+          </p:nvPr>
+        </p:nvSpPr>
+        <p:spPr/>
+        <p:txBody>
+          <a:bodyPr/>
+          <a:lstStyle/>
+          <a:p>
+            <a:fld id="{D4227442-D60C-45DE-8F50-C791EE48E3D2}" type="slidenum">
+              <a:rPr lang="en-US" smtClean="0"/>
               <a:t>7</a:t>
             </a:fld>
             <a:endParaRPr lang="en-US"/>
@@ -3646,6 +3941,113 @@
     <p:extLst>
       <p:ext uri="{BB962C8B-B14F-4D97-AF65-F5344CB8AC3E}">
         <p14:creationId xmlns:p14="http://schemas.microsoft.com/office/powerpoint/2010/main" val="240760216"/>
+      </p:ext>
+    </p:extLst>
+  </p:cSld>
+  <p:clrMapOvr>
+    <a:masterClrMapping/>
+  </p:clrMapOvr>
+</p:notes>
+</file>
+
+<file path=ppt/notesSlides/notesSlide4.xml><?xml version="1.0" encoding="utf-8"?>
+<p:notes xmlns:a="http://schemas.openxmlformats.org/drawingml/2006/main" xmlns:r="http://schemas.openxmlformats.org/officeDocument/2006/relationships" xmlns:p="http://schemas.openxmlformats.org/presentationml/2006/main">
+  <p:cSld>
+    <p:spTree>
+      <p:nvGrpSpPr>
+        <p:cNvPr id="1" name=""/>
+        <p:cNvGrpSpPr/>
+        <p:nvPr/>
+      </p:nvGrpSpPr>
+      <p:grpSpPr>
+        <a:xfrm>
+          <a:off x="0" y="0"/>
+          <a:ext cx="0" cy="0"/>
+          <a:chOff x="0" y="0"/>
+          <a:chExt cx="0" cy="0"/>
+        </a:xfrm>
+      </p:grpSpPr>
+      <p:sp>
+        <p:nvSpPr>
+          <p:cNvPr id="2" name="Slide Image Placeholder 1"/>
+          <p:cNvSpPr>
+            <a:spLocks noGrp="1" noRot="1" noChangeAspect="1"/>
+          </p:cNvSpPr>
+          <p:nvPr>
+            <p:ph type="sldImg"/>
+          </p:nvPr>
+        </p:nvSpPr>
+        <p:spPr/>
+      </p:sp>
+      <p:sp>
+        <p:nvSpPr>
+          <p:cNvPr id="3" name="Notes Placeholder 2"/>
+          <p:cNvSpPr>
+            <a:spLocks noGrp="1"/>
+          </p:cNvSpPr>
+          <p:nvPr>
+            <p:ph type="body" idx="1"/>
+          </p:nvPr>
+        </p:nvSpPr>
+        <p:spPr/>
+        <p:txBody>
+          <a:bodyPr/>
+          <a:lstStyle/>
+          <a:p>
+            <a:pPr marL="0" marR="0" lvl="0" indent="0" algn="l" defTabSz="914400" rtl="0" eaLnBrk="1" fontAlgn="auto" latinLnBrk="0" hangingPunct="1">
+              <a:lnSpc>
+                <a:spcPct val="100000"/>
+              </a:lnSpc>
+              <a:spcBef>
+                <a:spcPts val="0"/>
+              </a:spcBef>
+              <a:spcAft>
+                <a:spcPts val="0"/>
+              </a:spcAft>
+              <a:buClrTx/>
+              <a:buSzTx/>
+              <a:buFontTx/>
+              <a:buNone/>
+              <a:tabLst/>
+              <a:defRPr/>
+            </a:pPr>
+            <a:r>
+              <a:rPr lang="en-US" strike="sngStrike" dirty="0"/>
+              <a:t>Give feedback to menu management software vendor to have their fields calculate automatically and for the ability for reports to be automated out of their system</a:t>
+            </a:r>
+          </a:p>
+          <a:p>
+            <a:endParaRPr lang="en-US" dirty="0"/>
+          </a:p>
+        </p:txBody>
+      </p:sp>
+      <p:sp>
+        <p:nvSpPr>
+          <p:cNvPr id="4" name="Slide Number Placeholder 3"/>
+          <p:cNvSpPr>
+            <a:spLocks noGrp="1"/>
+          </p:cNvSpPr>
+          <p:nvPr>
+            <p:ph type="sldNum" sz="quarter" idx="5"/>
+          </p:nvPr>
+        </p:nvSpPr>
+        <p:spPr/>
+        <p:txBody>
+          <a:bodyPr/>
+          <a:lstStyle/>
+          <a:p>
+            <a:fld id="{D4227442-D60C-45DE-8F50-C791EE48E3D2}" type="slidenum">
+              <a:rPr lang="en-US" smtClean="0"/>
+              <a:t>11</a:t>
+            </a:fld>
+            <a:endParaRPr lang="en-US"/>
+          </a:p>
+        </p:txBody>
+      </p:sp>
+    </p:spTree>
+    <p:extLst>
+      <p:ext uri="{BB962C8B-B14F-4D97-AF65-F5344CB8AC3E}">
+        <p14:creationId xmlns:p14="http://schemas.microsoft.com/office/powerpoint/2010/main" val="2701378678"/>
       </p:ext>
     </p:extLst>
   </p:cSld>
@@ -4076,7 +4478,7 @@
           <a:p>
             <a:fld id="{53BEF823-48A5-43FC-BE03-E79964288B41}" type="datetimeFigureOut">
               <a:rPr lang="en-US" smtClean="0"/>
-              <a:t>12/16/2021</a:t>
+              <a:t>12/23/2021</a:t>
             </a:fld>
             <a:endParaRPr lang="en-US" dirty="0"/>
           </a:p>
@@ -4287,7 +4689,7 @@
             <a:fld id="{53BEF823-48A5-43FC-BE03-E79964288B41}" type="datetimeFigureOut">
               <a:rPr lang="en-US" smtClean="0"/>
               <a:pPr algn="r"/>
-              <a:t>12/16/2021</a:t>
+              <a:t>12/23/2021</a:t>
             </a:fld>
             <a:endParaRPr lang="en-US" dirty="0"/>
           </a:p>
@@ -4502,7 +4904,7 @@
             <a:fld id="{53BEF823-48A5-43FC-BE03-E79964288B41}" type="datetimeFigureOut">
               <a:rPr lang="en-US" smtClean="0"/>
               <a:pPr algn="r"/>
-              <a:t>12/16/2021</a:t>
+              <a:t>12/23/2021</a:t>
             </a:fld>
             <a:endParaRPr lang="en-US" dirty="0"/>
           </a:p>
@@ -4705,7 +5107,7 @@
             <a:fld id="{53BEF823-48A5-43FC-BE03-E79964288B41}" type="datetimeFigureOut">
               <a:rPr lang="en-US" smtClean="0"/>
               <a:pPr algn="r"/>
-              <a:t>12/16/2021</a:t>
+              <a:t>12/23/2021</a:t>
             </a:fld>
             <a:endParaRPr lang="en-US" dirty="0"/>
           </a:p>
@@ -4989,7 +5391,7 @@
             <a:fld id="{53BEF823-48A5-43FC-BE03-E79964288B41}" type="datetimeFigureOut">
               <a:rPr lang="en-US" smtClean="0"/>
               <a:pPr algn="r"/>
-              <a:t>12/16/2021</a:t>
+              <a:t>12/23/2021</a:t>
             </a:fld>
             <a:endParaRPr lang="en-US" dirty="0"/>
           </a:p>
@@ -5233,7 +5635,7 @@
             <a:fld id="{53BEF823-48A5-43FC-BE03-E79964288B41}" type="datetimeFigureOut">
               <a:rPr lang="en-US" smtClean="0"/>
               <a:pPr algn="r"/>
-              <a:t>12/16/2021</a:t>
+              <a:t>12/23/2021</a:t>
             </a:fld>
             <a:endParaRPr lang="en-US" dirty="0"/>
           </a:p>
@@ -5676,7 +6078,7 @@
             <a:fld id="{53BEF823-48A5-43FC-BE03-E79964288B41}" type="datetimeFigureOut">
               <a:rPr lang="en-US" smtClean="0"/>
               <a:pPr algn="r"/>
-              <a:t>12/16/2021</a:t>
+              <a:t>12/23/2021</a:t>
             </a:fld>
             <a:endParaRPr lang="en-US" dirty="0"/>
           </a:p>
@@ -5822,7 +6224,7 @@
             <a:fld id="{53BEF823-48A5-43FC-BE03-E79964288B41}" type="datetimeFigureOut">
               <a:rPr lang="en-US" smtClean="0"/>
               <a:pPr algn="r"/>
-              <a:t>12/16/2021</a:t>
+              <a:t>12/23/2021</a:t>
             </a:fld>
             <a:endParaRPr lang="en-US" dirty="0"/>
           </a:p>
@@ -5940,7 +6342,7 @@
             <a:fld id="{53BEF823-48A5-43FC-BE03-E79964288B41}" type="datetimeFigureOut">
               <a:rPr lang="en-US" smtClean="0"/>
               <a:pPr algn="r"/>
-              <a:t>12/16/2021</a:t>
+              <a:t>12/23/2021</a:t>
             </a:fld>
             <a:endParaRPr lang="en-US" dirty="0"/>
           </a:p>
@@ -6224,7 +6626,7 @@
             <a:fld id="{53BEF823-48A5-43FC-BE03-E79964288B41}" type="datetimeFigureOut">
               <a:rPr lang="en-US" smtClean="0"/>
               <a:pPr algn="r"/>
-              <a:t>12/16/2021</a:t>
+              <a:t>12/23/2021</a:t>
             </a:fld>
             <a:endParaRPr lang="en-US" dirty="0"/>
           </a:p>
@@ -6519,7 +6921,7 @@
             <a:fld id="{53BEF823-48A5-43FC-BE03-E79964288B41}" type="datetimeFigureOut">
               <a:rPr lang="en-US" smtClean="0"/>
               <a:pPr algn="r"/>
-              <a:t>12/16/2021</a:t>
+              <a:t>12/23/2021</a:t>
             </a:fld>
             <a:endParaRPr lang="en-US" dirty="0"/>
           </a:p>
@@ -7014,7 +7416,7 @@
             <a:fld id="{53BEF823-48A5-43FC-BE03-E79964288B41}" type="datetimeFigureOut">
               <a:rPr lang="en-US" smtClean="0"/>
               <a:pPr algn="r"/>
-              <a:t>12/16/2021</a:t>
+              <a:t>12/23/2021</a:t>
             </a:fld>
             <a:endParaRPr lang="en-US" dirty="0"/>
           </a:p>
@@ -9436,31 +9838,25 @@
           <a:lstStyle/>
           <a:p>
             <a:r>
-              <a:rPr lang="en-US" dirty="0"/>
+              <a:rPr lang="en-US" sz="2400" dirty="0"/>
               <a:t>I would move the automation to occur in a cloud computing environment and have the python be run remotely</a:t>
             </a:r>
           </a:p>
           <a:p>
             <a:r>
-              <a:rPr lang="en-US" dirty="0"/>
+              <a:rPr lang="en-US" sz="2400" dirty="0"/>
               <a:t>This process could run more than one time per day to give an even shorter feedback loop for operators to adjust narrowly if needed</a:t>
             </a:r>
           </a:p>
           <a:p>
             <a:r>
-              <a:rPr lang="en-US" dirty="0"/>
+              <a:rPr lang="en-US" sz="2400" dirty="0"/>
               <a:t>Incorporate waste data as well as purchasing data for a detailed analysis of cost of goods</a:t>
             </a:r>
           </a:p>
           <a:p>
             <a:r>
-              <a:rPr lang="en-US" dirty="0"/>
-              <a:t>Give feedback to menu management software vendor to have their fields calculate automatically and for the ability for reports to be automated out of their system</a:t>
-            </a:r>
-          </a:p>
-          <a:p>
-            <a:r>
-              <a:rPr lang="en-US" dirty="0"/>
+              <a:rPr lang="en-US" sz="2400" dirty="0"/>
               <a:t>Thanks to all the Foodservice Staff who generated this information and to Vanderbilt Campus Dining for partnering with me for my NSS Capstone</a:t>
             </a:r>
           </a:p>
@@ -9928,12 +10324,8 @@
           <a:lstStyle/>
           <a:p>
             <a:r>
-              <a:rPr lang="en-US"/>
-              <a:t>Mission</a:t>
-            </a:r>
-            <a:r>
               <a:rPr lang="en-US" dirty="0"/>
-              <a:t>, Motivation &amp; Data Question </a:t>
+              <a:t>Mission, Motivation &amp; Data Question </a:t>
             </a:r>
           </a:p>
           <a:p>
@@ -9946,13 +10338,13 @@
           <a:p>
             <a:r>
               <a:rPr lang="en-US" dirty="0"/>
-              <a:t>Data Cleaning- Python Work and Calculated Fields</a:t>
+              <a:t>Light Definitions</a:t>
             </a:r>
           </a:p>
           <a:p>
             <a:r>
               <a:rPr lang="en-US" dirty="0"/>
-              <a:t>Light Definitions</a:t>
+              <a:t>Workflow</a:t>
             </a:r>
           </a:p>
           <a:p>
@@ -10866,7 +11258,7 @@
                   <a:schemeClr val="bg1"/>
                 </a:solidFill>
               </a:rPr>
-              <a:t>Motivation</a:t>
+              <a:t>Light Definitions</a:t>
             </a:r>
           </a:p>
         </p:txBody>
@@ -10889,42 +11281,135 @@
         </p:nvSpPr>
         <p:spPr>
           <a:xfrm>
-            <a:off x="758823" y="2607732"/>
-            <a:ext cx="10868317" cy="3174357"/>
+            <a:off x="758824" y="2607732"/>
+            <a:ext cx="8412480" cy="3870793"/>
           </a:xfrm>
         </p:spPr>
         <p:txBody>
           <a:bodyPr>
-            <a:normAutofit fontScale="92500" lnSpcReduction="10000"/>
+            <a:normAutofit fontScale="55000" lnSpcReduction="20000"/>
           </a:bodyPr>
           <a:lstStyle/>
           <a:p>
-            <a:r>
-              <a:rPr lang="en-US" sz="2800" dirty="0"/>
-              <a:t>The motivation for creating this dashboard was to create a tool to have </a:t>
-            </a:r>
-            <a:r>
-              <a:rPr lang="en-US" sz="2800" b="1" dirty="0"/>
-              <a:t>real time data </a:t>
-            </a:r>
-            <a:r>
-              <a:rPr lang="en-US" sz="2800" dirty="0"/>
-              <a:t>for operators on which areas of their business drives their cost per meal (CPM)</a:t>
-            </a:r>
-          </a:p>
-          <a:p>
-            <a:r>
-              <a:rPr lang="en-US" sz="2800" dirty="0"/>
-              <a:t>The opportunity to </a:t>
-            </a:r>
-            <a:r>
-              <a:rPr lang="en-US" sz="2800" b="1" dirty="0"/>
-              <a:t>shorten the feedback loop </a:t>
-            </a:r>
-            <a:r>
-              <a:rPr lang="en-US" sz="2800" dirty="0"/>
-              <a:t>and push information without operators having to run reports can help them with their day-to-day decisions faster for more precise decision making on food production</a:t>
-            </a:r>
+            <a:pPr>
+              <a:lnSpc>
+                <a:spcPct val="130000"/>
+              </a:lnSpc>
+            </a:pPr>
+            <a:r>
+              <a:rPr lang="en-US" sz="3300" b="1" dirty="0" err="1"/>
+              <a:t>NetMenu</a:t>
+            </a:r>
+            <a:r>
+              <a:rPr lang="en-US" sz="3300" b="1" dirty="0"/>
+              <a:t>- </a:t>
+            </a:r>
+            <a:r>
+              <a:rPr lang="en-US" sz="3300" dirty="0"/>
+              <a:t>Menu management software</a:t>
+            </a:r>
+            <a:endParaRPr lang="en-US" sz="3300" b="1" dirty="0"/>
+          </a:p>
+          <a:p>
+            <a:pPr>
+              <a:lnSpc>
+                <a:spcPct val="130000"/>
+              </a:lnSpc>
+            </a:pPr>
+            <a:r>
+              <a:rPr lang="en-US" sz="3300" b="1" dirty="0"/>
+              <a:t>Gold- </a:t>
+            </a:r>
+            <a:r>
+              <a:rPr lang="en-US" sz="3300" dirty="0"/>
+              <a:t>Card service software</a:t>
+            </a:r>
+          </a:p>
+          <a:p>
+            <a:pPr>
+              <a:lnSpc>
+                <a:spcPct val="130000"/>
+              </a:lnSpc>
+            </a:pPr>
+            <a:r>
+              <a:rPr lang="en-US" sz="3300" b="1" dirty="0"/>
+              <a:t>Cost Per Meal </a:t>
+            </a:r>
+            <a:r>
+              <a:rPr lang="en-US" sz="3300" dirty="0"/>
+              <a:t>= Total cost of food on the menu divided by number of customers that come through the door</a:t>
+            </a:r>
+          </a:p>
+          <a:p>
+            <a:pPr marR="0" lvl="2">
+              <a:lnSpc>
+                <a:spcPct val="130000"/>
+              </a:lnSpc>
+            </a:pPr>
+            <a:r>
+              <a:rPr lang="en-US" sz="3300" b="1" dirty="0"/>
+              <a:t>Forecasted Amount/Cost- </a:t>
+            </a:r>
+            <a:r>
+              <a:rPr lang="en-US" sz="3300" dirty="0"/>
+              <a:t>An educated guess on amounts to produce</a:t>
+            </a:r>
+          </a:p>
+          <a:p>
+            <a:pPr marR="0" lvl="2">
+              <a:lnSpc>
+                <a:spcPct val="130000"/>
+              </a:lnSpc>
+            </a:pPr>
+            <a:r>
+              <a:rPr lang="en-US" sz="3300" b="1" dirty="0"/>
+              <a:t>Prepared Amount/Cost- </a:t>
+            </a:r>
+            <a:r>
+              <a:rPr lang="en-US" sz="3300" b="1" dirty="0" err="1"/>
+              <a:t>b</a:t>
+            </a:r>
+            <a:r>
+              <a:rPr lang="en-US" sz="3300" dirty="0" err="1"/>
+              <a:t>he</a:t>
+            </a:r>
+            <a:r>
+              <a:rPr lang="en-US" sz="3300" dirty="0"/>
+              <a:t> amount that got recorded for production in a real setting</a:t>
+            </a:r>
+          </a:p>
+          <a:p>
+            <a:pPr marR="0" lvl="2">
+              <a:lnSpc>
+                <a:spcPct val="130000"/>
+              </a:lnSpc>
+            </a:pPr>
+            <a:r>
+              <a:rPr lang="en-US" sz="3300" b="1" dirty="0"/>
+              <a:t>Served Amount/Cost- </a:t>
+            </a:r>
+            <a:r>
+              <a:rPr lang="en-US" sz="3300" dirty="0"/>
+              <a:t>the food that was served from the prepared </a:t>
+            </a:r>
+          </a:p>
+          <a:p>
+            <a:pPr marR="0" lvl="2">
+              <a:lnSpc>
+                <a:spcPct val="130000"/>
+              </a:lnSpc>
+            </a:pPr>
+            <a:r>
+              <a:rPr lang="en-US" sz="3300" b="1" dirty="0"/>
+              <a:t>Leftover Amount/Cost- </a:t>
+            </a:r>
+            <a:r>
+              <a:rPr lang="en-US" sz="3300" dirty="0"/>
+              <a:t>the difference of the prepared and served cost/amount</a:t>
+            </a:r>
+          </a:p>
+          <a:p>
+            <a:endParaRPr lang="en-US" dirty="0"/>
           </a:p>
         </p:txBody>
       </p:sp>
@@ -11155,7 +11640,7 @@
     </p:spTree>
     <p:extLst>
       <p:ext uri="{BB962C8B-B14F-4D97-AF65-F5344CB8AC3E}">
-        <p14:creationId xmlns:p14="http://schemas.microsoft.com/office/powerpoint/2010/main" val="1453068888"/>
+        <p14:creationId xmlns:p14="http://schemas.microsoft.com/office/powerpoint/2010/main" val="4195826869"/>
       </p:ext>
     </p:extLst>
   </p:cSld>
@@ -11824,7 +12309,7 @@
                   <a:schemeClr val="bg1"/>
                 </a:solidFill>
               </a:rPr>
-              <a:t>Light Definitions</a:t>
+              <a:t>Motivation</a:t>
             </a:r>
           </a:p>
         </p:txBody>
@@ -11847,127 +12332,42 @@
         </p:nvSpPr>
         <p:spPr>
           <a:xfrm>
-            <a:off x="758824" y="2607732"/>
-            <a:ext cx="8412480" cy="3870793"/>
+            <a:off x="758823" y="2607732"/>
+            <a:ext cx="10868317" cy="3174357"/>
           </a:xfrm>
         </p:spPr>
         <p:txBody>
           <a:bodyPr>
-            <a:normAutofit fontScale="55000" lnSpcReduction="20000"/>
+            <a:normAutofit fontScale="92500" lnSpcReduction="10000"/>
           </a:bodyPr>
           <a:lstStyle/>
           <a:p>
-            <a:pPr>
-              <a:lnSpc>
-                <a:spcPct val="130000"/>
-              </a:lnSpc>
-            </a:pPr>
-            <a:r>
-              <a:rPr lang="en-US" sz="3300" b="1" dirty="0" err="1"/>
-              <a:t>NetMenu</a:t>
-            </a:r>
-            <a:r>
-              <a:rPr lang="en-US" sz="3300" b="1" dirty="0"/>
-              <a:t>- </a:t>
-            </a:r>
-            <a:r>
-              <a:rPr lang="en-US" sz="3300" dirty="0"/>
-              <a:t>Menu management software</a:t>
-            </a:r>
-            <a:endParaRPr lang="en-US" sz="3300" b="1" dirty="0"/>
-          </a:p>
-          <a:p>
-            <a:pPr>
-              <a:lnSpc>
-                <a:spcPct val="130000"/>
-              </a:lnSpc>
-            </a:pPr>
-            <a:r>
-              <a:rPr lang="en-US" sz="3300" b="1" dirty="0"/>
-              <a:t>Gold- </a:t>
-            </a:r>
-            <a:r>
-              <a:rPr lang="en-US" sz="3300" dirty="0"/>
-              <a:t>Card service software</a:t>
-            </a:r>
-          </a:p>
-          <a:p>
-            <a:pPr>
-              <a:lnSpc>
-                <a:spcPct val="130000"/>
-              </a:lnSpc>
-            </a:pPr>
-            <a:r>
-              <a:rPr lang="en-US" sz="3300" b="1" dirty="0"/>
-              <a:t>Cost Per Meal </a:t>
-            </a:r>
-            <a:r>
-              <a:rPr lang="en-US" sz="3300" dirty="0"/>
-              <a:t>= Total cost of food on the menu / # of customers that come through the door</a:t>
-            </a:r>
-          </a:p>
-          <a:p>
-            <a:pPr marR="0" lvl="2">
-              <a:lnSpc>
-                <a:spcPct val="130000"/>
-              </a:lnSpc>
-            </a:pPr>
-            <a:r>
-              <a:rPr lang="en-US" sz="3300" b="1" dirty="0"/>
-              <a:t>Forecasted Amount/Cost- </a:t>
-            </a:r>
-            <a:r>
-              <a:rPr lang="en-US" sz="3300" dirty="0"/>
-              <a:t>a educated guess on amounts to produce</a:t>
-            </a:r>
-          </a:p>
-          <a:p>
-            <a:pPr marR="0" lvl="2">
-              <a:lnSpc>
-                <a:spcPct val="130000"/>
-              </a:lnSpc>
-            </a:pPr>
-            <a:r>
-              <a:rPr lang="en-US" sz="3300" b="1" dirty="0"/>
-              <a:t>Prepared Amount/Cost- </a:t>
-            </a:r>
-            <a:r>
-              <a:rPr lang="en-US" sz="3300" dirty="0"/>
-              <a:t>the amount that got recorded for production in a real setting</a:t>
-            </a:r>
-          </a:p>
-          <a:p>
-            <a:pPr marR="0" lvl="2">
-              <a:lnSpc>
-                <a:spcPct val="130000"/>
-              </a:lnSpc>
-            </a:pPr>
-            <a:r>
-              <a:rPr lang="en-US" sz="3300" b="1" dirty="0"/>
-              <a:t>Served Amount/Cost- </a:t>
-            </a:r>
-            <a:r>
-              <a:rPr lang="en-US" sz="3300" dirty="0"/>
-              <a:t>the food that was served from the prepared </a:t>
-            </a:r>
-          </a:p>
-          <a:p>
-            <a:pPr marR="0" lvl="2">
-              <a:lnSpc>
-                <a:spcPct val="130000"/>
-              </a:lnSpc>
-            </a:pPr>
-            <a:r>
-              <a:rPr lang="en-US" sz="3300" b="1" dirty="0"/>
-              <a:t>Leftover Amount/Cost- </a:t>
-            </a:r>
-            <a:r>
-              <a:rPr lang="en-US" sz="3300" dirty="0"/>
-              <a:t>the difference of the prepared and served cost/amount</a:t>
-            </a:r>
-          </a:p>
-          <a:p>
-            <a:endParaRPr lang="en-US" dirty="0"/>
+            <a:r>
+              <a:rPr lang="en-US" sz="2800" dirty="0"/>
+              <a:t>The motivation for creating this dashboard was to create a tool to have </a:t>
+            </a:r>
+            <a:r>
+              <a:rPr lang="en-US" sz="2800" b="1" dirty="0"/>
+              <a:t>real time data </a:t>
+            </a:r>
+            <a:r>
+              <a:rPr lang="en-US" sz="2800" dirty="0"/>
+              <a:t>for operators on which areas of their business drives their cost per meal (CPM)</a:t>
+            </a:r>
+          </a:p>
+          <a:p>
+            <a:r>
+              <a:rPr lang="en-US" sz="2800" dirty="0"/>
+              <a:t>The opportunity to </a:t>
+            </a:r>
+            <a:r>
+              <a:rPr lang="en-US" sz="2800" b="1" dirty="0"/>
+              <a:t>shorten the feedback loop </a:t>
+            </a:r>
+            <a:r>
+              <a:rPr lang="en-US" sz="2800" dirty="0"/>
+              <a:t>and push information without operators having to run reports can help them with their day-to-day decisions faster for more precise decision making on food production</a:t>
+            </a:r>
           </a:p>
         </p:txBody>
       </p:sp>
@@ -12198,7 +12598,7 @@
     </p:spTree>
     <p:extLst>
       <p:ext uri="{BB962C8B-B14F-4D97-AF65-F5344CB8AC3E}">
-        <p14:creationId xmlns:p14="http://schemas.microsoft.com/office/powerpoint/2010/main" val="4195826869"/>
+        <p14:creationId xmlns:p14="http://schemas.microsoft.com/office/powerpoint/2010/main" val="1453068888"/>
       </p:ext>
     </p:extLst>
   </p:cSld>

--- a/Capstone_Menu_Dashboard.pptx
+++ b/Capstone_Menu_Dashboard.pptx
@@ -983,7 +983,7 @@
                 <a:schemeClr val="tx1"/>
               </a:solidFill>
             </a:rPr>
-            <a:t>Those files </a:t>
+            <a:t>The information from those files </a:t>
           </a:r>
           <a:r>
             <a:rPr lang="en-US" sz="1100" dirty="0">
@@ -991,7 +991,7 @@
                 <a:schemeClr val="tx1"/>
               </a:solidFill>
             </a:rPr>
-            <a:t>are</a:t>
+            <a:t>are ingested and parsed </a:t>
           </a:r>
           <a:r>
             <a:rPr lang="en-US" sz="1050" dirty="0">
@@ -999,7 +999,7 @@
                 <a:schemeClr val="tx1"/>
               </a:solidFill>
             </a:rPr>
-            <a:t> picked up, cleaned with python, and then moved to another folder where they get picked up by </a:t>
+            <a:t> using python, and then moved to another folder where they get sourced by </a:t>
           </a:r>
           <a:r>
             <a:rPr lang="en-US" sz="1050" dirty="0" err="1">
@@ -1562,7 +1562,7 @@
                 <a:schemeClr val="tx1"/>
               </a:solidFill>
             </a:rPr>
-            <a:t>Those files </a:t>
+            <a:t>The information from those files </a:t>
           </a:r>
           <a:r>
             <a:rPr lang="en-US" sz="1100" kern="1200" dirty="0">
@@ -1570,7 +1570,7 @@
                 <a:schemeClr val="tx1"/>
               </a:solidFill>
             </a:rPr>
-            <a:t>are</a:t>
+            <a:t>are ingested and parsed </a:t>
           </a:r>
           <a:r>
             <a:rPr lang="en-US" sz="1050" kern="1200" dirty="0">
@@ -1578,7 +1578,7 @@
                 <a:schemeClr val="tx1"/>
               </a:solidFill>
             </a:rPr>
-            <a:t> picked up, cleaned with python, and then moved to another folder where they get picked up by </a:t>
+            <a:t> using python, and then moved to another folder where they get sourced by </a:t>
           </a:r>
           <a:r>
             <a:rPr lang="en-US" sz="1050" kern="1200" dirty="0" err="1">
@@ -3188,7 +3188,7 @@
           <a:p>
             <a:fld id="{ED90F43D-4044-4A26-9D93-6F286803623C}" type="datetimeFigureOut">
               <a:rPr lang="en-US" smtClean="0"/>
-              <a:t>12/23/2021</a:t>
+              <a:t>1/1/2022</a:t>
             </a:fld>
             <a:endParaRPr lang="en-US"/>
           </a:p>
@@ -3588,6 +3588,49 @@
             </a:r>
           </a:p>
           <a:p>
+            <a:pPr marL="0" marR="0" lvl="0" indent="0" algn="l" defTabSz="914400" rtl="0" eaLnBrk="1" fontAlgn="auto" latinLnBrk="0" hangingPunct="1">
+              <a:lnSpc>
+                <a:spcPct val="100000"/>
+              </a:lnSpc>
+              <a:spcBef>
+                <a:spcPts val="0"/>
+              </a:spcBef>
+              <a:spcAft>
+                <a:spcPts val="0"/>
+              </a:spcAft>
+              <a:buClrTx/>
+              <a:buSzTx/>
+              <a:buFontTx/>
+              <a:buNone/>
+              <a:tabLst/>
+              <a:defRPr/>
+            </a:pPr>
+            <a:endParaRPr lang="en-US" sz="1200" dirty="0"/>
+          </a:p>
+          <a:p>
+            <a:pPr marL="0" marR="0" lvl="0" indent="0" algn="l" defTabSz="914400" rtl="0" eaLnBrk="1" fontAlgn="auto" latinLnBrk="0" hangingPunct="1">
+              <a:lnSpc>
+                <a:spcPct val="100000"/>
+              </a:lnSpc>
+              <a:spcBef>
+                <a:spcPts val="0"/>
+              </a:spcBef>
+              <a:spcAft>
+                <a:spcPts val="0"/>
+              </a:spcAft>
+              <a:buClrTx/>
+              <a:buSzTx/>
+              <a:buFontTx/>
+              <a:buNone/>
+              <a:tabLst/>
+              <a:defRPr/>
+            </a:pPr>
+            <a:r>
+              <a:rPr lang="en-US" sz="1200" dirty="0"/>
+              <a:t>Define Operators!</a:t>
+            </a:r>
+          </a:p>
+          <a:p>
             <a:endParaRPr lang="en-US" dirty="0"/>
           </a:p>
         </p:txBody>
@@ -3759,155 +3802,50 @@
           <a:bodyPr/>
           <a:lstStyle/>
           <a:p>
-            <a:pPr lvl="2">
+            <a:pPr marL="0" marR="0" lvl="0" indent="0" algn="l" defTabSz="914400" rtl="0" eaLnBrk="1" fontAlgn="auto" latinLnBrk="0" hangingPunct="1">
               <a:lnSpc>
-                <a:spcPct val="120000"/>
+                <a:spcPct val="100000"/>
               </a:lnSpc>
+              <a:spcBef>
+                <a:spcPts val="0"/>
+              </a:spcBef>
+              <a:spcAft>
+                <a:spcPts val="0"/>
+              </a:spcAft>
+              <a:buClrTx/>
+              <a:buSzTx/>
+              <a:buFontTx/>
+              <a:buNone/>
+              <a:tabLst/>
+              <a:defRPr/>
             </a:pPr>
             <a:r>
               <a:rPr lang="en-US" sz="1200" dirty="0"/>
-              <a:t>Specific libraries were used to read in entire folders of data and concatenate them into single </a:t>
-            </a:r>
-            <a:r>
-              <a:rPr lang="en-US" sz="1200" dirty="0" err="1"/>
-              <a:t>dataframes</a:t>
-            </a:r>
+              <a:t>We have core LOB software that does not allow for automation, and this project identifies an opportunity to shorten the FB loop for enhanced operational effectiveness.  </a:t>
+            </a:r>
+          </a:p>
+          <a:p>
+            <a:pPr marL="0" marR="0" lvl="0" indent="0" algn="l" defTabSz="914400" rtl="0" eaLnBrk="1" fontAlgn="auto" latinLnBrk="0" hangingPunct="1">
+              <a:lnSpc>
+                <a:spcPct val="100000"/>
+              </a:lnSpc>
+              <a:spcBef>
+                <a:spcPts val="0"/>
+              </a:spcBef>
+              <a:spcAft>
+                <a:spcPts val="0"/>
+              </a:spcAft>
+              <a:buClrTx/>
+              <a:buSzTx/>
+              <a:buFontTx/>
+              <a:buNone/>
+              <a:tabLst/>
+              <a:defRPr/>
+            </a:pPr>
             <a:r>
               <a:rPr lang="en-US" sz="1200" dirty="0"/>
-              <a:t>.  This was needed to put all the files together as </a:t>
-            </a:r>
-            <a:r>
-              <a:rPr lang="en-US" sz="1200" b="1" dirty="0"/>
-              <a:t>Power Automate </a:t>
-            </a:r>
-            <a:r>
-              <a:rPr lang="en-US" sz="1200" dirty="0"/>
-              <a:t>sent them in.</a:t>
-            </a:r>
-          </a:p>
-          <a:p>
-            <a:pPr lvl="2">
-              <a:lnSpc>
-                <a:spcPct val="120000"/>
-              </a:lnSpc>
-            </a:pPr>
-            <a:r>
-              <a:rPr lang="en-US" sz="1200" b="1" dirty="0"/>
-              <a:t>Transaction </a:t>
-            </a:r>
-            <a:r>
-              <a:rPr lang="en-US" sz="1200" b="1" dirty="0" err="1"/>
-              <a:t>DataFrame</a:t>
-            </a:r>
-            <a:r>
-              <a:rPr lang="en-US" sz="1200" b="1" dirty="0"/>
-              <a:t>- </a:t>
-            </a:r>
-            <a:r>
-              <a:rPr lang="en-US" sz="1200" dirty="0"/>
-              <a:t>the data was cleaned to a specific point so that it only sent </a:t>
-            </a:r>
-            <a:r>
-              <a:rPr lang="en-US" sz="1200" dirty="0" err="1"/>
-              <a:t>PowerBI</a:t>
-            </a:r>
-            <a:r>
-              <a:rPr lang="en-US" sz="1200" dirty="0"/>
-              <a:t> the necessary information for that specific Dining Hall.  There were many null values that had to be dropped and all the datetime formatting was done before </a:t>
-            </a:r>
-            <a:r>
-              <a:rPr lang="en-US" sz="1200" dirty="0" err="1"/>
-              <a:t>PowerBI</a:t>
-            </a:r>
-            <a:r>
-              <a:rPr lang="en-US" sz="1200" dirty="0"/>
-              <a:t>.</a:t>
-            </a:r>
-          </a:p>
-          <a:p>
-            <a:pPr lvl="2">
-              <a:lnSpc>
-                <a:spcPct val="120000"/>
-              </a:lnSpc>
-            </a:pPr>
-            <a:r>
-              <a:rPr lang="en-US" sz="1200" b="1" dirty="0"/>
-              <a:t>Menu </a:t>
-            </a:r>
-            <a:r>
-              <a:rPr lang="en-US" sz="1200" b="1" dirty="0" err="1"/>
-              <a:t>DataFrame</a:t>
-            </a:r>
-            <a:r>
-              <a:rPr lang="en-US" sz="1200" b="1" dirty="0"/>
-              <a:t>- </a:t>
-            </a:r>
-            <a:r>
-              <a:rPr lang="en-US" sz="1200" dirty="0"/>
-              <a:t>there was a lot of erroneous information that needed to be sorted through.  There were columns that would lead you to believe that at some point they were calculated fields, but they were not.  I had to go back to the source system and decipher what was correct and recreate those calculated fields. </a:t>
-            </a:r>
-          </a:p>
-          <a:p>
-            <a:pPr lvl="2">
-              <a:lnSpc>
-                <a:spcPct val="120000"/>
-              </a:lnSpc>
-            </a:pPr>
-            <a:r>
-              <a:rPr lang="en-US" sz="1200" b="1" dirty="0" err="1"/>
-              <a:t>PowerBI</a:t>
-            </a:r>
-            <a:r>
-              <a:rPr lang="en-US" sz="1200" b="1" dirty="0"/>
-              <a:t>-</a:t>
-            </a:r>
-            <a:r>
-              <a:rPr lang="en-US" sz="1200" dirty="0"/>
-              <a:t> for measures that depended on relationships between the </a:t>
-            </a:r>
-            <a:r>
-              <a:rPr lang="en-US" sz="1200" dirty="0" err="1"/>
-              <a:t>dataframes</a:t>
-            </a:r>
-            <a:r>
-              <a:rPr lang="en-US" sz="1200" dirty="0"/>
-              <a:t> I made created a ‘measures’ table to drive the cards on the actual dashboard as well as a table that calculated the difference between forecasted and actual Meal Plan counts</a:t>
-            </a:r>
-          </a:p>
-          <a:p>
-            <a:pPr lvl="2">
-              <a:lnSpc>
-                <a:spcPct val="120000"/>
-              </a:lnSpc>
-            </a:pPr>
-            <a:endParaRPr lang="en-US" sz="1200" dirty="0"/>
-          </a:p>
-          <a:p>
-            <a:pPr lvl="2">
-              <a:lnSpc>
-                <a:spcPct val="120000"/>
-              </a:lnSpc>
-            </a:pPr>
-            <a:r>
-              <a:rPr lang="en-US" sz="1200" dirty="0"/>
-              <a:t>"ingested, parsed, filtered by python"</a:t>
-            </a:r>
-          </a:p>
-          <a:p>
-            <a:pPr lvl="2">
-              <a:lnSpc>
-                <a:spcPct val="120000"/>
-              </a:lnSpc>
-            </a:pPr>
-            <a:endParaRPr lang="en-US" sz="1200" dirty="0"/>
-          </a:p>
-          <a:p>
-            <a:pPr lvl="2">
-              <a:lnSpc>
-                <a:spcPct val="120000"/>
-              </a:lnSpc>
-            </a:pPr>
-            <a:endParaRPr lang="en-US" sz="1200" dirty="0"/>
+              <a:t>Shift managers that look at this information are the ones that have the ability to make the biggest difference. </a:t>
+            </a:r>
           </a:p>
           <a:p>
             <a:endParaRPr lang="en-US" dirty="0"/>
@@ -3931,6 +3869,241 @@
           <a:p>
             <a:fld id="{D4227442-D60C-45DE-8F50-C791EE48E3D2}" type="slidenum">
               <a:rPr lang="en-US" smtClean="0"/>
+              <a:t>6</a:t>
+            </a:fld>
+            <a:endParaRPr lang="en-US"/>
+          </a:p>
+        </p:txBody>
+      </p:sp>
+    </p:spTree>
+    <p:extLst>
+      <p:ext uri="{BB962C8B-B14F-4D97-AF65-F5344CB8AC3E}">
+        <p14:creationId xmlns:p14="http://schemas.microsoft.com/office/powerpoint/2010/main" val="116157314"/>
+      </p:ext>
+    </p:extLst>
+  </p:cSld>
+  <p:clrMapOvr>
+    <a:masterClrMapping/>
+  </p:clrMapOvr>
+</p:notes>
+</file>
+
+<file path=ppt/notesSlides/notesSlide4.xml><?xml version="1.0" encoding="utf-8"?>
+<p:notes xmlns:a="http://schemas.openxmlformats.org/drawingml/2006/main" xmlns:r="http://schemas.openxmlformats.org/officeDocument/2006/relationships" xmlns:p="http://schemas.openxmlformats.org/presentationml/2006/main">
+  <p:cSld>
+    <p:spTree>
+      <p:nvGrpSpPr>
+        <p:cNvPr id="1" name=""/>
+        <p:cNvGrpSpPr/>
+        <p:nvPr/>
+      </p:nvGrpSpPr>
+      <p:grpSpPr>
+        <a:xfrm>
+          <a:off x="0" y="0"/>
+          <a:ext cx="0" cy="0"/>
+          <a:chOff x="0" y="0"/>
+          <a:chExt cx="0" cy="0"/>
+        </a:xfrm>
+      </p:grpSpPr>
+      <p:sp>
+        <p:nvSpPr>
+          <p:cNvPr id="2" name="Slide Image Placeholder 1"/>
+          <p:cNvSpPr>
+            <a:spLocks noGrp="1" noRot="1" noChangeAspect="1"/>
+          </p:cNvSpPr>
+          <p:nvPr>
+            <p:ph type="sldImg"/>
+          </p:nvPr>
+        </p:nvSpPr>
+        <p:spPr/>
+      </p:sp>
+      <p:sp>
+        <p:nvSpPr>
+          <p:cNvPr id="3" name="Notes Placeholder 2"/>
+          <p:cNvSpPr>
+            <a:spLocks noGrp="1"/>
+          </p:cNvSpPr>
+          <p:nvPr>
+            <p:ph type="body" idx="1"/>
+          </p:nvPr>
+        </p:nvSpPr>
+        <p:spPr/>
+        <p:txBody>
+          <a:bodyPr/>
+          <a:lstStyle/>
+          <a:p>
+            <a:pPr lvl="2">
+              <a:lnSpc>
+                <a:spcPct val="120000"/>
+              </a:lnSpc>
+            </a:pPr>
+            <a:r>
+              <a:rPr lang="en-US" sz="1200" dirty="0"/>
+              <a:t>Specific libraries were used to read in entire folders of data and concatenate them into single </a:t>
+            </a:r>
+            <a:r>
+              <a:rPr lang="en-US" sz="1200" dirty="0" err="1"/>
+              <a:t>dataframes</a:t>
+            </a:r>
+            <a:r>
+              <a:rPr lang="en-US" sz="1200" dirty="0"/>
+              <a:t>.  This was needed to put all the files together as </a:t>
+            </a:r>
+            <a:r>
+              <a:rPr lang="en-US" sz="1200" b="1" dirty="0"/>
+              <a:t>Power Automate </a:t>
+            </a:r>
+            <a:r>
+              <a:rPr lang="en-US" sz="1200" dirty="0"/>
+              <a:t>sent them in.</a:t>
+            </a:r>
+          </a:p>
+          <a:p>
+            <a:pPr lvl="2">
+              <a:lnSpc>
+                <a:spcPct val="120000"/>
+              </a:lnSpc>
+            </a:pPr>
+            <a:r>
+              <a:rPr lang="en-US" sz="1200" b="1" dirty="0"/>
+              <a:t>Transaction </a:t>
+            </a:r>
+            <a:r>
+              <a:rPr lang="en-US" sz="1200" b="1" dirty="0" err="1"/>
+              <a:t>DataFrame</a:t>
+            </a:r>
+            <a:r>
+              <a:rPr lang="en-US" sz="1200" b="1" dirty="0"/>
+              <a:t>- </a:t>
+            </a:r>
+            <a:r>
+              <a:rPr lang="en-US" sz="1200" dirty="0"/>
+              <a:t>the data was cleaned to a specific point so that it only sent </a:t>
+            </a:r>
+            <a:r>
+              <a:rPr lang="en-US" sz="1200" dirty="0" err="1"/>
+              <a:t>PowerBI</a:t>
+            </a:r>
+            <a:r>
+              <a:rPr lang="en-US" sz="1200" dirty="0"/>
+              <a:t> the necessary information for that specific Dining Hall.  There were many null values that had to be dropped and all the datetime formatting was done before </a:t>
+            </a:r>
+            <a:r>
+              <a:rPr lang="en-US" sz="1200" dirty="0" err="1"/>
+              <a:t>PowerBI</a:t>
+            </a:r>
+            <a:r>
+              <a:rPr lang="en-US" sz="1200" dirty="0"/>
+              <a:t>.</a:t>
+            </a:r>
+          </a:p>
+          <a:p>
+            <a:pPr lvl="2">
+              <a:lnSpc>
+                <a:spcPct val="120000"/>
+              </a:lnSpc>
+            </a:pPr>
+            <a:r>
+              <a:rPr lang="en-US" sz="1200" b="1" dirty="0"/>
+              <a:t>Menu </a:t>
+            </a:r>
+            <a:r>
+              <a:rPr lang="en-US" sz="1200" b="1" dirty="0" err="1"/>
+              <a:t>DataFrame</a:t>
+            </a:r>
+            <a:r>
+              <a:rPr lang="en-US" sz="1200" b="1" dirty="0"/>
+              <a:t>- </a:t>
+            </a:r>
+            <a:r>
+              <a:rPr lang="en-US" sz="1200" dirty="0"/>
+              <a:t>there was a lot of erroneous information that needed to be sorted through.  There were columns that would lead you to believe that at some point they were calculated fields, but they were not.  I had to go back to the source system and decipher what was correct and recreate those calculated fields. </a:t>
+            </a:r>
+          </a:p>
+          <a:p>
+            <a:pPr lvl="2">
+              <a:lnSpc>
+                <a:spcPct val="120000"/>
+              </a:lnSpc>
+            </a:pPr>
+            <a:r>
+              <a:rPr lang="en-US" sz="1200" b="1" dirty="0" err="1"/>
+              <a:t>PowerBI</a:t>
+            </a:r>
+            <a:r>
+              <a:rPr lang="en-US" sz="1200" b="1" dirty="0"/>
+              <a:t>-</a:t>
+            </a:r>
+            <a:r>
+              <a:rPr lang="en-US" sz="1200" dirty="0"/>
+              <a:t> for measures that depended on relationships between the </a:t>
+            </a:r>
+            <a:r>
+              <a:rPr lang="en-US" sz="1200" dirty="0" err="1"/>
+              <a:t>dataframes</a:t>
+            </a:r>
+            <a:r>
+              <a:rPr lang="en-US" sz="1200" dirty="0"/>
+              <a:t> I made created a ‘measures’ table to drive the cards on the actual dashboard as well as a table that calculated the difference between forecasted and actual Meal Plan counts</a:t>
+            </a:r>
+          </a:p>
+          <a:p>
+            <a:pPr lvl="2">
+              <a:lnSpc>
+                <a:spcPct val="120000"/>
+              </a:lnSpc>
+            </a:pPr>
+            <a:endParaRPr lang="en-US" sz="1200" dirty="0"/>
+          </a:p>
+          <a:p>
+            <a:pPr lvl="2">
+              <a:lnSpc>
+                <a:spcPct val="120000"/>
+              </a:lnSpc>
+            </a:pPr>
+            <a:r>
+              <a:rPr lang="en-US" sz="1200" dirty="0"/>
+              <a:t>"ingested, parsed, filtered by python"</a:t>
+            </a:r>
+          </a:p>
+          <a:p>
+            <a:pPr lvl="2">
+              <a:lnSpc>
+                <a:spcPct val="120000"/>
+              </a:lnSpc>
+            </a:pPr>
+            <a:endParaRPr lang="en-US" sz="1200" dirty="0"/>
+          </a:p>
+          <a:p>
+            <a:pPr lvl="2">
+              <a:lnSpc>
+                <a:spcPct val="120000"/>
+              </a:lnSpc>
+            </a:pPr>
+            <a:endParaRPr lang="en-US" sz="1200" dirty="0"/>
+          </a:p>
+          <a:p>
+            <a:endParaRPr lang="en-US" dirty="0"/>
+          </a:p>
+        </p:txBody>
+      </p:sp>
+      <p:sp>
+        <p:nvSpPr>
+          <p:cNvPr id="4" name="Slide Number Placeholder 3"/>
+          <p:cNvSpPr>
+            <a:spLocks noGrp="1"/>
+          </p:cNvSpPr>
+          <p:nvPr>
+            <p:ph type="sldNum" sz="quarter" idx="5"/>
+          </p:nvPr>
+        </p:nvSpPr>
+        <p:spPr/>
+        <p:txBody>
+          <a:bodyPr/>
+          <a:lstStyle/>
+          <a:p>
+            <a:fld id="{D4227442-D60C-45DE-8F50-C791EE48E3D2}" type="slidenum">
+              <a:rPr lang="en-US" smtClean="0"/>
               <a:t>7</a:t>
             </a:fld>
             <a:endParaRPr lang="en-US"/>
@@ -3950,7 +4123,7 @@
 </p:notes>
 </file>
 
-<file path=ppt/notesSlides/notesSlide4.xml><?xml version="1.0" encoding="utf-8"?>
+<file path=ppt/notesSlides/notesSlide5.xml><?xml version="1.0" encoding="utf-8"?>
 <p:notes xmlns:a="http://schemas.openxmlformats.org/drawingml/2006/main" xmlns:r="http://schemas.openxmlformats.org/officeDocument/2006/relationships" xmlns:p="http://schemas.openxmlformats.org/presentationml/2006/main">
   <p:cSld>
     <p:spTree>
@@ -4478,7 +4651,7 @@
           <a:p>
             <a:fld id="{53BEF823-48A5-43FC-BE03-E79964288B41}" type="datetimeFigureOut">
               <a:rPr lang="en-US" smtClean="0"/>
-              <a:t>12/23/2021</a:t>
+              <a:t>1/1/2022</a:t>
             </a:fld>
             <a:endParaRPr lang="en-US" dirty="0"/>
           </a:p>
@@ -4689,7 +4862,7 @@
             <a:fld id="{53BEF823-48A5-43FC-BE03-E79964288B41}" type="datetimeFigureOut">
               <a:rPr lang="en-US" smtClean="0"/>
               <a:pPr algn="r"/>
-              <a:t>12/23/2021</a:t>
+              <a:t>1/1/2022</a:t>
             </a:fld>
             <a:endParaRPr lang="en-US" dirty="0"/>
           </a:p>
@@ -4904,7 +5077,7 @@
             <a:fld id="{53BEF823-48A5-43FC-BE03-E79964288B41}" type="datetimeFigureOut">
               <a:rPr lang="en-US" smtClean="0"/>
               <a:pPr algn="r"/>
-              <a:t>12/23/2021</a:t>
+              <a:t>1/1/2022</a:t>
             </a:fld>
             <a:endParaRPr lang="en-US" dirty="0"/>
           </a:p>
@@ -5107,7 +5280,7 @@
             <a:fld id="{53BEF823-48A5-43FC-BE03-E79964288B41}" type="datetimeFigureOut">
               <a:rPr lang="en-US" smtClean="0"/>
               <a:pPr algn="r"/>
-              <a:t>12/23/2021</a:t>
+              <a:t>1/1/2022</a:t>
             </a:fld>
             <a:endParaRPr lang="en-US" dirty="0"/>
           </a:p>
@@ -5391,7 +5564,7 @@
             <a:fld id="{53BEF823-48A5-43FC-BE03-E79964288B41}" type="datetimeFigureOut">
               <a:rPr lang="en-US" smtClean="0"/>
               <a:pPr algn="r"/>
-              <a:t>12/23/2021</a:t>
+              <a:t>1/1/2022</a:t>
             </a:fld>
             <a:endParaRPr lang="en-US" dirty="0"/>
           </a:p>
@@ -5635,7 +5808,7 @@
             <a:fld id="{53BEF823-48A5-43FC-BE03-E79964288B41}" type="datetimeFigureOut">
               <a:rPr lang="en-US" smtClean="0"/>
               <a:pPr algn="r"/>
-              <a:t>12/23/2021</a:t>
+              <a:t>1/1/2022</a:t>
             </a:fld>
             <a:endParaRPr lang="en-US" dirty="0"/>
           </a:p>
@@ -6078,7 +6251,7 @@
             <a:fld id="{53BEF823-48A5-43FC-BE03-E79964288B41}" type="datetimeFigureOut">
               <a:rPr lang="en-US" smtClean="0"/>
               <a:pPr algn="r"/>
-              <a:t>12/23/2021</a:t>
+              <a:t>1/1/2022</a:t>
             </a:fld>
             <a:endParaRPr lang="en-US" dirty="0"/>
           </a:p>
@@ -6224,7 +6397,7 @@
             <a:fld id="{53BEF823-48A5-43FC-BE03-E79964288B41}" type="datetimeFigureOut">
               <a:rPr lang="en-US" smtClean="0"/>
               <a:pPr algn="r"/>
-              <a:t>12/23/2021</a:t>
+              <a:t>1/1/2022</a:t>
             </a:fld>
             <a:endParaRPr lang="en-US" dirty="0"/>
           </a:p>
@@ -6342,7 +6515,7 @@
             <a:fld id="{53BEF823-48A5-43FC-BE03-E79964288B41}" type="datetimeFigureOut">
               <a:rPr lang="en-US" smtClean="0"/>
               <a:pPr algn="r"/>
-              <a:t>12/23/2021</a:t>
+              <a:t>1/1/2022</a:t>
             </a:fld>
             <a:endParaRPr lang="en-US" dirty="0"/>
           </a:p>
@@ -6626,7 +6799,7 @@
             <a:fld id="{53BEF823-48A5-43FC-BE03-E79964288B41}" type="datetimeFigureOut">
               <a:rPr lang="en-US" smtClean="0"/>
               <a:pPr algn="r"/>
-              <a:t>12/23/2021</a:t>
+              <a:t>1/1/2022</a:t>
             </a:fld>
             <a:endParaRPr lang="en-US" dirty="0"/>
           </a:p>
@@ -6921,7 +7094,7 @@
             <a:fld id="{53BEF823-48A5-43FC-BE03-E79964288B41}" type="datetimeFigureOut">
               <a:rPr lang="en-US" smtClean="0"/>
               <a:pPr algn="r"/>
-              <a:t>12/23/2021</a:t>
+              <a:t>1/1/2022</a:t>
             </a:fld>
             <a:endParaRPr lang="en-US" dirty="0"/>
           </a:p>
@@ -7416,7 +7589,7 @@
             <a:fld id="{53BEF823-48A5-43FC-BE03-E79964288B41}" type="datetimeFigureOut">
               <a:rPr lang="en-US" smtClean="0"/>
               <a:pPr algn="r"/>
-              <a:t>12/23/2021</a:t>
+              <a:t>1/1/2022</a:t>
             </a:fld>
             <a:endParaRPr lang="en-US" dirty="0"/>
           </a:p>
@@ -10325,7 +10498,7 @@
           <a:p>
             <a:r>
               <a:rPr lang="en-US" dirty="0"/>
-              <a:t>Mission, Motivation &amp; Data Question </a:t>
+              <a:t>Mission</a:t>
             </a:r>
           </a:p>
           <a:p>
@@ -10339,6 +10512,12 @@
             <a:r>
               <a:rPr lang="en-US" dirty="0"/>
               <a:t>Light Definitions</a:t>
+            </a:r>
+          </a:p>
+          <a:p>
+            <a:r>
+              <a:rPr lang="en-US" dirty="0"/>
+              <a:t>Motivation &amp; Data Question </a:t>
             </a:r>
           </a:p>
           <a:p>
@@ -11366,16 +11545,8 @@
               <a:t>Prepared Amount/Cost- </a:t>
             </a:r>
             <a:r>
-              <a:rPr lang="en-US" sz="3300" b="1" dirty="0" err="1"/>
-              <a:t>b</a:t>
-            </a:r>
-            <a:r>
-              <a:rPr lang="en-US" sz="3300" dirty="0" err="1"/>
-              <a:t>he</a:t>
-            </a:r>
-            <a:r>
               <a:rPr lang="en-US" sz="3300" dirty="0"/>
-              <a:t> amount that got recorded for production in a real setting</a:t>
+              <a:t>The amount that got recorded for production in a real setting</a:t>
             </a:r>
           </a:p>
           <a:p>
@@ -11390,7 +11561,7 @@
             </a:r>
             <a:r>
               <a:rPr lang="en-US" sz="3300" dirty="0"/>
-              <a:t>the food that was served from the prepared </a:t>
+              <a:t>The food that was served from the prepared </a:t>
             </a:r>
           </a:p>
           <a:p>
@@ -11405,7 +11576,7 @@
             </a:r>
             <a:r>
               <a:rPr lang="en-US" sz="3300" dirty="0"/>
-              <a:t>the difference of the prepared and served cost/amount</a:t>
+              <a:t>The difference of the prepared and served cost/amount</a:t>
             </a:r>
           </a:p>
           <a:p>
@@ -13038,7 +13209,7 @@
             <p:ph idx="1"/>
             <p:extLst>
               <p:ext uri="{D42A27DB-BD31-4B8C-83A1-F6EECF244321}">
-                <p14:modId xmlns:p14="http://schemas.microsoft.com/office/powerpoint/2010/main" val="1561908906"/>
+                <p14:modId xmlns:p14="http://schemas.microsoft.com/office/powerpoint/2010/main" val="480657411"/>
               </p:ext>
             </p:extLst>
           </p:nvPr>

--- a/Capstone_Menu_Dashboard.pptx
+++ b/Capstone_Menu_Dashboard.pptx
@@ -5,20 +5,21 @@
     <p:sldMasterId id="2147483724" r:id="rId1"/>
   </p:sldMasterIdLst>
   <p:notesMasterIdLst>
-    <p:notesMasterId r:id="rId13"/>
+    <p:notesMasterId r:id="rId14"/>
   </p:notesMasterIdLst>
   <p:sldIdLst>
     <p:sldId id="256" r:id="rId2"/>
     <p:sldId id="257" r:id="rId3"/>
     <p:sldId id="260" r:id="rId4"/>
     <p:sldId id="262" r:id="rId5"/>
-    <p:sldId id="267" r:id="rId6"/>
-    <p:sldId id="258" r:id="rId7"/>
-    <p:sldId id="261" r:id="rId8"/>
-    <p:sldId id="263" r:id="rId9"/>
-    <p:sldId id="264" r:id="rId10"/>
-    <p:sldId id="266" r:id="rId11"/>
-    <p:sldId id="265" r:id="rId12"/>
+    <p:sldId id="268" r:id="rId6"/>
+    <p:sldId id="267" r:id="rId7"/>
+    <p:sldId id="258" r:id="rId8"/>
+    <p:sldId id="261" r:id="rId9"/>
+    <p:sldId id="263" r:id="rId10"/>
+    <p:sldId id="264" r:id="rId11"/>
+    <p:sldId id="266" r:id="rId12"/>
+    <p:sldId id="265" r:id="rId13"/>
   </p:sldIdLst>
   <p:sldSz cx="12192000" cy="6858000"/>
   <p:notesSz cx="6858000" cy="9144000"/>
@@ -894,9 +895,10 @@
         <a:lstStyle/>
         <a:p>
           <a:r>
-            <a:rPr lang="en-US" sz="1050" dirty="0"/>
+            <a:rPr lang="en-US" sz="1050"/>
             <a:t>Business Date Happens and End of Day Processes are run.  Email of CSV’s are sent</a:t>
           </a:r>
+          <a:endParaRPr lang="en-US" sz="1050" dirty="0"/>
         </a:p>
       </dgm:t>
     </dgm:pt>
@@ -934,13 +936,18 @@
         <a:lstStyle/>
         <a:p>
           <a:r>
-            <a:rPr lang="en-US" sz="1050" dirty="0">
+            <a:rPr lang="en-US" sz="1050">
               <a:solidFill>
                 <a:schemeClr val="tx1"/>
               </a:solidFill>
             </a:rPr>
             <a:t>Power Automate moves those CSV’s to a local file based upon the subject line</a:t>
           </a:r>
+          <a:endParaRPr lang="en-US" sz="1050" dirty="0">
+            <a:solidFill>
+              <a:schemeClr val="tx1"/>
+            </a:solidFill>
+          </a:endParaRPr>
         </a:p>
       </dgm:t>
     </dgm:pt>
@@ -978,7 +985,7 @@
         <a:lstStyle/>
         <a:p>
           <a:r>
-            <a:rPr lang="en-US" sz="1050" dirty="0">
+            <a:rPr lang="en-US" sz="1050">
               <a:solidFill>
                 <a:schemeClr val="tx1"/>
               </a:solidFill>
@@ -986,7 +993,7 @@
             <a:t>The information from those files </a:t>
           </a:r>
           <a:r>
-            <a:rPr lang="en-US" sz="1100" dirty="0">
+            <a:rPr lang="en-US" sz="1100">
               <a:solidFill>
                 <a:schemeClr val="tx1"/>
               </a:solidFill>
@@ -994,20 +1001,12 @@
             <a:t>are ingested and parsed </a:t>
           </a:r>
           <a:r>
-            <a:rPr lang="en-US" sz="1050" dirty="0">
+            <a:rPr lang="en-US" sz="1050">
               <a:solidFill>
                 <a:schemeClr val="tx1"/>
               </a:solidFill>
             </a:rPr>
-            <a:t> using python, and then moved to another folder where they get sourced by </a:t>
-          </a:r>
-          <a:r>
-            <a:rPr lang="en-US" sz="1050" dirty="0" err="1">
-              <a:solidFill>
-                <a:schemeClr val="tx1"/>
-              </a:solidFill>
-            </a:rPr>
-            <a:t>PowerBI</a:t>
+            <a:t> using python, and then moved to another folder where they get sourced by PowerBI</a:t>
           </a:r>
           <a:endParaRPr lang="en-US" sz="1050" dirty="0">
             <a:solidFill>
@@ -1076,7 +1075,7 @@
             <a:buNone/>
           </a:pPr>
           <a:r>
-            <a:rPr lang="en-US" sz="1100" kern="1200" dirty="0">
+            <a:rPr lang="en-US" sz="1100" kern="1200">
               <a:solidFill>
                 <a:schemeClr val="tx1"/>
               </a:solidFill>
@@ -1084,30 +1083,16 @@
               <a:ea typeface="+mn-ea"/>
               <a:cs typeface="+mn-cs"/>
             </a:rPr>
-            <a:t>As the days’ data comes in </a:t>
+            <a:t>As the days’ data comes in PowerBI is refreshed via On-Premises Data Gateway and pushed to web environment</a:t>
           </a:r>
-          <a:r>
-            <a:rPr lang="en-US" sz="1100" kern="1200" dirty="0" err="1">
-              <a:solidFill>
-                <a:schemeClr val="tx1"/>
-              </a:solidFill>
-              <a:latin typeface="Avenir Next LT Pro"/>
-              <a:ea typeface="+mn-ea"/>
-              <a:cs typeface="+mn-cs"/>
-            </a:rPr>
-            <a:t>PowerBI</a:t>
-          </a:r>
-          <a:r>
-            <a:rPr lang="en-US" sz="1100" kern="1200" dirty="0">
-              <a:solidFill>
-                <a:schemeClr val="tx1"/>
-              </a:solidFill>
-              <a:latin typeface="Avenir Next LT Pro"/>
-              <a:ea typeface="+mn-ea"/>
-              <a:cs typeface="+mn-cs"/>
-            </a:rPr>
-            <a:t> is refreshed via On-Premises Data Gateway and pushed to web environment</a:t>
-          </a:r>
+          <a:endParaRPr lang="en-US" sz="1100" kern="1200" dirty="0">
+            <a:solidFill>
+              <a:schemeClr val="tx1"/>
+            </a:solidFill>
+            <a:latin typeface="Avenir Next LT Pro"/>
+            <a:ea typeface="+mn-ea"/>
+            <a:cs typeface="+mn-cs"/>
+          </a:endParaRPr>
         </a:p>
       </dgm:t>
     </dgm:pt>
@@ -1173,7 +1158,7 @@
             <a:buNone/>
           </a:pPr>
           <a:r>
-            <a:rPr lang="en-US" sz="1100" kern="1200" dirty="0">
+            <a:rPr lang="en-US" sz="1100" kern="1200">
               <a:solidFill>
                 <a:srgbClr val="FFFFFF"/>
               </a:solidFill>
@@ -1183,6 +1168,14 @@
             </a:rPr>
             <a:t>Dashboard is analyzed by front end user</a:t>
           </a:r>
+          <a:endParaRPr lang="en-US" sz="1100" kern="1200" dirty="0">
+            <a:solidFill>
+              <a:srgbClr val="FFFFFF"/>
+            </a:solidFill>
+            <a:latin typeface="Avenir Next LT Pro"/>
+            <a:ea typeface="+mn-ea"/>
+            <a:cs typeface="+mn-cs"/>
+          </a:endParaRPr>
         </a:p>
       </dgm:t>
     </dgm:pt>
@@ -1302,26 +1295,26 @@
     </dgm:pt>
   </dgm:ptLst>
   <dgm:cxnLst>
-    <dgm:cxn modelId="{4EA80437-23F2-422C-817C-41B652E945EB}" type="presOf" srcId="{1547DB60-A071-47A3-B811-78E990F08F20}" destId="{7FE1E5B9-B44D-4EE8-AB32-9E26B1EA4AF7}" srcOrd="0" destOrd="0" presId="urn:microsoft.com/office/officeart/2005/8/layout/chevron1"/>
-    <dgm:cxn modelId="{5684803A-54E1-4ACD-8704-5F8968D1ACAB}" type="presOf" srcId="{69FD613F-1338-49A0-AECA-F3B9EDB2BEF5}" destId="{B6CF1DCF-582F-4251-AE1C-565BFAE7D8E4}" srcOrd="0" destOrd="0" presId="urn:microsoft.com/office/officeart/2005/8/layout/chevron1"/>
+    <dgm:cxn modelId="{63A93F18-FA5F-4BE2-86F1-ABAAD3C2591B}" type="presOf" srcId="{145C33C4-0445-4150-8501-154718C07891}" destId="{C11CB799-0695-47AA-9A18-27601B853BEF}" srcOrd="0" destOrd="0" presId="urn:microsoft.com/office/officeart/2005/8/layout/chevron1"/>
+    <dgm:cxn modelId="{17C11125-4F21-41D3-9214-22A7B437B550}" type="presOf" srcId="{69FD613F-1338-49A0-AECA-F3B9EDB2BEF5}" destId="{B6CF1DCF-582F-4251-AE1C-565BFAE7D8E4}" srcOrd="0" destOrd="0" presId="urn:microsoft.com/office/officeart/2005/8/layout/chevron1"/>
     <dgm:cxn modelId="{0D71D740-4CE3-430A-825B-DDAEED8E6FE1}" srcId="{69FD613F-1338-49A0-AECA-F3B9EDB2BEF5}" destId="{BB1AB602-0508-4675-9AFC-24F4815A92D9}" srcOrd="2" destOrd="0" parTransId="{0B9528F4-3F48-45D8-9FC2-4849C241B91A}" sibTransId="{21B4CB52-66AB-4F2B-85CF-354957E934DD}"/>
-    <dgm:cxn modelId="{8EC84643-8512-4BBB-AAAA-12A119F30826}" type="presOf" srcId="{BB1AB602-0508-4675-9AFC-24F4815A92D9}" destId="{952F30E3-C177-42DF-93FE-19E0310A5253}" srcOrd="0" destOrd="0" presId="urn:microsoft.com/office/officeart/2005/8/layout/chevron1"/>
     <dgm:cxn modelId="{BE5AB54A-27E7-43E9-B2CD-A8AB5393ED62}" srcId="{69FD613F-1338-49A0-AECA-F3B9EDB2BEF5}" destId="{1547DB60-A071-47A3-B811-78E990F08F20}" srcOrd="3" destOrd="0" parTransId="{BB4C7558-14EA-4F15-AA1C-C33925B7109F}" sibTransId="{65FF786B-B4A6-4EAB-B3B1-0BF299F6A1D2}"/>
-    <dgm:cxn modelId="{E422217A-B566-45C4-AEE2-70105AB4C174}" type="presOf" srcId="{332F3D77-3B57-4274-8F36-C92ED4DAD38D}" destId="{AB06F400-5906-471A-A068-82694765EB11}" srcOrd="0" destOrd="0" presId="urn:microsoft.com/office/officeart/2005/8/layout/chevron1"/>
-    <dgm:cxn modelId="{65139AC7-2DB4-4B7F-8AD1-5ED48B0319EE}" type="presOf" srcId="{0732539A-5A29-4FDC-95F7-0A2950361A2C}" destId="{EDB08ED1-D638-405C-8AF2-5D4C0D13F465}" srcOrd="0" destOrd="0" presId="urn:microsoft.com/office/officeart/2005/8/layout/chevron1"/>
-    <dgm:cxn modelId="{BD7CAACC-0278-4B55-BCFA-FF7BB982C3A7}" type="presOf" srcId="{145C33C4-0445-4150-8501-154718C07891}" destId="{C11CB799-0695-47AA-9A18-27601B853BEF}" srcOrd="0" destOrd="0" presId="urn:microsoft.com/office/officeart/2005/8/layout/chevron1"/>
+    <dgm:cxn modelId="{3627717B-F411-4524-9F11-8AC504FF012D}" type="presOf" srcId="{332F3D77-3B57-4274-8F36-C92ED4DAD38D}" destId="{AB06F400-5906-471A-A068-82694765EB11}" srcOrd="0" destOrd="0" presId="urn:microsoft.com/office/officeart/2005/8/layout/chevron1"/>
+    <dgm:cxn modelId="{9788D387-7D03-4850-8478-FC0FF088300F}" type="presOf" srcId="{1547DB60-A071-47A3-B811-78E990F08F20}" destId="{7FE1E5B9-B44D-4EE8-AB32-9E26B1EA4AF7}" srcOrd="0" destOrd="0" presId="urn:microsoft.com/office/officeart/2005/8/layout/chevron1"/>
+    <dgm:cxn modelId="{73146092-9063-40E6-AA2E-C3F0A40A265E}" type="presOf" srcId="{0732539A-5A29-4FDC-95F7-0A2950361A2C}" destId="{EDB08ED1-D638-405C-8AF2-5D4C0D13F465}" srcOrd="0" destOrd="0" presId="urn:microsoft.com/office/officeart/2005/8/layout/chevron1"/>
+    <dgm:cxn modelId="{17C190B2-31D9-473D-B320-42F5AD47FD53}" type="presOf" srcId="{BB1AB602-0508-4675-9AFC-24F4815A92D9}" destId="{952F30E3-C177-42DF-93FE-19E0310A5253}" srcOrd="0" destOrd="0" presId="urn:microsoft.com/office/officeart/2005/8/layout/chevron1"/>
     <dgm:cxn modelId="{192B4AD0-2EE0-4C13-9E23-95240C30B488}" srcId="{69FD613F-1338-49A0-AECA-F3B9EDB2BEF5}" destId="{145C33C4-0445-4150-8501-154718C07891}" srcOrd="1" destOrd="0" parTransId="{FC6BD814-9EE9-4CC2-A54C-C0F5D1C3D103}" sibTransId="{10B9A239-ACCE-4AF7-B95C-18013A2BDB71}"/>
     <dgm:cxn modelId="{1D9508D1-054C-46EB-BF19-978656A50DAB}" srcId="{69FD613F-1338-49A0-AECA-F3B9EDB2BEF5}" destId="{332F3D77-3B57-4274-8F36-C92ED4DAD38D}" srcOrd="0" destOrd="0" parTransId="{C5EB4EB2-3B8D-4875-9665-D894E08FCF9F}" sibTransId="{31E7B4DA-FAAD-4D41-A890-A75B37647ABD}"/>
     <dgm:cxn modelId="{3D13F4E9-1538-4DFA-8B01-980FE100FB0C}" srcId="{69FD613F-1338-49A0-AECA-F3B9EDB2BEF5}" destId="{0732539A-5A29-4FDC-95F7-0A2950361A2C}" srcOrd="4" destOrd="0" parTransId="{78397110-3FA5-4E50-90C7-8038DD9EE089}" sibTransId="{0D9028E4-1BFA-4103-9EA7-1D33FDD57D30}"/>
-    <dgm:cxn modelId="{0465B7CE-56FA-41DB-B4D7-896370653CF6}" type="presParOf" srcId="{B6CF1DCF-582F-4251-AE1C-565BFAE7D8E4}" destId="{AB06F400-5906-471A-A068-82694765EB11}" srcOrd="0" destOrd="0" presId="urn:microsoft.com/office/officeart/2005/8/layout/chevron1"/>
-    <dgm:cxn modelId="{ACBEF9C7-D154-4B09-82BE-2ED70E86C2A9}" type="presParOf" srcId="{B6CF1DCF-582F-4251-AE1C-565BFAE7D8E4}" destId="{44145E4B-CB83-4EF8-82B3-BFE9D7945150}" srcOrd="1" destOrd="0" presId="urn:microsoft.com/office/officeart/2005/8/layout/chevron1"/>
-    <dgm:cxn modelId="{09DEA53A-4FD6-489E-9153-D065B52AAC56}" type="presParOf" srcId="{B6CF1DCF-582F-4251-AE1C-565BFAE7D8E4}" destId="{C11CB799-0695-47AA-9A18-27601B853BEF}" srcOrd="2" destOrd="0" presId="urn:microsoft.com/office/officeart/2005/8/layout/chevron1"/>
-    <dgm:cxn modelId="{C7BD8343-76F6-4EB5-8964-017D3A5F1EB4}" type="presParOf" srcId="{B6CF1DCF-582F-4251-AE1C-565BFAE7D8E4}" destId="{D7934C43-C00C-405F-95D3-97903B85C341}" srcOrd="3" destOrd="0" presId="urn:microsoft.com/office/officeart/2005/8/layout/chevron1"/>
-    <dgm:cxn modelId="{DA32EF97-D94F-43F7-BFF0-42E737629BE3}" type="presParOf" srcId="{B6CF1DCF-582F-4251-AE1C-565BFAE7D8E4}" destId="{952F30E3-C177-42DF-93FE-19E0310A5253}" srcOrd="4" destOrd="0" presId="urn:microsoft.com/office/officeart/2005/8/layout/chevron1"/>
-    <dgm:cxn modelId="{F546A76E-3A5D-4E3D-A511-37789B803898}" type="presParOf" srcId="{B6CF1DCF-582F-4251-AE1C-565BFAE7D8E4}" destId="{7BD81FAB-2D2D-4E07-BA61-172C8B6890FB}" srcOrd="5" destOrd="0" presId="urn:microsoft.com/office/officeart/2005/8/layout/chevron1"/>
-    <dgm:cxn modelId="{91A565EF-618E-44EB-80C8-43AF171A97EB}" type="presParOf" srcId="{B6CF1DCF-582F-4251-AE1C-565BFAE7D8E4}" destId="{7FE1E5B9-B44D-4EE8-AB32-9E26B1EA4AF7}" srcOrd="6" destOrd="0" presId="urn:microsoft.com/office/officeart/2005/8/layout/chevron1"/>
-    <dgm:cxn modelId="{6BBDD109-0553-46E2-8AFB-F9F1CE2828B3}" type="presParOf" srcId="{B6CF1DCF-582F-4251-AE1C-565BFAE7D8E4}" destId="{A245B575-74DA-4392-B526-B665A00F911D}" srcOrd="7" destOrd="0" presId="urn:microsoft.com/office/officeart/2005/8/layout/chevron1"/>
-    <dgm:cxn modelId="{A873EDBA-17B9-4664-ABA0-D87599ED479B}" type="presParOf" srcId="{B6CF1DCF-582F-4251-AE1C-565BFAE7D8E4}" destId="{EDB08ED1-D638-405C-8AF2-5D4C0D13F465}" srcOrd="8" destOrd="0" presId="urn:microsoft.com/office/officeart/2005/8/layout/chevron1"/>
+    <dgm:cxn modelId="{A25F2193-D81E-4717-A132-46BCC71D090D}" type="presParOf" srcId="{B6CF1DCF-582F-4251-AE1C-565BFAE7D8E4}" destId="{AB06F400-5906-471A-A068-82694765EB11}" srcOrd="0" destOrd="0" presId="urn:microsoft.com/office/officeart/2005/8/layout/chevron1"/>
+    <dgm:cxn modelId="{D6D60235-4148-4266-B1F8-BFB784671D36}" type="presParOf" srcId="{B6CF1DCF-582F-4251-AE1C-565BFAE7D8E4}" destId="{44145E4B-CB83-4EF8-82B3-BFE9D7945150}" srcOrd="1" destOrd="0" presId="urn:microsoft.com/office/officeart/2005/8/layout/chevron1"/>
+    <dgm:cxn modelId="{511F2859-CFFD-4B21-858E-3CD04EED79B0}" type="presParOf" srcId="{B6CF1DCF-582F-4251-AE1C-565BFAE7D8E4}" destId="{C11CB799-0695-47AA-9A18-27601B853BEF}" srcOrd="2" destOrd="0" presId="urn:microsoft.com/office/officeart/2005/8/layout/chevron1"/>
+    <dgm:cxn modelId="{B0789860-47A4-438E-9072-44463E379EE3}" type="presParOf" srcId="{B6CF1DCF-582F-4251-AE1C-565BFAE7D8E4}" destId="{D7934C43-C00C-405F-95D3-97903B85C341}" srcOrd="3" destOrd="0" presId="urn:microsoft.com/office/officeart/2005/8/layout/chevron1"/>
+    <dgm:cxn modelId="{BB592B6A-A02F-4B55-844F-50223831E46B}" type="presParOf" srcId="{B6CF1DCF-582F-4251-AE1C-565BFAE7D8E4}" destId="{952F30E3-C177-42DF-93FE-19E0310A5253}" srcOrd="4" destOrd="0" presId="urn:microsoft.com/office/officeart/2005/8/layout/chevron1"/>
+    <dgm:cxn modelId="{AF7F97D4-ACE3-46AC-9458-A86D416F1BCC}" type="presParOf" srcId="{B6CF1DCF-582F-4251-AE1C-565BFAE7D8E4}" destId="{7BD81FAB-2D2D-4E07-BA61-172C8B6890FB}" srcOrd="5" destOrd="0" presId="urn:microsoft.com/office/officeart/2005/8/layout/chevron1"/>
+    <dgm:cxn modelId="{BA3B6EC5-DDDC-47A2-90D9-7F944EB572CF}" type="presParOf" srcId="{B6CF1DCF-582F-4251-AE1C-565BFAE7D8E4}" destId="{7FE1E5B9-B44D-4EE8-AB32-9E26B1EA4AF7}" srcOrd="6" destOrd="0" presId="urn:microsoft.com/office/officeart/2005/8/layout/chevron1"/>
+    <dgm:cxn modelId="{4D89D692-0A01-45ED-83A8-0C35791A9E06}" type="presParOf" srcId="{B6CF1DCF-582F-4251-AE1C-565BFAE7D8E4}" destId="{A245B575-74DA-4392-B526-B665A00F911D}" srcOrd="7" destOrd="0" presId="urn:microsoft.com/office/officeart/2005/8/layout/chevron1"/>
+    <dgm:cxn modelId="{1C69DE2C-E6DC-4E66-8B01-FF32F238D1F3}" type="presParOf" srcId="{B6CF1DCF-582F-4251-AE1C-565BFAE7D8E4}" destId="{EDB08ED1-D638-405C-8AF2-5D4C0D13F465}" srcOrd="8" destOrd="0" presId="urn:microsoft.com/office/officeart/2005/8/layout/chevron1"/>
   </dgm:cxnLst>
   <dgm:bg/>
   <dgm:whole/>
@@ -1407,9 +1400,10 @@
             <a:buNone/>
           </a:pPr>
           <a:r>
-            <a:rPr lang="en-US" sz="1050" kern="1200" dirty="0"/>
+            <a:rPr lang="en-US" sz="1050" kern="1200"/>
             <a:t>Business Date Happens and End of Day Processes are run.  Email of CSV’s are sent</a:t>
           </a:r>
+          <a:endParaRPr lang="en-US" sz="1050" kern="1200" dirty="0"/>
         </a:p>
       </dsp:txBody>
       <dsp:txXfrm>
@@ -1480,13 +1474,18 @@
             <a:buNone/>
           </a:pPr>
           <a:r>
-            <a:rPr lang="en-US" sz="1050" kern="1200" dirty="0">
+            <a:rPr lang="en-US" sz="1050" kern="1200">
               <a:solidFill>
                 <a:schemeClr val="tx1"/>
               </a:solidFill>
             </a:rPr>
             <a:t>Power Automate moves those CSV’s to a local file based upon the subject line</a:t>
           </a:r>
+          <a:endParaRPr lang="en-US" sz="1050" kern="1200" dirty="0">
+            <a:solidFill>
+              <a:schemeClr val="tx1"/>
+            </a:solidFill>
+          </a:endParaRPr>
         </a:p>
       </dsp:txBody>
       <dsp:txXfrm>
@@ -1557,7 +1556,7 @@
             <a:buNone/>
           </a:pPr>
           <a:r>
-            <a:rPr lang="en-US" sz="1050" kern="1200" dirty="0">
+            <a:rPr lang="en-US" sz="1050" kern="1200">
               <a:solidFill>
                 <a:schemeClr val="tx1"/>
               </a:solidFill>
@@ -1565,7 +1564,7 @@
             <a:t>The information from those files </a:t>
           </a:r>
           <a:r>
-            <a:rPr lang="en-US" sz="1100" kern="1200" dirty="0">
+            <a:rPr lang="en-US" sz="1100" kern="1200">
               <a:solidFill>
                 <a:schemeClr val="tx1"/>
               </a:solidFill>
@@ -1573,20 +1572,12 @@
             <a:t>are ingested and parsed </a:t>
           </a:r>
           <a:r>
-            <a:rPr lang="en-US" sz="1050" kern="1200" dirty="0">
+            <a:rPr lang="en-US" sz="1050" kern="1200">
               <a:solidFill>
                 <a:schemeClr val="tx1"/>
               </a:solidFill>
             </a:rPr>
-            <a:t> using python, and then moved to another folder where they get sourced by </a:t>
-          </a:r>
-          <a:r>
-            <a:rPr lang="en-US" sz="1050" kern="1200" dirty="0" err="1">
-              <a:solidFill>
-                <a:schemeClr val="tx1"/>
-              </a:solidFill>
-            </a:rPr>
-            <a:t>PowerBI</a:t>
+            <a:t> using python, and then moved to another folder where they get sourced by PowerBI</a:t>
           </a:r>
           <a:endParaRPr lang="en-US" sz="1050" kern="1200" dirty="0">
             <a:solidFill>
@@ -1663,7 +1654,7 @@
             <a:buNone/>
           </a:pPr>
           <a:r>
-            <a:rPr lang="en-US" sz="1100" kern="1200" dirty="0">
+            <a:rPr lang="en-US" sz="1100" kern="1200">
               <a:solidFill>
                 <a:schemeClr val="tx1"/>
               </a:solidFill>
@@ -1671,30 +1662,16 @@
               <a:ea typeface="+mn-ea"/>
               <a:cs typeface="+mn-cs"/>
             </a:rPr>
-            <a:t>As the days’ data comes in </a:t>
+            <a:t>As the days’ data comes in PowerBI is refreshed via On-Premises Data Gateway and pushed to web environment</a:t>
           </a:r>
-          <a:r>
-            <a:rPr lang="en-US" sz="1100" kern="1200" dirty="0" err="1">
-              <a:solidFill>
-                <a:schemeClr val="tx1"/>
-              </a:solidFill>
-              <a:latin typeface="Avenir Next LT Pro"/>
-              <a:ea typeface="+mn-ea"/>
-              <a:cs typeface="+mn-cs"/>
-            </a:rPr>
-            <a:t>PowerBI</a:t>
-          </a:r>
-          <a:r>
-            <a:rPr lang="en-US" sz="1100" kern="1200" dirty="0">
-              <a:solidFill>
-                <a:schemeClr val="tx1"/>
-              </a:solidFill>
-              <a:latin typeface="Avenir Next LT Pro"/>
-              <a:ea typeface="+mn-ea"/>
-              <a:cs typeface="+mn-cs"/>
-            </a:rPr>
-            <a:t> is refreshed via On-Premises Data Gateway and pushed to web environment</a:t>
-          </a:r>
+          <a:endParaRPr lang="en-US" sz="1100" kern="1200" dirty="0">
+            <a:solidFill>
+              <a:schemeClr val="tx1"/>
+            </a:solidFill>
+            <a:latin typeface="Avenir Next LT Pro"/>
+            <a:ea typeface="+mn-ea"/>
+            <a:cs typeface="+mn-cs"/>
+          </a:endParaRPr>
         </a:p>
       </dsp:txBody>
       <dsp:txXfrm>
@@ -1768,7 +1745,7 @@
             <a:buNone/>
           </a:pPr>
           <a:r>
-            <a:rPr lang="en-US" sz="1100" kern="1200" dirty="0">
+            <a:rPr lang="en-US" sz="1100" kern="1200">
               <a:solidFill>
                 <a:srgbClr val="FFFFFF"/>
               </a:solidFill>
@@ -1778,6 +1755,14 @@
             </a:rPr>
             <a:t>Dashboard is analyzed by front end user</a:t>
           </a:r>
+          <a:endParaRPr lang="en-US" sz="1100" kern="1200" dirty="0">
+            <a:solidFill>
+              <a:srgbClr val="FFFFFF"/>
+            </a:solidFill>
+            <a:latin typeface="Avenir Next LT Pro"/>
+            <a:ea typeface="+mn-ea"/>
+            <a:cs typeface="+mn-cs"/>
+          </a:endParaRPr>
         </a:p>
       </dsp:txBody>
       <dsp:txXfrm>
@@ -3188,7 +3173,7 @@
           <a:p>
             <a:fld id="{ED90F43D-4044-4A26-9D93-6F286803623C}" type="datetimeFigureOut">
               <a:rPr lang="en-US" smtClean="0"/>
-              <a:t>1/1/2022</a:t>
+              <a:t>1/3/2022</a:t>
             </a:fld>
             <a:endParaRPr lang="en-US"/>
           </a:p>
@@ -3561,30 +3546,7 @@
             </a:pPr>
             <a:r>
               <a:rPr lang="en-US" sz="1200" dirty="0"/>
-              <a:t>We have core LOB software that does not allow for automation, and this project identifies an opportunity to shorten the FB loop for enhanced operational effectiveness.  </a:t>
-            </a:r>
-          </a:p>
-          <a:p>
-            <a:pPr marL="0" marR="0" lvl="0" indent="0" algn="l" defTabSz="914400" rtl="0" eaLnBrk="1" fontAlgn="auto" latinLnBrk="0" hangingPunct="1">
-              <a:lnSpc>
-                <a:spcPct val="100000"/>
-              </a:lnSpc>
-              <a:spcBef>
-                <a:spcPts val="0"/>
-              </a:spcBef>
-              <a:spcAft>
-                <a:spcPts val="0"/>
-              </a:spcAft>
-              <a:buClrTx/>
-              <a:buSzTx/>
-              <a:buFontTx/>
-              <a:buNone/>
-              <a:tabLst/>
-              <a:defRPr/>
-            </a:pPr>
-            <a:r>
-              <a:rPr lang="en-US" sz="1200" dirty="0"/>
-              <a:t>Shift managers that look at this information are the ones that have the ability to make the biggest difference. </a:t>
+              <a:t> </a:t>
             </a:r>
           </a:p>
           <a:p>
@@ -3717,7 +3679,31 @@
           <a:p>
             <a:r>
               <a:rPr lang="en-US" dirty="0"/>
-              <a:t>Pain Points- the foodservice business moves so fast, and in large scale dining operations the business is so nuanced, that there is often a lack of follow up with available information.  The real goal of this dashboard is to be a frequently visited page by the operators where they can adjust their production.  In my time at Vanderbilt I was on the team that led the implementation of this Menu Management software and the lack of meaningful feedback it was able to give to our operators was always in the back of my mind.  In NSS I often thought about how I could use all of the things I was learning to better the processes we already had and saw this as low hanging fruit that could serve an immediate impact, especially as those operators navigate unknown forecasting, and unknown menu items as a result of the pandemic/product shortages etc.</a:t>
+              <a:t>Pain Points- the foodservice business moves so fast, and in large scale dining operations the business is so nuanced, that there is often a lack of follow up with available information.  </a:t>
+            </a:r>
+          </a:p>
+          <a:p>
+            <a:r>
+              <a:rPr lang="en-US" dirty="0"/>
+              <a:t>The real goal of this dashboard is to be a frequently visited page by the operators where they can adjust their production.  </a:t>
+            </a:r>
+          </a:p>
+          <a:p>
+            <a:r>
+              <a:rPr lang="en-US" dirty="0"/>
+              <a:t>In my time at Vanderbilt I was on the team that led the implementation of this Menu Management software and the lack of meaningful feedback it was able to give to our operators was always in the back of my mind. </a:t>
+            </a:r>
+          </a:p>
+          <a:p>
+            <a:r>
+              <a:rPr lang="en-US" dirty="0"/>
+              <a:t> In NSS I often thought about how I could use all of the things I was learning to better the processes we already had and </a:t>
+            </a:r>
+          </a:p>
+          <a:p>
+            <a:r>
+              <a:rPr lang="en-US" dirty="0"/>
+              <a:t>saw this as low hanging fruit that could serve an immediate impact, especially as those operators navigate unknown forecasting, and unknown menu items as a result of the pandemic/product shortages etc.</a:t>
             </a:r>
           </a:p>
         </p:txBody>
@@ -3739,7 +3725,7 @@
           <a:p>
             <a:fld id="{D4227442-D60C-45DE-8F50-C791EE48E3D2}" type="slidenum">
               <a:rPr lang="en-US" smtClean="0"/>
-              <a:t>5</a:t>
+              <a:t>6</a:t>
             </a:fld>
             <a:endParaRPr lang="en-US"/>
           </a:p>
@@ -3869,7 +3855,7 @@
           <a:p>
             <a:fld id="{D4227442-D60C-45DE-8F50-C791EE48E3D2}" type="slidenum">
               <a:rPr lang="en-US" smtClean="0"/>
-              <a:t>6</a:t>
+              <a:t>7</a:t>
             </a:fld>
             <a:endParaRPr lang="en-US"/>
           </a:p>
@@ -4104,7 +4090,7 @@
           <a:p>
             <a:fld id="{D4227442-D60C-45DE-8F50-C791EE48E3D2}" type="slidenum">
               <a:rPr lang="en-US" smtClean="0"/>
-              <a:t>7</a:t>
+              <a:t>8</a:t>
             </a:fld>
             <a:endParaRPr lang="en-US"/>
           </a:p>
@@ -4211,7 +4197,7 @@
           <a:p>
             <a:fld id="{D4227442-D60C-45DE-8F50-C791EE48E3D2}" type="slidenum">
               <a:rPr lang="en-US" smtClean="0"/>
-              <a:t>11</a:t>
+              <a:t>12</a:t>
             </a:fld>
             <a:endParaRPr lang="en-US"/>
           </a:p>
@@ -4651,7 +4637,7 @@
           <a:p>
             <a:fld id="{53BEF823-48A5-43FC-BE03-E79964288B41}" type="datetimeFigureOut">
               <a:rPr lang="en-US" smtClean="0"/>
-              <a:t>1/1/2022</a:t>
+              <a:t>1/3/2022</a:t>
             </a:fld>
             <a:endParaRPr lang="en-US" dirty="0"/>
           </a:p>
@@ -4862,7 +4848,7 @@
             <a:fld id="{53BEF823-48A5-43FC-BE03-E79964288B41}" type="datetimeFigureOut">
               <a:rPr lang="en-US" smtClean="0"/>
               <a:pPr algn="r"/>
-              <a:t>1/1/2022</a:t>
+              <a:t>1/3/2022</a:t>
             </a:fld>
             <a:endParaRPr lang="en-US" dirty="0"/>
           </a:p>
@@ -5077,7 +5063,7 @@
             <a:fld id="{53BEF823-48A5-43FC-BE03-E79964288B41}" type="datetimeFigureOut">
               <a:rPr lang="en-US" smtClean="0"/>
               <a:pPr algn="r"/>
-              <a:t>1/1/2022</a:t>
+              <a:t>1/3/2022</a:t>
             </a:fld>
             <a:endParaRPr lang="en-US" dirty="0"/>
           </a:p>
@@ -5280,7 +5266,7 @@
             <a:fld id="{53BEF823-48A5-43FC-BE03-E79964288B41}" type="datetimeFigureOut">
               <a:rPr lang="en-US" smtClean="0"/>
               <a:pPr algn="r"/>
-              <a:t>1/1/2022</a:t>
+              <a:t>1/3/2022</a:t>
             </a:fld>
             <a:endParaRPr lang="en-US" dirty="0"/>
           </a:p>
@@ -5564,7 +5550,7 @@
             <a:fld id="{53BEF823-48A5-43FC-BE03-E79964288B41}" type="datetimeFigureOut">
               <a:rPr lang="en-US" smtClean="0"/>
               <a:pPr algn="r"/>
-              <a:t>1/1/2022</a:t>
+              <a:t>1/3/2022</a:t>
             </a:fld>
             <a:endParaRPr lang="en-US" dirty="0"/>
           </a:p>
@@ -5808,7 +5794,7 @@
             <a:fld id="{53BEF823-48A5-43FC-BE03-E79964288B41}" type="datetimeFigureOut">
               <a:rPr lang="en-US" smtClean="0"/>
               <a:pPr algn="r"/>
-              <a:t>1/1/2022</a:t>
+              <a:t>1/3/2022</a:t>
             </a:fld>
             <a:endParaRPr lang="en-US" dirty="0"/>
           </a:p>
@@ -6251,7 +6237,7 @@
             <a:fld id="{53BEF823-48A5-43FC-BE03-E79964288B41}" type="datetimeFigureOut">
               <a:rPr lang="en-US" smtClean="0"/>
               <a:pPr algn="r"/>
-              <a:t>1/1/2022</a:t>
+              <a:t>1/3/2022</a:t>
             </a:fld>
             <a:endParaRPr lang="en-US" dirty="0"/>
           </a:p>
@@ -6397,7 +6383,7 @@
             <a:fld id="{53BEF823-48A5-43FC-BE03-E79964288B41}" type="datetimeFigureOut">
               <a:rPr lang="en-US" smtClean="0"/>
               <a:pPr algn="r"/>
-              <a:t>1/1/2022</a:t>
+              <a:t>1/3/2022</a:t>
             </a:fld>
             <a:endParaRPr lang="en-US" dirty="0"/>
           </a:p>
@@ -6515,7 +6501,7 @@
             <a:fld id="{53BEF823-48A5-43FC-BE03-E79964288B41}" type="datetimeFigureOut">
               <a:rPr lang="en-US" smtClean="0"/>
               <a:pPr algn="r"/>
-              <a:t>1/1/2022</a:t>
+              <a:t>1/3/2022</a:t>
             </a:fld>
             <a:endParaRPr lang="en-US" dirty="0"/>
           </a:p>
@@ -6799,7 +6785,7 @@
             <a:fld id="{53BEF823-48A5-43FC-BE03-E79964288B41}" type="datetimeFigureOut">
               <a:rPr lang="en-US" smtClean="0"/>
               <a:pPr algn="r"/>
-              <a:t>1/1/2022</a:t>
+              <a:t>1/3/2022</a:t>
             </a:fld>
             <a:endParaRPr lang="en-US" dirty="0"/>
           </a:p>
@@ -7094,7 +7080,7 @@
             <a:fld id="{53BEF823-48A5-43FC-BE03-E79964288B41}" type="datetimeFigureOut">
               <a:rPr lang="en-US" smtClean="0"/>
               <a:pPr algn="r"/>
-              <a:t>1/1/2022</a:t>
+              <a:t>1/3/2022</a:t>
             </a:fld>
             <a:endParaRPr lang="en-US" dirty="0"/>
           </a:p>
@@ -7589,7 +7575,7 @@
             <a:fld id="{53BEF823-48A5-43FC-BE03-E79964288B41}" type="datetimeFigureOut">
               <a:rPr lang="en-US" smtClean="0"/>
               <a:pPr algn="r"/>
-              <a:t>1/1/2022</a:t>
+              <a:t>1/3/2022</a:t>
             </a:fld>
             <a:endParaRPr lang="en-US" dirty="0"/>
           </a:p>
@@ -8548,6 +8534,79 @@
 <file path=ppt/slides/slide10.xml><?xml version="1.0" encoding="utf-8"?>
 <p:sld xmlns:a="http://schemas.openxmlformats.org/drawingml/2006/main" xmlns:r="http://schemas.openxmlformats.org/officeDocument/2006/relationships" xmlns:p="http://schemas.openxmlformats.org/presentationml/2006/main">
   <p:cSld>
+    <p:spTree>
+      <p:nvGrpSpPr>
+        <p:cNvPr id="1" name=""/>
+        <p:cNvGrpSpPr/>
+        <p:nvPr/>
+      </p:nvGrpSpPr>
+      <p:grpSpPr>
+        <a:xfrm>
+          <a:off x="0" y="0"/>
+          <a:ext cx="0" cy="0"/>
+          <a:chOff x="0" y="0"/>
+          <a:chExt cx="0" cy="0"/>
+        </a:xfrm>
+      </p:grpSpPr>
+      <p:sp>
+        <p:nvSpPr>
+          <p:cNvPr id="6" name="Title 5">
+            <a:extLst>
+              <a:ext uri="{FF2B5EF4-FFF2-40B4-BE49-F238E27FC236}">
+                <a16:creationId xmlns:a16="http://schemas.microsoft.com/office/drawing/2014/main" id="{30D27233-A60D-49C3-95F6-597ECF317F28}"/>
+              </a:ext>
+            </a:extLst>
+          </p:cNvPr>
+          <p:cNvSpPr>
+            <a:spLocks noGrp="1"/>
+          </p:cNvSpPr>
+          <p:nvPr>
+            <p:ph type="title"/>
+          </p:nvPr>
+        </p:nvSpPr>
+        <p:spPr>
+          <a:xfrm>
+            <a:off x="758952" y="758952"/>
+            <a:ext cx="10499074" cy="4754880"/>
+          </a:xfrm>
+        </p:spPr>
+        <p:txBody>
+          <a:bodyPr/>
+          <a:lstStyle/>
+          <a:p>
+            <a:pPr algn="ctr"/>
+            <a:br>
+              <a:rPr lang="en-US" dirty="0"/>
+            </a:br>
+            <a:br>
+              <a:rPr lang="en-US" dirty="0"/>
+            </a:br>
+            <a:br>
+              <a:rPr lang="en-US" dirty="0"/>
+            </a:br>
+            <a:r>
+              <a:rPr lang="en-US" dirty="0"/>
+              <a:t>Dashboard Tour</a:t>
+            </a:r>
+          </a:p>
+        </p:txBody>
+      </p:sp>
+    </p:spTree>
+    <p:extLst>
+      <p:ext uri="{BB962C8B-B14F-4D97-AF65-F5344CB8AC3E}">
+        <p14:creationId xmlns:p14="http://schemas.microsoft.com/office/powerpoint/2010/main" val="2669030247"/>
+      </p:ext>
+    </p:extLst>
+  </p:cSld>
+  <p:clrMapOvr>
+    <a:masterClrMapping/>
+  </p:clrMapOvr>
+</p:sld>
+</file>
+
+<file path=ppt/slides/slide11.xml><?xml version="1.0" encoding="utf-8"?>
+<p:sld xmlns:a="http://schemas.openxmlformats.org/drawingml/2006/main" xmlns:r="http://schemas.openxmlformats.org/officeDocument/2006/relationships" xmlns:p="http://schemas.openxmlformats.org/presentationml/2006/main">
+  <p:cSld>
     <p:bg>
       <p:bgPr>
         <a:solidFill>
@@ -9772,7 +9831,7 @@
 </p:sld>
 </file>
 
-<file path=ppt/slides/slide11.xml><?xml version="1.0" encoding="utf-8"?>
+<file path=ppt/slides/slide12.xml><?xml version="1.0" encoding="utf-8"?>
 <p:sld xmlns:a="http://schemas.openxmlformats.org/drawingml/2006/main" xmlns:r="http://schemas.openxmlformats.org/officeDocument/2006/relationships" xmlns:p="http://schemas.openxmlformats.org/presentationml/2006/main">
   <p:cSld>
     <p:bg>
@@ -10502,13 +10561,6 @@
             </a:r>
           </a:p>
           <a:p>
-            <a:pPr lvl="1"/>
-            <a:r>
-              <a:rPr lang="en-US" dirty="0"/>
-              <a:t>	*Preview of Dashboard and trigger automation</a:t>
-            </a:r>
-          </a:p>
-          <a:p>
             <a:r>
               <a:rPr lang="en-US" dirty="0"/>
               <a:t>Light Definitions</a:t>
@@ -11848,6 +11900,451 @@
       </p:grpSpPr>
       <p:sp useBgFill="1">
         <p:nvSpPr>
+          <p:cNvPr id="42" name="Rectangle 41">
+            <a:extLst>
+              <a:ext uri="{FF2B5EF4-FFF2-40B4-BE49-F238E27FC236}">
+                <a16:creationId xmlns:a16="http://schemas.microsoft.com/office/drawing/2014/main" id="{C5176844-69C3-4F79-BE38-EA5BDDF4FEA4}"/>
+              </a:ext>
+              <a:ext uri="{C183D7F6-B498-43B3-948B-1728B52AA6E4}">
+                <adec:decorative xmlns:adec="http://schemas.microsoft.com/office/drawing/2017/decorative" val="1"/>
+              </a:ext>
+            </a:extLst>
+          </p:cNvPr>
+          <p:cNvSpPr>
+            <a:spLocks noGrp="1" noRot="1" noChangeAspect="1" noMove="1" noResize="1" noEditPoints="1" noAdjustHandles="1" noChangeArrowheads="1" noChangeShapeType="1" noTextEdit="1"/>
+          </p:cNvSpPr>
+          <p:nvPr>
+            <p:extLst>
+              <p:ext uri="{386F3935-93C4-4BCD-93E2-E3B085C9AB24}">
+                <p16:designElem xmlns:p16="http://schemas.microsoft.com/office/powerpoint/2015/main" val="1"/>
+              </p:ext>
+            </p:extLst>
+          </p:nvPr>
+        </p:nvSpPr>
+        <p:spPr>
+          <a:xfrm>
+            <a:off x="0" y="0"/>
+            <a:ext cx="12192000" cy="6858000"/>
+          </a:xfrm>
+          <a:prstGeom prst="rect">
+            <a:avLst/>
+          </a:prstGeom>
+          <a:ln>
+            <a:noFill/>
+          </a:ln>
+        </p:spPr>
+        <p:style>
+          <a:lnRef idx="2">
+            <a:schemeClr val="accent1">
+              <a:shade val="50000"/>
+            </a:schemeClr>
+          </a:lnRef>
+          <a:fillRef idx="1">
+            <a:schemeClr val="accent1"/>
+          </a:fillRef>
+          <a:effectRef idx="0">
+            <a:schemeClr val="accent1"/>
+          </a:effectRef>
+          <a:fontRef idx="minor">
+            <a:schemeClr val="lt1"/>
+          </a:fontRef>
+        </p:style>
+        <p:txBody>
+          <a:bodyPr rtlCol="0" anchor="ctr"/>
+          <a:lstStyle/>
+          <a:p>
+            <a:pPr algn="ctr"/>
+            <a:endParaRPr lang="en-US"/>
+          </a:p>
+        </p:txBody>
+      </p:sp>
+      <p:sp>
+        <p:nvSpPr>
+          <p:cNvPr id="6" name="Title 5">
+            <a:extLst>
+              <a:ext uri="{FF2B5EF4-FFF2-40B4-BE49-F238E27FC236}">
+                <a16:creationId xmlns:a16="http://schemas.microsoft.com/office/drawing/2014/main" id="{AD88D555-A97B-4175-96FC-621CF93EE7E7}"/>
+              </a:ext>
+            </a:extLst>
+          </p:cNvPr>
+          <p:cNvSpPr>
+            <a:spLocks noGrp="1"/>
+          </p:cNvSpPr>
+          <p:nvPr>
+            <p:ph type="title"/>
+          </p:nvPr>
+        </p:nvSpPr>
+        <p:spPr>
+          <a:xfrm>
+            <a:off x="758952" y="420625"/>
+            <a:ext cx="10667998" cy="1326814"/>
+          </a:xfrm>
+        </p:spPr>
+        <p:txBody>
+          <a:bodyPr vert="horz" lIns="91440" tIns="45720" rIns="91440" bIns="45720" rtlCol="0" anchor="ctr">
+            <a:normAutofit/>
+          </a:bodyPr>
+          <a:lstStyle/>
+          <a:p>
+            <a:r>
+              <a:rPr lang="en-US" i="0" kern="1200" spc="100" baseline="0" dirty="0">
+                <a:latin typeface="+mj-lt"/>
+                <a:ea typeface="+mj-ea"/>
+                <a:cs typeface="+mj-cs"/>
+              </a:rPr>
+              <a:t>ERD</a:t>
+            </a:r>
+          </a:p>
+        </p:txBody>
+      </p:sp>
+      <p:cxnSp>
+        <p:nvCxnSpPr>
+          <p:cNvPr id="44" name="Straight Connector 43">
+            <a:extLst>
+              <a:ext uri="{FF2B5EF4-FFF2-40B4-BE49-F238E27FC236}">
+                <a16:creationId xmlns:a16="http://schemas.microsoft.com/office/drawing/2014/main" id="{4D5E13B1-3A31-47C7-8474-7A3DE600680D}"/>
+              </a:ext>
+              <a:ext uri="{C183D7F6-B498-43B3-948B-1728B52AA6E4}">
+                <adec:decorative xmlns:adec="http://schemas.microsoft.com/office/drawing/2017/decorative" val="1"/>
+              </a:ext>
+            </a:extLst>
+          </p:cNvPr>
+          <p:cNvCxnSpPr>
+            <a:cxnSpLocks noGrp="1" noRot="1" noChangeAspect="1" noMove="1" noResize="1" noEditPoints="1" noAdjustHandles="1" noChangeArrowheads="1" noChangeShapeType="1"/>
+          </p:cNvCxnSpPr>
+          <p:nvPr>
+            <p:extLst>
+              <p:ext uri="{386F3935-93C4-4BCD-93E2-E3B085C9AB24}">
+                <p16:designElem xmlns:p16="http://schemas.microsoft.com/office/powerpoint/2015/main" val="1"/>
+              </p:ext>
+            </p:extLst>
+          </p:nvPr>
+        </p:nvCxnSpPr>
+        <p:spPr>
+          <a:xfrm flipH="1">
+            <a:off x="843888" y="1976039"/>
+            <a:ext cx="10515600" cy="0"/>
+          </a:xfrm>
+          <a:prstGeom prst="line">
+            <a:avLst/>
+          </a:prstGeom>
+          <a:ln w="19050">
+            <a:solidFill>
+              <a:schemeClr val="tx1">
+                <a:lumMod val="85000"/>
+                <a:lumOff val="15000"/>
+              </a:schemeClr>
+            </a:solidFill>
+          </a:ln>
+        </p:spPr>
+        <p:style>
+          <a:lnRef idx="1">
+            <a:schemeClr val="accent1"/>
+          </a:lnRef>
+          <a:fillRef idx="0">
+            <a:schemeClr val="accent1"/>
+          </a:fillRef>
+          <a:effectRef idx="0">
+            <a:schemeClr val="accent1"/>
+          </a:effectRef>
+          <a:fontRef idx="minor">
+            <a:schemeClr val="tx1"/>
+          </a:fontRef>
+        </p:style>
+      </p:cxnSp>
+      <p:pic>
+        <p:nvPicPr>
+          <p:cNvPr id="13" name="Content Placeholder 12">
+            <a:extLst>
+              <a:ext uri="{FF2B5EF4-FFF2-40B4-BE49-F238E27FC236}">
+                <a16:creationId xmlns:a16="http://schemas.microsoft.com/office/drawing/2014/main" id="{01914D01-F678-45F0-B1D3-254EE2DC72A4}"/>
+              </a:ext>
+            </a:extLst>
+          </p:cNvPr>
+          <p:cNvPicPr>
+            <a:picLocks noChangeAspect="1"/>
+          </p:cNvPicPr>
+          <p:nvPr/>
+        </p:nvPicPr>
+        <p:blipFill rotWithShape="1">
+          <a:blip r:embed="rId2"/>
+          <a:srcRect t="2513" r="2" b="6656"/>
+          <a:stretch/>
+        </p:blipFill>
+        <p:spPr>
+          <a:xfrm>
+            <a:off x="2232372" y="276872"/>
+            <a:ext cx="9505358" cy="6160499"/>
+          </a:xfrm>
+          <a:prstGeom prst="rect">
+            <a:avLst/>
+          </a:prstGeom>
+        </p:spPr>
+      </p:pic>
+      <p:sp>
+        <p:nvSpPr>
+          <p:cNvPr id="46" name="Freeform 6">
+            <a:extLst>
+              <a:ext uri="{FF2B5EF4-FFF2-40B4-BE49-F238E27FC236}">
+                <a16:creationId xmlns:a16="http://schemas.microsoft.com/office/drawing/2014/main" id="{A101E513-AF74-4E9D-A31F-99664250722D}"/>
+              </a:ext>
+              <a:ext uri="{C183D7F6-B498-43B3-948B-1728B52AA6E4}">
+                <adec:decorative xmlns:adec="http://schemas.microsoft.com/office/drawing/2017/decorative" val="1"/>
+              </a:ext>
+            </a:extLst>
+          </p:cNvPr>
+          <p:cNvSpPr>
+            <a:spLocks noGrp="1" noRot="1" noChangeAspect="1" noMove="1" noResize="1" noEditPoints="1" noAdjustHandles="1" noChangeArrowheads="1" noChangeShapeType="1" noTextEdit="1"/>
+          </p:cNvSpPr>
+          <p:nvPr>
+            <p:extLst>
+              <p:ext uri="{386F3935-93C4-4BCD-93E2-E3B085C9AB24}">
+                <p16:designElem xmlns:p16="http://schemas.microsoft.com/office/powerpoint/2015/main" val="1"/>
+              </p:ext>
+            </p:extLst>
+          </p:nvPr>
+        </p:nvSpPr>
+        <p:spPr bwMode="auto">
+          <a:xfrm>
+            <a:off x="11784011" y="5783564"/>
+            <a:ext cx="407988" cy="819150"/>
+          </a:xfrm>
+          <a:custGeom>
+            <a:avLst/>
+            <a:gdLst/>
+            <a:ahLst/>
+            <a:cxnLst/>
+            <a:rect l="0" t="0" r="r" b="b"/>
+            <a:pathLst>
+              <a:path w="1799" h="3612">
+                <a:moveTo>
+                  <a:pt x="1799" y="0"/>
+                </a:moveTo>
+                <a:lnTo>
+                  <a:pt x="1799" y="3612"/>
+                </a:lnTo>
+                <a:lnTo>
+                  <a:pt x="1686" y="3609"/>
+                </a:lnTo>
+                <a:lnTo>
+                  <a:pt x="1574" y="3598"/>
+                </a:lnTo>
+                <a:lnTo>
+                  <a:pt x="1464" y="3581"/>
+                </a:lnTo>
+                <a:lnTo>
+                  <a:pt x="1357" y="3557"/>
+                </a:lnTo>
+                <a:lnTo>
+                  <a:pt x="1251" y="3527"/>
+                </a:lnTo>
+                <a:lnTo>
+                  <a:pt x="1150" y="3490"/>
+                </a:lnTo>
+                <a:lnTo>
+                  <a:pt x="1050" y="3448"/>
+                </a:lnTo>
+                <a:lnTo>
+                  <a:pt x="953" y="3401"/>
+                </a:lnTo>
+                <a:lnTo>
+                  <a:pt x="860" y="3347"/>
+                </a:lnTo>
+                <a:lnTo>
+                  <a:pt x="771" y="3289"/>
+                </a:lnTo>
+                <a:lnTo>
+                  <a:pt x="686" y="3224"/>
+                </a:lnTo>
+                <a:lnTo>
+                  <a:pt x="604" y="3156"/>
+                </a:lnTo>
+                <a:lnTo>
+                  <a:pt x="527" y="3083"/>
+                </a:lnTo>
+                <a:lnTo>
+                  <a:pt x="454" y="3005"/>
+                </a:lnTo>
+                <a:lnTo>
+                  <a:pt x="386" y="2923"/>
+                </a:lnTo>
+                <a:lnTo>
+                  <a:pt x="323" y="2838"/>
+                </a:lnTo>
+                <a:lnTo>
+                  <a:pt x="265" y="2748"/>
+                </a:lnTo>
+                <a:lnTo>
+                  <a:pt x="211" y="2655"/>
+                </a:lnTo>
+                <a:lnTo>
+                  <a:pt x="163" y="2559"/>
+                </a:lnTo>
+                <a:lnTo>
+                  <a:pt x="121" y="2459"/>
+                </a:lnTo>
+                <a:lnTo>
+                  <a:pt x="85" y="2356"/>
+                </a:lnTo>
+                <a:lnTo>
+                  <a:pt x="55" y="2251"/>
+                </a:lnTo>
+                <a:lnTo>
+                  <a:pt x="32" y="2143"/>
+                </a:lnTo>
+                <a:lnTo>
+                  <a:pt x="14" y="2033"/>
+                </a:lnTo>
+                <a:lnTo>
+                  <a:pt x="4" y="1920"/>
+                </a:lnTo>
+                <a:lnTo>
+                  <a:pt x="0" y="1806"/>
+                </a:lnTo>
+                <a:lnTo>
+                  <a:pt x="4" y="1692"/>
+                </a:lnTo>
+                <a:lnTo>
+                  <a:pt x="14" y="1580"/>
+                </a:lnTo>
+                <a:lnTo>
+                  <a:pt x="32" y="1469"/>
+                </a:lnTo>
+                <a:lnTo>
+                  <a:pt x="55" y="1362"/>
+                </a:lnTo>
+                <a:lnTo>
+                  <a:pt x="85" y="1256"/>
+                </a:lnTo>
+                <a:lnTo>
+                  <a:pt x="121" y="1154"/>
+                </a:lnTo>
+                <a:lnTo>
+                  <a:pt x="163" y="1054"/>
+                </a:lnTo>
+                <a:lnTo>
+                  <a:pt x="211" y="958"/>
+                </a:lnTo>
+                <a:lnTo>
+                  <a:pt x="265" y="864"/>
+                </a:lnTo>
+                <a:lnTo>
+                  <a:pt x="323" y="774"/>
+                </a:lnTo>
+                <a:lnTo>
+                  <a:pt x="386" y="689"/>
+                </a:lnTo>
+                <a:lnTo>
+                  <a:pt x="454" y="607"/>
+                </a:lnTo>
+                <a:lnTo>
+                  <a:pt x="527" y="529"/>
+                </a:lnTo>
+                <a:lnTo>
+                  <a:pt x="604" y="456"/>
+                </a:lnTo>
+                <a:lnTo>
+                  <a:pt x="686" y="388"/>
+                </a:lnTo>
+                <a:lnTo>
+                  <a:pt x="771" y="325"/>
+                </a:lnTo>
+                <a:lnTo>
+                  <a:pt x="860" y="266"/>
+                </a:lnTo>
+                <a:lnTo>
+                  <a:pt x="953" y="212"/>
+                </a:lnTo>
+                <a:lnTo>
+                  <a:pt x="1050" y="164"/>
+                </a:lnTo>
+                <a:lnTo>
+                  <a:pt x="1150" y="122"/>
+                </a:lnTo>
+                <a:lnTo>
+                  <a:pt x="1251" y="85"/>
+                </a:lnTo>
+                <a:lnTo>
+                  <a:pt x="1357" y="55"/>
+                </a:lnTo>
+                <a:lnTo>
+                  <a:pt x="1464" y="32"/>
+                </a:lnTo>
+                <a:lnTo>
+                  <a:pt x="1574" y="14"/>
+                </a:lnTo>
+                <a:lnTo>
+                  <a:pt x="1686" y="5"/>
+                </a:lnTo>
+                <a:lnTo>
+                  <a:pt x="1799" y="0"/>
+                </a:lnTo>
+                <a:close/>
+              </a:path>
+            </a:pathLst>
+          </a:custGeom>
+          <a:solidFill>
+            <a:schemeClr val="tx1">
+              <a:lumMod val="85000"/>
+              <a:lumOff val="15000"/>
+            </a:schemeClr>
+          </a:solidFill>
+          <a:ln w="0">
+            <a:noFill/>
+            <a:prstDash val="solid"/>
+            <a:round/>
+            <a:headEnd/>
+            <a:tailEnd/>
+          </a:ln>
+        </p:spPr>
+        <p:txBody>
+          <a:bodyPr anchor="ctr"/>
+          <a:lstStyle/>
+          <a:p>
+            <a:endParaRPr lang="en-US"/>
+          </a:p>
+        </p:txBody>
+      </p:sp>
+    </p:spTree>
+    <p:extLst>
+      <p:ext uri="{BB962C8B-B14F-4D97-AF65-F5344CB8AC3E}">
+        <p14:creationId xmlns:p14="http://schemas.microsoft.com/office/powerpoint/2010/main" val="1936435542"/>
+      </p:ext>
+    </p:extLst>
+  </p:cSld>
+  <p:clrMapOvr>
+    <a:masterClrMapping/>
+  </p:clrMapOvr>
+</p:sld>
+</file>
+
+<file path=ppt/slides/slide6.xml><?xml version="1.0" encoding="utf-8"?>
+<p:sld xmlns:a="http://schemas.openxmlformats.org/drawingml/2006/main" xmlns:r="http://schemas.openxmlformats.org/officeDocument/2006/relationships" xmlns:p="http://schemas.openxmlformats.org/presentationml/2006/main">
+  <p:cSld>
+    <p:bg>
+      <p:bgPr>
+        <a:solidFill>
+          <a:schemeClr val="bg2"/>
+        </a:solidFill>
+        <a:effectLst/>
+      </p:bgPr>
+    </p:bg>
+    <p:spTree>
+      <p:nvGrpSpPr>
+        <p:cNvPr id="1" name=""/>
+        <p:cNvGrpSpPr/>
+        <p:nvPr/>
+      </p:nvGrpSpPr>
+      <p:grpSpPr>
+        <a:xfrm>
+          <a:off x="0" y="0"/>
+          <a:ext cx="0" cy="0"/>
+          <a:chOff x="0" y="0"/>
+          <a:chExt cx="0" cy="0"/>
+        </a:xfrm>
+      </p:grpSpPr>
+      <p:sp useBgFill="1">
+        <p:nvSpPr>
           <p:cNvPr id="8" name="Rectangle 7">
             <a:extLst>
               <a:ext uri="{FF2B5EF4-FFF2-40B4-BE49-F238E27FC236}">
@@ -12295,7 +12792,7 @@
 </p:sld>
 </file>
 
-<file path=ppt/slides/slide6.xml><?xml version="1.0" encoding="utf-8"?>
+<file path=ppt/slides/slide7.xml><?xml version="1.0" encoding="utf-8"?>
 <p:sld xmlns:a="http://schemas.openxmlformats.org/drawingml/2006/main" xmlns:r="http://schemas.openxmlformats.org/officeDocument/2006/relationships" xmlns:p="http://schemas.openxmlformats.org/presentationml/2006/main">
   <p:cSld>
     <p:bg>
@@ -12504,12 +13001,12 @@
         <p:spPr>
           <a:xfrm>
             <a:off x="758823" y="2607732"/>
-            <a:ext cx="10868317" cy="3174357"/>
+            <a:ext cx="10868317" cy="2553815"/>
           </a:xfrm>
         </p:spPr>
         <p:txBody>
           <a:bodyPr>
-            <a:normAutofit fontScale="92500" lnSpcReduction="10000"/>
+            <a:normAutofit/>
           </a:bodyPr>
           <a:lstStyle/>
           <a:p>
@@ -12521,10 +13018,6 @@
               <a:rPr lang="en-US" sz="2800" b="1" dirty="0"/>
               <a:t>real time data </a:t>
             </a:r>
-            <a:r>
-              <a:rPr lang="en-US" sz="2800" dirty="0"/>
-              <a:t>for operators on which areas of their business drives their cost per meal (CPM)</a:t>
-            </a:r>
           </a:p>
           <a:p>
             <a:r>
@@ -12537,7 +13030,7 @@
             </a:r>
             <a:r>
               <a:rPr lang="en-US" sz="2800" dirty="0"/>
-              <a:t>and push information without operators having to run reports can help them with their day-to-day decisions faster for more precise decision making on food production</a:t>
+              <a:t>and push information without operators having to run reports</a:t>
             </a:r>
           </a:p>
         </p:txBody>
@@ -12779,7 +13272,7 @@
 </p:sld>
 </file>
 
-<file path=ppt/slides/slide7.xml><?xml version="1.0" encoding="utf-8"?>
+<file path=ppt/slides/slide8.xml><?xml version="1.0" encoding="utf-8"?>
 <p:sld xmlns:a="http://schemas.openxmlformats.org/drawingml/2006/main" xmlns:r="http://schemas.openxmlformats.org/officeDocument/2006/relationships" xmlns:p="http://schemas.openxmlformats.org/presentationml/2006/main">
   <p:cSld>
     <p:bg>
@@ -12959,13 +13452,18 @@
           <a:lstStyle/>
           <a:p>
             <a:r>
-              <a:rPr lang="en-US" dirty="0">
+              <a:rPr lang="en-US">
                 <a:solidFill>
                   <a:schemeClr val="bg1"/>
                 </a:solidFill>
               </a:rPr>
               <a:t>Workflow</a:t>
             </a:r>
+            <a:endParaRPr lang="en-US" dirty="0">
+              <a:solidFill>
+                <a:schemeClr val="bg1"/>
+              </a:solidFill>
+            </a:endParaRPr>
           </a:p>
         </p:txBody>
       </p:sp>
@@ -13209,7 +13707,7 @@
             <p:ph idx="1"/>
             <p:extLst>
               <p:ext uri="{D42A27DB-BD31-4B8C-83A1-F6EECF244321}">
-                <p14:modId xmlns:p14="http://schemas.microsoft.com/office/powerpoint/2010/main" val="480657411"/>
+                <p14:modId xmlns:p14="http://schemas.microsoft.com/office/powerpoint/2010/main" val="2885769957"/>
               </p:ext>
             </p:extLst>
           </p:nvPr>
@@ -13237,7 +13735,7 @@
 </p:sld>
 </file>
 
-<file path=ppt/slides/slide8.xml><?xml version="1.0" encoding="utf-8"?>
+<file path=ppt/slides/slide9.xml><?xml version="1.0" encoding="utf-8"?>
 <p:sld xmlns:a="http://schemas.openxmlformats.org/drawingml/2006/main" xmlns:r="http://schemas.openxmlformats.org/officeDocument/2006/relationships" xmlns:p="http://schemas.openxmlformats.org/presentationml/2006/main" show="0">
   <p:cSld>
     <p:bg>
@@ -13811,79 +14309,6 @@
     <p:extLst>
       <p:ext uri="{BB962C8B-B14F-4D97-AF65-F5344CB8AC3E}">
         <p14:creationId xmlns:p14="http://schemas.microsoft.com/office/powerpoint/2010/main" val="1853578171"/>
-      </p:ext>
-    </p:extLst>
-  </p:cSld>
-  <p:clrMapOvr>
-    <a:masterClrMapping/>
-  </p:clrMapOvr>
-</p:sld>
-</file>
-
-<file path=ppt/slides/slide9.xml><?xml version="1.0" encoding="utf-8"?>
-<p:sld xmlns:a="http://schemas.openxmlformats.org/drawingml/2006/main" xmlns:r="http://schemas.openxmlformats.org/officeDocument/2006/relationships" xmlns:p="http://schemas.openxmlformats.org/presentationml/2006/main">
-  <p:cSld>
-    <p:spTree>
-      <p:nvGrpSpPr>
-        <p:cNvPr id="1" name=""/>
-        <p:cNvGrpSpPr/>
-        <p:nvPr/>
-      </p:nvGrpSpPr>
-      <p:grpSpPr>
-        <a:xfrm>
-          <a:off x="0" y="0"/>
-          <a:ext cx="0" cy="0"/>
-          <a:chOff x="0" y="0"/>
-          <a:chExt cx="0" cy="0"/>
-        </a:xfrm>
-      </p:grpSpPr>
-      <p:sp>
-        <p:nvSpPr>
-          <p:cNvPr id="6" name="Title 5">
-            <a:extLst>
-              <a:ext uri="{FF2B5EF4-FFF2-40B4-BE49-F238E27FC236}">
-                <a16:creationId xmlns:a16="http://schemas.microsoft.com/office/drawing/2014/main" id="{30D27233-A60D-49C3-95F6-597ECF317F28}"/>
-              </a:ext>
-            </a:extLst>
-          </p:cNvPr>
-          <p:cNvSpPr>
-            <a:spLocks noGrp="1"/>
-          </p:cNvSpPr>
-          <p:nvPr>
-            <p:ph type="title"/>
-          </p:nvPr>
-        </p:nvSpPr>
-        <p:spPr>
-          <a:xfrm>
-            <a:off x="758952" y="758952"/>
-            <a:ext cx="10499074" cy="4754880"/>
-          </a:xfrm>
-        </p:spPr>
-        <p:txBody>
-          <a:bodyPr/>
-          <a:lstStyle/>
-          <a:p>
-            <a:pPr algn="ctr"/>
-            <a:br>
-              <a:rPr lang="en-US" dirty="0"/>
-            </a:br>
-            <a:br>
-              <a:rPr lang="en-US" dirty="0"/>
-            </a:br>
-            <a:br>
-              <a:rPr lang="en-US" dirty="0"/>
-            </a:br>
-            <a:r>
-              <a:rPr lang="en-US" dirty="0"/>
-              <a:t>Dashboard Tour</a:t>
-            </a:r>
-          </a:p>
-        </p:txBody>
-      </p:sp>
-    </p:spTree>
-    <p:extLst>
-      <p:ext uri="{BB962C8B-B14F-4D97-AF65-F5344CB8AC3E}">
-        <p14:creationId xmlns:p14="http://schemas.microsoft.com/office/powerpoint/2010/main" val="2669030247"/>
       </p:ext>
     </p:extLst>
   </p:cSld>

--- a/Capstone_Menu_Dashboard.pptx
+++ b/Capstone_Menu_Dashboard.pptx
@@ -12,14 +12,14 @@
     <p:sldId id="257" r:id="rId3"/>
     <p:sldId id="260" r:id="rId4"/>
     <p:sldId id="262" r:id="rId5"/>
-    <p:sldId id="268" r:id="rId6"/>
-    <p:sldId id="267" r:id="rId7"/>
-    <p:sldId id="258" r:id="rId8"/>
-    <p:sldId id="261" r:id="rId9"/>
-    <p:sldId id="263" r:id="rId10"/>
-    <p:sldId id="264" r:id="rId11"/>
-    <p:sldId id="266" r:id="rId12"/>
-    <p:sldId id="265" r:id="rId13"/>
+    <p:sldId id="267" r:id="rId6"/>
+    <p:sldId id="258" r:id="rId7"/>
+    <p:sldId id="261" r:id="rId8"/>
+    <p:sldId id="263" r:id="rId9"/>
+    <p:sldId id="264" r:id="rId10"/>
+    <p:sldId id="266" r:id="rId11"/>
+    <p:sldId id="265" r:id="rId12"/>
+    <p:sldId id="268" r:id="rId13"/>
   </p:sldIdLst>
   <p:sldSz cx="12192000" cy="6858000"/>
   <p:notesSz cx="6858000" cy="9144000"/>
@@ -3173,7 +3173,7 @@
           <a:p>
             <a:fld id="{ED90F43D-4044-4A26-9D93-6F286803623C}" type="datetimeFigureOut">
               <a:rPr lang="en-US" smtClean="0"/>
-              <a:t>1/3/2022</a:t>
+              <a:t>1/4/2022</a:t>
             </a:fld>
             <a:endParaRPr lang="en-US"/>
           </a:p>
@@ -3725,7 +3725,7 @@
           <a:p>
             <a:fld id="{D4227442-D60C-45DE-8F50-C791EE48E3D2}" type="slidenum">
               <a:rPr lang="en-US" smtClean="0"/>
-              <a:t>6</a:t>
+              <a:t>5</a:t>
             </a:fld>
             <a:endParaRPr lang="en-US"/>
           </a:p>
@@ -3855,7 +3855,7 @@
           <a:p>
             <a:fld id="{D4227442-D60C-45DE-8F50-C791EE48E3D2}" type="slidenum">
               <a:rPr lang="en-US" smtClean="0"/>
-              <a:t>7</a:t>
+              <a:t>6</a:t>
             </a:fld>
             <a:endParaRPr lang="en-US"/>
           </a:p>
@@ -4090,7 +4090,7 @@
           <a:p>
             <a:fld id="{D4227442-D60C-45DE-8F50-C791EE48E3D2}" type="slidenum">
               <a:rPr lang="en-US" smtClean="0"/>
-              <a:t>8</a:t>
+              <a:t>7</a:t>
             </a:fld>
             <a:endParaRPr lang="en-US"/>
           </a:p>
@@ -4197,7 +4197,7 @@
           <a:p>
             <a:fld id="{D4227442-D60C-45DE-8F50-C791EE48E3D2}" type="slidenum">
               <a:rPr lang="en-US" smtClean="0"/>
-              <a:t>12</a:t>
+              <a:t>11</a:t>
             </a:fld>
             <a:endParaRPr lang="en-US"/>
           </a:p>
@@ -4637,7 +4637,7 @@
           <a:p>
             <a:fld id="{53BEF823-48A5-43FC-BE03-E79964288B41}" type="datetimeFigureOut">
               <a:rPr lang="en-US" smtClean="0"/>
-              <a:t>1/3/2022</a:t>
+              <a:t>1/4/2022</a:t>
             </a:fld>
             <a:endParaRPr lang="en-US" dirty="0"/>
           </a:p>
@@ -4848,7 +4848,7 @@
             <a:fld id="{53BEF823-48A5-43FC-BE03-E79964288B41}" type="datetimeFigureOut">
               <a:rPr lang="en-US" smtClean="0"/>
               <a:pPr algn="r"/>
-              <a:t>1/3/2022</a:t>
+              <a:t>1/4/2022</a:t>
             </a:fld>
             <a:endParaRPr lang="en-US" dirty="0"/>
           </a:p>
@@ -5063,7 +5063,7 @@
             <a:fld id="{53BEF823-48A5-43FC-BE03-E79964288B41}" type="datetimeFigureOut">
               <a:rPr lang="en-US" smtClean="0"/>
               <a:pPr algn="r"/>
-              <a:t>1/3/2022</a:t>
+              <a:t>1/4/2022</a:t>
             </a:fld>
             <a:endParaRPr lang="en-US" dirty="0"/>
           </a:p>
@@ -5266,7 +5266,7 @@
             <a:fld id="{53BEF823-48A5-43FC-BE03-E79964288B41}" type="datetimeFigureOut">
               <a:rPr lang="en-US" smtClean="0"/>
               <a:pPr algn="r"/>
-              <a:t>1/3/2022</a:t>
+              <a:t>1/4/2022</a:t>
             </a:fld>
             <a:endParaRPr lang="en-US" dirty="0"/>
           </a:p>
@@ -5550,7 +5550,7 @@
             <a:fld id="{53BEF823-48A5-43FC-BE03-E79964288B41}" type="datetimeFigureOut">
               <a:rPr lang="en-US" smtClean="0"/>
               <a:pPr algn="r"/>
-              <a:t>1/3/2022</a:t>
+              <a:t>1/4/2022</a:t>
             </a:fld>
             <a:endParaRPr lang="en-US" dirty="0"/>
           </a:p>
@@ -5794,7 +5794,7 @@
             <a:fld id="{53BEF823-48A5-43FC-BE03-E79964288B41}" type="datetimeFigureOut">
               <a:rPr lang="en-US" smtClean="0"/>
               <a:pPr algn="r"/>
-              <a:t>1/3/2022</a:t>
+              <a:t>1/4/2022</a:t>
             </a:fld>
             <a:endParaRPr lang="en-US" dirty="0"/>
           </a:p>
@@ -6237,7 +6237,7 @@
             <a:fld id="{53BEF823-48A5-43FC-BE03-E79964288B41}" type="datetimeFigureOut">
               <a:rPr lang="en-US" smtClean="0"/>
               <a:pPr algn="r"/>
-              <a:t>1/3/2022</a:t>
+              <a:t>1/4/2022</a:t>
             </a:fld>
             <a:endParaRPr lang="en-US" dirty="0"/>
           </a:p>
@@ -6383,7 +6383,7 @@
             <a:fld id="{53BEF823-48A5-43FC-BE03-E79964288B41}" type="datetimeFigureOut">
               <a:rPr lang="en-US" smtClean="0"/>
               <a:pPr algn="r"/>
-              <a:t>1/3/2022</a:t>
+              <a:t>1/4/2022</a:t>
             </a:fld>
             <a:endParaRPr lang="en-US" dirty="0"/>
           </a:p>
@@ -6501,7 +6501,7 @@
             <a:fld id="{53BEF823-48A5-43FC-BE03-E79964288B41}" type="datetimeFigureOut">
               <a:rPr lang="en-US" smtClean="0"/>
               <a:pPr algn="r"/>
-              <a:t>1/3/2022</a:t>
+              <a:t>1/4/2022</a:t>
             </a:fld>
             <a:endParaRPr lang="en-US" dirty="0"/>
           </a:p>
@@ -6785,7 +6785,7 @@
             <a:fld id="{53BEF823-48A5-43FC-BE03-E79964288B41}" type="datetimeFigureOut">
               <a:rPr lang="en-US" smtClean="0"/>
               <a:pPr algn="r"/>
-              <a:t>1/3/2022</a:t>
+              <a:t>1/4/2022</a:t>
             </a:fld>
             <a:endParaRPr lang="en-US" dirty="0"/>
           </a:p>
@@ -7080,7 +7080,7 @@
             <a:fld id="{53BEF823-48A5-43FC-BE03-E79964288B41}" type="datetimeFigureOut">
               <a:rPr lang="en-US" smtClean="0"/>
               <a:pPr algn="r"/>
-              <a:t>1/3/2022</a:t>
+              <a:t>1/4/2022</a:t>
             </a:fld>
             <a:endParaRPr lang="en-US" dirty="0"/>
           </a:p>
@@ -7575,7 +7575,7 @@
             <a:fld id="{53BEF823-48A5-43FC-BE03-E79964288B41}" type="datetimeFigureOut">
               <a:rPr lang="en-US" smtClean="0"/>
               <a:pPr algn="r"/>
-              <a:t>1/3/2022</a:t>
+              <a:t>1/4/2022</a:t>
             </a:fld>
             <a:endParaRPr lang="en-US" dirty="0"/>
           </a:p>
@@ -8534,79 +8534,6 @@
 <file path=ppt/slides/slide10.xml><?xml version="1.0" encoding="utf-8"?>
 <p:sld xmlns:a="http://schemas.openxmlformats.org/drawingml/2006/main" xmlns:r="http://schemas.openxmlformats.org/officeDocument/2006/relationships" xmlns:p="http://schemas.openxmlformats.org/presentationml/2006/main">
   <p:cSld>
-    <p:spTree>
-      <p:nvGrpSpPr>
-        <p:cNvPr id="1" name=""/>
-        <p:cNvGrpSpPr/>
-        <p:nvPr/>
-      </p:nvGrpSpPr>
-      <p:grpSpPr>
-        <a:xfrm>
-          <a:off x="0" y="0"/>
-          <a:ext cx="0" cy="0"/>
-          <a:chOff x="0" y="0"/>
-          <a:chExt cx="0" cy="0"/>
-        </a:xfrm>
-      </p:grpSpPr>
-      <p:sp>
-        <p:nvSpPr>
-          <p:cNvPr id="6" name="Title 5">
-            <a:extLst>
-              <a:ext uri="{FF2B5EF4-FFF2-40B4-BE49-F238E27FC236}">
-                <a16:creationId xmlns:a16="http://schemas.microsoft.com/office/drawing/2014/main" id="{30D27233-A60D-49C3-95F6-597ECF317F28}"/>
-              </a:ext>
-            </a:extLst>
-          </p:cNvPr>
-          <p:cNvSpPr>
-            <a:spLocks noGrp="1"/>
-          </p:cNvSpPr>
-          <p:nvPr>
-            <p:ph type="title"/>
-          </p:nvPr>
-        </p:nvSpPr>
-        <p:spPr>
-          <a:xfrm>
-            <a:off x="758952" y="758952"/>
-            <a:ext cx="10499074" cy="4754880"/>
-          </a:xfrm>
-        </p:spPr>
-        <p:txBody>
-          <a:bodyPr/>
-          <a:lstStyle/>
-          <a:p>
-            <a:pPr algn="ctr"/>
-            <a:br>
-              <a:rPr lang="en-US" dirty="0"/>
-            </a:br>
-            <a:br>
-              <a:rPr lang="en-US" dirty="0"/>
-            </a:br>
-            <a:br>
-              <a:rPr lang="en-US" dirty="0"/>
-            </a:br>
-            <a:r>
-              <a:rPr lang="en-US" dirty="0"/>
-              <a:t>Dashboard Tour</a:t>
-            </a:r>
-          </a:p>
-        </p:txBody>
-      </p:sp>
-    </p:spTree>
-    <p:extLst>
-      <p:ext uri="{BB962C8B-B14F-4D97-AF65-F5344CB8AC3E}">
-        <p14:creationId xmlns:p14="http://schemas.microsoft.com/office/powerpoint/2010/main" val="2669030247"/>
-      </p:ext>
-    </p:extLst>
-  </p:cSld>
-  <p:clrMapOvr>
-    <a:masterClrMapping/>
-  </p:clrMapOvr>
-</p:sld>
-</file>
-
-<file path=ppt/slides/slide11.xml><?xml version="1.0" encoding="utf-8"?>
-<p:sld xmlns:a="http://schemas.openxmlformats.org/drawingml/2006/main" xmlns:r="http://schemas.openxmlformats.org/officeDocument/2006/relationships" xmlns:p="http://schemas.openxmlformats.org/presentationml/2006/main">
-  <p:cSld>
     <p:bg>
       <p:bgPr>
         <a:solidFill>
@@ -9670,8 +9597,21 @@
                   <a:schemeClr val="bg1"/>
                 </a:solidFill>
               </a:rPr>
-              <a:t>Python schedule &amp; time libraries for setting up automation loops</a:t>
-            </a:r>
+              <a:t>Python schedule &amp; time libraries for setting up </a:t>
+            </a:r>
+            <a:r>
+              <a:rPr lang="en-US" sz="1700">
+                <a:solidFill>
+                  <a:schemeClr val="bg1"/>
+                </a:solidFill>
+              </a:rPr>
+              <a:t>automation </a:t>
+            </a:r>
+            <a:endParaRPr lang="en-US" sz="1700" dirty="0">
+              <a:solidFill>
+                <a:schemeClr val="bg1"/>
+              </a:solidFill>
+            </a:endParaRPr>
           </a:p>
           <a:p>
             <a:pPr marL="182880" indent="-182880">
@@ -9831,7 +9771,7 @@
 </p:sld>
 </file>
 
-<file path=ppt/slides/slide12.xml><?xml version="1.0" encoding="utf-8"?>
+<file path=ppt/slides/slide11.xml><?xml version="1.0" encoding="utf-8"?>
 <p:sld xmlns:a="http://schemas.openxmlformats.org/drawingml/2006/main" xmlns:r="http://schemas.openxmlformats.org/officeDocument/2006/relationships" xmlns:p="http://schemas.openxmlformats.org/presentationml/2006/main">
   <p:cSld>
     <p:bg>
@@ -10337,1543 +10277,7 @@
 </p:sld>
 </file>
 
-<file path=ppt/slides/slide2.xml><?xml version="1.0" encoding="utf-8"?>
-<p:sld xmlns:a="http://schemas.openxmlformats.org/drawingml/2006/main" xmlns:r="http://schemas.openxmlformats.org/officeDocument/2006/relationships" xmlns:p="http://schemas.openxmlformats.org/presentationml/2006/main">
-  <p:cSld>
-    <p:bg>
-      <p:bgPr>
-        <a:solidFill>
-          <a:schemeClr val="bg2"/>
-        </a:solidFill>
-        <a:effectLst/>
-      </p:bgPr>
-    </p:bg>
-    <p:spTree>
-      <p:nvGrpSpPr>
-        <p:cNvPr id="1" name=""/>
-        <p:cNvGrpSpPr/>
-        <p:nvPr/>
-      </p:nvGrpSpPr>
-      <p:grpSpPr>
-        <a:xfrm>
-          <a:off x="0" y="0"/>
-          <a:ext cx="0" cy="0"/>
-          <a:chOff x="0" y="0"/>
-          <a:chExt cx="0" cy="0"/>
-        </a:xfrm>
-      </p:grpSpPr>
-      <p:sp useBgFill="1">
-        <p:nvSpPr>
-          <p:cNvPr id="13" name="Rectangle 12">
-            <a:extLst>
-              <a:ext uri="{FF2B5EF4-FFF2-40B4-BE49-F238E27FC236}">
-                <a16:creationId xmlns:a16="http://schemas.microsoft.com/office/drawing/2014/main" id="{C5176844-69C3-4F79-BE38-EA5BDDF4FEA4}"/>
-              </a:ext>
-              <a:ext uri="{C183D7F6-B498-43B3-948B-1728B52AA6E4}">
-                <adec:decorative xmlns:adec="http://schemas.microsoft.com/office/drawing/2017/decorative" val="1"/>
-              </a:ext>
-            </a:extLst>
-          </p:cNvPr>
-          <p:cNvSpPr>
-            <a:spLocks noGrp="1" noRot="1" noChangeAspect="1" noMove="1" noResize="1" noEditPoints="1" noAdjustHandles="1" noChangeArrowheads="1" noChangeShapeType="1" noTextEdit="1"/>
-          </p:cNvSpPr>
-          <p:nvPr>
-            <p:extLst>
-              <p:ext uri="{386F3935-93C4-4BCD-93E2-E3B085C9AB24}">
-                <p16:designElem xmlns:p16="http://schemas.microsoft.com/office/powerpoint/2015/main" val="1"/>
-              </p:ext>
-            </p:extLst>
-          </p:nvPr>
-        </p:nvSpPr>
-        <p:spPr>
-          <a:xfrm>
-            <a:off x="0" y="0"/>
-            <a:ext cx="12192000" cy="6858000"/>
-          </a:xfrm>
-          <a:prstGeom prst="rect">
-            <a:avLst/>
-          </a:prstGeom>
-          <a:ln>
-            <a:noFill/>
-          </a:ln>
-        </p:spPr>
-        <p:style>
-          <a:lnRef idx="2">
-            <a:schemeClr val="accent1">
-              <a:shade val="50000"/>
-            </a:schemeClr>
-          </a:lnRef>
-          <a:fillRef idx="1">
-            <a:schemeClr val="accent1"/>
-          </a:fillRef>
-          <a:effectRef idx="0">
-            <a:schemeClr val="accent1"/>
-          </a:effectRef>
-          <a:fontRef idx="minor">
-            <a:schemeClr val="lt1"/>
-          </a:fontRef>
-        </p:style>
-        <p:txBody>
-          <a:bodyPr rtlCol="0" anchor="ctr"/>
-          <a:lstStyle/>
-          <a:p>
-            <a:pPr algn="ctr"/>
-            <a:endParaRPr lang="en-US"/>
-          </a:p>
-        </p:txBody>
-      </p:sp>
-      <p:sp>
-        <p:nvSpPr>
-          <p:cNvPr id="15" name="Rectangle 14">
-            <a:extLst>
-              <a:ext uri="{FF2B5EF4-FFF2-40B4-BE49-F238E27FC236}">
-                <a16:creationId xmlns:a16="http://schemas.microsoft.com/office/drawing/2014/main" id="{1CF1AAE4-D0BC-430F-A613-7BBAAECA0C2D}"/>
-              </a:ext>
-              <a:ext uri="{C183D7F6-B498-43B3-948B-1728B52AA6E4}">
-                <adec:decorative xmlns:adec="http://schemas.microsoft.com/office/drawing/2017/decorative" val="1"/>
-              </a:ext>
-            </a:extLst>
-          </p:cNvPr>
-          <p:cNvSpPr>
-            <a:spLocks noGrp="1" noRot="1" noChangeAspect="1" noMove="1" noResize="1" noEditPoints="1" noAdjustHandles="1" noChangeArrowheads="1" noChangeShapeType="1" noTextEdit="1"/>
-          </p:cNvSpPr>
-          <p:nvPr>
-            <p:extLst>
-              <p:ext uri="{386F3935-93C4-4BCD-93E2-E3B085C9AB24}">
-                <p16:designElem xmlns:p16="http://schemas.microsoft.com/office/powerpoint/2015/main" val="1"/>
-              </p:ext>
-            </p:extLst>
-          </p:nvPr>
-        </p:nvSpPr>
-        <p:spPr>
-          <a:xfrm>
-            <a:off x="0" y="0"/>
-            <a:ext cx="12191999" cy="2285999"/>
-          </a:xfrm>
-          <a:prstGeom prst="rect">
-            <a:avLst/>
-          </a:prstGeom>
-          <a:solidFill>
-            <a:schemeClr val="tx1">
-              <a:lumMod val="85000"/>
-              <a:lumOff val="15000"/>
-            </a:schemeClr>
-          </a:solidFill>
-          <a:ln>
-            <a:noFill/>
-          </a:ln>
-        </p:spPr>
-        <p:style>
-          <a:lnRef idx="2">
-            <a:schemeClr val="accent1">
-              <a:shade val="50000"/>
-            </a:schemeClr>
-          </a:lnRef>
-          <a:fillRef idx="1">
-            <a:schemeClr val="accent1"/>
-          </a:fillRef>
-          <a:effectRef idx="0">
-            <a:schemeClr val="accent1"/>
-          </a:effectRef>
-          <a:fontRef idx="minor">
-            <a:schemeClr val="lt1"/>
-          </a:fontRef>
-        </p:style>
-        <p:txBody>
-          <a:bodyPr rtlCol="0" anchor="ctr"/>
-          <a:lstStyle/>
-          <a:p>
-            <a:pPr algn="ctr"/>
-            <a:endParaRPr lang="en-US"/>
-          </a:p>
-        </p:txBody>
-      </p:sp>
-      <p:sp>
-        <p:nvSpPr>
-          <p:cNvPr id="7" name="Title 6">
-            <a:extLst>
-              <a:ext uri="{FF2B5EF4-FFF2-40B4-BE49-F238E27FC236}">
-                <a16:creationId xmlns:a16="http://schemas.microsoft.com/office/drawing/2014/main" id="{8D751298-BC96-4D2C-98F3-882F06FBDBF3}"/>
-              </a:ext>
-            </a:extLst>
-          </p:cNvPr>
-          <p:cNvSpPr>
-            <a:spLocks noGrp="1"/>
-          </p:cNvSpPr>
-          <p:nvPr>
-            <p:ph type="title"/>
-          </p:nvPr>
-        </p:nvSpPr>
-        <p:spPr>
-          <a:xfrm>
-            <a:off x="758952" y="379475"/>
-            <a:ext cx="10671048" cy="1554480"/>
-          </a:xfrm>
-        </p:spPr>
-        <p:txBody>
-          <a:bodyPr anchor="ctr">
-            <a:normAutofit/>
-          </a:bodyPr>
-          <a:lstStyle/>
-          <a:p>
-            <a:r>
-              <a:rPr lang="en-US">
-                <a:solidFill>
-                  <a:schemeClr val="bg1"/>
-                </a:solidFill>
-              </a:rPr>
-              <a:t>Agenda</a:t>
-            </a:r>
-          </a:p>
-        </p:txBody>
-      </p:sp>
-      <p:sp>
-        <p:nvSpPr>
-          <p:cNvPr id="8" name="Content Placeholder 7">
-            <a:extLst>
-              <a:ext uri="{FF2B5EF4-FFF2-40B4-BE49-F238E27FC236}">
-                <a16:creationId xmlns:a16="http://schemas.microsoft.com/office/drawing/2014/main" id="{14D205FF-4AD1-4AEA-B5E9-DF9D4382295F}"/>
-              </a:ext>
-            </a:extLst>
-          </p:cNvPr>
-          <p:cNvSpPr>
-            <a:spLocks noGrp="1"/>
-          </p:cNvSpPr>
-          <p:nvPr>
-            <p:ph idx="1"/>
-          </p:nvPr>
-        </p:nvSpPr>
-        <p:spPr>
-          <a:xfrm>
-            <a:off x="360727" y="2607732"/>
-            <a:ext cx="10511405" cy="3994982"/>
-          </a:xfrm>
-        </p:spPr>
-        <p:txBody>
-          <a:bodyPr>
-            <a:normAutofit/>
-          </a:bodyPr>
-          <a:lstStyle/>
-          <a:p>
-            <a:r>
-              <a:rPr lang="en-US" dirty="0"/>
-              <a:t>Mission</a:t>
-            </a:r>
-          </a:p>
-          <a:p>
-            <a:r>
-              <a:rPr lang="en-US" dirty="0"/>
-              <a:t>Light Definitions</a:t>
-            </a:r>
-          </a:p>
-          <a:p>
-            <a:r>
-              <a:rPr lang="en-US" dirty="0"/>
-              <a:t>Motivation &amp; Data Question </a:t>
-            </a:r>
-          </a:p>
-          <a:p>
-            <a:r>
-              <a:rPr lang="en-US" dirty="0"/>
-              <a:t>Workflow</a:t>
-            </a:r>
-          </a:p>
-          <a:p>
-            <a:r>
-              <a:rPr lang="en-US" dirty="0"/>
-              <a:t>Tour of Dashboard</a:t>
-            </a:r>
-          </a:p>
-          <a:p>
-            <a:r>
-              <a:rPr lang="en-US" dirty="0"/>
-              <a:t>Technologies Used</a:t>
-            </a:r>
-          </a:p>
-          <a:p>
-            <a:r>
-              <a:rPr lang="en-US" dirty="0"/>
-              <a:t>Moving Forward</a:t>
-            </a:r>
-          </a:p>
-          <a:p>
-            <a:endParaRPr lang="en-US" dirty="0"/>
-          </a:p>
-        </p:txBody>
-      </p:sp>
-      <p:sp>
-        <p:nvSpPr>
-          <p:cNvPr id="17" name="Freeform 6">
-            <a:extLst>
-              <a:ext uri="{FF2B5EF4-FFF2-40B4-BE49-F238E27FC236}">
-                <a16:creationId xmlns:a16="http://schemas.microsoft.com/office/drawing/2014/main" id="{A101E513-AF74-4E9D-A31F-99664250722D}"/>
-              </a:ext>
-              <a:ext uri="{C183D7F6-B498-43B3-948B-1728B52AA6E4}">
-                <adec:decorative xmlns:adec="http://schemas.microsoft.com/office/drawing/2017/decorative" val="1"/>
-              </a:ext>
-            </a:extLst>
-          </p:cNvPr>
-          <p:cNvSpPr>
-            <a:spLocks noGrp="1" noRot="1" noChangeAspect="1" noMove="1" noResize="1" noEditPoints="1" noAdjustHandles="1" noChangeArrowheads="1" noChangeShapeType="1" noTextEdit="1"/>
-          </p:cNvSpPr>
-          <p:nvPr>
-            <p:extLst>
-              <p:ext uri="{386F3935-93C4-4BCD-93E2-E3B085C9AB24}">
-                <p16:designElem xmlns:p16="http://schemas.microsoft.com/office/powerpoint/2015/main" val="1"/>
-              </p:ext>
-            </p:extLst>
-          </p:nvPr>
-        </p:nvSpPr>
-        <p:spPr bwMode="auto">
-          <a:xfrm>
-            <a:off x="11784011" y="5783564"/>
-            <a:ext cx="407988" cy="819150"/>
-          </a:xfrm>
-          <a:custGeom>
-            <a:avLst/>
-            <a:gdLst/>
-            <a:ahLst/>
-            <a:cxnLst/>
-            <a:rect l="0" t="0" r="r" b="b"/>
-            <a:pathLst>
-              <a:path w="1799" h="3612">
-                <a:moveTo>
-                  <a:pt x="1799" y="0"/>
-                </a:moveTo>
-                <a:lnTo>
-                  <a:pt x="1799" y="3612"/>
-                </a:lnTo>
-                <a:lnTo>
-                  <a:pt x="1686" y="3609"/>
-                </a:lnTo>
-                <a:lnTo>
-                  <a:pt x="1574" y="3598"/>
-                </a:lnTo>
-                <a:lnTo>
-                  <a:pt x="1464" y="3581"/>
-                </a:lnTo>
-                <a:lnTo>
-                  <a:pt x="1357" y="3557"/>
-                </a:lnTo>
-                <a:lnTo>
-                  <a:pt x="1251" y="3527"/>
-                </a:lnTo>
-                <a:lnTo>
-                  <a:pt x="1150" y="3490"/>
-                </a:lnTo>
-                <a:lnTo>
-                  <a:pt x="1050" y="3448"/>
-                </a:lnTo>
-                <a:lnTo>
-                  <a:pt x="953" y="3401"/>
-                </a:lnTo>
-                <a:lnTo>
-                  <a:pt x="860" y="3347"/>
-                </a:lnTo>
-                <a:lnTo>
-                  <a:pt x="771" y="3289"/>
-                </a:lnTo>
-                <a:lnTo>
-                  <a:pt x="686" y="3224"/>
-                </a:lnTo>
-                <a:lnTo>
-                  <a:pt x="604" y="3156"/>
-                </a:lnTo>
-                <a:lnTo>
-                  <a:pt x="527" y="3083"/>
-                </a:lnTo>
-                <a:lnTo>
-                  <a:pt x="454" y="3005"/>
-                </a:lnTo>
-                <a:lnTo>
-                  <a:pt x="386" y="2923"/>
-                </a:lnTo>
-                <a:lnTo>
-                  <a:pt x="323" y="2838"/>
-                </a:lnTo>
-                <a:lnTo>
-                  <a:pt x="265" y="2748"/>
-                </a:lnTo>
-                <a:lnTo>
-                  <a:pt x="211" y="2655"/>
-                </a:lnTo>
-                <a:lnTo>
-                  <a:pt x="163" y="2559"/>
-                </a:lnTo>
-                <a:lnTo>
-                  <a:pt x="121" y="2459"/>
-                </a:lnTo>
-                <a:lnTo>
-                  <a:pt x="85" y="2356"/>
-                </a:lnTo>
-                <a:lnTo>
-                  <a:pt x="55" y="2251"/>
-                </a:lnTo>
-                <a:lnTo>
-                  <a:pt x="32" y="2143"/>
-                </a:lnTo>
-                <a:lnTo>
-                  <a:pt x="14" y="2033"/>
-                </a:lnTo>
-                <a:lnTo>
-                  <a:pt x="4" y="1920"/>
-                </a:lnTo>
-                <a:lnTo>
-                  <a:pt x="0" y="1806"/>
-                </a:lnTo>
-                <a:lnTo>
-                  <a:pt x="4" y="1692"/>
-                </a:lnTo>
-                <a:lnTo>
-                  <a:pt x="14" y="1580"/>
-                </a:lnTo>
-                <a:lnTo>
-                  <a:pt x="32" y="1469"/>
-                </a:lnTo>
-                <a:lnTo>
-                  <a:pt x="55" y="1362"/>
-                </a:lnTo>
-                <a:lnTo>
-                  <a:pt x="85" y="1256"/>
-                </a:lnTo>
-                <a:lnTo>
-                  <a:pt x="121" y="1154"/>
-                </a:lnTo>
-                <a:lnTo>
-                  <a:pt x="163" y="1054"/>
-                </a:lnTo>
-                <a:lnTo>
-                  <a:pt x="211" y="958"/>
-                </a:lnTo>
-                <a:lnTo>
-                  <a:pt x="265" y="864"/>
-                </a:lnTo>
-                <a:lnTo>
-                  <a:pt x="323" y="774"/>
-                </a:lnTo>
-                <a:lnTo>
-                  <a:pt x="386" y="689"/>
-                </a:lnTo>
-                <a:lnTo>
-                  <a:pt x="454" y="607"/>
-                </a:lnTo>
-                <a:lnTo>
-                  <a:pt x="527" y="529"/>
-                </a:lnTo>
-                <a:lnTo>
-                  <a:pt x="604" y="456"/>
-                </a:lnTo>
-                <a:lnTo>
-                  <a:pt x="686" y="388"/>
-                </a:lnTo>
-                <a:lnTo>
-                  <a:pt x="771" y="325"/>
-                </a:lnTo>
-                <a:lnTo>
-                  <a:pt x="860" y="266"/>
-                </a:lnTo>
-                <a:lnTo>
-                  <a:pt x="953" y="212"/>
-                </a:lnTo>
-                <a:lnTo>
-                  <a:pt x="1050" y="164"/>
-                </a:lnTo>
-                <a:lnTo>
-                  <a:pt x="1150" y="122"/>
-                </a:lnTo>
-                <a:lnTo>
-                  <a:pt x="1251" y="85"/>
-                </a:lnTo>
-                <a:lnTo>
-                  <a:pt x="1357" y="55"/>
-                </a:lnTo>
-                <a:lnTo>
-                  <a:pt x="1464" y="32"/>
-                </a:lnTo>
-                <a:lnTo>
-                  <a:pt x="1574" y="14"/>
-                </a:lnTo>
-                <a:lnTo>
-                  <a:pt x="1686" y="5"/>
-                </a:lnTo>
-                <a:lnTo>
-                  <a:pt x="1799" y="0"/>
-                </a:lnTo>
-                <a:close/>
-              </a:path>
-            </a:pathLst>
-          </a:custGeom>
-          <a:solidFill>
-            <a:schemeClr val="tx1">
-              <a:lumMod val="85000"/>
-              <a:lumOff val="15000"/>
-            </a:schemeClr>
-          </a:solidFill>
-          <a:ln w="0">
-            <a:noFill/>
-            <a:prstDash val="solid"/>
-            <a:round/>
-            <a:headEnd/>
-            <a:tailEnd/>
-          </a:ln>
-        </p:spPr>
-        <p:txBody>
-          <a:bodyPr anchor="ctr"/>
-          <a:lstStyle/>
-          <a:p>
-            <a:endParaRPr lang="en-US"/>
-          </a:p>
-        </p:txBody>
-      </p:sp>
-    </p:spTree>
-    <p:extLst>
-      <p:ext uri="{BB962C8B-B14F-4D97-AF65-F5344CB8AC3E}">
-        <p14:creationId xmlns:p14="http://schemas.microsoft.com/office/powerpoint/2010/main" val="3696523145"/>
-      </p:ext>
-    </p:extLst>
-  </p:cSld>
-  <p:clrMapOvr>
-    <a:masterClrMapping/>
-  </p:clrMapOvr>
-</p:sld>
-</file>
-
-<file path=ppt/slides/slide3.xml><?xml version="1.0" encoding="utf-8"?>
-<p:sld xmlns:a="http://schemas.openxmlformats.org/drawingml/2006/main" xmlns:r="http://schemas.openxmlformats.org/officeDocument/2006/relationships" xmlns:p="http://schemas.openxmlformats.org/presentationml/2006/main">
-  <p:cSld>
-    <p:bg>
-      <p:bgPr>
-        <a:solidFill>
-          <a:schemeClr val="bg2"/>
-        </a:solidFill>
-        <a:effectLst/>
-      </p:bgPr>
-    </p:bg>
-    <p:spTree>
-      <p:nvGrpSpPr>
-        <p:cNvPr id="1" name=""/>
-        <p:cNvGrpSpPr/>
-        <p:nvPr/>
-      </p:nvGrpSpPr>
-      <p:grpSpPr>
-        <a:xfrm>
-          <a:off x="0" y="0"/>
-          <a:ext cx="0" cy="0"/>
-          <a:chOff x="0" y="0"/>
-          <a:chExt cx="0" cy="0"/>
-        </a:xfrm>
-      </p:grpSpPr>
-      <p:sp useBgFill="1">
-        <p:nvSpPr>
-          <p:cNvPr id="8" name="Rectangle 7">
-            <a:extLst>
-              <a:ext uri="{FF2B5EF4-FFF2-40B4-BE49-F238E27FC236}">
-                <a16:creationId xmlns:a16="http://schemas.microsoft.com/office/drawing/2014/main" id="{C5176844-69C3-4F79-BE38-EA5BDDF4FEA4}"/>
-              </a:ext>
-              <a:ext uri="{C183D7F6-B498-43B3-948B-1728B52AA6E4}">
-                <adec:decorative xmlns:adec="http://schemas.microsoft.com/office/drawing/2017/decorative" val="1"/>
-              </a:ext>
-            </a:extLst>
-          </p:cNvPr>
-          <p:cNvSpPr>
-            <a:spLocks noGrp="1" noRot="1" noChangeAspect="1" noMove="1" noResize="1" noEditPoints="1" noAdjustHandles="1" noChangeArrowheads="1" noChangeShapeType="1" noTextEdit="1"/>
-          </p:cNvSpPr>
-          <p:nvPr>
-            <p:extLst>
-              <p:ext uri="{386F3935-93C4-4BCD-93E2-E3B085C9AB24}">
-                <p16:designElem xmlns:p16="http://schemas.microsoft.com/office/powerpoint/2015/main" val="1"/>
-              </p:ext>
-            </p:extLst>
-          </p:nvPr>
-        </p:nvSpPr>
-        <p:spPr>
-          <a:xfrm>
-            <a:off x="0" y="0"/>
-            <a:ext cx="12192000" cy="6858000"/>
-          </a:xfrm>
-          <a:prstGeom prst="rect">
-            <a:avLst/>
-          </a:prstGeom>
-          <a:ln>
-            <a:noFill/>
-          </a:ln>
-        </p:spPr>
-        <p:style>
-          <a:lnRef idx="2">
-            <a:schemeClr val="accent1">
-              <a:shade val="50000"/>
-            </a:schemeClr>
-          </a:lnRef>
-          <a:fillRef idx="1">
-            <a:schemeClr val="accent1"/>
-          </a:fillRef>
-          <a:effectRef idx="0">
-            <a:schemeClr val="accent1"/>
-          </a:effectRef>
-          <a:fontRef idx="minor">
-            <a:schemeClr val="lt1"/>
-          </a:fontRef>
-        </p:style>
-        <p:txBody>
-          <a:bodyPr rtlCol="0" anchor="ctr"/>
-          <a:lstStyle/>
-          <a:p>
-            <a:pPr algn="ctr"/>
-            <a:endParaRPr lang="en-US"/>
-          </a:p>
-        </p:txBody>
-      </p:sp>
-      <p:sp>
-        <p:nvSpPr>
-          <p:cNvPr id="10" name="Rectangle 9">
-            <a:extLst>
-              <a:ext uri="{FF2B5EF4-FFF2-40B4-BE49-F238E27FC236}">
-                <a16:creationId xmlns:a16="http://schemas.microsoft.com/office/drawing/2014/main" id="{1CF1AAE4-D0BC-430F-A613-7BBAAECA0C2D}"/>
-              </a:ext>
-              <a:ext uri="{C183D7F6-B498-43B3-948B-1728B52AA6E4}">
-                <adec:decorative xmlns:adec="http://schemas.microsoft.com/office/drawing/2017/decorative" val="1"/>
-              </a:ext>
-            </a:extLst>
-          </p:cNvPr>
-          <p:cNvSpPr>
-            <a:spLocks noGrp="1" noRot="1" noChangeAspect="1" noMove="1" noResize="1" noEditPoints="1" noAdjustHandles="1" noChangeArrowheads="1" noChangeShapeType="1" noTextEdit="1"/>
-          </p:cNvSpPr>
-          <p:nvPr>
-            <p:extLst>
-              <p:ext uri="{386F3935-93C4-4BCD-93E2-E3B085C9AB24}">
-                <p16:designElem xmlns:p16="http://schemas.microsoft.com/office/powerpoint/2015/main" val="1"/>
-              </p:ext>
-            </p:extLst>
-          </p:nvPr>
-        </p:nvSpPr>
-        <p:spPr>
-          <a:xfrm>
-            <a:off x="0" y="0"/>
-            <a:ext cx="12191999" cy="2285999"/>
-          </a:xfrm>
-          <a:prstGeom prst="rect">
-            <a:avLst/>
-          </a:prstGeom>
-          <a:solidFill>
-            <a:schemeClr val="tx1">
-              <a:lumMod val="85000"/>
-              <a:lumOff val="15000"/>
-            </a:schemeClr>
-          </a:solidFill>
-          <a:ln>
-            <a:noFill/>
-          </a:ln>
-        </p:spPr>
-        <p:style>
-          <a:lnRef idx="2">
-            <a:schemeClr val="accent1">
-              <a:shade val="50000"/>
-            </a:schemeClr>
-          </a:lnRef>
-          <a:fillRef idx="1">
-            <a:schemeClr val="accent1"/>
-          </a:fillRef>
-          <a:effectRef idx="0">
-            <a:schemeClr val="accent1"/>
-          </a:effectRef>
-          <a:fontRef idx="minor">
-            <a:schemeClr val="lt1"/>
-          </a:fontRef>
-        </p:style>
-        <p:txBody>
-          <a:bodyPr rtlCol="0" anchor="ctr"/>
-          <a:lstStyle/>
-          <a:p>
-            <a:pPr algn="ctr"/>
-            <a:endParaRPr lang="en-US"/>
-          </a:p>
-        </p:txBody>
-      </p:sp>
-      <p:sp>
-        <p:nvSpPr>
-          <p:cNvPr id="2" name="Title 1">
-            <a:extLst>
-              <a:ext uri="{FF2B5EF4-FFF2-40B4-BE49-F238E27FC236}">
-                <a16:creationId xmlns:a16="http://schemas.microsoft.com/office/drawing/2014/main" id="{B06C4D6D-8AC2-4BE1-9F90-6CCD1A575129}"/>
-              </a:ext>
-            </a:extLst>
-          </p:cNvPr>
-          <p:cNvSpPr>
-            <a:spLocks noGrp="1"/>
-          </p:cNvSpPr>
-          <p:nvPr>
-            <p:ph type="title"/>
-          </p:nvPr>
-        </p:nvSpPr>
-        <p:spPr>
-          <a:xfrm>
-            <a:off x="758952" y="379475"/>
-            <a:ext cx="10671048" cy="1554480"/>
-          </a:xfrm>
-        </p:spPr>
-        <p:txBody>
-          <a:bodyPr anchor="ctr">
-            <a:normAutofit/>
-          </a:bodyPr>
-          <a:lstStyle/>
-          <a:p>
-            <a:pPr algn="ctr"/>
-            <a:r>
-              <a:rPr lang="en-US" dirty="0">
-                <a:solidFill>
-                  <a:schemeClr val="bg1"/>
-                </a:solidFill>
-              </a:rPr>
-              <a:t>Mission</a:t>
-            </a:r>
-          </a:p>
-        </p:txBody>
-      </p:sp>
-      <p:sp>
-        <p:nvSpPr>
-          <p:cNvPr id="3" name="Content Placeholder 2">
-            <a:extLst>
-              <a:ext uri="{FF2B5EF4-FFF2-40B4-BE49-F238E27FC236}">
-                <a16:creationId xmlns:a16="http://schemas.microsoft.com/office/drawing/2014/main" id="{D2F13DBF-8EE9-4AED-9E32-ECFF8EAD46DA}"/>
-              </a:ext>
-            </a:extLst>
-          </p:cNvPr>
-          <p:cNvSpPr>
-            <a:spLocks noGrp="1"/>
-          </p:cNvSpPr>
-          <p:nvPr>
-            <p:ph idx="1"/>
-          </p:nvPr>
-        </p:nvSpPr>
-        <p:spPr>
-          <a:xfrm>
-            <a:off x="1589334" y="3071846"/>
-            <a:ext cx="8412480" cy="2711718"/>
-          </a:xfrm>
-        </p:spPr>
-        <p:txBody>
-          <a:bodyPr>
-            <a:normAutofit/>
-          </a:bodyPr>
-          <a:lstStyle/>
-          <a:p>
-            <a:pPr marL="0" indent="0" algn="ctr">
-              <a:buNone/>
-            </a:pPr>
-            <a:r>
-              <a:rPr lang="en-US" sz="3600" dirty="0"/>
-              <a:t>“To bridge understanding that allows operators to use data to formulate conclusions on business performance”</a:t>
-            </a:r>
-          </a:p>
-        </p:txBody>
-      </p:sp>
-      <p:sp>
-        <p:nvSpPr>
-          <p:cNvPr id="12" name="Freeform 6">
-            <a:extLst>
-              <a:ext uri="{FF2B5EF4-FFF2-40B4-BE49-F238E27FC236}">
-                <a16:creationId xmlns:a16="http://schemas.microsoft.com/office/drawing/2014/main" id="{A101E513-AF74-4E9D-A31F-99664250722D}"/>
-              </a:ext>
-              <a:ext uri="{C183D7F6-B498-43B3-948B-1728B52AA6E4}">
-                <adec:decorative xmlns:adec="http://schemas.microsoft.com/office/drawing/2017/decorative" val="1"/>
-              </a:ext>
-            </a:extLst>
-          </p:cNvPr>
-          <p:cNvSpPr>
-            <a:spLocks noGrp="1" noRot="1" noChangeAspect="1" noMove="1" noResize="1" noEditPoints="1" noAdjustHandles="1" noChangeArrowheads="1" noChangeShapeType="1" noTextEdit="1"/>
-          </p:cNvSpPr>
-          <p:nvPr>
-            <p:extLst>
-              <p:ext uri="{386F3935-93C4-4BCD-93E2-E3B085C9AB24}">
-                <p16:designElem xmlns:p16="http://schemas.microsoft.com/office/powerpoint/2015/main" val="1"/>
-              </p:ext>
-            </p:extLst>
-          </p:nvPr>
-        </p:nvSpPr>
-        <p:spPr bwMode="auto">
-          <a:xfrm>
-            <a:off x="11784011" y="5783564"/>
-            <a:ext cx="407988" cy="819150"/>
-          </a:xfrm>
-          <a:custGeom>
-            <a:avLst/>
-            <a:gdLst/>
-            <a:ahLst/>
-            <a:cxnLst/>
-            <a:rect l="0" t="0" r="r" b="b"/>
-            <a:pathLst>
-              <a:path w="1799" h="3612">
-                <a:moveTo>
-                  <a:pt x="1799" y="0"/>
-                </a:moveTo>
-                <a:lnTo>
-                  <a:pt x="1799" y="3612"/>
-                </a:lnTo>
-                <a:lnTo>
-                  <a:pt x="1686" y="3609"/>
-                </a:lnTo>
-                <a:lnTo>
-                  <a:pt x="1574" y="3598"/>
-                </a:lnTo>
-                <a:lnTo>
-                  <a:pt x="1464" y="3581"/>
-                </a:lnTo>
-                <a:lnTo>
-                  <a:pt x="1357" y="3557"/>
-                </a:lnTo>
-                <a:lnTo>
-                  <a:pt x="1251" y="3527"/>
-                </a:lnTo>
-                <a:lnTo>
-                  <a:pt x="1150" y="3490"/>
-                </a:lnTo>
-                <a:lnTo>
-                  <a:pt x="1050" y="3448"/>
-                </a:lnTo>
-                <a:lnTo>
-                  <a:pt x="953" y="3401"/>
-                </a:lnTo>
-                <a:lnTo>
-                  <a:pt x="860" y="3347"/>
-                </a:lnTo>
-                <a:lnTo>
-                  <a:pt x="771" y="3289"/>
-                </a:lnTo>
-                <a:lnTo>
-                  <a:pt x="686" y="3224"/>
-                </a:lnTo>
-                <a:lnTo>
-                  <a:pt x="604" y="3156"/>
-                </a:lnTo>
-                <a:lnTo>
-                  <a:pt x="527" y="3083"/>
-                </a:lnTo>
-                <a:lnTo>
-                  <a:pt x="454" y="3005"/>
-                </a:lnTo>
-                <a:lnTo>
-                  <a:pt x="386" y="2923"/>
-                </a:lnTo>
-                <a:lnTo>
-                  <a:pt x="323" y="2838"/>
-                </a:lnTo>
-                <a:lnTo>
-                  <a:pt x="265" y="2748"/>
-                </a:lnTo>
-                <a:lnTo>
-                  <a:pt x="211" y="2655"/>
-                </a:lnTo>
-                <a:lnTo>
-                  <a:pt x="163" y="2559"/>
-                </a:lnTo>
-                <a:lnTo>
-                  <a:pt x="121" y="2459"/>
-                </a:lnTo>
-                <a:lnTo>
-                  <a:pt x="85" y="2356"/>
-                </a:lnTo>
-                <a:lnTo>
-                  <a:pt x="55" y="2251"/>
-                </a:lnTo>
-                <a:lnTo>
-                  <a:pt x="32" y="2143"/>
-                </a:lnTo>
-                <a:lnTo>
-                  <a:pt x="14" y="2033"/>
-                </a:lnTo>
-                <a:lnTo>
-                  <a:pt x="4" y="1920"/>
-                </a:lnTo>
-                <a:lnTo>
-                  <a:pt x="0" y="1806"/>
-                </a:lnTo>
-                <a:lnTo>
-                  <a:pt x="4" y="1692"/>
-                </a:lnTo>
-                <a:lnTo>
-                  <a:pt x="14" y="1580"/>
-                </a:lnTo>
-                <a:lnTo>
-                  <a:pt x="32" y="1469"/>
-                </a:lnTo>
-                <a:lnTo>
-                  <a:pt x="55" y="1362"/>
-                </a:lnTo>
-                <a:lnTo>
-                  <a:pt x="85" y="1256"/>
-                </a:lnTo>
-                <a:lnTo>
-                  <a:pt x="121" y="1154"/>
-                </a:lnTo>
-                <a:lnTo>
-                  <a:pt x="163" y="1054"/>
-                </a:lnTo>
-                <a:lnTo>
-                  <a:pt x="211" y="958"/>
-                </a:lnTo>
-                <a:lnTo>
-                  <a:pt x="265" y="864"/>
-                </a:lnTo>
-                <a:lnTo>
-                  <a:pt x="323" y="774"/>
-                </a:lnTo>
-                <a:lnTo>
-                  <a:pt x="386" y="689"/>
-                </a:lnTo>
-                <a:lnTo>
-                  <a:pt x="454" y="607"/>
-                </a:lnTo>
-                <a:lnTo>
-                  <a:pt x="527" y="529"/>
-                </a:lnTo>
-                <a:lnTo>
-                  <a:pt x="604" y="456"/>
-                </a:lnTo>
-                <a:lnTo>
-                  <a:pt x="686" y="388"/>
-                </a:lnTo>
-                <a:lnTo>
-                  <a:pt x="771" y="325"/>
-                </a:lnTo>
-                <a:lnTo>
-                  <a:pt x="860" y="266"/>
-                </a:lnTo>
-                <a:lnTo>
-                  <a:pt x="953" y="212"/>
-                </a:lnTo>
-                <a:lnTo>
-                  <a:pt x="1050" y="164"/>
-                </a:lnTo>
-                <a:lnTo>
-                  <a:pt x="1150" y="122"/>
-                </a:lnTo>
-                <a:lnTo>
-                  <a:pt x="1251" y="85"/>
-                </a:lnTo>
-                <a:lnTo>
-                  <a:pt x="1357" y="55"/>
-                </a:lnTo>
-                <a:lnTo>
-                  <a:pt x="1464" y="32"/>
-                </a:lnTo>
-                <a:lnTo>
-                  <a:pt x="1574" y="14"/>
-                </a:lnTo>
-                <a:lnTo>
-                  <a:pt x="1686" y="5"/>
-                </a:lnTo>
-                <a:lnTo>
-                  <a:pt x="1799" y="0"/>
-                </a:lnTo>
-                <a:close/>
-              </a:path>
-            </a:pathLst>
-          </a:custGeom>
-          <a:solidFill>
-            <a:schemeClr val="tx1">
-              <a:lumMod val="85000"/>
-              <a:lumOff val="15000"/>
-            </a:schemeClr>
-          </a:solidFill>
-          <a:ln w="0">
-            <a:noFill/>
-            <a:prstDash val="solid"/>
-            <a:round/>
-            <a:headEnd/>
-            <a:tailEnd/>
-          </a:ln>
-        </p:spPr>
-        <p:txBody>
-          <a:bodyPr anchor="ctr"/>
-          <a:lstStyle/>
-          <a:p>
-            <a:endParaRPr lang="en-US"/>
-          </a:p>
-        </p:txBody>
-      </p:sp>
-    </p:spTree>
-    <p:extLst>
-      <p:ext uri="{BB962C8B-B14F-4D97-AF65-F5344CB8AC3E}">
-        <p14:creationId xmlns:p14="http://schemas.microsoft.com/office/powerpoint/2010/main" val="1385637095"/>
-      </p:ext>
-    </p:extLst>
-  </p:cSld>
-  <p:clrMapOvr>
-    <a:masterClrMapping/>
-  </p:clrMapOvr>
-</p:sld>
-</file>
-
-<file path=ppt/slides/slide4.xml><?xml version="1.0" encoding="utf-8"?>
-<p:sld xmlns:a="http://schemas.openxmlformats.org/drawingml/2006/main" xmlns:r="http://schemas.openxmlformats.org/officeDocument/2006/relationships" xmlns:p="http://schemas.openxmlformats.org/presentationml/2006/main">
-  <p:cSld>
-    <p:bg>
-      <p:bgPr>
-        <a:solidFill>
-          <a:schemeClr val="bg2"/>
-        </a:solidFill>
-        <a:effectLst/>
-      </p:bgPr>
-    </p:bg>
-    <p:spTree>
-      <p:nvGrpSpPr>
-        <p:cNvPr id="1" name=""/>
-        <p:cNvGrpSpPr/>
-        <p:nvPr/>
-      </p:nvGrpSpPr>
-      <p:grpSpPr>
-        <a:xfrm>
-          <a:off x="0" y="0"/>
-          <a:ext cx="0" cy="0"/>
-          <a:chOff x="0" y="0"/>
-          <a:chExt cx="0" cy="0"/>
-        </a:xfrm>
-      </p:grpSpPr>
-      <p:sp useBgFill="1">
-        <p:nvSpPr>
-          <p:cNvPr id="8" name="Rectangle 7">
-            <a:extLst>
-              <a:ext uri="{FF2B5EF4-FFF2-40B4-BE49-F238E27FC236}">
-                <a16:creationId xmlns:a16="http://schemas.microsoft.com/office/drawing/2014/main" id="{C5176844-69C3-4F79-BE38-EA5BDDF4FEA4}"/>
-              </a:ext>
-              <a:ext uri="{C183D7F6-B498-43B3-948B-1728B52AA6E4}">
-                <adec:decorative xmlns:adec="http://schemas.microsoft.com/office/drawing/2017/decorative" val="1"/>
-              </a:ext>
-            </a:extLst>
-          </p:cNvPr>
-          <p:cNvSpPr>
-            <a:spLocks noGrp="1" noRot="1" noChangeAspect="1" noMove="1" noResize="1" noEditPoints="1" noAdjustHandles="1" noChangeArrowheads="1" noChangeShapeType="1" noTextEdit="1"/>
-          </p:cNvSpPr>
-          <p:nvPr>
-            <p:extLst>
-              <p:ext uri="{386F3935-93C4-4BCD-93E2-E3B085C9AB24}">
-                <p16:designElem xmlns:p16="http://schemas.microsoft.com/office/powerpoint/2015/main" val="1"/>
-              </p:ext>
-            </p:extLst>
-          </p:nvPr>
-        </p:nvSpPr>
-        <p:spPr>
-          <a:xfrm>
-            <a:off x="0" y="0"/>
-            <a:ext cx="12192000" cy="6858000"/>
-          </a:xfrm>
-          <a:prstGeom prst="rect">
-            <a:avLst/>
-          </a:prstGeom>
-          <a:ln>
-            <a:noFill/>
-          </a:ln>
-        </p:spPr>
-        <p:style>
-          <a:lnRef idx="2">
-            <a:schemeClr val="accent1">
-              <a:shade val="50000"/>
-            </a:schemeClr>
-          </a:lnRef>
-          <a:fillRef idx="1">
-            <a:schemeClr val="accent1"/>
-          </a:fillRef>
-          <a:effectRef idx="0">
-            <a:schemeClr val="accent1"/>
-          </a:effectRef>
-          <a:fontRef idx="minor">
-            <a:schemeClr val="lt1"/>
-          </a:fontRef>
-        </p:style>
-        <p:txBody>
-          <a:bodyPr rtlCol="0" anchor="ctr"/>
-          <a:lstStyle/>
-          <a:p>
-            <a:pPr algn="ctr"/>
-            <a:endParaRPr lang="en-US"/>
-          </a:p>
-        </p:txBody>
-      </p:sp>
-      <p:sp>
-        <p:nvSpPr>
-          <p:cNvPr id="10" name="Rectangle 9">
-            <a:extLst>
-              <a:ext uri="{FF2B5EF4-FFF2-40B4-BE49-F238E27FC236}">
-                <a16:creationId xmlns:a16="http://schemas.microsoft.com/office/drawing/2014/main" id="{1CF1AAE4-D0BC-430F-A613-7BBAAECA0C2D}"/>
-              </a:ext>
-              <a:ext uri="{C183D7F6-B498-43B3-948B-1728B52AA6E4}">
-                <adec:decorative xmlns:adec="http://schemas.microsoft.com/office/drawing/2017/decorative" val="1"/>
-              </a:ext>
-            </a:extLst>
-          </p:cNvPr>
-          <p:cNvSpPr>
-            <a:spLocks noGrp="1" noRot="1" noChangeAspect="1" noMove="1" noResize="1" noEditPoints="1" noAdjustHandles="1" noChangeArrowheads="1" noChangeShapeType="1" noTextEdit="1"/>
-          </p:cNvSpPr>
-          <p:nvPr>
-            <p:extLst>
-              <p:ext uri="{386F3935-93C4-4BCD-93E2-E3B085C9AB24}">
-                <p16:designElem xmlns:p16="http://schemas.microsoft.com/office/powerpoint/2015/main" val="1"/>
-              </p:ext>
-            </p:extLst>
-          </p:nvPr>
-        </p:nvSpPr>
-        <p:spPr>
-          <a:xfrm>
-            <a:off x="0" y="0"/>
-            <a:ext cx="12191999" cy="2285999"/>
-          </a:xfrm>
-          <a:prstGeom prst="rect">
-            <a:avLst/>
-          </a:prstGeom>
-          <a:solidFill>
-            <a:schemeClr val="tx1">
-              <a:lumMod val="85000"/>
-              <a:lumOff val="15000"/>
-            </a:schemeClr>
-          </a:solidFill>
-          <a:ln>
-            <a:noFill/>
-          </a:ln>
-        </p:spPr>
-        <p:style>
-          <a:lnRef idx="2">
-            <a:schemeClr val="accent1">
-              <a:shade val="50000"/>
-            </a:schemeClr>
-          </a:lnRef>
-          <a:fillRef idx="1">
-            <a:schemeClr val="accent1"/>
-          </a:fillRef>
-          <a:effectRef idx="0">
-            <a:schemeClr val="accent1"/>
-          </a:effectRef>
-          <a:fontRef idx="minor">
-            <a:schemeClr val="lt1"/>
-          </a:fontRef>
-        </p:style>
-        <p:txBody>
-          <a:bodyPr rtlCol="0" anchor="ctr"/>
-          <a:lstStyle/>
-          <a:p>
-            <a:pPr algn="ctr"/>
-            <a:endParaRPr lang="en-US"/>
-          </a:p>
-        </p:txBody>
-      </p:sp>
-      <p:sp>
-        <p:nvSpPr>
-          <p:cNvPr id="2" name="Title 1">
-            <a:extLst>
-              <a:ext uri="{FF2B5EF4-FFF2-40B4-BE49-F238E27FC236}">
-                <a16:creationId xmlns:a16="http://schemas.microsoft.com/office/drawing/2014/main" id="{B06C4D6D-8AC2-4BE1-9F90-6CCD1A575129}"/>
-              </a:ext>
-            </a:extLst>
-          </p:cNvPr>
-          <p:cNvSpPr>
-            <a:spLocks noGrp="1"/>
-          </p:cNvSpPr>
-          <p:nvPr>
-            <p:ph type="title"/>
-          </p:nvPr>
-        </p:nvSpPr>
-        <p:spPr>
-          <a:xfrm>
-            <a:off x="758952" y="379475"/>
-            <a:ext cx="10671048" cy="1554480"/>
-          </a:xfrm>
-        </p:spPr>
-        <p:txBody>
-          <a:bodyPr anchor="ctr">
-            <a:normAutofit/>
-          </a:bodyPr>
-          <a:lstStyle/>
-          <a:p>
-            <a:r>
-              <a:rPr lang="en-US" dirty="0">
-                <a:solidFill>
-                  <a:schemeClr val="bg1"/>
-                </a:solidFill>
-              </a:rPr>
-              <a:t>Light Definitions</a:t>
-            </a:r>
-          </a:p>
-        </p:txBody>
-      </p:sp>
-      <p:sp>
-        <p:nvSpPr>
-          <p:cNvPr id="3" name="Content Placeholder 2">
-            <a:extLst>
-              <a:ext uri="{FF2B5EF4-FFF2-40B4-BE49-F238E27FC236}">
-                <a16:creationId xmlns:a16="http://schemas.microsoft.com/office/drawing/2014/main" id="{D2F13DBF-8EE9-4AED-9E32-ECFF8EAD46DA}"/>
-              </a:ext>
-            </a:extLst>
-          </p:cNvPr>
-          <p:cNvSpPr>
-            <a:spLocks noGrp="1"/>
-          </p:cNvSpPr>
-          <p:nvPr>
-            <p:ph idx="1"/>
-          </p:nvPr>
-        </p:nvSpPr>
-        <p:spPr>
-          <a:xfrm>
-            <a:off x="758824" y="2607732"/>
-            <a:ext cx="8412480" cy="3870793"/>
-          </a:xfrm>
-        </p:spPr>
-        <p:txBody>
-          <a:bodyPr>
-            <a:normAutofit fontScale="55000" lnSpcReduction="20000"/>
-          </a:bodyPr>
-          <a:lstStyle/>
-          <a:p>
-            <a:pPr>
-              <a:lnSpc>
-                <a:spcPct val="130000"/>
-              </a:lnSpc>
-            </a:pPr>
-            <a:r>
-              <a:rPr lang="en-US" sz="3300" b="1" dirty="0" err="1"/>
-              <a:t>NetMenu</a:t>
-            </a:r>
-            <a:r>
-              <a:rPr lang="en-US" sz="3300" b="1" dirty="0"/>
-              <a:t>- </a:t>
-            </a:r>
-            <a:r>
-              <a:rPr lang="en-US" sz="3300" dirty="0"/>
-              <a:t>Menu management software</a:t>
-            </a:r>
-            <a:endParaRPr lang="en-US" sz="3300" b="1" dirty="0"/>
-          </a:p>
-          <a:p>
-            <a:pPr>
-              <a:lnSpc>
-                <a:spcPct val="130000"/>
-              </a:lnSpc>
-            </a:pPr>
-            <a:r>
-              <a:rPr lang="en-US" sz="3300" b="1" dirty="0"/>
-              <a:t>Gold- </a:t>
-            </a:r>
-            <a:r>
-              <a:rPr lang="en-US" sz="3300" dirty="0"/>
-              <a:t>Card service software</a:t>
-            </a:r>
-          </a:p>
-          <a:p>
-            <a:pPr>
-              <a:lnSpc>
-                <a:spcPct val="130000"/>
-              </a:lnSpc>
-            </a:pPr>
-            <a:r>
-              <a:rPr lang="en-US" sz="3300" b="1" dirty="0"/>
-              <a:t>Cost Per Meal </a:t>
-            </a:r>
-            <a:r>
-              <a:rPr lang="en-US" sz="3300" dirty="0"/>
-              <a:t>= Total cost of food on the menu divided by number of customers that come through the door</a:t>
-            </a:r>
-          </a:p>
-          <a:p>
-            <a:pPr marR="0" lvl="2">
-              <a:lnSpc>
-                <a:spcPct val="130000"/>
-              </a:lnSpc>
-            </a:pPr>
-            <a:r>
-              <a:rPr lang="en-US" sz="3300" b="1" dirty="0"/>
-              <a:t>Forecasted Amount/Cost- </a:t>
-            </a:r>
-            <a:r>
-              <a:rPr lang="en-US" sz="3300" dirty="0"/>
-              <a:t>An educated guess on amounts to produce</a:t>
-            </a:r>
-          </a:p>
-          <a:p>
-            <a:pPr marR="0" lvl="2">
-              <a:lnSpc>
-                <a:spcPct val="130000"/>
-              </a:lnSpc>
-            </a:pPr>
-            <a:r>
-              <a:rPr lang="en-US" sz="3300" b="1" dirty="0"/>
-              <a:t>Prepared Amount/Cost- </a:t>
-            </a:r>
-            <a:r>
-              <a:rPr lang="en-US" sz="3300" dirty="0"/>
-              <a:t>The amount that got recorded for production in a real setting</a:t>
-            </a:r>
-          </a:p>
-          <a:p>
-            <a:pPr marR="0" lvl="2">
-              <a:lnSpc>
-                <a:spcPct val="130000"/>
-              </a:lnSpc>
-            </a:pPr>
-            <a:r>
-              <a:rPr lang="en-US" sz="3300" b="1" dirty="0"/>
-              <a:t>Served Amount/Cost- </a:t>
-            </a:r>
-            <a:r>
-              <a:rPr lang="en-US" sz="3300" dirty="0"/>
-              <a:t>The food that was served from the prepared </a:t>
-            </a:r>
-          </a:p>
-          <a:p>
-            <a:pPr marR="0" lvl="2">
-              <a:lnSpc>
-                <a:spcPct val="130000"/>
-              </a:lnSpc>
-            </a:pPr>
-            <a:r>
-              <a:rPr lang="en-US" sz="3300" b="1" dirty="0"/>
-              <a:t>Leftover Amount/Cost- </a:t>
-            </a:r>
-            <a:r>
-              <a:rPr lang="en-US" sz="3300" dirty="0"/>
-              <a:t>The difference of the prepared and served cost/amount</a:t>
-            </a:r>
-          </a:p>
-          <a:p>
-            <a:endParaRPr lang="en-US" dirty="0"/>
-          </a:p>
-        </p:txBody>
-      </p:sp>
-      <p:sp>
-        <p:nvSpPr>
-          <p:cNvPr id="12" name="Freeform 6">
-            <a:extLst>
-              <a:ext uri="{FF2B5EF4-FFF2-40B4-BE49-F238E27FC236}">
-                <a16:creationId xmlns:a16="http://schemas.microsoft.com/office/drawing/2014/main" id="{A101E513-AF74-4E9D-A31F-99664250722D}"/>
-              </a:ext>
-              <a:ext uri="{C183D7F6-B498-43B3-948B-1728B52AA6E4}">
-                <adec:decorative xmlns:adec="http://schemas.microsoft.com/office/drawing/2017/decorative" val="1"/>
-              </a:ext>
-            </a:extLst>
-          </p:cNvPr>
-          <p:cNvSpPr>
-            <a:spLocks noGrp="1" noRot="1" noChangeAspect="1" noMove="1" noResize="1" noEditPoints="1" noAdjustHandles="1" noChangeArrowheads="1" noChangeShapeType="1" noTextEdit="1"/>
-          </p:cNvSpPr>
-          <p:nvPr>
-            <p:extLst>
-              <p:ext uri="{386F3935-93C4-4BCD-93E2-E3B085C9AB24}">
-                <p16:designElem xmlns:p16="http://schemas.microsoft.com/office/powerpoint/2015/main" val="1"/>
-              </p:ext>
-            </p:extLst>
-          </p:nvPr>
-        </p:nvSpPr>
-        <p:spPr bwMode="auto">
-          <a:xfrm>
-            <a:off x="11784011" y="5783564"/>
-            <a:ext cx="407988" cy="819150"/>
-          </a:xfrm>
-          <a:custGeom>
-            <a:avLst/>
-            <a:gdLst/>
-            <a:ahLst/>
-            <a:cxnLst/>
-            <a:rect l="0" t="0" r="r" b="b"/>
-            <a:pathLst>
-              <a:path w="1799" h="3612">
-                <a:moveTo>
-                  <a:pt x="1799" y="0"/>
-                </a:moveTo>
-                <a:lnTo>
-                  <a:pt x="1799" y="3612"/>
-                </a:lnTo>
-                <a:lnTo>
-                  <a:pt x="1686" y="3609"/>
-                </a:lnTo>
-                <a:lnTo>
-                  <a:pt x="1574" y="3598"/>
-                </a:lnTo>
-                <a:lnTo>
-                  <a:pt x="1464" y="3581"/>
-                </a:lnTo>
-                <a:lnTo>
-                  <a:pt x="1357" y="3557"/>
-                </a:lnTo>
-                <a:lnTo>
-                  <a:pt x="1251" y="3527"/>
-                </a:lnTo>
-                <a:lnTo>
-                  <a:pt x="1150" y="3490"/>
-                </a:lnTo>
-                <a:lnTo>
-                  <a:pt x="1050" y="3448"/>
-                </a:lnTo>
-                <a:lnTo>
-                  <a:pt x="953" y="3401"/>
-                </a:lnTo>
-                <a:lnTo>
-                  <a:pt x="860" y="3347"/>
-                </a:lnTo>
-                <a:lnTo>
-                  <a:pt x="771" y="3289"/>
-                </a:lnTo>
-                <a:lnTo>
-                  <a:pt x="686" y="3224"/>
-                </a:lnTo>
-                <a:lnTo>
-                  <a:pt x="604" y="3156"/>
-                </a:lnTo>
-                <a:lnTo>
-                  <a:pt x="527" y="3083"/>
-                </a:lnTo>
-                <a:lnTo>
-                  <a:pt x="454" y="3005"/>
-                </a:lnTo>
-                <a:lnTo>
-                  <a:pt x="386" y="2923"/>
-                </a:lnTo>
-                <a:lnTo>
-                  <a:pt x="323" y="2838"/>
-                </a:lnTo>
-                <a:lnTo>
-                  <a:pt x="265" y="2748"/>
-                </a:lnTo>
-                <a:lnTo>
-                  <a:pt x="211" y="2655"/>
-                </a:lnTo>
-                <a:lnTo>
-                  <a:pt x="163" y="2559"/>
-                </a:lnTo>
-                <a:lnTo>
-                  <a:pt x="121" y="2459"/>
-                </a:lnTo>
-                <a:lnTo>
-                  <a:pt x="85" y="2356"/>
-                </a:lnTo>
-                <a:lnTo>
-                  <a:pt x="55" y="2251"/>
-                </a:lnTo>
-                <a:lnTo>
-                  <a:pt x="32" y="2143"/>
-                </a:lnTo>
-                <a:lnTo>
-                  <a:pt x="14" y="2033"/>
-                </a:lnTo>
-                <a:lnTo>
-                  <a:pt x="4" y="1920"/>
-                </a:lnTo>
-                <a:lnTo>
-                  <a:pt x="0" y="1806"/>
-                </a:lnTo>
-                <a:lnTo>
-                  <a:pt x="4" y="1692"/>
-                </a:lnTo>
-                <a:lnTo>
-                  <a:pt x="14" y="1580"/>
-                </a:lnTo>
-                <a:lnTo>
-                  <a:pt x="32" y="1469"/>
-                </a:lnTo>
-                <a:lnTo>
-                  <a:pt x="55" y="1362"/>
-                </a:lnTo>
-                <a:lnTo>
-                  <a:pt x="85" y="1256"/>
-                </a:lnTo>
-                <a:lnTo>
-                  <a:pt x="121" y="1154"/>
-                </a:lnTo>
-                <a:lnTo>
-                  <a:pt x="163" y="1054"/>
-                </a:lnTo>
-                <a:lnTo>
-                  <a:pt x="211" y="958"/>
-                </a:lnTo>
-                <a:lnTo>
-                  <a:pt x="265" y="864"/>
-                </a:lnTo>
-                <a:lnTo>
-                  <a:pt x="323" y="774"/>
-                </a:lnTo>
-                <a:lnTo>
-                  <a:pt x="386" y="689"/>
-                </a:lnTo>
-                <a:lnTo>
-                  <a:pt x="454" y="607"/>
-                </a:lnTo>
-                <a:lnTo>
-                  <a:pt x="527" y="529"/>
-                </a:lnTo>
-                <a:lnTo>
-                  <a:pt x="604" y="456"/>
-                </a:lnTo>
-                <a:lnTo>
-                  <a:pt x="686" y="388"/>
-                </a:lnTo>
-                <a:lnTo>
-                  <a:pt x="771" y="325"/>
-                </a:lnTo>
-                <a:lnTo>
-                  <a:pt x="860" y="266"/>
-                </a:lnTo>
-                <a:lnTo>
-                  <a:pt x="953" y="212"/>
-                </a:lnTo>
-                <a:lnTo>
-                  <a:pt x="1050" y="164"/>
-                </a:lnTo>
-                <a:lnTo>
-                  <a:pt x="1150" y="122"/>
-                </a:lnTo>
-                <a:lnTo>
-                  <a:pt x="1251" y="85"/>
-                </a:lnTo>
-                <a:lnTo>
-                  <a:pt x="1357" y="55"/>
-                </a:lnTo>
-                <a:lnTo>
-                  <a:pt x="1464" y="32"/>
-                </a:lnTo>
-                <a:lnTo>
-                  <a:pt x="1574" y="14"/>
-                </a:lnTo>
-                <a:lnTo>
-                  <a:pt x="1686" y="5"/>
-                </a:lnTo>
-                <a:lnTo>
-                  <a:pt x="1799" y="0"/>
-                </a:lnTo>
-                <a:close/>
-              </a:path>
-            </a:pathLst>
-          </a:custGeom>
-          <a:solidFill>
-            <a:schemeClr val="tx1">
-              <a:lumMod val="85000"/>
-              <a:lumOff val="15000"/>
-            </a:schemeClr>
-          </a:solidFill>
-          <a:ln w="0">
-            <a:noFill/>
-            <a:prstDash val="solid"/>
-            <a:round/>
-            <a:headEnd/>
-            <a:tailEnd/>
-          </a:ln>
-        </p:spPr>
-        <p:txBody>
-          <a:bodyPr anchor="ctr"/>
-          <a:lstStyle/>
-          <a:p>
-            <a:endParaRPr lang="en-US"/>
-          </a:p>
-        </p:txBody>
-      </p:sp>
-    </p:spTree>
-    <p:extLst>
-      <p:ext uri="{BB962C8B-B14F-4D97-AF65-F5344CB8AC3E}">
-        <p14:creationId xmlns:p14="http://schemas.microsoft.com/office/powerpoint/2010/main" val="4195826869"/>
-      </p:ext>
-    </p:extLst>
-  </p:cSld>
-  <p:clrMapOvr>
-    <a:masterClrMapping/>
-  </p:clrMapOvr>
-</p:sld>
-</file>
-
-<file path=ppt/slides/slide5.xml><?xml version="1.0" encoding="utf-8"?>
+<file path=ppt/slides/slide12.xml><?xml version="1.0" encoding="utf-8"?>
 <p:sld xmlns:a="http://schemas.openxmlformats.org/drawingml/2006/main" xmlns:r="http://schemas.openxmlformats.org/officeDocument/2006/relationships" xmlns:p="http://schemas.openxmlformats.org/presentationml/2006/main">
   <p:cSld>
     <p:bg>
@@ -12318,7 +10722,7 @@
 </p:sld>
 </file>
 
-<file path=ppt/slides/slide6.xml><?xml version="1.0" encoding="utf-8"?>
+<file path=ppt/slides/slide2.xml><?xml version="1.0" encoding="utf-8"?>
 <p:sld xmlns:a="http://schemas.openxmlformats.org/drawingml/2006/main" xmlns:r="http://schemas.openxmlformats.org/officeDocument/2006/relationships" xmlns:p="http://schemas.openxmlformats.org/presentationml/2006/main">
   <p:cSld>
     <p:bg>
@@ -12345,7 +10749,7 @@
       </p:grpSpPr>
       <p:sp useBgFill="1">
         <p:nvSpPr>
-          <p:cNvPr id="8" name="Rectangle 7">
+          <p:cNvPr id="13" name="Rectangle 12">
             <a:extLst>
               <a:ext uri="{FF2B5EF4-FFF2-40B4-BE49-F238E27FC236}">
                 <a16:creationId xmlns:a16="http://schemas.microsoft.com/office/drawing/2014/main" id="{C5176844-69C3-4F79-BE38-EA5BDDF4FEA4}"/>
@@ -12405,7 +10809,7 @@
       </p:sp>
       <p:sp>
         <p:nvSpPr>
-          <p:cNvPr id="10" name="Rectangle 9">
+          <p:cNvPr id="15" name="Rectangle 14">
             <a:extLst>
               <a:ext uri="{FF2B5EF4-FFF2-40B4-BE49-F238E27FC236}">
                 <a16:creationId xmlns:a16="http://schemas.microsoft.com/office/drawing/2014/main" id="{1CF1AAE4-D0BC-430F-A613-7BBAAECA0C2D}"/>
@@ -12471,10 +10875,10 @@
       </p:sp>
       <p:sp>
         <p:nvSpPr>
-          <p:cNvPr id="2" name="Title 1">
+          <p:cNvPr id="7" name="Title 6">
             <a:extLst>
               <a:ext uri="{FF2B5EF4-FFF2-40B4-BE49-F238E27FC236}">
-                <a16:creationId xmlns:a16="http://schemas.microsoft.com/office/drawing/2014/main" id="{B06C4D6D-8AC2-4BE1-9F90-6CCD1A575129}"/>
+                <a16:creationId xmlns:a16="http://schemas.microsoft.com/office/drawing/2014/main" id="{8D751298-BC96-4D2C-98F3-882F06FBDBF3}"/>
               </a:ext>
             </a:extLst>
           </p:cNvPr>
@@ -12497,24 +10901,23 @@
           </a:bodyPr>
           <a:lstStyle/>
           <a:p>
-            <a:pPr algn="ctr"/>
-            <a:r>
-              <a:rPr lang="en-US" dirty="0">
+            <a:r>
+              <a:rPr lang="en-US">
                 <a:solidFill>
                   <a:schemeClr val="bg1"/>
                 </a:solidFill>
               </a:rPr>
-              <a:t>Data Question</a:t>
+              <a:t>Agenda</a:t>
             </a:r>
           </a:p>
         </p:txBody>
       </p:sp>
       <p:sp>
         <p:nvSpPr>
-          <p:cNvPr id="3" name="Content Placeholder 2">
+          <p:cNvPr id="8" name="Content Placeholder 7">
             <a:extLst>
               <a:ext uri="{FF2B5EF4-FFF2-40B4-BE49-F238E27FC236}">
-                <a16:creationId xmlns:a16="http://schemas.microsoft.com/office/drawing/2014/main" id="{D2F13DBF-8EE9-4AED-9E32-ECFF8EAD46DA}"/>
+                <a16:creationId xmlns:a16="http://schemas.microsoft.com/office/drawing/2014/main" id="{14D205FF-4AD1-4AEA-B5E9-DF9D4382295F}"/>
               </a:ext>
             </a:extLst>
           </p:cNvPr>
@@ -12527,8 +10930,8 @@
         </p:nvSpPr>
         <p:spPr>
           <a:xfrm>
-            <a:off x="1589334" y="3071846"/>
-            <a:ext cx="8412480" cy="2711718"/>
+            <a:off x="360727" y="2607732"/>
+            <a:ext cx="10511405" cy="3994982"/>
           </a:xfrm>
         </p:spPr>
         <p:txBody>
@@ -12537,27 +10940,55 @@
           </a:bodyPr>
           <a:lstStyle/>
           <a:p>
-            <a:pPr marL="0" indent="0" algn="ctr">
-              <a:buNone/>
-            </a:pPr>
-            <a:r>
-              <a:rPr lang="en-US" sz="3600" dirty="0"/>
-              <a:t>How can we get </a:t>
-            </a:r>
-            <a:r>
-              <a:rPr lang="en-US" sz="3600" dirty="0" err="1"/>
-              <a:t>NetMenu</a:t>
-            </a:r>
-            <a:r>
-              <a:rPr lang="en-US" sz="3600" dirty="0"/>
-              <a:t> results to be displayed with visuals and have it updated with Meal Plan reports that are coming out of Gold daily?</a:t>
-            </a:r>
+            <a:r>
+              <a:rPr lang="en-US" dirty="0"/>
+              <a:t>Mission</a:t>
+            </a:r>
+          </a:p>
+          <a:p>
+            <a:r>
+              <a:rPr lang="en-US" dirty="0"/>
+              <a:t>Light Definitions</a:t>
+            </a:r>
+          </a:p>
+          <a:p>
+            <a:r>
+              <a:rPr lang="en-US" dirty="0"/>
+              <a:t>Motivation &amp; Data Question </a:t>
+            </a:r>
+          </a:p>
+          <a:p>
+            <a:r>
+              <a:rPr lang="en-US" dirty="0"/>
+              <a:t>Workflow</a:t>
+            </a:r>
+          </a:p>
+          <a:p>
+            <a:r>
+              <a:rPr lang="en-US" dirty="0"/>
+              <a:t>Tour of Dashboard</a:t>
+            </a:r>
+          </a:p>
+          <a:p>
+            <a:r>
+              <a:rPr lang="en-US" dirty="0"/>
+              <a:t>Technologies Used</a:t>
+            </a:r>
+          </a:p>
+          <a:p>
+            <a:r>
+              <a:rPr lang="en-US" dirty="0"/>
+              <a:t>Moving Forward</a:t>
+            </a:r>
+          </a:p>
+          <a:p>
+            <a:endParaRPr lang="en-US" dirty="0"/>
           </a:p>
         </p:txBody>
       </p:sp>
       <p:sp>
         <p:nvSpPr>
-          <p:cNvPr id="12" name="Freeform 6">
+          <p:cNvPr id="17" name="Freeform 6">
             <a:extLst>
               <a:ext uri="{FF2B5EF4-FFF2-40B4-BE49-F238E27FC236}">
                 <a16:creationId xmlns:a16="http://schemas.microsoft.com/office/drawing/2014/main" id="{A101E513-AF74-4E9D-A31F-99664250722D}"/>
@@ -12782,7 +11213,7 @@
     </p:spTree>
     <p:extLst>
       <p:ext uri="{BB962C8B-B14F-4D97-AF65-F5344CB8AC3E}">
-        <p14:creationId xmlns:p14="http://schemas.microsoft.com/office/powerpoint/2010/main" val="2754282386"/>
+        <p14:creationId xmlns:p14="http://schemas.microsoft.com/office/powerpoint/2010/main" val="3696523145"/>
       </p:ext>
     </p:extLst>
   </p:cSld>
@@ -12792,7 +11223,7 @@
 </p:sld>
 </file>
 
-<file path=ppt/slides/slide7.xml><?xml version="1.0" encoding="utf-8"?>
+<file path=ppt/slides/slide3.xml><?xml version="1.0" encoding="utf-8"?>
 <p:sld xmlns:a="http://schemas.openxmlformats.org/drawingml/2006/main" xmlns:r="http://schemas.openxmlformats.org/officeDocument/2006/relationships" xmlns:p="http://schemas.openxmlformats.org/presentationml/2006/main">
   <p:cSld>
     <p:bg>
@@ -12971,13 +11402,14 @@
           </a:bodyPr>
           <a:lstStyle/>
           <a:p>
+            <a:pPr algn="ctr"/>
             <a:r>
               <a:rPr lang="en-US" dirty="0">
                 <a:solidFill>
                   <a:schemeClr val="bg1"/>
                 </a:solidFill>
               </a:rPr>
-              <a:t>Motivation</a:t>
+              <a:t>Mission</a:t>
             </a:r>
           </a:p>
         </p:txBody>
@@ -13000,8 +11432,8 @@
         </p:nvSpPr>
         <p:spPr>
           <a:xfrm>
-            <a:off x="758823" y="2607732"/>
-            <a:ext cx="10868317" cy="2553815"/>
+            <a:off x="1589334" y="3071846"/>
+            <a:ext cx="8412480" cy="2711718"/>
           </a:xfrm>
         </p:spPr>
         <p:txBody>
@@ -13010,27 +11442,12 @@
           </a:bodyPr>
           <a:lstStyle/>
           <a:p>
-            <a:r>
-              <a:rPr lang="en-US" sz="2800" dirty="0"/>
-              <a:t>The motivation for creating this dashboard was to create a tool to have </a:t>
-            </a:r>
-            <a:r>
-              <a:rPr lang="en-US" sz="2800" b="1" dirty="0"/>
-              <a:t>real time data </a:t>
-            </a:r>
-          </a:p>
-          <a:p>
-            <a:r>
-              <a:rPr lang="en-US" sz="2800" dirty="0"/>
-              <a:t>The opportunity to </a:t>
-            </a:r>
-            <a:r>
-              <a:rPr lang="en-US" sz="2800" b="1" dirty="0"/>
-              <a:t>shorten the feedback loop </a:t>
-            </a:r>
-            <a:r>
-              <a:rPr lang="en-US" sz="2800" dirty="0"/>
-              <a:t>and push information without operators having to run reports</a:t>
+            <a:pPr marL="0" indent="0" algn="ctr">
+              <a:buNone/>
+            </a:pPr>
+            <a:r>
+              <a:rPr lang="en-US" sz="3600" dirty="0"/>
+              <a:t>“To bridge understanding that allows operators to use data to formulate conclusions on business performance”</a:t>
             </a:r>
           </a:p>
         </p:txBody>
@@ -13262,7 +11679,7 @@
     </p:spTree>
     <p:extLst>
       <p:ext uri="{BB962C8B-B14F-4D97-AF65-F5344CB8AC3E}">
-        <p14:creationId xmlns:p14="http://schemas.microsoft.com/office/powerpoint/2010/main" val="1453068888"/>
+        <p14:creationId xmlns:p14="http://schemas.microsoft.com/office/powerpoint/2010/main" val="1385637095"/>
       </p:ext>
     </p:extLst>
   </p:cSld>
@@ -13272,7 +11689,7 @@
 </p:sld>
 </file>
 
-<file path=ppt/slides/slide8.xml><?xml version="1.0" encoding="utf-8"?>
+<file path=ppt/slides/slide4.xml><?xml version="1.0" encoding="utf-8"?>
 <p:sld xmlns:a="http://schemas.openxmlformats.org/drawingml/2006/main" xmlns:r="http://schemas.openxmlformats.org/officeDocument/2006/relationships" xmlns:p="http://schemas.openxmlformats.org/presentationml/2006/main">
   <p:cSld>
     <p:bg>
@@ -13452,18 +11869,155 @@
           <a:lstStyle/>
           <a:p>
             <a:r>
-              <a:rPr lang="en-US">
+              <a:rPr lang="en-US" dirty="0">
                 <a:solidFill>
                   <a:schemeClr val="bg1"/>
                 </a:solidFill>
               </a:rPr>
-              <a:t>Workflow</a:t>
-            </a:r>
-            <a:endParaRPr lang="en-US" dirty="0">
-              <a:solidFill>
-                <a:schemeClr val="bg1"/>
-              </a:solidFill>
-            </a:endParaRPr>
+              <a:t>Light Definitions</a:t>
+            </a:r>
+          </a:p>
+        </p:txBody>
+      </p:sp>
+      <p:sp>
+        <p:nvSpPr>
+          <p:cNvPr id="3" name="Content Placeholder 2">
+            <a:extLst>
+              <a:ext uri="{FF2B5EF4-FFF2-40B4-BE49-F238E27FC236}">
+                <a16:creationId xmlns:a16="http://schemas.microsoft.com/office/drawing/2014/main" id="{D2F13DBF-8EE9-4AED-9E32-ECFF8EAD46DA}"/>
+              </a:ext>
+            </a:extLst>
+          </p:cNvPr>
+          <p:cNvSpPr>
+            <a:spLocks noGrp="1"/>
+          </p:cNvSpPr>
+          <p:nvPr>
+            <p:ph idx="1"/>
+          </p:nvPr>
+        </p:nvSpPr>
+        <p:spPr>
+          <a:xfrm>
+            <a:off x="758824" y="2607732"/>
+            <a:ext cx="8412480" cy="3870793"/>
+          </a:xfrm>
+        </p:spPr>
+        <p:txBody>
+          <a:bodyPr>
+            <a:normAutofit fontScale="55000" lnSpcReduction="20000"/>
+          </a:bodyPr>
+          <a:lstStyle/>
+          <a:p>
+            <a:pPr>
+              <a:lnSpc>
+                <a:spcPct val="130000"/>
+              </a:lnSpc>
+            </a:pPr>
+            <a:r>
+              <a:rPr lang="en-US" sz="3300" b="1" dirty="0" err="1"/>
+              <a:t>NetMenu</a:t>
+            </a:r>
+            <a:r>
+              <a:rPr lang="en-US" sz="3300" b="1" dirty="0"/>
+              <a:t>- </a:t>
+            </a:r>
+            <a:r>
+              <a:rPr lang="en-US" sz="3300" dirty="0"/>
+              <a:t>Menu management software</a:t>
+            </a:r>
+            <a:endParaRPr lang="en-US" sz="3300" b="1" dirty="0"/>
+          </a:p>
+          <a:p>
+            <a:pPr>
+              <a:lnSpc>
+                <a:spcPct val="130000"/>
+              </a:lnSpc>
+            </a:pPr>
+            <a:r>
+              <a:rPr lang="en-US" sz="3300" b="1" dirty="0"/>
+              <a:t>Gold- </a:t>
+            </a:r>
+            <a:r>
+              <a:rPr lang="en-US" sz="3300" dirty="0"/>
+              <a:t>Card service software</a:t>
+            </a:r>
+          </a:p>
+          <a:p>
+            <a:pPr>
+              <a:lnSpc>
+                <a:spcPct val="130000"/>
+              </a:lnSpc>
+            </a:pPr>
+            <a:r>
+              <a:rPr lang="en-US" sz="3300" b="1" dirty="0"/>
+              <a:t>Cost Per Meal </a:t>
+            </a:r>
+            <a:r>
+              <a:rPr lang="en-US" sz="3300" dirty="0"/>
+              <a:t>= Total cost of food on the menu divided by number of customers that come through the door</a:t>
+            </a:r>
+          </a:p>
+          <a:p>
+            <a:pPr marR="0" lvl="2">
+              <a:lnSpc>
+                <a:spcPct val="130000"/>
+              </a:lnSpc>
+            </a:pPr>
+            <a:r>
+              <a:rPr lang="en-US" sz="3300" b="1" dirty="0"/>
+              <a:t>Forecasted Amount/Cost- </a:t>
+            </a:r>
+            <a:r>
+              <a:rPr lang="en-US" sz="3300" dirty="0"/>
+              <a:t>An educated guess on amounts to produce</a:t>
+            </a:r>
+          </a:p>
+          <a:p>
+            <a:pPr marR="0" lvl="2">
+              <a:lnSpc>
+                <a:spcPct val="130000"/>
+              </a:lnSpc>
+            </a:pPr>
+            <a:r>
+              <a:rPr lang="en-US" sz="3300" b="1" dirty="0"/>
+              <a:t>Prepared Amount/Cost- </a:t>
+            </a:r>
+            <a:r>
+              <a:rPr lang="en-US" sz="3300" dirty="0"/>
+              <a:t>The amount that got recorded for production in a real setting</a:t>
+            </a:r>
+          </a:p>
+          <a:p>
+            <a:pPr marR="0" lvl="2">
+              <a:lnSpc>
+                <a:spcPct val="130000"/>
+              </a:lnSpc>
+            </a:pPr>
+            <a:r>
+              <a:rPr lang="en-US" sz="3300" b="1" dirty="0"/>
+              <a:t>Served Amount/Cost- </a:t>
+            </a:r>
+            <a:r>
+              <a:rPr lang="en-US" sz="3300" dirty="0"/>
+              <a:t>The food that was served from the prepared </a:t>
+            </a:r>
+          </a:p>
+          <a:p>
+            <a:pPr marR="0" lvl="2">
+              <a:lnSpc>
+                <a:spcPct val="130000"/>
+              </a:lnSpc>
+            </a:pPr>
+            <a:r>
+              <a:rPr lang="en-US" sz="3300" b="1" dirty="0"/>
+              <a:t>Leftover Amount/Cost- </a:t>
+            </a:r>
+            <a:r>
+              <a:rPr lang="en-US" sz="3300" dirty="0"/>
+              <a:t>The difference of the prepared and served cost/amount</a:t>
+            </a:r>
+          </a:p>
+          <a:p>
+            <a:endParaRPr lang="en-US" dirty="0"/>
           </a:p>
         </p:txBody>
       </p:sp>
@@ -13691,41 +12245,10 @@
           </a:p>
         </p:txBody>
       </p:sp>
-      <p:graphicFrame>
-        <p:nvGraphicFramePr>
-          <p:cNvPr id="17" name="Content Placeholder 16">
-            <a:extLst>
-              <a:ext uri="{FF2B5EF4-FFF2-40B4-BE49-F238E27FC236}">
-                <a16:creationId xmlns:a16="http://schemas.microsoft.com/office/drawing/2014/main" id="{E348288C-E36A-486B-A54B-1222A54231DC}"/>
-              </a:ext>
-            </a:extLst>
-          </p:cNvPr>
-          <p:cNvGraphicFramePr>
-            <a:graphicFrameLocks noGrp="1"/>
-          </p:cNvGraphicFramePr>
-          <p:nvPr>
-            <p:ph idx="1"/>
-            <p:extLst>
-              <p:ext uri="{D42A27DB-BD31-4B8C-83A1-F6EECF244321}">
-                <p14:modId xmlns:p14="http://schemas.microsoft.com/office/powerpoint/2010/main" val="2885769957"/>
-              </p:ext>
-            </p:extLst>
-          </p:nvPr>
-        </p:nvGraphicFramePr>
-        <p:xfrm>
-          <a:off x="130033" y="-6074230"/>
-          <a:ext cx="11983670" cy="20410715"/>
-        </p:xfrm>
-        <a:graphic>
-          <a:graphicData uri="http://schemas.openxmlformats.org/drawingml/2006/diagram">
-            <dgm:relIds xmlns:dgm="http://schemas.openxmlformats.org/drawingml/2006/diagram" xmlns:r="http://schemas.openxmlformats.org/officeDocument/2006/relationships" r:dm="rId3" r:lo="rId4" r:qs="rId5" r:cs="rId6"/>
-          </a:graphicData>
-        </a:graphic>
-      </p:graphicFrame>
     </p:spTree>
     <p:extLst>
       <p:ext uri="{BB962C8B-B14F-4D97-AF65-F5344CB8AC3E}">
-        <p14:creationId xmlns:p14="http://schemas.microsoft.com/office/powerpoint/2010/main" val="2480078113"/>
+        <p14:creationId xmlns:p14="http://schemas.microsoft.com/office/powerpoint/2010/main" val="4195826869"/>
       </p:ext>
     </p:extLst>
   </p:cSld>
@@ -13735,8 +12258,8 @@
 </p:sld>
 </file>
 
-<file path=ppt/slides/slide9.xml><?xml version="1.0" encoding="utf-8"?>
-<p:sld xmlns:a="http://schemas.openxmlformats.org/drawingml/2006/main" xmlns:r="http://schemas.openxmlformats.org/officeDocument/2006/relationships" xmlns:p="http://schemas.openxmlformats.org/presentationml/2006/main" show="0">
+<file path=ppt/slides/slide5.xml><?xml version="1.0" encoding="utf-8"?>
+<p:sld xmlns:a="http://schemas.openxmlformats.org/drawingml/2006/main" xmlns:r="http://schemas.openxmlformats.org/officeDocument/2006/relationships" xmlns:p="http://schemas.openxmlformats.org/presentationml/2006/main">
   <p:cSld>
     <p:bg>
       <p:bgPr>
@@ -13914,13 +12437,14 @@
           </a:bodyPr>
           <a:lstStyle/>
           <a:p>
+            <a:pPr algn="ctr"/>
             <a:r>
               <a:rPr lang="en-US" dirty="0">
                 <a:solidFill>
                   <a:schemeClr val="bg1"/>
                 </a:solidFill>
               </a:rPr>
-              <a:t>Data Cleaning and Python</a:t>
+              <a:t>Data Question</a:t>
             </a:r>
           </a:p>
         </p:txBody>
@@ -13943,8 +12467,8 @@
         </p:nvSpPr>
         <p:spPr>
           <a:xfrm>
-            <a:off x="176169" y="2457974"/>
-            <a:ext cx="11677475" cy="4144740"/>
+            <a:off x="1589334" y="3071846"/>
+            <a:ext cx="8412480" cy="2711718"/>
           </a:xfrm>
         </p:spPr>
         <p:txBody>
@@ -13953,131 +12477,21 @@
           </a:bodyPr>
           <a:lstStyle/>
           <a:p>
-            <a:pPr lvl="2">
-              <a:lnSpc>
-                <a:spcPct val="120000"/>
-              </a:lnSpc>
+            <a:pPr marL="0" indent="0" algn="ctr">
+              <a:buNone/>
             </a:pPr>
             <a:r>
-              <a:rPr lang="en-US" sz="1800" dirty="0"/>
-              <a:t>Specific libraries were used to read in entire folders of data and concatenate them into single </a:t>
-            </a:r>
-            <a:r>
-              <a:rPr lang="en-US" sz="1800" dirty="0" err="1"/>
-              <a:t>dataframes</a:t>
-            </a:r>
-            <a:r>
-              <a:rPr lang="en-US" sz="1800" dirty="0"/>
-              <a:t>.  This was needed to put all the files together as </a:t>
-            </a:r>
-            <a:r>
-              <a:rPr lang="en-US" sz="1800" b="1" dirty="0"/>
-              <a:t>Power Automate </a:t>
-            </a:r>
-            <a:r>
-              <a:rPr lang="en-US" sz="1800" dirty="0"/>
-              <a:t>sent them in.</a:t>
-            </a:r>
-          </a:p>
-          <a:p>
-            <a:pPr lvl="2">
-              <a:lnSpc>
-                <a:spcPct val="120000"/>
-              </a:lnSpc>
-            </a:pPr>
-            <a:r>
-              <a:rPr lang="en-US" sz="1800" b="1" dirty="0"/>
-              <a:t>Transaction </a:t>
-            </a:r>
-            <a:r>
-              <a:rPr lang="en-US" sz="1800" b="1" dirty="0" err="1"/>
-              <a:t>DataFrame</a:t>
-            </a:r>
-            <a:r>
-              <a:rPr lang="en-US" sz="1800" b="1" dirty="0"/>
-              <a:t>- </a:t>
-            </a:r>
-            <a:r>
-              <a:rPr lang="en-US" sz="1800" dirty="0"/>
-              <a:t>the data was cleaned to a specific point so that it only sent </a:t>
-            </a:r>
-            <a:r>
-              <a:rPr lang="en-US" sz="1800" dirty="0" err="1"/>
-              <a:t>PowerBI</a:t>
-            </a:r>
-            <a:r>
-              <a:rPr lang="en-US" sz="1800" dirty="0"/>
-              <a:t> the necessary information for that specific Dining Hall.  There were many null values that had to be dropped and all the datetime formatting was done before </a:t>
-            </a:r>
-            <a:r>
-              <a:rPr lang="en-US" sz="1800" dirty="0" err="1"/>
-              <a:t>PowerBI</a:t>
-            </a:r>
-            <a:r>
-              <a:rPr lang="en-US" sz="1800" dirty="0"/>
-              <a:t>.</a:t>
-            </a:r>
-          </a:p>
-          <a:p>
-            <a:pPr lvl="2">
-              <a:lnSpc>
-                <a:spcPct val="120000"/>
-              </a:lnSpc>
-            </a:pPr>
-            <a:r>
-              <a:rPr lang="en-US" sz="1800" b="1" dirty="0"/>
-              <a:t>Menu </a:t>
-            </a:r>
-            <a:r>
-              <a:rPr lang="en-US" sz="1800" b="1" dirty="0" err="1"/>
-              <a:t>DataFrame</a:t>
-            </a:r>
-            <a:r>
-              <a:rPr lang="en-US" sz="1800" b="1" dirty="0"/>
-              <a:t>- </a:t>
-            </a:r>
-            <a:r>
-              <a:rPr lang="en-US" sz="1800" dirty="0"/>
-              <a:t>there was a lot of erroneous information that needed to be sorted through.  There were columns that would lead you to believe that at some point they were calculated fields, but they were not.  I had to go back to the source system and decipher what was correct and recreate those calculated fields. </a:t>
-            </a:r>
-          </a:p>
-          <a:p>
-            <a:pPr lvl="2">
-              <a:lnSpc>
-                <a:spcPct val="120000"/>
-              </a:lnSpc>
-            </a:pPr>
-            <a:r>
-              <a:rPr lang="en-US" sz="1800" b="1" dirty="0" err="1"/>
-              <a:t>PowerBI</a:t>
-            </a:r>
-            <a:r>
-              <a:rPr lang="en-US" sz="1800" b="1" dirty="0"/>
-              <a:t>-</a:t>
-            </a:r>
-            <a:r>
-              <a:rPr lang="en-US" sz="1800" dirty="0"/>
-              <a:t> for measures that depended on relationships between the </a:t>
-            </a:r>
-            <a:r>
-              <a:rPr lang="en-US" sz="1800" dirty="0" err="1"/>
-              <a:t>dataframes</a:t>
-            </a:r>
-            <a:r>
-              <a:rPr lang="en-US" sz="1800" dirty="0"/>
-              <a:t> I made created a ‘measures’ table to drive the cards on the actual dashboard as well as a table that calculated the difference between forecasted and actual Meal Plan counts</a:t>
-            </a:r>
-          </a:p>
-          <a:p>
-            <a:endParaRPr lang="en-US" sz="1800" b="1" dirty="0">
-              <a:effectLst/>
-              <a:latin typeface="Calibri" panose="020F0502020204030204" pitchFamily="34" charset="0"/>
-              <a:ea typeface="Calibri" panose="020F0502020204030204" pitchFamily="34" charset="0"/>
-              <a:cs typeface="Times New Roman" panose="02020603050405020304" pitchFamily="18" charset="0"/>
-            </a:endParaRPr>
-          </a:p>
-          <a:p>
-            <a:endParaRPr lang="en-US" dirty="0"/>
+              <a:rPr lang="en-US" sz="3600" dirty="0"/>
+              <a:t>How can we get </a:t>
+            </a:r>
+            <a:r>
+              <a:rPr lang="en-US" sz="3600" dirty="0" err="1"/>
+              <a:t>NetMenu</a:t>
+            </a:r>
+            <a:r>
+              <a:rPr lang="en-US" sz="3600" dirty="0"/>
+              <a:t> results to be displayed with visuals and have it updated with Meal Plan reports that are coming out of Gold daily?</a:t>
+            </a:r>
           </a:p>
         </p:txBody>
       </p:sp>
@@ -14308,7 +12722,1606 @@
     </p:spTree>
     <p:extLst>
       <p:ext uri="{BB962C8B-B14F-4D97-AF65-F5344CB8AC3E}">
+        <p14:creationId xmlns:p14="http://schemas.microsoft.com/office/powerpoint/2010/main" val="2754282386"/>
+      </p:ext>
+    </p:extLst>
+  </p:cSld>
+  <p:clrMapOvr>
+    <a:masterClrMapping/>
+  </p:clrMapOvr>
+</p:sld>
+</file>
+
+<file path=ppt/slides/slide6.xml><?xml version="1.0" encoding="utf-8"?>
+<p:sld xmlns:a="http://schemas.openxmlformats.org/drawingml/2006/main" xmlns:r="http://schemas.openxmlformats.org/officeDocument/2006/relationships" xmlns:p="http://schemas.openxmlformats.org/presentationml/2006/main">
+  <p:cSld>
+    <p:bg>
+      <p:bgPr>
+        <a:solidFill>
+          <a:schemeClr val="bg2"/>
+        </a:solidFill>
+        <a:effectLst/>
+      </p:bgPr>
+    </p:bg>
+    <p:spTree>
+      <p:nvGrpSpPr>
+        <p:cNvPr id="1" name=""/>
+        <p:cNvGrpSpPr/>
+        <p:nvPr/>
+      </p:nvGrpSpPr>
+      <p:grpSpPr>
+        <a:xfrm>
+          <a:off x="0" y="0"/>
+          <a:ext cx="0" cy="0"/>
+          <a:chOff x="0" y="0"/>
+          <a:chExt cx="0" cy="0"/>
+        </a:xfrm>
+      </p:grpSpPr>
+      <p:sp useBgFill="1">
+        <p:nvSpPr>
+          <p:cNvPr id="8" name="Rectangle 7">
+            <a:extLst>
+              <a:ext uri="{FF2B5EF4-FFF2-40B4-BE49-F238E27FC236}">
+                <a16:creationId xmlns:a16="http://schemas.microsoft.com/office/drawing/2014/main" id="{C5176844-69C3-4F79-BE38-EA5BDDF4FEA4}"/>
+              </a:ext>
+              <a:ext uri="{C183D7F6-B498-43B3-948B-1728B52AA6E4}">
+                <adec:decorative xmlns:adec="http://schemas.microsoft.com/office/drawing/2017/decorative" val="1"/>
+              </a:ext>
+            </a:extLst>
+          </p:cNvPr>
+          <p:cNvSpPr>
+            <a:spLocks noGrp="1" noRot="1" noChangeAspect="1" noMove="1" noResize="1" noEditPoints="1" noAdjustHandles="1" noChangeArrowheads="1" noChangeShapeType="1" noTextEdit="1"/>
+          </p:cNvSpPr>
+          <p:nvPr>
+            <p:extLst>
+              <p:ext uri="{386F3935-93C4-4BCD-93E2-E3B085C9AB24}">
+                <p16:designElem xmlns:p16="http://schemas.microsoft.com/office/powerpoint/2015/main" val="1"/>
+              </p:ext>
+            </p:extLst>
+          </p:nvPr>
+        </p:nvSpPr>
+        <p:spPr>
+          <a:xfrm>
+            <a:off x="0" y="0"/>
+            <a:ext cx="12192000" cy="6858000"/>
+          </a:xfrm>
+          <a:prstGeom prst="rect">
+            <a:avLst/>
+          </a:prstGeom>
+          <a:ln>
+            <a:noFill/>
+          </a:ln>
+        </p:spPr>
+        <p:style>
+          <a:lnRef idx="2">
+            <a:schemeClr val="accent1">
+              <a:shade val="50000"/>
+            </a:schemeClr>
+          </a:lnRef>
+          <a:fillRef idx="1">
+            <a:schemeClr val="accent1"/>
+          </a:fillRef>
+          <a:effectRef idx="0">
+            <a:schemeClr val="accent1"/>
+          </a:effectRef>
+          <a:fontRef idx="minor">
+            <a:schemeClr val="lt1"/>
+          </a:fontRef>
+        </p:style>
+        <p:txBody>
+          <a:bodyPr rtlCol="0" anchor="ctr"/>
+          <a:lstStyle/>
+          <a:p>
+            <a:pPr algn="ctr"/>
+            <a:endParaRPr lang="en-US"/>
+          </a:p>
+        </p:txBody>
+      </p:sp>
+      <p:sp>
+        <p:nvSpPr>
+          <p:cNvPr id="10" name="Rectangle 9">
+            <a:extLst>
+              <a:ext uri="{FF2B5EF4-FFF2-40B4-BE49-F238E27FC236}">
+                <a16:creationId xmlns:a16="http://schemas.microsoft.com/office/drawing/2014/main" id="{1CF1AAE4-D0BC-430F-A613-7BBAAECA0C2D}"/>
+              </a:ext>
+              <a:ext uri="{C183D7F6-B498-43B3-948B-1728B52AA6E4}">
+                <adec:decorative xmlns:adec="http://schemas.microsoft.com/office/drawing/2017/decorative" val="1"/>
+              </a:ext>
+            </a:extLst>
+          </p:cNvPr>
+          <p:cNvSpPr>
+            <a:spLocks noGrp="1" noRot="1" noChangeAspect="1" noMove="1" noResize="1" noEditPoints="1" noAdjustHandles="1" noChangeArrowheads="1" noChangeShapeType="1" noTextEdit="1"/>
+          </p:cNvSpPr>
+          <p:nvPr>
+            <p:extLst>
+              <p:ext uri="{386F3935-93C4-4BCD-93E2-E3B085C9AB24}">
+                <p16:designElem xmlns:p16="http://schemas.microsoft.com/office/powerpoint/2015/main" val="1"/>
+              </p:ext>
+            </p:extLst>
+          </p:nvPr>
+        </p:nvSpPr>
+        <p:spPr>
+          <a:xfrm>
+            <a:off x="0" y="0"/>
+            <a:ext cx="12191999" cy="2285999"/>
+          </a:xfrm>
+          <a:prstGeom prst="rect">
+            <a:avLst/>
+          </a:prstGeom>
+          <a:solidFill>
+            <a:schemeClr val="tx1">
+              <a:lumMod val="85000"/>
+              <a:lumOff val="15000"/>
+            </a:schemeClr>
+          </a:solidFill>
+          <a:ln>
+            <a:noFill/>
+          </a:ln>
+        </p:spPr>
+        <p:style>
+          <a:lnRef idx="2">
+            <a:schemeClr val="accent1">
+              <a:shade val="50000"/>
+            </a:schemeClr>
+          </a:lnRef>
+          <a:fillRef idx="1">
+            <a:schemeClr val="accent1"/>
+          </a:fillRef>
+          <a:effectRef idx="0">
+            <a:schemeClr val="accent1"/>
+          </a:effectRef>
+          <a:fontRef idx="minor">
+            <a:schemeClr val="lt1"/>
+          </a:fontRef>
+        </p:style>
+        <p:txBody>
+          <a:bodyPr rtlCol="0" anchor="ctr"/>
+          <a:lstStyle/>
+          <a:p>
+            <a:pPr algn="ctr"/>
+            <a:endParaRPr lang="en-US"/>
+          </a:p>
+        </p:txBody>
+      </p:sp>
+      <p:sp>
+        <p:nvSpPr>
+          <p:cNvPr id="2" name="Title 1">
+            <a:extLst>
+              <a:ext uri="{FF2B5EF4-FFF2-40B4-BE49-F238E27FC236}">
+                <a16:creationId xmlns:a16="http://schemas.microsoft.com/office/drawing/2014/main" id="{B06C4D6D-8AC2-4BE1-9F90-6CCD1A575129}"/>
+              </a:ext>
+            </a:extLst>
+          </p:cNvPr>
+          <p:cNvSpPr>
+            <a:spLocks noGrp="1"/>
+          </p:cNvSpPr>
+          <p:nvPr>
+            <p:ph type="title"/>
+          </p:nvPr>
+        </p:nvSpPr>
+        <p:spPr>
+          <a:xfrm>
+            <a:off x="758952" y="379475"/>
+            <a:ext cx="10671048" cy="1554480"/>
+          </a:xfrm>
+        </p:spPr>
+        <p:txBody>
+          <a:bodyPr anchor="ctr">
+            <a:normAutofit/>
+          </a:bodyPr>
+          <a:lstStyle/>
+          <a:p>
+            <a:r>
+              <a:rPr lang="en-US" dirty="0">
+                <a:solidFill>
+                  <a:schemeClr val="bg1"/>
+                </a:solidFill>
+              </a:rPr>
+              <a:t>Motivation</a:t>
+            </a:r>
+          </a:p>
+        </p:txBody>
+      </p:sp>
+      <p:sp>
+        <p:nvSpPr>
+          <p:cNvPr id="3" name="Content Placeholder 2">
+            <a:extLst>
+              <a:ext uri="{FF2B5EF4-FFF2-40B4-BE49-F238E27FC236}">
+                <a16:creationId xmlns:a16="http://schemas.microsoft.com/office/drawing/2014/main" id="{D2F13DBF-8EE9-4AED-9E32-ECFF8EAD46DA}"/>
+              </a:ext>
+            </a:extLst>
+          </p:cNvPr>
+          <p:cNvSpPr>
+            <a:spLocks noGrp="1"/>
+          </p:cNvSpPr>
+          <p:nvPr>
+            <p:ph idx="1"/>
+          </p:nvPr>
+        </p:nvSpPr>
+        <p:spPr>
+          <a:xfrm>
+            <a:off x="758823" y="2607732"/>
+            <a:ext cx="10868317" cy="2553815"/>
+          </a:xfrm>
+        </p:spPr>
+        <p:txBody>
+          <a:bodyPr>
+            <a:normAutofit/>
+          </a:bodyPr>
+          <a:lstStyle/>
+          <a:p>
+            <a:r>
+              <a:rPr lang="en-US" sz="2800" dirty="0"/>
+              <a:t>The motivation for creating this dashboard was to create a tool to have </a:t>
+            </a:r>
+            <a:r>
+              <a:rPr lang="en-US" sz="2800" b="1" dirty="0"/>
+              <a:t>real time data </a:t>
+            </a:r>
+          </a:p>
+          <a:p>
+            <a:r>
+              <a:rPr lang="en-US" sz="2800" dirty="0"/>
+              <a:t>The opportunity to </a:t>
+            </a:r>
+            <a:r>
+              <a:rPr lang="en-US" sz="2800" b="1" dirty="0"/>
+              <a:t>shorten the feedback loop </a:t>
+            </a:r>
+            <a:r>
+              <a:rPr lang="en-US" sz="2800" dirty="0"/>
+              <a:t>and push information without operators having to run reports</a:t>
+            </a:r>
+          </a:p>
+        </p:txBody>
+      </p:sp>
+      <p:sp>
+        <p:nvSpPr>
+          <p:cNvPr id="12" name="Freeform 6">
+            <a:extLst>
+              <a:ext uri="{FF2B5EF4-FFF2-40B4-BE49-F238E27FC236}">
+                <a16:creationId xmlns:a16="http://schemas.microsoft.com/office/drawing/2014/main" id="{A101E513-AF74-4E9D-A31F-99664250722D}"/>
+              </a:ext>
+              <a:ext uri="{C183D7F6-B498-43B3-948B-1728B52AA6E4}">
+                <adec:decorative xmlns:adec="http://schemas.microsoft.com/office/drawing/2017/decorative" val="1"/>
+              </a:ext>
+            </a:extLst>
+          </p:cNvPr>
+          <p:cNvSpPr>
+            <a:spLocks noGrp="1" noRot="1" noChangeAspect="1" noMove="1" noResize="1" noEditPoints="1" noAdjustHandles="1" noChangeArrowheads="1" noChangeShapeType="1" noTextEdit="1"/>
+          </p:cNvSpPr>
+          <p:nvPr>
+            <p:extLst>
+              <p:ext uri="{386F3935-93C4-4BCD-93E2-E3B085C9AB24}">
+                <p16:designElem xmlns:p16="http://schemas.microsoft.com/office/powerpoint/2015/main" val="1"/>
+              </p:ext>
+            </p:extLst>
+          </p:nvPr>
+        </p:nvSpPr>
+        <p:spPr bwMode="auto">
+          <a:xfrm>
+            <a:off x="11784011" y="5783564"/>
+            <a:ext cx="407988" cy="819150"/>
+          </a:xfrm>
+          <a:custGeom>
+            <a:avLst/>
+            <a:gdLst/>
+            <a:ahLst/>
+            <a:cxnLst/>
+            <a:rect l="0" t="0" r="r" b="b"/>
+            <a:pathLst>
+              <a:path w="1799" h="3612">
+                <a:moveTo>
+                  <a:pt x="1799" y="0"/>
+                </a:moveTo>
+                <a:lnTo>
+                  <a:pt x="1799" y="3612"/>
+                </a:lnTo>
+                <a:lnTo>
+                  <a:pt x="1686" y="3609"/>
+                </a:lnTo>
+                <a:lnTo>
+                  <a:pt x="1574" y="3598"/>
+                </a:lnTo>
+                <a:lnTo>
+                  <a:pt x="1464" y="3581"/>
+                </a:lnTo>
+                <a:lnTo>
+                  <a:pt x="1357" y="3557"/>
+                </a:lnTo>
+                <a:lnTo>
+                  <a:pt x="1251" y="3527"/>
+                </a:lnTo>
+                <a:lnTo>
+                  <a:pt x="1150" y="3490"/>
+                </a:lnTo>
+                <a:lnTo>
+                  <a:pt x="1050" y="3448"/>
+                </a:lnTo>
+                <a:lnTo>
+                  <a:pt x="953" y="3401"/>
+                </a:lnTo>
+                <a:lnTo>
+                  <a:pt x="860" y="3347"/>
+                </a:lnTo>
+                <a:lnTo>
+                  <a:pt x="771" y="3289"/>
+                </a:lnTo>
+                <a:lnTo>
+                  <a:pt x="686" y="3224"/>
+                </a:lnTo>
+                <a:lnTo>
+                  <a:pt x="604" y="3156"/>
+                </a:lnTo>
+                <a:lnTo>
+                  <a:pt x="527" y="3083"/>
+                </a:lnTo>
+                <a:lnTo>
+                  <a:pt x="454" y="3005"/>
+                </a:lnTo>
+                <a:lnTo>
+                  <a:pt x="386" y="2923"/>
+                </a:lnTo>
+                <a:lnTo>
+                  <a:pt x="323" y="2838"/>
+                </a:lnTo>
+                <a:lnTo>
+                  <a:pt x="265" y="2748"/>
+                </a:lnTo>
+                <a:lnTo>
+                  <a:pt x="211" y="2655"/>
+                </a:lnTo>
+                <a:lnTo>
+                  <a:pt x="163" y="2559"/>
+                </a:lnTo>
+                <a:lnTo>
+                  <a:pt x="121" y="2459"/>
+                </a:lnTo>
+                <a:lnTo>
+                  <a:pt x="85" y="2356"/>
+                </a:lnTo>
+                <a:lnTo>
+                  <a:pt x="55" y="2251"/>
+                </a:lnTo>
+                <a:lnTo>
+                  <a:pt x="32" y="2143"/>
+                </a:lnTo>
+                <a:lnTo>
+                  <a:pt x="14" y="2033"/>
+                </a:lnTo>
+                <a:lnTo>
+                  <a:pt x="4" y="1920"/>
+                </a:lnTo>
+                <a:lnTo>
+                  <a:pt x="0" y="1806"/>
+                </a:lnTo>
+                <a:lnTo>
+                  <a:pt x="4" y="1692"/>
+                </a:lnTo>
+                <a:lnTo>
+                  <a:pt x="14" y="1580"/>
+                </a:lnTo>
+                <a:lnTo>
+                  <a:pt x="32" y="1469"/>
+                </a:lnTo>
+                <a:lnTo>
+                  <a:pt x="55" y="1362"/>
+                </a:lnTo>
+                <a:lnTo>
+                  <a:pt x="85" y="1256"/>
+                </a:lnTo>
+                <a:lnTo>
+                  <a:pt x="121" y="1154"/>
+                </a:lnTo>
+                <a:lnTo>
+                  <a:pt x="163" y="1054"/>
+                </a:lnTo>
+                <a:lnTo>
+                  <a:pt x="211" y="958"/>
+                </a:lnTo>
+                <a:lnTo>
+                  <a:pt x="265" y="864"/>
+                </a:lnTo>
+                <a:lnTo>
+                  <a:pt x="323" y="774"/>
+                </a:lnTo>
+                <a:lnTo>
+                  <a:pt x="386" y="689"/>
+                </a:lnTo>
+                <a:lnTo>
+                  <a:pt x="454" y="607"/>
+                </a:lnTo>
+                <a:lnTo>
+                  <a:pt x="527" y="529"/>
+                </a:lnTo>
+                <a:lnTo>
+                  <a:pt x="604" y="456"/>
+                </a:lnTo>
+                <a:lnTo>
+                  <a:pt x="686" y="388"/>
+                </a:lnTo>
+                <a:lnTo>
+                  <a:pt x="771" y="325"/>
+                </a:lnTo>
+                <a:lnTo>
+                  <a:pt x="860" y="266"/>
+                </a:lnTo>
+                <a:lnTo>
+                  <a:pt x="953" y="212"/>
+                </a:lnTo>
+                <a:lnTo>
+                  <a:pt x="1050" y="164"/>
+                </a:lnTo>
+                <a:lnTo>
+                  <a:pt x="1150" y="122"/>
+                </a:lnTo>
+                <a:lnTo>
+                  <a:pt x="1251" y="85"/>
+                </a:lnTo>
+                <a:lnTo>
+                  <a:pt x="1357" y="55"/>
+                </a:lnTo>
+                <a:lnTo>
+                  <a:pt x="1464" y="32"/>
+                </a:lnTo>
+                <a:lnTo>
+                  <a:pt x="1574" y="14"/>
+                </a:lnTo>
+                <a:lnTo>
+                  <a:pt x="1686" y="5"/>
+                </a:lnTo>
+                <a:lnTo>
+                  <a:pt x="1799" y="0"/>
+                </a:lnTo>
+                <a:close/>
+              </a:path>
+            </a:pathLst>
+          </a:custGeom>
+          <a:solidFill>
+            <a:schemeClr val="tx1">
+              <a:lumMod val="85000"/>
+              <a:lumOff val="15000"/>
+            </a:schemeClr>
+          </a:solidFill>
+          <a:ln w="0">
+            <a:noFill/>
+            <a:prstDash val="solid"/>
+            <a:round/>
+            <a:headEnd/>
+            <a:tailEnd/>
+          </a:ln>
+        </p:spPr>
+        <p:txBody>
+          <a:bodyPr anchor="ctr"/>
+          <a:lstStyle/>
+          <a:p>
+            <a:endParaRPr lang="en-US"/>
+          </a:p>
+        </p:txBody>
+      </p:sp>
+    </p:spTree>
+    <p:extLst>
+      <p:ext uri="{BB962C8B-B14F-4D97-AF65-F5344CB8AC3E}">
+        <p14:creationId xmlns:p14="http://schemas.microsoft.com/office/powerpoint/2010/main" val="1453068888"/>
+      </p:ext>
+    </p:extLst>
+  </p:cSld>
+  <p:clrMapOvr>
+    <a:masterClrMapping/>
+  </p:clrMapOvr>
+</p:sld>
+</file>
+
+<file path=ppt/slides/slide7.xml><?xml version="1.0" encoding="utf-8"?>
+<p:sld xmlns:a="http://schemas.openxmlformats.org/drawingml/2006/main" xmlns:r="http://schemas.openxmlformats.org/officeDocument/2006/relationships" xmlns:p="http://schemas.openxmlformats.org/presentationml/2006/main">
+  <p:cSld>
+    <p:bg>
+      <p:bgPr>
+        <a:solidFill>
+          <a:schemeClr val="bg2"/>
+        </a:solidFill>
+        <a:effectLst/>
+      </p:bgPr>
+    </p:bg>
+    <p:spTree>
+      <p:nvGrpSpPr>
+        <p:cNvPr id="1" name=""/>
+        <p:cNvGrpSpPr/>
+        <p:nvPr/>
+      </p:nvGrpSpPr>
+      <p:grpSpPr>
+        <a:xfrm>
+          <a:off x="0" y="0"/>
+          <a:ext cx="0" cy="0"/>
+          <a:chOff x="0" y="0"/>
+          <a:chExt cx="0" cy="0"/>
+        </a:xfrm>
+      </p:grpSpPr>
+      <p:sp useBgFill="1">
+        <p:nvSpPr>
+          <p:cNvPr id="8" name="Rectangle 7">
+            <a:extLst>
+              <a:ext uri="{FF2B5EF4-FFF2-40B4-BE49-F238E27FC236}">
+                <a16:creationId xmlns:a16="http://schemas.microsoft.com/office/drawing/2014/main" id="{C5176844-69C3-4F79-BE38-EA5BDDF4FEA4}"/>
+              </a:ext>
+              <a:ext uri="{C183D7F6-B498-43B3-948B-1728B52AA6E4}">
+                <adec:decorative xmlns:adec="http://schemas.microsoft.com/office/drawing/2017/decorative" val="1"/>
+              </a:ext>
+            </a:extLst>
+          </p:cNvPr>
+          <p:cNvSpPr>
+            <a:spLocks noGrp="1" noRot="1" noChangeAspect="1" noMove="1" noResize="1" noEditPoints="1" noAdjustHandles="1" noChangeArrowheads="1" noChangeShapeType="1" noTextEdit="1"/>
+          </p:cNvSpPr>
+          <p:nvPr>
+            <p:extLst>
+              <p:ext uri="{386F3935-93C4-4BCD-93E2-E3B085C9AB24}">
+                <p16:designElem xmlns:p16="http://schemas.microsoft.com/office/powerpoint/2015/main" val="1"/>
+              </p:ext>
+            </p:extLst>
+          </p:nvPr>
+        </p:nvSpPr>
+        <p:spPr>
+          <a:xfrm>
+            <a:off x="0" y="0"/>
+            <a:ext cx="12192000" cy="6858000"/>
+          </a:xfrm>
+          <a:prstGeom prst="rect">
+            <a:avLst/>
+          </a:prstGeom>
+          <a:ln>
+            <a:noFill/>
+          </a:ln>
+        </p:spPr>
+        <p:style>
+          <a:lnRef idx="2">
+            <a:schemeClr val="accent1">
+              <a:shade val="50000"/>
+            </a:schemeClr>
+          </a:lnRef>
+          <a:fillRef idx="1">
+            <a:schemeClr val="accent1"/>
+          </a:fillRef>
+          <a:effectRef idx="0">
+            <a:schemeClr val="accent1"/>
+          </a:effectRef>
+          <a:fontRef idx="minor">
+            <a:schemeClr val="lt1"/>
+          </a:fontRef>
+        </p:style>
+        <p:txBody>
+          <a:bodyPr rtlCol="0" anchor="ctr"/>
+          <a:lstStyle/>
+          <a:p>
+            <a:pPr algn="ctr"/>
+            <a:endParaRPr lang="en-US"/>
+          </a:p>
+        </p:txBody>
+      </p:sp>
+      <p:sp>
+        <p:nvSpPr>
+          <p:cNvPr id="10" name="Rectangle 9">
+            <a:extLst>
+              <a:ext uri="{FF2B5EF4-FFF2-40B4-BE49-F238E27FC236}">
+                <a16:creationId xmlns:a16="http://schemas.microsoft.com/office/drawing/2014/main" id="{1CF1AAE4-D0BC-430F-A613-7BBAAECA0C2D}"/>
+              </a:ext>
+              <a:ext uri="{C183D7F6-B498-43B3-948B-1728B52AA6E4}">
+                <adec:decorative xmlns:adec="http://schemas.microsoft.com/office/drawing/2017/decorative" val="1"/>
+              </a:ext>
+            </a:extLst>
+          </p:cNvPr>
+          <p:cNvSpPr>
+            <a:spLocks noGrp="1" noRot="1" noChangeAspect="1" noMove="1" noResize="1" noEditPoints="1" noAdjustHandles="1" noChangeArrowheads="1" noChangeShapeType="1" noTextEdit="1"/>
+          </p:cNvSpPr>
+          <p:nvPr>
+            <p:extLst>
+              <p:ext uri="{386F3935-93C4-4BCD-93E2-E3B085C9AB24}">
+                <p16:designElem xmlns:p16="http://schemas.microsoft.com/office/powerpoint/2015/main" val="1"/>
+              </p:ext>
+            </p:extLst>
+          </p:nvPr>
+        </p:nvSpPr>
+        <p:spPr>
+          <a:xfrm>
+            <a:off x="0" y="0"/>
+            <a:ext cx="12191999" cy="2285999"/>
+          </a:xfrm>
+          <a:prstGeom prst="rect">
+            <a:avLst/>
+          </a:prstGeom>
+          <a:solidFill>
+            <a:schemeClr val="tx1">
+              <a:lumMod val="85000"/>
+              <a:lumOff val="15000"/>
+            </a:schemeClr>
+          </a:solidFill>
+          <a:ln>
+            <a:noFill/>
+          </a:ln>
+        </p:spPr>
+        <p:style>
+          <a:lnRef idx="2">
+            <a:schemeClr val="accent1">
+              <a:shade val="50000"/>
+            </a:schemeClr>
+          </a:lnRef>
+          <a:fillRef idx="1">
+            <a:schemeClr val="accent1"/>
+          </a:fillRef>
+          <a:effectRef idx="0">
+            <a:schemeClr val="accent1"/>
+          </a:effectRef>
+          <a:fontRef idx="minor">
+            <a:schemeClr val="lt1"/>
+          </a:fontRef>
+        </p:style>
+        <p:txBody>
+          <a:bodyPr rtlCol="0" anchor="ctr"/>
+          <a:lstStyle/>
+          <a:p>
+            <a:pPr algn="ctr"/>
+            <a:endParaRPr lang="en-US"/>
+          </a:p>
+        </p:txBody>
+      </p:sp>
+      <p:sp>
+        <p:nvSpPr>
+          <p:cNvPr id="2" name="Title 1">
+            <a:extLst>
+              <a:ext uri="{FF2B5EF4-FFF2-40B4-BE49-F238E27FC236}">
+                <a16:creationId xmlns:a16="http://schemas.microsoft.com/office/drawing/2014/main" id="{B06C4D6D-8AC2-4BE1-9F90-6CCD1A575129}"/>
+              </a:ext>
+            </a:extLst>
+          </p:cNvPr>
+          <p:cNvSpPr>
+            <a:spLocks noGrp="1"/>
+          </p:cNvSpPr>
+          <p:nvPr>
+            <p:ph type="title"/>
+          </p:nvPr>
+        </p:nvSpPr>
+        <p:spPr>
+          <a:xfrm>
+            <a:off x="758952" y="379475"/>
+            <a:ext cx="10671048" cy="1554480"/>
+          </a:xfrm>
+        </p:spPr>
+        <p:txBody>
+          <a:bodyPr anchor="ctr">
+            <a:normAutofit/>
+          </a:bodyPr>
+          <a:lstStyle/>
+          <a:p>
+            <a:r>
+              <a:rPr lang="en-US">
+                <a:solidFill>
+                  <a:schemeClr val="bg1"/>
+                </a:solidFill>
+              </a:rPr>
+              <a:t>Workflow</a:t>
+            </a:r>
+            <a:endParaRPr lang="en-US" dirty="0">
+              <a:solidFill>
+                <a:schemeClr val="bg1"/>
+              </a:solidFill>
+            </a:endParaRPr>
+          </a:p>
+        </p:txBody>
+      </p:sp>
+      <p:sp>
+        <p:nvSpPr>
+          <p:cNvPr id="12" name="Freeform 6">
+            <a:extLst>
+              <a:ext uri="{FF2B5EF4-FFF2-40B4-BE49-F238E27FC236}">
+                <a16:creationId xmlns:a16="http://schemas.microsoft.com/office/drawing/2014/main" id="{A101E513-AF74-4E9D-A31F-99664250722D}"/>
+              </a:ext>
+              <a:ext uri="{C183D7F6-B498-43B3-948B-1728B52AA6E4}">
+                <adec:decorative xmlns:adec="http://schemas.microsoft.com/office/drawing/2017/decorative" val="1"/>
+              </a:ext>
+            </a:extLst>
+          </p:cNvPr>
+          <p:cNvSpPr>
+            <a:spLocks noGrp="1" noRot="1" noChangeAspect="1" noMove="1" noResize="1" noEditPoints="1" noAdjustHandles="1" noChangeArrowheads="1" noChangeShapeType="1" noTextEdit="1"/>
+          </p:cNvSpPr>
+          <p:nvPr>
+            <p:extLst>
+              <p:ext uri="{386F3935-93C4-4BCD-93E2-E3B085C9AB24}">
+                <p16:designElem xmlns:p16="http://schemas.microsoft.com/office/powerpoint/2015/main" val="1"/>
+              </p:ext>
+            </p:extLst>
+          </p:nvPr>
+        </p:nvSpPr>
+        <p:spPr bwMode="auto">
+          <a:xfrm>
+            <a:off x="11784011" y="5783564"/>
+            <a:ext cx="407988" cy="819150"/>
+          </a:xfrm>
+          <a:custGeom>
+            <a:avLst/>
+            <a:gdLst/>
+            <a:ahLst/>
+            <a:cxnLst/>
+            <a:rect l="0" t="0" r="r" b="b"/>
+            <a:pathLst>
+              <a:path w="1799" h="3612">
+                <a:moveTo>
+                  <a:pt x="1799" y="0"/>
+                </a:moveTo>
+                <a:lnTo>
+                  <a:pt x="1799" y="3612"/>
+                </a:lnTo>
+                <a:lnTo>
+                  <a:pt x="1686" y="3609"/>
+                </a:lnTo>
+                <a:lnTo>
+                  <a:pt x="1574" y="3598"/>
+                </a:lnTo>
+                <a:lnTo>
+                  <a:pt x="1464" y="3581"/>
+                </a:lnTo>
+                <a:lnTo>
+                  <a:pt x="1357" y="3557"/>
+                </a:lnTo>
+                <a:lnTo>
+                  <a:pt x="1251" y="3527"/>
+                </a:lnTo>
+                <a:lnTo>
+                  <a:pt x="1150" y="3490"/>
+                </a:lnTo>
+                <a:lnTo>
+                  <a:pt x="1050" y="3448"/>
+                </a:lnTo>
+                <a:lnTo>
+                  <a:pt x="953" y="3401"/>
+                </a:lnTo>
+                <a:lnTo>
+                  <a:pt x="860" y="3347"/>
+                </a:lnTo>
+                <a:lnTo>
+                  <a:pt x="771" y="3289"/>
+                </a:lnTo>
+                <a:lnTo>
+                  <a:pt x="686" y="3224"/>
+                </a:lnTo>
+                <a:lnTo>
+                  <a:pt x="604" y="3156"/>
+                </a:lnTo>
+                <a:lnTo>
+                  <a:pt x="527" y="3083"/>
+                </a:lnTo>
+                <a:lnTo>
+                  <a:pt x="454" y="3005"/>
+                </a:lnTo>
+                <a:lnTo>
+                  <a:pt x="386" y="2923"/>
+                </a:lnTo>
+                <a:lnTo>
+                  <a:pt x="323" y="2838"/>
+                </a:lnTo>
+                <a:lnTo>
+                  <a:pt x="265" y="2748"/>
+                </a:lnTo>
+                <a:lnTo>
+                  <a:pt x="211" y="2655"/>
+                </a:lnTo>
+                <a:lnTo>
+                  <a:pt x="163" y="2559"/>
+                </a:lnTo>
+                <a:lnTo>
+                  <a:pt x="121" y="2459"/>
+                </a:lnTo>
+                <a:lnTo>
+                  <a:pt x="85" y="2356"/>
+                </a:lnTo>
+                <a:lnTo>
+                  <a:pt x="55" y="2251"/>
+                </a:lnTo>
+                <a:lnTo>
+                  <a:pt x="32" y="2143"/>
+                </a:lnTo>
+                <a:lnTo>
+                  <a:pt x="14" y="2033"/>
+                </a:lnTo>
+                <a:lnTo>
+                  <a:pt x="4" y="1920"/>
+                </a:lnTo>
+                <a:lnTo>
+                  <a:pt x="0" y="1806"/>
+                </a:lnTo>
+                <a:lnTo>
+                  <a:pt x="4" y="1692"/>
+                </a:lnTo>
+                <a:lnTo>
+                  <a:pt x="14" y="1580"/>
+                </a:lnTo>
+                <a:lnTo>
+                  <a:pt x="32" y="1469"/>
+                </a:lnTo>
+                <a:lnTo>
+                  <a:pt x="55" y="1362"/>
+                </a:lnTo>
+                <a:lnTo>
+                  <a:pt x="85" y="1256"/>
+                </a:lnTo>
+                <a:lnTo>
+                  <a:pt x="121" y="1154"/>
+                </a:lnTo>
+                <a:lnTo>
+                  <a:pt x="163" y="1054"/>
+                </a:lnTo>
+                <a:lnTo>
+                  <a:pt x="211" y="958"/>
+                </a:lnTo>
+                <a:lnTo>
+                  <a:pt x="265" y="864"/>
+                </a:lnTo>
+                <a:lnTo>
+                  <a:pt x="323" y="774"/>
+                </a:lnTo>
+                <a:lnTo>
+                  <a:pt x="386" y="689"/>
+                </a:lnTo>
+                <a:lnTo>
+                  <a:pt x="454" y="607"/>
+                </a:lnTo>
+                <a:lnTo>
+                  <a:pt x="527" y="529"/>
+                </a:lnTo>
+                <a:lnTo>
+                  <a:pt x="604" y="456"/>
+                </a:lnTo>
+                <a:lnTo>
+                  <a:pt x="686" y="388"/>
+                </a:lnTo>
+                <a:lnTo>
+                  <a:pt x="771" y="325"/>
+                </a:lnTo>
+                <a:lnTo>
+                  <a:pt x="860" y="266"/>
+                </a:lnTo>
+                <a:lnTo>
+                  <a:pt x="953" y="212"/>
+                </a:lnTo>
+                <a:lnTo>
+                  <a:pt x="1050" y="164"/>
+                </a:lnTo>
+                <a:lnTo>
+                  <a:pt x="1150" y="122"/>
+                </a:lnTo>
+                <a:lnTo>
+                  <a:pt x="1251" y="85"/>
+                </a:lnTo>
+                <a:lnTo>
+                  <a:pt x="1357" y="55"/>
+                </a:lnTo>
+                <a:lnTo>
+                  <a:pt x="1464" y="32"/>
+                </a:lnTo>
+                <a:lnTo>
+                  <a:pt x="1574" y="14"/>
+                </a:lnTo>
+                <a:lnTo>
+                  <a:pt x="1686" y="5"/>
+                </a:lnTo>
+                <a:lnTo>
+                  <a:pt x="1799" y="0"/>
+                </a:lnTo>
+                <a:close/>
+              </a:path>
+            </a:pathLst>
+          </a:custGeom>
+          <a:solidFill>
+            <a:schemeClr val="tx1">
+              <a:lumMod val="85000"/>
+              <a:lumOff val="15000"/>
+            </a:schemeClr>
+          </a:solidFill>
+          <a:ln w="0">
+            <a:noFill/>
+            <a:prstDash val="solid"/>
+            <a:round/>
+            <a:headEnd/>
+            <a:tailEnd/>
+          </a:ln>
+        </p:spPr>
+        <p:txBody>
+          <a:bodyPr anchor="ctr"/>
+          <a:lstStyle/>
+          <a:p>
+            <a:endParaRPr lang="en-US"/>
+          </a:p>
+        </p:txBody>
+      </p:sp>
+      <p:graphicFrame>
+        <p:nvGraphicFramePr>
+          <p:cNvPr id="17" name="Content Placeholder 16">
+            <a:extLst>
+              <a:ext uri="{FF2B5EF4-FFF2-40B4-BE49-F238E27FC236}">
+                <a16:creationId xmlns:a16="http://schemas.microsoft.com/office/drawing/2014/main" id="{E348288C-E36A-486B-A54B-1222A54231DC}"/>
+              </a:ext>
+            </a:extLst>
+          </p:cNvPr>
+          <p:cNvGraphicFramePr>
+            <a:graphicFrameLocks noGrp="1"/>
+          </p:cNvGraphicFramePr>
+          <p:nvPr>
+            <p:ph idx="1"/>
+            <p:extLst>
+              <p:ext uri="{D42A27DB-BD31-4B8C-83A1-F6EECF244321}">
+                <p14:modId xmlns:p14="http://schemas.microsoft.com/office/powerpoint/2010/main" val="2885769957"/>
+              </p:ext>
+            </p:extLst>
+          </p:nvPr>
+        </p:nvGraphicFramePr>
+        <p:xfrm>
+          <a:off x="130033" y="-6074230"/>
+          <a:ext cx="11983670" cy="20410715"/>
+        </p:xfrm>
+        <a:graphic>
+          <a:graphicData uri="http://schemas.openxmlformats.org/drawingml/2006/diagram">
+            <dgm:relIds xmlns:dgm="http://schemas.openxmlformats.org/drawingml/2006/diagram" xmlns:r="http://schemas.openxmlformats.org/officeDocument/2006/relationships" r:dm="rId3" r:lo="rId4" r:qs="rId5" r:cs="rId6"/>
+          </a:graphicData>
+        </a:graphic>
+      </p:graphicFrame>
+    </p:spTree>
+    <p:extLst>
+      <p:ext uri="{BB962C8B-B14F-4D97-AF65-F5344CB8AC3E}">
+        <p14:creationId xmlns:p14="http://schemas.microsoft.com/office/powerpoint/2010/main" val="2480078113"/>
+      </p:ext>
+    </p:extLst>
+  </p:cSld>
+  <p:clrMapOvr>
+    <a:masterClrMapping/>
+  </p:clrMapOvr>
+</p:sld>
+</file>
+
+<file path=ppt/slides/slide8.xml><?xml version="1.0" encoding="utf-8"?>
+<p:sld xmlns:a="http://schemas.openxmlformats.org/drawingml/2006/main" xmlns:r="http://schemas.openxmlformats.org/officeDocument/2006/relationships" xmlns:p="http://schemas.openxmlformats.org/presentationml/2006/main" show="0">
+  <p:cSld>
+    <p:bg>
+      <p:bgPr>
+        <a:solidFill>
+          <a:schemeClr val="bg2"/>
+        </a:solidFill>
+        <a:effectLst/>
+      </p:bgPr>
+    </p:bg>
+    <p:spTree>
+      <p:nvGrpSpPr>
+        <p:cNvPr id="1" name=""/>
+        <p:cNvGrpSpPr/>
+        <p:nvPr/>
+      </p:nvGrpSpPr>
+      <p:grpSpPr>
+        <a:xfrm>
+          <a:off x="0" y="0"/>
+          <a:ext cx="0" cy="0"/>
+          <a:chOff x="0" y="0"/>
+          <a:chExt cx="0" cy="0"/>
+        </a:xfrm>
+      </p:grpSpPr>
+      <p:sp useBgFill="1">
+        <p:nvSpPr>
+          <p:cNvPr id="8" name="Rectangle 7">
+            <a:extLst>
+              <a:ext uri="{FF2B5EF4-FFF2-40B4-BE49-F238E27FC236}">
+                <a16:creationId xmlns:a16="http://schemas.microsoft.com/office/drawing/2014/main" id="{C5176844-69C3-4F79-BE38-EA5BDDF4FEA4}"/>
+              </a:ext>
+              <a:ext uri="{C183D7F6-B498-43B3-948B-1728B52AA6E4}">
+                <adec:decorative xmlns:adec="http://schemas.microsoft.com/office/drawing/2017/decorative" val="1"/>
+              </a:ext>
+            </a:extLst>
+          </p:cNvPr>
+          <p:cNvSpPr>
+            <a:spLocks noGrp="1" noRot="1" noChangeAspect="1" noMove="1" noResize="1" noEditPoints="1" noAdjustHandles="1" noChangeArrowheads="1" noChangeShapeType="1" noTextEdit="1"/>
+          </p:cNvSpPr>
+          <p:nvPr>
+            <p:extLst>
+              <p:ext uri="{386F3935-93C4-4BCD-93E2-E3B085C9AB24}">
+                <p16:designElem xmlns:p16="http://schemas.microsoft.com/office/powerpoint/2015/main" val="1"/>
+              </p:ext>
+            </p:extLst>
+          </p:nvPr>
+        </p:nvSpPr>
+        <p:spPr>
+          <a:xfrm>
+            <a:off x="0" y="0"/>
+            <a:ext cx="12192000" cy="6858000"/>
+          </a:xfrm>
+          <a:prstGeom prst="rect">
+            <a:avLst/>
+          </a:prstGeom>
+          <a:ln>
+            <a:noFill/>
+          </a:ln>
+        </p:spPr>
+        <p:style>
+          <a:lnRef idx="2">
+            <a:schemeClr val="accent1">
+              <a:shade val="50000"/>
+            </a:schemeClr>
+          </a:lnRef>
+          <a:fillRef idx="1">
+            <a:schemeClr val="accent1"/>
+          </a:fillRef>
+          <a:effectRef idx="0">
+            <a:schemeClr val="accent1"/>
+          </a:effectRef>
+          <a:fontRef idx="minor">
+            <a:schemeClr val="lt1"/>
+          </a:fontRef>
+        </p:style>
+        <p:txBody>
+          <a:bodyPr rtlCol="0" anchor="ctr"/>
+          <a:lstStyle/>
+          <a:p>
+            <a:pPr algn="ctr"/>
+            <a:endParaRPr lang="en-US"/>
+          </a:p>
+        </p:txBody>
+      </p:sp>
+      <p:sp>
+        <p:nvSpPr>
+          <p:cNvPr id="10" name="Rectangle 9">
+            <a:extLst>
+              <a:ext uri="{FF2B5EF4-FFF2-40B4-BE49-F238E27FC236}">
+                <a16:creationId xmlns:a16="http://schemas.microsoft.com/office/drawing/2014/main" id="{1CF1AAE4-D0BC-430F-A613-7BBAAECA0C2D}"/>
+              </a:ext>
+              <a:ext uri="{C183D7F6-B498-43B3-948B-1728B52AA6E4}">
+                <adec:decorative xmlns:adec="http://schemas.microsoft.com/office/drawing/2017/decorative" val="1"/>
+              </a:ext>
+            </a:extLst>
+          </p:cNvPr>
+          <p:cNvSpPr>
+            <a:spLocks noGrp="1" noRot="1" noChangeAspect="1" noMove="1" noResize="1" noEditPoints="1" noAdjustHandles="1" noChangeArrowheads="1" noChangeShapeType="1" noTextEdit="1"/>
+          </p:cNvSpPr>
+          <p:nvPr>
+            <p:extLst>
+              <p:ext uri="{386F3935-93C4-4BCD-93E2-E3B085C9AB24}">
+                <p16:designElem xmlns:p16="http://schemas.microsoft.com/office/powerpoint/2015/main" val="1"/>
+              </p:ext>
+            </p:extLst>
+          </p:nvPr>
+        </p:nvSpPr>
+        <p:spPr>
+          <a:xfrm>
+            <a:off x="0" y="0"/>
+            <a:ext cx="12191999" cy="2285999"/>
+          </a:xfrm>
+          <a:prstGeom prst="rect">
+            <a:avLst/>
+          </a:prstGeom>
+          <a:solidFill>
+            <a:schemeClr val="tx1">
+              <a:lumMod val="85000"/>
+              <a:lumOff val="15000"/>
+            </a:schemeClr>
+          </a:solidFill>
+          <a:ln>
+            <a:noFill/>
+          </a:ln>
+        </p:spPr>
+        <p:style>
+          <a:lnRef idx="2">
+            <a:schemeClr val="accent1">
+              <a:shade val="50000"/>
+            </a:schemeClr>
+          </a:lnRef>
+          <a:fillRef idx="1">
+            <a:schemeClr val="accent1"/>
+          </a:fillRef>
+          <a:effectRef idx="0">
+            <a:schemeClr val="accent1"/>
+          </a:effectRef>
+          <a:fontRef idx="minor">
+            <a:schemeClr val="lt1"/>
+          </a:fontRef>
+        </p:style>
+        <p:txBody>
+          <a:bodyPr rtlCol="0" anchor="ctr"/>
+          <a:lstStyle/>
+          <a:p>
+            <a:pPr algn="ctr"/>
+            <a:endParaRPr lang="en-US"/>
+          </a:p>
+        </p:txBody>
+      </p:sp>
+      <p:sp>
+        <p:nvSpPr>
+          <p:cNvPr id="2" name="Title 1">
+            <a:extLst>
+              <a:ext uri="{FF2B5EF4-FFF2-40B4-BE49-F238E27FC236}">
+                <a16:creationId xmlns:a16="http://schemas.microsoft.com/office/drawing/2014/main" id="{B06C4D6D-8AC2-4BE1-9F90-6CCD1A575129}"/>
+              </a:ext>
+            </a:extLst>
+          </p:cNvPr>
+          <p:cNvSpPr>
+            <a:spLocks noGrp="1"/>
+          </p:cNvSpPr>
+          <p:nvPr>
+            <p:ph type="title"/>
+          </p:nvPr>
+        </p:nvSpPr>
+        <p:spPr>
+          <a:xfrm>
+            <a:off x="758952" y="379475"/>
+            <a:ext cx="10671048" cy="1554480"/>
+          </a:xfrm>
+        </p:spPr>
+        <p:txBody>
+          <a:bodyPr anchor="ctr">
+            <a:normAutofit/>
+          </a:bodyPr>
+          <a:lstStyle/>
+          <a:p>
+            <a:r>
+              <a:rPr lang="en-US" dirty="0">
+                <a:solidFill>
+                  <a:schemeClr val="bg1"/>
+                </a:solidFill>
+              </a:rPr>
+              <a:t>Data Cleaning and Python</a:t>
+            </a:r>
+          </a:p>
+        </p:txBody>
+      </p:sp>
+      <p:sp>
+        <p:nvSpPr>
+          <p:cNvPr id="3" name="Content Placeholder 2">
+            <a:extLst>
+              <a:ext uri="{FF2B5EF4-FFF2-40B4-BE49-F238E27FC236}">
+                <a16:creationId xmlns:a16="http://schemas.microsoft.com/office/drawing/2014/main" id="{D2F13DBF-8EE9-4AED-9E32-ECFF8EAD46DA}"/>
+              </a:ext>
+            </a:extLst>
+          </p:cNvPr>
+          <p:cNvSpPr>
+            <a:spLocks noGrp="1"/>
+          </p:cNvSpPr>
+          <p:nvPr>
+            <p:ph idx="1"/>
+          </p:nvPr>
+        </p:nvSpPr>
+        <p:spPr>
+          <a:xfrm>
+            <a:off x="176169" y="2457974"/>
+            <a:ext cx="11677475" cy="4144740"/>
+          </a:xfrm>
+        </p:spPr>
+        <p:txBody>
+          <a:bodyPr>
+            <a:normAutofit/>
+          </a:bodyPr>
+          <a:lstStyle/>
+          <a:p>
+            <a:pPr lvl="2">
+              <a:lnSpc>
+                <a:spcPct val="120000"/>
+              </a:lnSpc>
+            </a:pPr>
+            <a:r>
+              <a:rPr lang="en-US" sz="1800" dirty="0"/>
+              <a:t>Specific libraries were used to read in entire folders of data and concatenate them into single </a:t>
+            </a:r>
+            <a:r>
+              <a:rPr lang="en-US" sz="1800" dirty="0" err="1"/>
+              <a:t>dataframes</a:t>
+            </a:r>
+            <a:r>
+              <a:rPr lang="en-US" sz="1800" dirty="0"/>
+              <a:t>.  This was needed to put all the files together as </a:t>
+            </a:r>
+            <a:r>
+              <a:rPr lang="en-US" sz="1800" b="1" dirty="0"/>
+              <a:t>Power Automate </a:t>
+            </a:r>
+            <a:r>
+              <a:rPr lang="en-US" sz="1800" dirty="0"/>
+              <a:t>sent them in.</a:t>
+            </a:r>
+          </a:p>
+          <a:p>
+            <a:pPr lvl="2">
+              <a:lnSpc>
+                <a:spcPct val="120000"/>
+              </a:lnSpc>
+            </a:pPr>
+            <a:r>
+              <a:rPr lang="en-US" sz="1800" b="1" dirty="0"/>
+              <a:t>Transaction </a:t>
+            </a:r>
+            <a:r>
+              <a:rPr lang="en-US" sz="1800" b="1" dirty="0" err="1"/>
+              <a:t>DataFrame</a:t>
+            </a:r>
+            <a:r>
+              <a:rPr lang="en-US" sz="1800" b="1" dirty="0"/>
+              <a:t>- </a:t>
+            </a:r>
+            <a:r>
+              <a:rPr lang="en-US" sz="1800" dirty="0"/>
+              <a:t>the data was cleaned to a specific point so that it only sent </a:t>
+            </a:r>
+            <a:r>
+              <a:rPr lang="en-US" sz="1800" dirty="0" err="1"/>
+              <a:t>PowerBI</a:t>
+            </a:r>
+            <a:r>
+              <a:rPr lang="en-US" sz="1800" dirty="0"/>
+              <a:t> the necessary information for that specific Dining Hall.  There were many null values that had to be dropped and all the datetime formatting was done before </a:t>
+            </a:r>
+            <a:r>
+              <a:rPr lang="en-US" sz="1800" dirty="0" err="1"/>
+              <a:t>PowerBI</a:t>
+            </a:r>
+            <a:r>
+              <a:rPr lang="en-US" sz="1800" dirty="0"/>
+              <a:t>.</a:t>
+            </a:r>
+          </a:p>
+          <a:p>
+            <a:pPr lvl="2">
+              <a:lnSpc>
+                <a:spcPct val="120000"/>
+              </a:lnSpc>
+            </a:pPr>
+            <a:r>
+              <a:rPr lang="en-US" sz="1800" b="1" dirty="0"/>
+              <a:t>Menu </a:t>
+            </a:r>
+            <a:r>
+              <a:rPr lang="en-US" sz="1800" b="1" dirty="0" err="1"/>
+              <a:t>DataFrame</a:t>
+            </a:r>
+            <a:r>
+              <a:rPr lang="en-US" sz="1800" b="1" dirty="0"/>
+              <a:t>- </a:t>
+            </a:r>
+            <a:r>
+              <a:rPr lang="en-US" sz="1800" dirty="0"/>
+              <a:t>there was a lot of erroneous information that needed to be sorted through.  There were columns that would lead you to believe that at some point they were calculated fields, but they were not.  I had to go back to the source system and decipher what was correct and recreate those calculated fields. </a:t>
+            </a:r>
+          </a:p>
+          <a:p>
+            <a:pPr lvl="2">
+              <a:lnSpc>
+                <a:spcPct val="120000"/>
+              </a:lnSpc>
+            </a:pPr>
+            <a:r>
+              <a:rPr lang="en-US" sz="1800" b="1" dirty="0" err="1"/>
+              <a:t>PowerBI</a:t>
+            </a:r>
+            <a:r>
+              <a:rPr lang="en-US" sz="1800" b="1" dirty="0"/>
+              <a:t>-</a:t>
+            </a:r>
+            <a:r>
+              <a:rPr lang="en-US" sz="1800" dirty="0"/>
+              <a:t> for measures that depended on relationships between the </a:t>
+            </a:r>
+            <a:r>
+              <a:rPr lang="en-US" sz="1800" dirty="0" err="1"/>
+              <a:t>dataframes</a:t>
+            </a:r>
+            <a:r>
+              <a:rPr lang="en-US" sz="1800" dirty="0"/>
+              <a:t> I made created a ‘measures’ table to drive the cards on the actual dashboard as well as a table that calculated the difference between forecasted and actual Meal Plan counts</a:t>
+            </a:r>
+          </a:p>
+          <a:p>
+            <a:endParaRPr lang="en-US" sz="1800" b="1" dirty="0">
+              <a:effectLst/>
+              <a:latin typeface="Calibri" panose="020F0502020204030204" pitchFamily="34" charset="0"/>
+              <a:ea typeface="Calibri" panose="020F0502020204030204" pitchFamily="34" charset="0"/>
+              <a:cs typeface="Times New Roman" panose="02020603050405020304" pitchFamily="18" charset="0"/>
+            </a:endParaRPr>
+          </a:p>
+          <a:p>
+            <a:endParaRPr lang="en-US" dirty="0"/>
+          </a:p>
+        </p:txBody>
+      </p:sp>
+      <p:sp>
+        <p:nvSpPr>
+          <p:cNvPr id="12" name="Freeform 6">
+            <a:extLst>
+              <a:ext uri="{FF2B5EF4-FFF2-40B4-BE49-F238E27FC236}">
+                <a16:creationId xmlns:a16="http://schemas.microsoft.com/office/drawing/2014/main" id="{A101E513-AF74-4E9D-A31F-99664250722D}"/>
+              </a:ext>
+              <a:ext uri="{C183D7F6-B498-43B3-948B-1728B52AA6E4}">
+                <adec:decorative xmlns:adec="http://schemas.microsoft.com/office/drawing/2017/decorative" val="1"/>
+              </a:ext>
+            </a:extLst>
+          </p:cNvPr>
+          <p:cNvSpPr>
+            <a:spLocks noGrp="1" noRot="1" noChangeAspect="1" noMove="1" noResize="1" noEditPoints="1" noAdjustHandles="1" noChangeArrowheads="1" noChangeShapeType="1" noTextEdit="1"/>
+          </p:cNvSpPr>
+          <p:nvPr>
+            <p:extLst>
+              <p:ext uri="{386F3935-93C4-4BCD-93E2-E3B085C9AB24}">
+                <p16:designElem xmlns:p16="http://schemas.microsoft.com/office/powerpoint/2015/main" val="1"/>
+              </p:ext>
+            </p:extLst>
+          </p:nvPr>
+        </p:nvSpPr>
+        <p:spPr bwMode="auto">
+          <a:xfrm>
+            <a:off x="11784011" y="5783564"/>
+            <a:ext cx="407988" cy="819150"/>
+          </a:xfrm>
+          <a:custGeom>
+            <a:avLst/>
+            <a:gdLst/>
+            <a:ahLst/>
+            <a:cxnLst/>
+            <a:rect l="0" t="0" r="r" b="b"/>
+            <a:pathLst>
+              <a:path w="1799" h="3612">
+                <a:moveTo>
+                  <a:pt x="1799" y="0"/>
+                </a:moveTo>
+                <a:lnTo>
+                  <a:pt x="1799" y="3612"/>
+                </a:lnTo>
+                <a:lnTo>
+                  <a:pt x="1686" y="3609"/>
+                </a:lnTo>
+                <a:lnTo>
+                  <a:pt x="1574" y="3598"/>
+                </a:lnTo>
+                <a:lnTo>
+                  <a:pt x="1464" y="3581"/>
+                </a:lnTo>
+                <a:lnTo>
+                  <a:pt x="1357" y="3557"/>
+                </a:lnTo>
+                <a:lnTo>
+                  <a:pt x="1251" y="3527"/>
+                </a:lnTo>
+                <a:lnTo>
+                  <a:pt x="1150" y="3490"/>
+                </a:lnTo>
+                <a:lnTo>
+                  <a:pt x="1050" y="3448"/>
+                </a:lnTo>
+                <a:lnTo>
+                  <a:pt x="953" y="3401"/>
+                </a:lnTo>
+                <a:lnTo>
+                  <a:pt x="860" y="3347"/>
+                </a:lnTo>
+                <a:lnTo>
+                  <a:pt x="771" y="3289"/>
+                </a:lnTo>
+                <a:lnTo>
+                  <a:pt x="686" y="3224"/>
+                </a:lnTo>
+                <a:lnTo>
+                  <a:pt x="604" y="3156"/>
+                </a:lnTo>
+                <a:lnTo>
+                  <a:pt x="527" y="3083"/>
+                </a:lnTo>
+                <a:lnTo>
+                  <a:pt x="454" y="3005"/>
+                </a:lnTo>
+                <a:lnTo>
+                  <a:pt x="386" y="2923"/>
+                </a:lnTo>
+                <a:lnTo>
+                  <a:pt x="323" y="2838"/>
+                </a:lnTo>
+                <a:lnTo>
+                  <a:pt x="265" y="2748"/>
+                </a:lnTo>
+                <a:lnTo>
+                  <a:pt x="211" y="2655"/>
+                </a:lnTo>
+                <a:lnTo>
+                  <a:pt x="163" y="2559"/>
+                </a:lnTo>
+                <a:lnTo>
+                  <a:pt x="121" y="2459"/>
+                </a:lnTo>
+                <a:lnTo>
+                  <a:pt x="85" y="2356"/>
+                </a:lnTo>
+                <a:lnTo>
+                  <a:pt x="55" y="2251"/>
+                </a:lnTo>
+                <a:lnTo>
+                  <a:pt x="32" y="2143"/>
+                </a:lnTo>
+                <a:lnTo>
+                  <a:pt x="14" y="2033"/>
+                </a:lnTo>
+                <a:lnTo>
+                  <a:pt x="4" y="1920"/>
+                </a:lnTo>
+                <a:lnTo>
+                  <a:pt x="0" y="1806"/>
+                </a:lnTo>
+                <a:lnTo>
+                  <a:pt x="4" y="1692"/>
+                </a:lnTo>
+                <a:lnTo>
+                  <a:pt x="14" y="1580"/>
+                </a:lnTo>
+                <a:lnTo>
+                  <a:pt x="32" y="1469"/>
+                </a:lnTo>
+                <a:lnTo>
+                  <a:pt x="55" y="1362"/>
+                </a:lnTo>
+                <a:lnTo>
+                  <a:pt x="85" y="1256"/>
+                </a:lnTo>
+                <a:lnTo>
+                  <a:pt x="121" y="1154"/>
+                </a:lnTo>
+                <a:lnTo>
+                  <a:pt x="163" y="1054"/>
+                </a:lnTo>
+                <a:lnTo>
+                  <a:pt x="211" y="958"/>
+                </a:lnTo>
+                <a:lnTo>
+                  <a:pt x="265" y="864"/>
+                </a:lnTo>
+                <a:lnTo>
+                  <a:pt x="323" y="774"/>
+                </a:lnTo>
+                <a:lnTo>
+                  <a:pt x="386" y="689"/>
+                </a:lnTo>
+                <a:lnTo>
+                  <a:pt x="454" y="607"/>
+                </a:lnTo>
+                <a:lnTo>
+                  <a:pt x="527" y="529"/>
+                </a:lnTo>
+                <a:lnTo>
+                  <a:pt x="604" y="456"/>
+                </a:lnTo>
+                <a:lnTo>
+                  <a:pt x="686" y="388"/>
+                </a:lnTo>
+                <a:lnTo>
+                  <a:pt x="771" y="325"/>
+                </a:lnTo>
+                <a:lnTo>
+                  <a:pt x="860" y="266"/>
+                </a:lnTo>
+                <a:lnTo>
+                  <a:pt x="953" y="212"/>
+                </a:lnTo>
+                <a:lnTo>
+                  <a:pt x="1050" y="164"/>
+                </a:lnTo>
+                <a:lnTo>
+                  <a:pt x="1150" y="122"/>
+                </a:lnTo>
+                <a:lnTo>
+                  <a:pt x="1251" y="85"/>
+                </a:lnTo>
+                <a:lnTo>
+                  <a:pt x="1357" y="55"/>
+                </a:lnTo>
+                <a:lnTo>
+                  <a:pt x="1464" y="32"/>
+                </a:lnTo>
+                <a:lnTo>
+                  <a:pt x="1574" y="14"/>
+                </a:lnTo>
+                <a:lnTo>
+                  <a:pt x="1686" y="5"/>
+                </a:lnTo>
+                <a:lnTo>
+                  <a:pt x="1799" y="0"/>
+                </a:lnTo>
+                <a:close/>
+              </a:path>
+            </a:pathLst>
+          </a:custGeom>
+          <a:solidFill>
+            <a:schemeClr val="tx1">
+              <a:lumMod val="85000"/>
+              <a:lumOff val="15000"/>
+            </a:schemeClr>
+          </a:solidFill>
+          <a:ln w="0">
+            <a:noFill/>
+            <a:prstDash val="solid"/>
+            <a:round/>
+            <a:headEnd/>
+            <a:tailEnd/>
+          </a:ln>
+        </p:spPr>
+        <p:txBody>
+          <a:bodyPr anchor="ctr"/>
+          <a:lstStyle/>
+          <a:p>
+            <a:endParaRPr lang="en-US"/>
+          </a:p>
+        </p:txBody>
+      </p:sp>
+    </p:spTree>
+    <p:extLst>
+      <p:ext uri="{BB962C8B-B14F-4D97-AF65-F5344CB8AC3E}">
         <p14:creationId xmlns:p14="http://schemas.microsoft.com/office/powerpoint/2010/main" val="1853578171"/>
+      </p:ext>
+    </p:extLst>
+  </p:cSld>
+  <p:clrMapOvr>
+    <a:masterClrMapping/>
+  </p:clrMapOvr>
+</p:sld>
+</file>
+
+<file path=ppt/slides/slide9.xml><?xml version="1.0" encoding="utf-8"?>
+<p:sld xmlns:a="http://schemas.openxmlformats.org/drawingml/2006/main" xmlns:r="http://schemas.openxmlformats.org/officeDocument/2006/relationships" xmlns:p="http://schemas.openxmlformats.org/presentationml/2006/main">
+  <p:cSld>
+    <p:spTree>
+      <p:nvGrpSpPr>
+        <p:cNvPr id="1" name=""/>
+        <p:cNvGrpSpPr/>
+        <p:nvPr/>
+      </p:nvGrpSpPr>
+      <p:grpSpPr>
+        <a:xfrm>
+          <a:off x="0" y="0"/>
+          <a:ext cx="0" cy="0"/>
+          <a:chOff x="0" y="0"/>
+          <a:chExt cx="0" cy="0"/>
+        </a:xfrm>
+      </p:grpSpPr>
+      <p:sp>
+        <p:nvSpPr>
+          <p:cNvPr id="6" name="Title 5">
+            <a:extLst>
+              <a:ext uri="{FF2B5EF4-FFF2-40B4-BE49-F238E27FC236}">
+                <a16:creationId xmlns:a16="http://schemas.microsoft.com/office/drawing/2014/main" id="{30D27233-A60D-49C3-95F6-597ECF317F28}"/>
+              </a:ext>
+            </a:extLst>
+          </p:cNvPr>
+          <p:cNvSpPr>
+            <a:spLocks noGrp="1"/>
+          </p:cNvSpPr>
+          <p:nvPr>
+            <p:ph type="title"/>
+          </p:nvPr>
+        </p:nvSpPr>
+        <p:spPr>
+          <a:xfrm>
+            <a:off x="758952" y="758952"/>
+            <a:ext cx="10499074" cy="4754880"/>
+          </a:xfrm>
+        </p:spPr>
+        <p:txBody>
+          <a:bodyPr/>
+          <a:lstStyle/>
+          <a:p>
+            <a:pPr algn="ctr"/>
+            <a:br>
+              <a:rPr lang="en-US" dirty="0"/>
+            </a:br>
+            <a:br>
+              <a:rPr lang="en-US" dirty="0"/>
+            </a:br>
+            <a:br>
+              <a:rPr lang="en-US" dirty="0"/>
+            </a:br>
+            <a:r>
+              <a:rPr lang="en-US" dirty="0"/>
+              <a:t>Dashboard Tour</a:t>
+            </a:r>
+          </a:p>
+        </p:txBody>
+      </p:sp>
+    </p:spTree>
+    <p:extLst>
+      <p:ext uri="{BB962C8B-B14F-4D97-AF65-F5344CB8AC3E}">
+        <p14:creationId xmlns:p14="http://schemas.microsoft.com/office/powerpoint/2010/main" val="2669030247"/>
       </p:ext>
     </p:extLst>
   </p:cSld>
